--- a/diapositivas CSS.pptx
+++ b/diapositivas CSS.pptx
@@ -9,6 +9,12 @@
     <p:sldId id="258" r:id="rId3"/>
     <p:sldId id="257" r:id="rId4"/>
     <p:sldId id="259" r:id="rId5"/>
+    <p:sldId id="260" r:id="rId6"/>
+    <p:sldId id="261" r:id="rId7"/>
+    <p:sldId id="262" r:id="rId8"/>
+    <p:sldId id="263" r:id="rId9"/>
+    <p:sldId id="264" r:id="rId10"/>
+    <p:sldId id="265" r:id="rId11"/>
   </p:sldIdLst>
   <p:sldSz cx="12192000" cy="6858000"/>
   <p:notesSz cx="6858000" cy="9144000"/>
@@ -3993,7 +3999,7 @@
           <a:p>
             <a:fld id="{71C85FF8-2AF0-6A4B-B786-86E31EDFDAD3}" type="datetimeFigureOut">
               <a:rPr lang="es-EC" smtClean="0"/>
-              <a:t>29/07/2019</a:t>
+              <a:t>29/7/2019</a:t>
             </a:fld>
             <a:endParaRPr lang="es-EC"/>
           </a:p>
@@ -5081,7 +5087,7 @@
           <a:p>
             <a:fld id="{71C85FF8-2AF0-6A4B-B786-86E31EDFDAD3}" type="datetimeFigureOut">
               <a:rPr lang="es-EC" smtClean="0"/>
-              <a:t>29/07/2019</a:t>
+              <a:t>29/7/2019</a:t>
             </a:fld>
             <a:endParaRPr lang="es-EC"/>
           </a:p>
@@ -6061,7 +6067,7 @@
           <a:p>
             <a:fld id="{71C85FF8-2AF0-6A4B-B786-86E31EDFDAD3}" type="datetimeFigureOut">
               <a:rPr lang="es-EC" smtClean="0"/>
-              <a:t>29/07/2019</a:t>
+              <a:t>29/7/2019</a:t>
             </a:fld>
             <a:endParaRPr lang="es-EC"/>
           </a:p>
@@ -7195,7 +7201,7 @@
           <a:p>
             <a:fld id="{71C85FF8-2AF0-6A4B-B786-86E31EDFDAD3}" type="datetimeFigureOut">
               <a:rPr lang="es-EC" smtClean="0"/>
-              <a:t>29/07/2019</a:t>
+              <a:t>29/7/2019</a:t>
             </a:fld>
             <a:endParaRPr lang="es-EC"/>
           </a:p>
@@ -8228,7 +8234,7 @@
           <a:p>
             <a:fld id="{71C85FF8-2AF0-6A4B-B786-86E31EDFDAD3}" type="datetimeFigureOut">
               <a:rPr lang="es-EC" smtClean="0"/>
-              <a:t>29/07/2019</a:t>
+              <a:t>29/7/2019</a:t>
             </a:fld>
             <a:endParaRPr lang="es-EC"/>
           </a:p>
@@ -8888,7 +8894,7 @@
           <a:p>
             <a:fld id="{71C85FF8-2AF0-6A4B-B786-86E31EDFDAD3}" type="datetimeFigureOut">
               <a:rPr lang="es-EC" smtClean="0"/>
-              <a:t>29/07/2019</a:t>
+              <a:t>29/7/2019</a:t>
             </a:fld>
             <a:endParaRPr lang="es-EC"/>
           </a:p>
@@ -9749,7 +9755,7 @@
           <a:p>
             <a:fld id="{71C85FF8-2AF0-6A4B-B786-86E31EDFDAD3}" type="datetimeFigureOut">
               <a:rPr lang="es-EC" smtClean="0"/>
-              <a:t>29/07/2019</a:t>
+              <a:t>29/7/2019</a:t>
             </a:fld>
             <a:endParaRPr lang="es-EC"/>
           </a:p>
@@ -9939,7 +9945,7 @@
           <a:p>
             <a:fld id="{71C85FF8-2AF0-6A4B-B786-86E31EDFDAD3}" type="datetimeFigureOut">
               <a:rPr lang="es-EC" smtClean="0"/>
-              <a:t>29/07/2019</a:t>
+              <a:t>29/7/2019</a:t>
             </a:fld>
             <a:endParaRPr lang="es-EC"/>
           </a:p>
@@ -10911,7 +10917,7 @@
           <a:p>
             <a:fld id="{71C85FF8-2AF0-6A4B-B786-86E31EDFDAD3}" type="datetimeFigureOut">
               <a:rPr lang="es-EC" smtClean="0"/>
-              <a:t>29/07/2019</a:t>
+              <a:t>29/7/2019</a:t>
             </a:fld>
             <a:endParaRPr lang="es-EC"/>
           </a:p>
@@ -11122,7 +11128,7 @@
           <a:p>
             <a:fld id="{71C85FF8-2AF0-6A4B-B786-86E31EDFDAD3}" type="datetimeFigureOut">
               <a:rPr lang="es-EC" smtClean="0"/>
-              <a:t>29/07/2019</a:t>
+              <a:t>29/7/2019</a:t>
             </a:fld>
             <a:endParaRPr lang="es-EC"/>
           </a:p>
@@ -12156,7 +12162,7 @@
           <a:p>
             <a:fld id="{71C85FF8-2AF0-6A4B-B786-86E31EDFDAD3}" type="datetimeFigureOut">
               <a:rPr lang="es-EC" smtClean="0"/>
-              <a:t>29/07/2019</a:t>
+              <a:t>29/7/2019</a:t>
             </a:fld>
             <a:endParaRPr lang="es-EC"/>
           </a:p>
@@ -12428,7 +12434,7 @@
           <a:p>
             <a:fld id="{71C85FF8-2AF0-6A4B-B786-86E31EDFDAD3}" type="datetimeFigureOut">
               <a:rPr lang="es-EC" smtClean="0"/>
-              <a:t>29/07/2019</a:t>
+              <a:t>29/7/2019</a:t>
             </a:fld>
             <a:endParaRPr lang="es-EC"/>
           </a:p>
@@ -12838,7 +12844,7 @@
           <a:p>
             <a:fld id="{71C85FF8-2AF0-6A4B-B786-86E31EDFDAD3}" type="datetimeFigureOut">
               <a:rPr lang="es-EC" smtClean="0"/>
-              <a:t>29/07/2019</a:t>
+              <a:t>29/7/2019</a:t>
             </a:fld>
             <a:endParaRPr lang="es-EC"/>
           </a:p>
@@ -12965,7 +12971,7 @@
           <a:p>
             <a:fld id="{71C85FF8-2AF0-6A4B-B786-86E31EDFDAD3}" type="datetimeFigureOut">
               <a:rPr lang="es-EC" smtClean="0"/>
-              <a:t>29/07/2019</a:t>
+              <a:t>29/7/2019</a:t>
             </a:fld>
             <a:endParaRPr lang="es-EC"/>
           </a:p>
@@ -13060,7 +13066,7 @@
           <a:p>
             <a:fld id="{71C85FF8-2AF0-6A4B-B786-86E31EDFDAD3}" type="datetimeFigureOut">
               <a:rPr lang="es-EC" smtClean="0"/>
-              <a:t>29/07/2019</a:t>
+              <a:t>29/7/2019</a:t>
             </a:fld>
             <a:endParaRPr lang="es-EC"/>
           </a:p>
@@ -14141,7 +14147,7 @@
           <a:p>
             <a:fld id="{71C85FF8-2AF0-6A4B-B786-86E31EDFDAD3}" type="datetimeFigureOut">
               <a:rPr lang="es-EC" smtClean="0"/>
-              <a:t>29/07/2019</a:t>
+              <a:t>29/7/2019</a:t>
             </a:fld>
             <a:endParaRPr lang="es-EC"/>
           </a:p>
@@ -15249,7 +15255,7 @@
           <a:p>
             <a:fld id="{71C85FF8-2AF0-6A4B-B786-86E31EDFDAD3}" type="datetimeFigureOut">
               <a:rPr lang="es-EC" smtClean="0"/>
-              <a:t>29/07/2019</a:t>
+              <a:t>29/7/2019</a:t>
             </a:fld>
             <a:endParaRPr lang="es-EC"/>
           </a:p>
@@ -16246,7 +16252,7 @@
           <a:p>
             <a:fld id="{71C85FF8-2AF0-6A4B-B786-86E31EDFDAD3}" type="datetimeFigureOut">
               <a:rPr lang="es-EC" smtClean="0"/>
-              <a:t>29/07/2019</a:t>
+              <a:t>29/7/2019</a:t>
             </a:fld>
             <a:endParaRPr lang="es-EC"/>
           </a:p>
@@ -16821,7 +16827,12 @@
             <p:ph type="ctrTitle"/>
           </p:nvPr>
         </p:nvSpPr>
-        <p:spPr/>
+        <p:spPr>
+          <a:xfrm>
+            <a:off x="1154955" y="769067"/>
+            <a:ext cx="8825658" cy="2677648"/>
+          </a:xfrm>
+        </p:spPr>
         <p:txBody>
           <a:bodyPr/>
           <a:lstStyle/>
@@ -16880,8 +16891,12 @@
           </a:p>
           <a:p>
             <a:r>
+              <a:rPr lang="es-EC"/>
+              <a:t>Cristian </a:t>
+            </a:r>
+            <a:r>
               <a:rPr lang="es-EC" dirty="0"/>
-              <a:t>Christian Guamba</a:t>
+              <a:t>Guamba</a:t>
             </a:r>
           </a:p>
           <a:p>
@@ -16899,6 +16914,379 @@
     <p:extLst>
       <p:ext uri="{BB962C8B-B14F-4D97-AF65-F5344CB8AC3E}">
         <p14:creationId xmlns:p14="http://schemas.microsoft.com/office/powerpoint/2010/main" val="2767270824"/>
+      </p:ext>
+    </p:extLst>
+  </p:cSld>
+  <p:clrMapOvr>
+    <a:masterClrMapping/>
+  </p:clrMapOvr>
+</p:sld>
+</file>
+
+<file path=ppt/slides/slide10.xml><?xml version="1.0" encoding="utf-8"?>
+<p:sld xmlns:a="http://schemas.openxmlformats.org/drawingml/2006/main" xmlns:r="http://schemas.openxmlformats.org/officeDocument/2006/relationships" xmlns:p="http://schemas.openxmlformats.org/presentationml/2006/main">
+  <p:cSld>
+    <p:spTree>
+      <p:nvGrpSpPr>
+        <p:cNvPr id="1" name=""/>
+        <p:cNvGrpSpPr/>
+        <p:nvPr/>
+      </p:nvGrpSpPr>
+      <p:grpSpPr>
+        <a:xfrm>
+          <a:off x="0" y="0"/>
+          <a:ext cx="0" cy="0"/>
+          <a:chOff x="0" y="0"/>
+          <a:chExt cx="0" cy="0"/>
+        </a:xfrm>
+      </p:grpSpPr>
+      <p:sp>
+        <p:nvSpPr>
+          <p:cNvPr id="2" name="Título 1">
+            <a:extLst>
+              <a:ext uri="{FF2B5EF4-FFF2-40B4-BE49-F238E27FC236}">
+                <a16:creationId xmlns:a16="http://schemas.microsoft.com/office/drawing/2014/main" id="{95F49695-9578-4477-9CE0-BE95AD260D23}"/>
+              </a:ext>
+            </a:extLst>
+          </p:cNvPr>
+          <p:cNvSpPr>
+            <a:spLocks noGrp="1"/>
+          </p:cNvSpPr>
+          <p:nvPr>
+            <p:ph type="title"/>
+          </p:nvPr>
+        </p:nvSpPr>
+        <p:spPr/>
+        <p:txBody>
+          <a:bodyPr/>
+          <a:lstStyle/>
+          <a:p>
+            <a:r>
+              <a:rPr lang="es-ES" dirty="0"/>
+              <a:t>Orden de ejecución</a:t>
+            </a:r>
+            <a:endParaRPr lang="es-EC" dirty="0"/>
+          </a:p>
+        </p:txBody>
+      </p:sp>
+      <p:sp>
+        <p:nvSpPr>
+          <p:cNvPr id="3" name="Marcador de contenido 2">
+            <a:extLst>
+              <a:ext uri="{FF2B5EF4-FFF2-40B4-BE49-F238E27FC236}">
+                <a16:creationId xmlns:a16="http://schemas.microsoft.com/office/drawing/2014/main" id="{E3C86FB4-5AFE-47A5-8D1F-6E8794207BC0}"/>
+              </a:ext>
+            </a:extLst>
+          </p:cNvPr>
+          <p:cNvSpPr>
+            <a:spLocks noGrp="1"/>
+          </p:cNvSpPr>
+          <p:nvPr>
+            <p:ph idx="1"/>
+          </p:nvPr>
+        </p:nvSpPr>
+        <p:spPr>
+          <a:xfrm>
+            <a:off x="830580" y="2548767"/>
+            <a:ext cx="10515600" cy="1252853"/>
+          </a:xfrm>
+        </p:spPr>
+        <p:txBody>
+          <a:bodyPr/>
+          <a:lstStyle/>
+          <a:p>
+            <a:r>
+              <a:rPr lang="es-ES_tradnl" sz="2000" dirty="0"/>
+              <a:t>Cuando el navegador encuentra un bloque de JavaScript, generalmente lo corre en orden, de arriba hacia abajo. Esto significa que tienes que tener cuidado en qué orden pones las cosas.</a:t>
+            </a:r>
+            <a:endParaRPr lang="es-EC" sz="2000" dirty="0"/>
+          </a:p>
+          <a:p>
+            <a:endParaRPr lang="es-EC" dirty="0"/>
+          </a:p>
+        </p:txBody>
+      </p:sp>
+      <p:sp>
+        <p:nvSpPr>
+          <p:cNvPr id="4" name="Título 1">
+            <a:extLst>
+              <a:ext uri="{FF2B5EF4-FFF2-40B4-BE49-F238E27FC236}">
+                <a16:creationId xmlns:a16="http://schemas.microsoft.com/office/drawing/2014/main" id="{F57FC3CF-FE4A-41A8-BABE-83A69A54CFE3}"/>
+              </a:ext>
+            </a:extLst>
+          </p:cNvPr>
+          <p:cNvSpPr txBox="1">
+            <a:spLocks/>
+          </p:cNvSpPr>
+          <p:nvPr/>
+        </p:nvSpPr>
+        <p:spPr>
+          <a:xfrm>
+            <a:off x="830580" y="3995882"/>
+            <a:ext cx="10515600" cy="759997"/>
+          </a:xfrm>
+          <a:prstGeom prst="rect">
+            <a:avLst/>
+          </a:prstGeom>
+        </p:spPr>
+        <p:txBody>
+          <a:bodyPr vert="horz" lIns="91440" tIns="45720" rIns="91440" bIns="45720" rtlCol="0" anchor="ctr">
+            <a:normAutofit/>
+          </a:bodyPr>
+          <a:lstStyle>
+            <a:lvl1pPr algn="l" defTabSz="914400" rtl="0" eaLnBrk="1" latinLnBrk="0" hangingPunct="1">
+              <a:lnSpc>
+                <a:spcPct val="90000"/>
+              </a:lnSpc>
+              <a:spcBef>
+                <a:spcPct val="0"/>
+              </a:spcBef>
+              <a:buNone/>
+              <a:defRPr sz="4400" kern="1200">
+                <a:solidFill>
+                  <a:schemeClr val="tx1"/>
+                </a:solidFill>
+                <a:latin typeface="+mj-lt"/>
+                <a:ea typeface="+mj-ea"/>
+                <a:cs typeface="+mj-cs"/>
+              </a:defRPr>
+            </a:lvl1pPr>
+          </a:lstStyle>
+          <a:p>
+            <a:r>
+              <a:rPr lang="es-ES" sz="3600" dirty="0"/>
+              <a:t>El Interpretador entre el código compilado</a:t>
+            </a:r>
+            <a:endParaRPr lang="es-EC" sz="3600" dirty="0"/>
+          </a:p>
+        </p:txBody>
+      </p:sp>
+      <p:sp>
+        <p:nvSpPr>
+          <p:cNvPr id="5" name="Marcador de contenido 2">
+            <a:extLst>
+              <a:ext uri="{FF2B5EF4-FFF2-40B4-BE49-F238E27FC236}">
+                <a16:creationId xmlns:a16="http://schemas.microsoft.com/office/drawing/2014/main" id="{74627494-C1B6-46F4-A974-BBBA592E128D}"/>
+              </a:ext>
+            </a:extLst>
+          </p:cNvPr>
+          <p:cNvSpPr txBox="1">
+            <a:spLocks/>
+          </p:cNvSpPr>
+          <p:nvPr/>
+        </p:nvSpPr>
+        <p:spPr>
+          <a:xfrm>
+            <a:off x="845820" y="4950141"/>
+            <a:ext cx="10515600" cy="1907858"/>
+          </a:xfrm>
+          <a:prstGeom prst="rect">
+            <a:avLst/>
+          </a:prstGeom>
+        </p:spPr>
+        <p:txBody>
+          <a:bodyPr vert="horz" lIns="91440" tIns="45720" rIns="91440" bIns="45720" rtlCol="0">
+            <a:normAutofit/>
+          </a:bodyPr>
+          <a:lstStyle>
+            <a:lvl1pPr marL="228600" indent="-228600" algn="l" defTabSz="914400" rtl="0" eaLnBrk="1" latinLnBrk="0" hangingPunct="1">
+              <a:lnSpc>
+                <a:spcPct val="90000"/>
+              </a:lnSpc>
+              <a:spcBef>
+                <a:spcPts val="1000"/>
+              </a:spcBef>
+              <a:buFont typeface="Arial" panose="020B0604020202020204" pitchFamily="34" charset="0"/>
+              <a:buChar char="•"/>
+              <a:defRPr sz="2800" kern="1200">
+                <a:solidFill>
+                  <a:schemeClr val="tx1"/>
+                </a:solidFill>
+                <a:latin typeface="+mn-lt"/>
+                <a:ea typeface="+mn-ea"/>
+                <a:cs typeface="+mn-cs"/>
+              </a:defRPr>
+            </a:lvl1pPr>
+            <a:lvl2pPr marL="685800" indent="-228600" algn="l" defTabSz="914400" rtl="0" eaLnBrk="1" latinLnBrk="0" hangingPunct="1">
+              <a:lnSpc>
+                <a:spcPct val="90000"/>
+              </a:lnSpc>
+              <a:spcBef>
+                <a:spcPts val="500"/>
+              </a:spcBef>
+              <a:buFont typeface="Arial" panose="020B0604020202020204" pitchFamily="34" charset="0"/>
+              <a:buChar char="•"/>
+              <a:defRPr sz="2400" kern="1200">
+                <a:solidFill>
+                  <a:schemeClr val="tx1"/>
+                </a:solidFill>
+                <a:latin typeface="+mn-lt"/>
+                <a:ea typeface="+mn-ea"/>
+                <a:cs typeface="+mn-cs"/>
+              </a:defRPr>
+            </a:lvl2pPr>
+            <a:lvl3pPr marL="1143000" indent="-228600" algn="l" defTabSz="914400" rtl="0" eaLnBrk="1" latinLnBrk="0" hangingPunct="1">
+              <a:lnSpc>
+                <a:spcPct val="90000"/>
+              </a:lnSpc>
+              <a:spcBef>
+                <a:spcPts val="500"/>
+              </a:spcBef>
+              <a:buFont typeface="Arial" panose="020B0604020202020204" pitchFamily="34" charset="0"/>
+              <a:buChar char="•"/>
+              <a:defRPr sz="2000" kern="1200">
+                <a:solidFill>
+                  <a:schemeClr val="tx1"/>
+                </a:solidFill>
+                <a:latin typeface="+mn-lt"/>
+                <a:ea typeface="+mn-ea"/>
+                <a:cs typeface="+mn-cs"/>
+              </a:defRPr>
+            </a:lvl3pPr>
+            <a:lvl4pPr marL="1600200" indent="-228600" algn="l" defTabSz="914400" rtl="0" eaLnBrk="1" latinLnBrk="0" hangingPunct="1">
+              <a:lnSpc>
+                <a:spcPct val="90000"/>
+              </a:lnSpc>
+              <a:spcBef>
+                <a:spcPts val="500"/>
+              </a:spcBef>
+              <a:buFont typeface="Arial" panose="020B0604020202020204" pitchFamily="34" charset="0"/>
+              <a:buChar char="•"/>
+              <a:defRPr sz="1800" kern="1200">
+                <a:solidFill>
+                  <a:schemeClr val="tx1"/>
+                </a:solidFill>
+                <a:latin typeface="+mn-lt"/>
+                <a:ea typeface="+mn-ea"/>
+                <a:cs typeface="+mn-cs"/>
+              </a:defRPr>
+            </a:lvl4pPr>
+            <a:lvl5pPr marL="2057400" indent="-228600" algn="l" defTabSz="914400" rtl="0" eaLnBrk="1" latinLnBrk="0" hangingPunct="1">
+              <a:lnSpc>
+                <a:spcPct val="90000"/>
+              </a:lnSpc>
+              <a:spcBef>
+                <a:spcPts val="500"/>
+              </a:spcBef>
+              <a:buFont typeface="Arial" panose="020B0604020202020204" pitchFamily="34" charset="0"/>
+              <a:buChar char="•"/>
+              <a:defRPr sz="1800" kern="1200">
+                <a:solidFill>
+                  <a:schemeClr val="tx1"/>
+                </a:solidFill>
+                <a:latin typeface="+mn-lt"/>
+                <a:ea typeface="+mn-ea"/>
+                <a:cs typeface="+mn-cs"/>
+              </a:defRPr>
+            </a:lvl5pPr>
+            <a:lvl6pPr marL="2514600" indent="-228600" algn="l" defTabSz="914400" rtl="0" eaLnBrk="1" latinLnBrk="0" hangingPunct="1">
+              <a:lnSpc>
+                <a:spcPct val="90000"/>
+              </a:lnSpc>
+              <a:spcBef>
+                <a:spcPts val="500"/>
+              </a:spcBef>
+              <a:buFont typeface="Arial" panose="020B0604020202020204" pitchFamily="34" charset="0"/>
+              <a:buChar char="•"/>
+              <a:defRPr sz="1800" kern="1200">
+                <a:solidFill>
+                  <a:schemeClr val="tx1"/>
+                </a:solidFill>
+                <a:latin typeface="+mn-lt"/>
+                <a:ea typeface="+mn-ea"/>
+                <a:cs typeface="+mn-cs"/>
+              </a:defRPr>
+            </a:lvl6pPr>
+            <a:lvl7pPr marL="2971800" indent="-228600" algn="l" defTabSz="914400" rtl="0" eaLnBrk="1" latinLnBrk="0" hangingPunct="1">
+              <a:lnSpc>
+                <a:spcPct val="90000"/>
+              </a:lnSpc>
+              <a:spcBef>
+                <a:spcPts val="500"/>
+              </a:spcBef>
+              <a:buFont typeface="Arial" panose="020B0604020202020204" pitchFamily="34" charset="0"/>
+              <a:buChar char="•"/>
+              <a:defRPr sz="1800" kern="1200">
+                <a:solidFill>
+                  <a:schemeClr val="tx1"/>
+                </a:solidFill>
+                <a:latin typeface="+mn-lt"/>
+                <a:ea typeface="+mn-ea"/>
+                <a:cs typeface="+mn-cs"/>
+              </a:defRPr>
+            </a:lvl7pPr>
+            <a:lvl8pPr marL="3429000" indent="-228600" algn="l" defTabSz="914400" rtl="0" eaLnBrk="1" latinLnBrk="0" hangingPunct="1">
+              <a:lnSpc>
+                <a:spcPct val="90000"/>
+              </a:lnSpc>
+              <a:spcBef>
+                <a:spcPts val="500"/>
+              </a:spcBef>
+              <a:buFont typeface="Arial" panose="020B0604020202020204" pitchFamily="34" charset="0"/>
+              <a:buChar char="•"/>
+              <a:defRPr sz="1800" kern="1200">
+                <a:solidFill>
+                  <a:schemeClr val="tx1"/>
+                </a:solidFill>
+                <a:latin typeface="+mn-lt"/>
+                <a:ea typeface="+mn-ea"/>
+                <a:cs typeface="+mn-cs"/>
+              </a:defRPr>
+            </a:lvl8pPr>
+            <a:lvl9pPr marL="3886200" indent="-228600" algn="l" defTabSz="914400" rtl="0" eaLnBrk="1" latinLnBrk="0" hangingPunct="1">
+              <a:lnSpc>
+                <a:spcPct val="90000"/>
+              </a:lnSpc>
+              <a:spcBef>
+                <a:spcPts val="500"/>
+              </a:spcBef>
+              <a:buFont typeface="Arial" panose="020B0604020202020204" pitchFamily="34" charset="0"/>
+              <a:buChar char="•"/>
+              <a:defRPr sz="1800" kern="1200">
+                <a:solidFill>
+                  <a:schemeClr val="tx1"/>
+                </a:solidFill>
+                <a:latin typeface="+mn-lt"/>
+                <a:ea typeface="+mn-ea"/>
+                <a:cs typeface="+mn-cs"/>
+              </a:defRPr>
+            </a:lvl9pPr>
+          </a:lstStyle>
+          <a:p>
+            <a:pPr marL="342900" indent="-342900" defTabSz="457200">
+              <a:buClr>
+                <a:schemeClr val="accent1"/>
+              </a:buClr>
+              <a:buSzPct val="80000"/>
+              <a:buFont typeface="Wingdings 3" charset="2"/>
+              <a:buChar char=""/>
+            </a:pPr>
+            <a:r>
+              <a:rPr lang="es-ES_tradnl" sz="2000" dirty="0">
+                <a:solidFill>
+                  <a:schemeClr val="tx1">
+                    <a:lumMod val="75000"/>
+                    <a:lumOff val="25000"/>
+                  </a:schemeClr>
+                </a:solidFill>
+              </a:rPr>
+              <a:t>Quizás debiste escuchar sobre los términos interpretador y el compilador en contexto de programación, JavaScript es un lenguaje de interpretación – el código se hace funcionar de arriba hacia abajo y el resultado de leerlo de esta manera hace que inmediatamente responda. No tienes que transformar tu código en algo diferente antes de que el navegador lo haga por ti.</a:t>
+            </a:r>
+            <a:endParaRPr lang="es-EC" sz="2000" dirty="0">
+              <a:solidFill>
+                <a:schemeClr val="tx1">
+                  <a:lumMod val="75000"/>
+                  <a:lumOff val="25000"/>
+                </a:schemeClr>
+              </a:solidFill>
+            </a:endParaRPr>
+          </a:p>
+        </p:txBody>
+      </p:sp>
+    </p:spTree>
+    <p:extLst>
+      <p:ext uri="{BB962C8B-B14F-4D97-AF65-F5344CB8AC3E}">
+        <p14:creationId xmlns:p14="http://schemas.microsoft.com/office/powerpoint/2010/main" val="58460103"/>
       </p:ext>
     </p:extLst>
   </p:cSld>
@@ -18024,6 +18412,492 @@
     <p:extLst>
       <p:ext uri="{BB962C8B-B14F-4D97-AF65-F5344CB8AC3E}">
         <p14:creationId xmlns:p14="http://schemas.microsoft.com/office/powerpoint/2010/main" val="3216552065"/>
+      </p:ext>
+    </p:extLst>
+  </p:cSld>
+  <p:clrMapOvr>
+    <a:masterClrMapping/>
+  </p:clrMapOvr>
+</p:sld>
+</file>
+
+<file path=ppt/slides/slide5.xml><?xml version="1.0" encoding="utf-8"?>
+<p:sld xmlns:a="http://schemas.openxmlformats.org/drawingml/2006/main" xmlns:r="http://schemas.openxmlformats.org/officeDocument/2006/relationships" xmlns:p="http://schemas.openxmlformats.org/presentationml/2006/main">
+  <p:cSld>
+    <p:spTree>
+      <p:nvGrpSpPr>
+        <p:cNvPr id="1" name=""/>
+        <p:cNvGrpSpPr/>
+        <p:nvPr/>
+      </p:nvGrpSpPr>
+      <p:grpSpPr>
+        <a:xfrm>
+          <a:off x="0" y="0"/>
+          <a:ext cx="0" cy="0"/>
+          <a:chOff x="0" y="0"/>
+          <a:chExt cx="0" cy="0"/>
+        </a:xfrm>
+      </p:grpSpPr>
+      <p:sp>
+        <p:nvSpPr>
+          <p:cNvPr id="2" name="Título 1">
+            <a:extLst>
+              <a:ext uri="{FF2B5EF4-FFF2-40B4-BE49-F238E27FC236}">
+                <a16:creationId xmlns:a16="http://schemas.microsoft.com/office/drawing/2014/main" id="{628A7DE5-A1BF-4947-BBF5-2EFBB01E29F2}"/>
+              </a:ext>
+            </a:extLst>
+          </p:cNvPr>
+          <p:cNvSpPr>
+            <a:spLocks noGrp="1"/>
+          </p:cNvSpPr>
+          <p:nvPr>
+            <p:ph type="ctrTitle"/>
+          </p:nvPr>
+        </p:nvSpPr>
+        <p:spPr/>
+        <p:txBody>
+          <a:bodyPr/>
+          <a:lstStyle/>
+          <a:p>
+            <a:r>
+              <a:rPr lang="es-ES" dirty="0"/>
+              <a:t>JAVASCRIPT</a:t>
+            </a:r>
+            <a:endParaRPr lang="es-EC" dirty="0"/>
+          </a:p>
+        </p:txBody>
+      </p:sp>
+      <p:sp>
+        <p:nvSpPr>
+          <p:cNvPr id="3" name="Subtítulo 2">
+            <a:extLst>
+              <a:ext uri="{FF2B5EF4-FFF2-40B4-BE49-F238E27FC236}">
+                <a16:creationId xmlns:a16="http://schemas.microsoft.com/office/drawing/2014/main" id="{20349A7E-4E16-43AD-AE9E-D67211348513}"/>
+              </a:ext>
+            </a:extLst>
+          </p:cNvPr>
+          <p:cNvSpPr>
+            <a:spLocks noGrp="1"/>
+          </p:cNvSpPr>
+          <p:nvPr>
+            <p:ph type="subTitle" idx="1"/>
+          </p:nvPr>
+        </p:nvSpPr>
+        <p:spPr/>
+        <p:txBody>
+          <a:bodyPr/>
+          <a:lstStyle/>
+          <a:p>
+            <a:endParaRPr lang="es-EC"/>
+          </a:p>
+        </p:txBody>
+      </p:sp>
+    </p:spTree>
+    <p:extLst>
+      <p:ext uri="{BB962C8B-B14F-4D97-AF65-F5344CB8AC3E}">
+        <p14:creationId xmlns:p14="http://schemas.microsoft.com/office/powerpoint/2010/main" val="2307621685"/>
+      </p:ext>
+    </p:extLst>
+  </p:cSld>
+  <p:clrMapOvr>
+    <a:masterClrMapping/>
+  </p:clrMapOvr>
+</p:sld>
+</file>
+
+<file path=ppt/slides/slide6.xml><?xml version="1.0" encoding="utf-8"?>
+<p:sld xmlns:a="http://schemas.openxmlformats.org/drawingml/2006/main" xmlns:r="http://schemas.openxmlformats.org/officeDocument/2006/relationships" xmlns:p="http://schemas.openxmlformats.org/presentationml/2006/main">
+  <p:cSld>
+    <p:spTree>
+      <p:nvGrpSpPr>
+        <p:cNvPr id="1" name=""/>
+        <p:cNvGrpSpPr/>
+        <p:nvPr/>
+      </p:nvGrpSpPr>
+      <p:grpSpPr>
+        <a:xfrm>
+          <a:off x="0" y="0"/>
+          <a:ext cx="0" cy="0"/>
+          <a:chOff x="0" y="0"/>
+          <a:chExt cx="0" cy="0"/>
+        </a:xfrm>
+      </p:grpSpPr>
+      <p:sp>
+        <p:nvSpPr>
+          <p:cNvPr id="2" name="Título 1">
+            <a:extLst>
+              <a:ext uri="{FF2B5EF4-FFF2-40B4-BE49-F238E27FC236}">
+                <a16:creationId xmlns:a16="http://schemas.microsoft.com/office/drawing/2014/main" id="{5506DDE3-C986-478F-ABC1-DD0D7F5C887E}"/>
+              </a:ext>
+            </a:extLst>
+          </p:cNvPr>
+          <p:cNvSpPr>
+            <a:spLocks noGrp="1"/>
+          </p:cNvSpPr>
+          <p:nvPr>
+            <p:ph type="title"/>
+          </p:nvPr>
+        </p:nvSpPr>
+        <p:spPr/>
+        <p:txBody>
+          <a:bodyPr/>
+          <a:lstStyle/>
+          <a:p>
+            <a:r>
+              <a:rPr lang="es-ES" dirty="0"/>
+              <a:t>¿Qué es JavaScript?</a:t>
+            </a:r>
+            <a:endParaRPr lang="es-EC" dirty="0"/>
+          </a:p>
+        </p:txBody>
+      </p:sp>
+      <p:sp>
+        <p:nvSpPr>
+          <p:cNvPr id="3" name="Marcador de contenido 2">
+            <a:extLst>
+              <a:ext uri="{FF2B5EF4-FFF2-40B4-BE49-F238E27FC236}">
+                <a16:creationId xmlns:a16="http://schemas.microsoft.com/office/drawing/2014/main" id="{08761DA5-8E2E-4FFC-B9DD-37A2953E2932}"/>
+              </a:ext>
+            </a:extLst>
+          </p:cNvPr>
+          <p:cNvSpPr>
+            <a:spLocks noGrp="1"/>
+          </p:cNvSpPr>
+          <p:nvPr>
+            <p:ph idx="1"/>
+          </p:nvPr>
+        </p:nvSpPr>
+        <p:spPr/>
+        <p:txBody>
+          <a:bodyPr>
+            <a:normAutofit fontScale="92500" lnSpcReduction="10000"/>
+          </a:bodyPr>
+          <a:lstStyle/>
+          <a:p>
+            <a:r>
+              <a:rPr lang="es-ES_tradnl" sz="2400" dirty="0"/>
+              <a:t>JavaScript es un lenguaje de programación que te permite realizar actividades complejas en una página web, cada vez más una página web hace más cosas que sólo mostrar información estática, como mostrar actualizaciones de contenido en el momento, interactuar con mapas, animaciones gráficas 2D/3D etc. puedes estar seguro de que JavaScript está involucrado. Es la tercera capa del conjunto de los estándares en las tecnologías para la web, dos de las cuales son (HTML y CSS), de los cuales ya hablamos anteriormente.</a:t>
+            </a:r>
+            <a:endParaRPr lang="es-EC" sz="2400" dirty="0"/>
+          </a:p>
+          <a:p>
+            <a:pPr marL="0" indent="0">
+              <a:buNone/>
+            </a:pPr>
+            <a:endParaRPr lang="es-EC" dirty="0"/>
+          </a:p>
+        </p:txBody>
+      </p:sp>
+    </p:spTree>
+    <p:extLst>
+      <p:ext uri="{BB962C8B-B14F-4D97-AF65-F5344CB8AC3E}">
+        <p14:creationId xmlns:p14="http://schemas.microsoft.com/office/powerpoint/2010/main" val="2791146760"/>
+      </p:ext>
+    </p:extLst>
+  </p:cSld>
+  <p:clrMapOvr>
+    <a:masterClrMapping/>
+  </p:clrMapOvr>
+</p:sld>
+</file>
+
+<file path=ppt/slides/slide7.xml><?xml version="1.0" encoding="utf-8"?>
+<p:sld xmlns:a="http://schemas.openxmlformats.org/drawingml/2006/main" xmlns:r="http://schemas.openxmlformats.org/officeDocument/2006/relationships" xmlns:p="http://schemas.openxmlformats.org/presentationml/2006/main">
+  <p:cSld>
+    <p:spTree>
+      <p:nvGrpSpPr>
+        <p:cNvPr id="1" name=""/>
+        <p:cNvGrpSpPr/>
+        <p:nvPr/>
+      </p:nvGrpSpPr>
+      <p:grpSpPr>
+        <a:xfrm>
+          <a:off x="0" y="0"/>
+          <a:ext cx="0" cy="0"/>
+          <a:chOff x="0" y="0"/>
+          <a:chExt cx="0" cy="0"/>
+        </a:xfrm>
+      </p:grpSpPr>
+      <p:sp>
+        <p:nvSpPr>
+          <p:cNvPr id="2" name="Título 1">
+            <a:extLst>
+              <a:ext uri="{FF2B5EF4-FFF2-40B4-BE49-F238E27FC236}">
+                <a16:creationId xmlns:a16="http://schemas.microsoft.com/office/drawing/2014/main" id="{E62FE9F8-ABDC-4DB3-BAC7-1ADF46330842}"/>
+              </a:ext>
+            </a:extLst>
+          </p:cNvPr>
+          <p:cNvSpPr>
+            <a:spLocks noGrp="1"/>
+          </p:cNvSpPr>
+          <p:nvPr>
+            <p:ph type="title"/>
+          </p:nvPr>
+        </p:nvSpPr>
+        <p:spPr/>
+        <p:txBody>
+          <a:bodyPr/>
+          <a:lstStyle/>
+          <a:p>
+            <a:endParaRPr lang="es-EC"/>
+          </a:p>
+        </p:txBody>
+      </p:sp>
+      <p:sp>
+        <p:nvSpPr>
+          <p:cNvPr id="3" name="Marcador de contenido 2">
+            <a:extLst>
+              <a:ext uri="{FF2B5EF4-FFF2-40B4-BE49-F238E27FC236}">
+                <a16:creationId xmlns:a16="http://schemas.microsoft.com/office/drawing/2014/main" id="{C6035F72-2004-4C3E-9B38-0C450BC612D0}"/>
+              </a:ext>
+            </a:extLst>
+          </p:cNvPr>
+          <p:cNvSpPr>
+            <a:spLocks noGrp="1"/>
+          </p:cNvSpPr>
+          <p:nvPr>
+            <p:ph idx="1"/>
+          </p:nvPr>
+        </p:nvSpPr>
+        <p:spPr/>
+        <p:txBody>
+          <a:bodyPr>
+            <a:normAutofit fontScale="92500"/>
+          </a:bodyPr>
+          <a:lstStyle/>
+          <a:p>
+            <a:r>
+              <a:rPr lang="es-ES_tradnl" sz="2400" dirty="0"/>
+              <a:t>Es un lenguaje de programación que te permite crear contenido nuevo y dinámico, controlar archivos de multimedia, crear imágenes animadas y muchas otras cosas más. En definitiva, realizar la programación necesaria en el sitio web.  </a:t>
+            </a:r>
+          </a:p>
+          <a:p>
+            <a:r>
+              <a:rPr lang="es-ES_tradnl" sz="2400" dirty="0"/>
+              <a:t>Hay algo incluso más emocionante, sin embargo, es la funcionalidad construida por encima del núcleo del lenguaje de JavaScript. Llamada Interfaz de programación en aplicaciones - </a:t>
+            </a:r>
+            <a:r>
+              <a:rPr lang="es-ES_tradnl" sz="2400" dirty="0" err="1"/>
+              <a:t>Application</a:t>
+            </a:r>
+            <a:r>
+              <a:rPr lang="es-ES_tradnl" sz="2400" dirty="0"/>
+              <a:t> </a:t>
+            </a:r>
+            <a:r>
+              <a:rPr lang="es-ES_tradnl" sz="2400" dirty="0" err="1"/>
+              <a:t>Programming</a:t>
+            </a:r>
+            <a:r>
+              <a:rPr lang="es-ES_tradnl" sz="2400" dirty="0"/>
+              <a:t> Interfaces (</a:t>
+            </a:r>
+            <a:r>
+              <a:rPr lang="es-ES_tradnl" sz="2400" dirty="0" err="1"/>
+              <a:t>API's</a:t>
+            </a:r>
+            <a:r>
+              <a:rPr lang="es-ES_tradnl" sz="2400" dirty="0"/>
+              <a:t> )</a:t>
+            </a:r>
+            <a:endParaRPr lang="es-EC" sz="2400" dirty="0"/>
+          </a:p>
+          <a:p>
+            <a:endParaRPr lang="es-EC" dirty="0"/>
+          </a:p>
+        </p:txBody>
+      </p:sp>
+    </p:spTree>
+    <p:extLst>
+      <p:ext uri="{BB962C8B-B14F-4D97-AF65-F5344CB8AC3E}">
+        <p14:creationId xmlns:p14="http://schemas.microsoft.com/office/powerpoint/2010/main" val="2412616079"/>
+      </p:ext>
+    </p:extLst>
+  </p:cSld>
+  <p:clrMapOvr>
+    <a:masterClrMapping/>
+  </p:clrMapOvr>
+</p:sld>
+</file>
+
+<file path=ppt/slides/slide8.xml><?xml version="1.0" encoding="utf-8"?>
+<p:sld xmlns:a="http://schemas.openxmlformats.org/drawingml/2006/main" xmlns:r="http://schemas.openxmlformats.org/officeDocument/2006/relationships" xmlns:p="http://schemas.openxmlformats.org/presentationml/2006/main">
+  <p:cSld>
+    <p:spTree>
+      <p:nvGrpSpPr>
+        <p:cNvPr id="1" name=""/>
+        <p:cNvGrpSpPr/>
+        <p:nvPr/>
+      </p:nvGrpSpPr>
+      <p:grpSpPr>
+        <a:xfrm>
+          <a:off x="0" y="0"/>
+          <a:ext cx="0" cy="0"/>
+          <a:chOff x="0" y="0"/>
+          <a:chExt cx="0" cy="0"/>
+        </a:xfrm>
+      </p:grpSpPr>
+      <p:sp>
+        <p:nvSpPr>
+          <p:cNvPr id="2" name="Título 1">
+            <a:extLst>
+              <a:ext uri="{FF2B5EF4-FFF2-40B4-BE49-F238E27FC236}">
+                <a16:creationId xmlns:a16="http://schemas.microsoft.com/office/drawing/2014/main" id="{644AA276-F321-48A7-B528-8BB88409E723}"/>
+              </a:ext>
+            </a:extLst>
+          </p:cNvPr>
+          <p:cNvSpPr>
+            <a:spLocks noGrp="1"/>
+          </p:cNvSpPr>
+          <p:nvPr>
+            <p:ph type="title"/>
+          </p:nvPr>
+        </p:nvSpPr>
+        <p:spPr/>
+        <p:txBody>
+          <a:bodyPr/>
+          <a:lstStyle/>
+          <a:p>
+            <a:endParaRPr lang="es-EC"/>
+          </a:p>
+        </p:txBody>
+      </p:sp>
+      <p:sp>
+        <p:nvSpPr>
+          <p:cNvPr id="3" name="Marcador de contenido 2">
+            <a:extLst>
+              <a:ext uri="{FF2B5EF4-FFF2-40B4-BE49-F238E27FC236}">
+                <a16:creationId xmlns:a16="http://schemas.microsoft.com/office/drawing/2014/main" id="{EE0FA15B-FE26-438A-9549-B9B3B3207806}"/>
+              </a:ext>
+            </a:extLst>
+          </p:cNvPr>
+          <p:cNvSpPr>
+            <a:spLocks noGrp="1"/>
+          </p:cNvSpPr>
+          <p:nvPr>
+            <p:ph idx="1"/>
+          </p:nvPr>
+        </p:nvSpPr>
+        <p:spPr/>
+        <p:txBody>
+          <a:bodyPr>
+            <a:normAutofit lnSpcReduction="10000"/>
+          </a:bodyPr>
+          <a:lstStyle/>
+          <a:p>
+            <a:r>
+              <a:rPr lang="es-ES_tradnl" sz="2000" dirty="0"/>
+              <a:t>Los APIS son inserciones de líneas, incluso bloques gigantes de código listos para usar que permiten a un desarrollador implementarlo a programas que de cualquier otra forma podría ser difícil o incluso imposible de terminar. Así como las herramientas para construir una casa, es lo mismo para las cosas de programación – Es mucho más fácil tomar los paneles que ya estén cortados y atornillarlos para hacer un estante de libros, ya que es más trabajoso diseñarlo por ti mismo, ir y encontrar la madera correcta, cortarla del tamaño correcto y lijarla, buscar los tornillos del tamaño correcto y ensamblarla para hacer un estante de libros.</a:t>
+            </a:r>
+            <a:endParaRPr lang="es-EC" sz="2000" dirty="0"/>
+          </a:p>
+          <a:p>
+            <a:endParaRPr lang="es-EC" dirty="0"/>
+          </a:p>
+        </p:txBody>
+      </p:sp>
+    </p:spTree>
+    <p:extLst>
+      <p:ext uri="{BB962C8B-B14F-4D97-AF65-F5344CB8AC3E}">
+        <p14:creationId xmlns:p14="http://schemas.microsoft.com/office/powerpoint/2010/main" val="3501334443"/>
+      </p:ext>
+    </p:extLst>
+  </p:cSld>
+  <p:clrMapOvr>
+    <a:masterClrMapping/>
+  </p:clrMapOvr>
+</p:sld>
+</file>
+
+<file path=ppt/slides/slide9.xml><?xml version="1.0" encoding="utf-8"?>
+<p:sld xmlns:a="http://schemas.openxmlformats.org/drawingml/2006/main" xmlns:r="http://schemas.openxmlformats.org/officeDocument/2006/relationships" xmlns:p="http://schemas.openxmlformats.org/presentationml/2006/main">
+  <p:cSld>
+    <p:spTree>
+      <p:nvGrpSpPr>
+        <p:cNvPr id="1" name=""/>
+        <p:cNvGrpSpPr/>
+        <p:nvPr/>
+      </p:nvGrpSpPr>
+      <p:grpSpPr>
+        <a:xfrm>
+          <a:off x="0" y="0"/>
+          <a:ext cx="0" cy="0"/>
+          <a:chOff x="0" y="0"/>
+          <a:chExt cx="0" cy="0"/>
+        </a:xfrm>
+      </p:grpSpPr>
+      <p:sp>
+        <p:nvSpPr>
+          <p:cNvPr id="2" name="Título 1">
+            <a:extLst>
+              <a:ext uri="{FF2B5EF4-FFF2-40B4-BE49-F238E27FC236}">
+                <a16:creationId xmlns:a16="http://schemas.microsoft.com/office/drawing/2014/main" id="{1AAFEAC0-FF8C-4984-8797-87AFD540DDC7}"/>
+              </a:ext>
+            </a:extLst>
+          </p:cNvPr>
+          <p:cNvSpPr>
+            <a:spLocks noGrp="1"/>
+          </p:cNvSpPr>
+          <p:nvPr>
+            <p:ph type="title"/>
+          </p:nvPr>
+        </p:nvSpPr>
+        <p:spPr/>
+        <p:txBody>
+          <a:bodyPr/>
+          <a:lstStyle/>
+          <a:p>
+            <a:r>
+              <a:rPr lang="es-ES" dirty="0"/>
+              <a:t>¿Qué hace JavaScript en tu página web? </a:t>
+            </a:r>
+            <a:endParaRPr lang="es-EC" dirty="0"/>
+          </a:p>
+        </p:txBody>
+      </p:sp>
+      <p:sp>
+        <p:nvSpPr>
+          <p:cNvPr id="3" name="Marcador de contenido 2">
+            <a:extLst>
+              <a:ext uri="{FF2B5EF4-FFF2-40B4-BE49-F238E27FC236}">
+                <a16:creationId xmlns:a16="http://schemas.microsoft.com/office/drawing/2014/main" id="{E8B647AB-BF93-441A-9BB9-C64223EF26FE}"/>
+              </a:ext>
+            </a:extLst>
+          </p:cNvPr>
+          <p:cNvSpPr>
+            <a:spLocks noGrp="1"/>
+          </p:cNvSpPr>
+          <p:nvPr>
+            <p:ph idx="1"/>
+          </p:nvPr>
+        </p:nvSpPr>
+        <p:spPr/>
+        <p:txBody>
+          <a:bodyPr/>
+          <a:lstStyle/>
+          <a:p>
+            <a:r>
+              <a:rPr lang="es-ES_tradnl" sz="2000" dirty="0"/>
+              <a:t>Cuando cargas una página Web en tu navegador, tu código (HTML, CSS y JavaScript) es leído dentro de un ambiente de ejecución (pestaña del navegador). Esto es como una fábrica que coge la materia prima (Las líneas de código) y lo presenta como el producto final (la página Web).</a:t>
+            </a:r>
+            <a:endParaRPr lang="es-EC" sz="2000" dirty="0"/>
+          </a:p>
+          <a:p>
+            <a:r>
+              <a:rPr lang="es-ES_tradnl" sz="2000" dirty="0"/>
+              <a:t>El lenguaje JavaScript es ejecutado por el motor del navegador de JavaScript, luego que el código HTML y CSS han sido juntados y congregados dentro de la página Web. Esto asegura que el estilo y la estructura de la página están en su lugar en el momento en que JavaScript comienza a ejecutarse.</a:t>
+            </a:r>
+            <a:endParaRPr lang="es-EC" sz="2000" dirty="0"/>
+          </a:p>
+          <a:p>
+            <a:endParaRPr lang="es-EC" dirty="0"/>
+          </a:p>
+        </p:txBody>
+      </p:sp>
+    </p:spTree>
+    <p:extLst>
+      <p:ext uri="{BB962C8B-B14F-4D97-AF65-F5344CB8AC3E}">
+        <p14:creationId xmlns:p14="http://schemas.microsoft.com/office/powerpoint/2010/main" val="1926558029"/>
       </p:ext>
     </p:extLst>
   </p:cSld>

--- a/diapositivas CSS.pptx
+++ b/diapositivas CSS.pptx
@@ -2,7 +2,7 @@
 <file path=ppt/presentation.xml><?xml version="1.0" encoding="utf-8"?>
 <p:presentation xmlns:a="http://schemas.openxmlformats.org/drawingml/2006/main" xmlns:r="http://schemas.openxmlformats.org/officeDocument/2006/relationships" xmlns:p="http://schemas.openxmlformats.org/presentationml/2006/main" saveSubsetFonts="1" autoCompressPictures="0">
   <p:sldMasterIdLst>
-    <p:sldMasterId id="2147483660" r:id="rId1"/>
+    <p:sldMasterId id="2147483714" r:id="rId1"/>
   </p:sldMasterIdLst>
   <p:sldIdLst>
     <p:sldId id="256" r:id="rId2"/>
@@ -11,10 +11,6 @@
     <p:sldId id="259" r:id="rId5"/>
     <p:sldId id="260" r:id="rId6"/>
     <p:sldId id="261" r:id="rId7"/>
-    <p:sldId id="262" r:id="rId8"/>
-    <p:sldId id="263" r:id="rId9"/>
-    <p:sldId id="264" r:id="rId10"/>
-    <p:sldId id="265" r:id="rId11"/>
   </p:sldIdLst>
   <p:sldSz cx="12192000" cy="6858000"/>
   <p:notesSz cx="6858000" cy="9144000"/>
@@ -1064,10 +1060,10 @@
         <a:lstStyle/>
         <a:p>
           <a:r>
-            <a:rPr lang="es-ES_tradnl"/>
-            <a:t>No se tienen en cuenta los espacios en blanco y las nuevas líneas:</a:t>
+            <a:rPr lang="es-ES_tradnl" dirty="0"/>
+            <a:t>No se tienen en cuenta los espacios en blanco y las nuevas líneas</a:t>
           </a:r>
-          <a:endParaRPr lang="en-US"/>
+          <a:endParaRPr lang="en-US" dirty="0"/>
         </a:p>
       </dgm:t>
     </dgm:pt>
@@ -1101,10 +1097,10 @@
         <a:lstStyle/>
         <a:p>
           <a:r>
-            <a:rPr lang="es-ES_tradnl"/>
-            <a:t>Se distinguen las mayúsculas y minúsculas:</a:t>
+            <a:rPr lang="es-ES_tradnl" dirty="0"/>
+            <a:t>Se distinguen las mayúsculas y minúsculas</a:t>
           </a:r>
-          <a:endParaRPr lang="en-US"/>
+          <a:endParaRPr lang="en-US" dirty="0"/>
         </a:p>
       </dgm:t>
     </dgm:pt>
@@ -1138,10 +1134,10 @@
         <a:lstStyle/>
         <a:p>
           <a:r>
-            <a:rPr lang="es-ES_tradnl"/>
-            <a:t>No se define el tipo de las variables:</a:t>
+            <a:rPr lang="es-ES_tradnl" dirty="0"/>
+            <a:t>No se define el tipo de las variables</a:t>
           </a:r>
-          <a:endParaRPr lang="en-US"/>
+          <a:endParaRPr lang="en-US" dirty="0"/>
         </a:p>
       </dgm:t>
     </dgm:pt>
@@ -1175,10 +1171,10 @@
         <a:lstStyle/>
         <a:p>
           <a:r>
-            <a:rPr lang="es-ES_tradnl"/>
-            <a:t>No es necesario terminar cada sentencia con el carácter de punto y coma (;):</a:t>
+            <a:rPr lang="es-ES_tradnl" dirty="0"/>
+            <a:t>No es necesario terminar cada sentencia con el carácter de punto y coma (;)</a:t>
           </a:r>
-          <a:endParaRPr lang="en-US"/>
+          <a:endParaRPr lang="en-US" dirty="0"/>
         </a:p>
       </dgm:t>
     </dgm:pt>
@@ -1212,10 +1208,10 @@
         <a:lstStyle/>
         <a:p>
           <a:r>
-            <a:rPr lang="es-ES_tradnl"/>
-            <a:t>Se pueden incluir comentarios:</a:t>
+            <a:rPr lang="es-ES_tradnl" dirty="0"/>
+            <a:t>Se pueden incluir comentarios</a:t>
           </a:r>
-          <a:endParaRPr lang="en-US"/>
+          <a:endParaRPr lang="en-US" dirty="0"/>
         </a:p>
       </dgm:t>
     </dgm:pt>
@@ -1558,7 +1554,7 @@
   <dgm:whole/>
   <dgm:extLst>
     <a:ext uri="http://schemas.microsoft.com/office/drawing/2008/diagram">
-      <dsp:dataModelExt xmlns:dsp="http://schemas.microsoft.com/office/drawing/2008/diagram" relId="rId7" minVer="http://schemas.openxmlformats.org/drawingml/2006/diagram"/>
+      <dsp:dataModelExt xmlns:dsp="http://schemas.microsoft.com/office/drawing/2008/diagram" relId="rId6" minVer="http://schemas.openxmlformats.org/drawingml/2006/diagram"/>
     </a:ext>
   </dgm:extLst>
 </dgm:dataModel>
@@ -1713,10 +1709,10 @@
             <a:buNone/>
           </a:pPr>
           <a:r>
-            <a:rPr lang="es-ES_tradnl" sz="1900" kern="1200"/>
-            <a:t>No se tienen en cuenta los espacios en blanco y las nuevas líneas:</a:t>
+            <a:rPr lang="es-ES_tradnl" sz="1900" kern="1200" dirty="0"/>
+            <a:t>No se tienen en cuenta los espacios en blanco y las nuevas líneas</a:t>
           </a:r>
-          <a:endParaRPr lang="en-US" sz="1900" kern="1200"/>
+          <a:endParaRPr lang="en-US" sz="1900" kern="1200" dirty="0"/>
         </a:p>
       </dsp:txBody>
       <dsp:txXfrm>
@@ -1865,10 +1861,10 @@
             <a:buNone/>
           </a:pPr>
           <a:r>
-            <a:rPr lang="es-ES_tradnl" sz="1900" kern="1200"/>
-            <a:t>Se distinguen las mayúsculas y minúsculas:</a:t>
+            <a:rPr lang="es-ES_tradnl" sz="1900" kern="1200" dirty="0"/>
+            <a:t>Se distinguen las mayúsculas y minúsculas</a:t>
           </a:r>
-          <a:endParaRPr lang="en-US" sz="1900" kern="1200"/>
+          <a:endParaRPr lang="en-US" sz="1900" kern="1200" dirty="0"/>
         </a:p>
       </dsp:txBody>
       <dsp:txXfrm>
@@ -2017,10 +2013,10 @@
             <a:buNone/>
           </a:pPr>
           <a:r>
-            <a:rPr lang="es-ES_tradnl" sz="1900" kern="1200"/>
-            <a:t>No se define el tipo de las variables:</a:t>
+            <a:rPr lang="es-ES_tradnl" sz="1900" kern="1200" dirty="0"/>
+            <a:t>No se define el tipo de las variables</a:t>
           </a:r>
-          <a:endParaRPr lang="en-US" sz="1900" kern="1200"/>
+          <a:endParaRPr lang="en-US" sz="1900" kern="1200" dirty="0"/>
         </a:p>
       </dsp:txBody>
       <dsp:txXfrm>
@@ -2169,10 +2165,10 @@
             <a:buNone/>
           </a:pPr>
           <a:r>
-            <a:rPr lang="es-ES_tradnl" sz="1900" kern="1200"/>
-            <a:t>No es necesario terminar cada sentencia con el carácter de punto y coma (;):</a:t>
+            <a:rPr lang="es-ES_tradnl" sz="1900" kern="1200" dirty="0"/>
+            <a:t>No es necesario terminar cada sentencia con el carácter de punto y coma (;)</a:t>
           </a:r>
-          <a:endParaRPr lang="en-US" sz="1900" kern="1200"/>
+          <a:endParaRPr lang="en-US" sz="1900" kern="1200" dirty="0"/>
         </a:p>
       </dsp:txBody>
       <dsp:txXfrm>
@@ -2321,10 +2317,10 @@
             <a:buNone/>
           </a:pPr>
           <a:r>
-            <a:rPr lang="es-ES_tradnl" sz="1900" kern="1200"/>
-            <a:t>Se pueden incluir comentarios:</a:t>
+            <a:rPr lang="es-ES_tradnl" sz="1900" kern="1200" dirty="0"/>
+            <a:t>Se pueden incluir comentarios</a:t>
           </a:r>
-          <a:endParaRPr lang="en-US" sz="1900" kern="1200"/>
+          <a:endParaRPr lang="en-US" sz="1900" kern="1200" dirty="0"/>
         </a:p>
       </dsp:txBody>
       <dsp:txXfrm>
@@ -3683,21 +3679,21 @@
       </p:grpSpPr>
       <p:grpSp>
         <p:nvGrpSpPr>
-          <p:cNvPr id="7" name="Group 6"/>
+          <p:cNvPr id="16" name="Group 15"/>
           <p:cNvGrpSpPr/>
           <p:nvPr/>
         </p:nvGrpSpPr>
         <p:grpSpPr>
           <a:xfrm>
-            <a:off x="0" y="0"/>
-            <a:ext cx="12192000" cy="6858000"/>
-            <a:chOff x="0" y="0"/>
-            <a:chExt cx="12192000" cy="6858000"/>
+            <a:off x="0" y="-2373"/>
+            <a:ext cx="12192000" cy="6867027"/>
+            <a:chOff x="0" y="-2373"/>
+            <a:chExt cx="12192000" cy="6867027"/>
           </a:xfrm>
         </p:grpSpPr>
         <p:sp>
           <p:nvSpPr>
-            <p:cNvPr id="9" name="Rectangle 8"/>
+            <p:cNvPr id="8" name="Rectangle 7"/>
             <p:cNvSpPr/>
             <p:nvPr/>
           </p:nvSpPr>
@@ -3713,15 +3709,16 @@
               <a:blip r:embed="rId2">
                 <a:duotone>
                   <a:schemeClr val="dk2">
-                    <a:shade val="69000"/>
-                    <a:hueMod val="91000"/>
+                    <a:shade val="62000"/>
+                    <a:hueMod val="108000"/>
                     <a:satMod val="164000"/>
-                    <a:lumMod val="74000"/>
+                    <a:lumMod val="69000"/>
                   </a:schemeClr>
                   <a:schemeClr val="dk2">
-                    <a:hueMod val="124000"/>
-                    <a:satMod val="140000"/>
-                    <a:lumMod val="142000"/>
+                    <a:tint val="96000"/>
+                    <a:hueMod val="90000"/>
+                    <a:satMod val="130000"/>
+                    <a:lumMod val="134000"/>
                   </a:schemeClr>
                 </a:duotone>
               </a:blip>
@@ -3752,7 +3749,322 @@
         </p:sp>
         <p:sp>
           <p:nvSpPr>
-            <p:cNvPr id="10" name="Freeform 5"/>
+            <p:cNvPr id="11" name="Oval 10"/>
+            <p:cNvSpPr/>
+            <p:nvPr/>
+          </p:nvSpPr>
+          <p:spPr>
+            <a:xfrm>
+              <a:off x="3220" y="2667000"/>
+              <a:ext cx="4191000" cy="4191000"/>
+            </a:xfrm>
+            <a:prstGeom prst="ellipse">
+              <a:avLst/>
+            </a:prstGeom>
+            <a:gradFill flip="none" rotWithShape="1">
+              <a:gsLst>
+                <a:gs pos="0">
+                  <a:schemeClr val="bg2">
+                    <a:lumMod val="40000"/>
+                    <a:lumOff val="60000"/>
+                    <a:alpha val="11000"/>
+                  </a:schemeClr>
+                </a:gs>
+                <a:gs pos="75000">
+                  <a:schemeClr val="bg2">
+                    <a:lumMod val="40000"/>
+                    <a:lumOff val="60000"/>
+                    <a:alpha val="0"/>
+                  </a:schemeClr>
+                </a:gs>
+                <a:gs pos="36000">
+                  <a:schemeClr val="bg2">
+                    <a:lumMod val="40000"/>
+                    <a:lumOff val="60000"/>
+                    <a:alpha val="10000"/>
+                  </a:schemeClr>
+                </a:gs>
+              </a:gsLst>
+              <a:path path="circle">
+                <a:fillToRect l="50000" t="50000" r="50000" b="50000"/>
+              </a:path>
+              <a:tileRect/>
+            </a:gradFill>
+            <a:ln>
+              <a:noFill/>
+            </a:ln>
+            <a:effectLst/>
+          </p:spPr>
+          <p:style>
+            <a:lnRef idx="1">
+              <a:schemeClr val="accent1"/>
+            </a:lnRef>
+            <a:fillRef idx="3">
+              <a:schemeClr val="accent1"/>
+            </a:fillRef>
+            <a:effectRef idx="2">
+              <a:schemeClr val="accent1"/>
+            </a:effectRef>
+            <a:fontRef idx="minor">
+              <a:schemeClr val="lt1"/>
+            </a:fontRef>
+          </p:style>
+        </p:sp>
+        <p:sp>
+          <p:nvSpPr>
+            <p:cNvPr id="12" name="Oval 11"/>
+            <p:cNvSpPr/>
+            <p:nvPr/>
+          </p:nvSpPr>
+          <p:spPr>
+            <a:xfrm>
+              <a:off x="1750" y="2895600"/>
+              <a:ext cx="2362200" cy="2362200"/>
+            </a:xfrm>
+            <a:prstGeom prst="ellipse">
+              <a:avLst/>
+            </a:prstGeom>
+            <a:gradFill flip="none" rotWithShape="1">
+              <a:gsLst>
+                <a:gs pos="0">
+                  <a:schemeClr val="bg2">
+                    <a:lumMod val="40000"/>
+                    <a:lumOff val="60000"/>
+                    <a:alpha val="8000"/>
+                  </a:schemeClr>
+                </a:gs>
+                <a:gs pos="72000">
+                  <a:schemeClr val="bg2">
+                    <a:lumMod val="40000"/>
+                    <a:lumOff val="60000"/>
+                    <a:alpha val="0"/>
+                  </a:schemeClr>
+                </a:gs>
+                <a:gs pos="36000">
+                  <a:schemeClr val="bg2">
+                    <a:lumMod val="40000"/>
+                    <a:lumOff val="60000"/>
+                    <a:alpha val="8000"/>
+                  </a:schemeClr>
+                </a:gs>
+              </a:gsLst>
+              <a:path path="circle">
+                <a:fillToRect l="50000" t="50000" r="50000" b="50000"/>
+              </a:path>
+              <a:tileRect/>
+            </a:gradFill>
+            <a:ln>
+              <a:noFill/>
+            </a:ln>
+            <a:effectLst/>
+          </p:spPr>
+          <p:style>
+            <a:lnRef idx="1">
+              <a:schemeClr val="accent1"/>
+            </a:lnRef>
+            <a:fillRef idx="3">
+              <a:schemeClr val="accent1"/>
+            </a:fillRef>
+            <a:effectRef idx="2">
+              <a:schemeClr val="accent1"/>
+            </a:effectRef>
+            <a:fontRef idx="minor">
+              <a:schemeClr val="lt1"/>
+            </a:fontRef>
+          </p:style>
+        </p:sp>
+        <p:sp>
+          <p:nvSpPr>
+            <p:cNvPr id="13" name="Oval 12"/>
+            <p:cNvSpPr/>
+            <p:nvPr/>
+          </p:nvSpPr>
+          <p:spPr>
+            <a:xfrm>
+              <a:off x="8609012" y="1676400"/>
+              <a:ext cx="2819400" cy="2819400"/>
+            </a:xfrm>
+            <a:prstGeom prst="ellipse">
+              <a:avLst/>
+            </a:prstGeom>
+            <a:gradFill flip="none" rotWithShape="1">
+              <a:gsLst>
+                <a:gs pos="0">
+                  <a:schemeClr val="bg2">
+                    <a:lumMod val="40000"/>
+                    <a:lumOff val="60000"/>
+                    <a:alpha val="7000"/>
+                  </a:schemeClr>
+                </a:gs>
+                <a:gs pos="69000">
+                  <a:schemeClr val="bg2">
+                    <a:lumMod val="40000"/>
+                    <a:lumOff val="60000"/>
+                    <a:alpha val="0"/>
+                  </a:schemeClr>
+                </a:gs>
+                <a:gs pos="36000">
+                  <a:schemeClr val="bg2">
+                    <a:lumMod val="40000"/>
+                    <a:lumOff val="60000"/>
+                    <a:alpha val="6000"/>
+                  </a:schemeClr>
+                </a:gs>
+              </a:gsLst>
+              <a:path path="circle">
+                <a:fillToRect l="50000" t="50000" r="50000" b="50000"/>
+              </a:path>
+              <a:tileRect/>
+            </a:gradFill>
+            <a:ln>
+              <a:noFill/>
+            </a:ln>
+            <a:effectLst/>
+          </p:spPr>
+          <p:style>
+            <a:lnRef idx="1">
+              <a:schemeClr val="accent1"/>
+            </a:lnRef>
+            <a:fillRef idx="3">
+              <a:schemeClr val="accent1"/>
+            </a:fillRef>
+            <a:effectRef idx="2">
+              <a:schemeClr val="accent1"/>
+            </a:effectRef>
+            <a:fontRef idx="minor">
+              <a:schemeClr val="lt1"/>
+            </a:fontRef>
+          </p:style>
+        </p:sp>
+        <p:sp>
+          <p:nvSpPr>
+            <p:cNvPr id="14" name="Oval 13"/>
+            <p:cNvSpPr/>
+            <p:nvPr/>
+          </p:nvSpPr>
+          <p:spPr>
+            <a:xfrm>
+              <a:off x="7999412" y="-2373"/>
+              <a:ext cx="1600200" cy="1600200"/>
+            </a:xfrm>
+            <a:prstGeom prst="ellipse">
+              <a:avLst/>
+            </a:prstGeom>
+            <a:gradFill flip="none" rotWithShape="1">
+              <a:gsLst>
+                <a:gs pos="0">
+                  <a:schemeClr val="bg2">
+                    <a:lumMod val="40000"/>
+                    <a:lumOff val="60000"/>
+                    <a:alpha val="14000"/>
+                  </a:schemeClr>
+                </a:gs>
+                <a:gs pos="73000">
+                  <a:schemeClr val="bg2">
+                    <a:lumMod val="40000"/>
+                    <a:lumOff val="60000"/>
+                    <a:alpha val="0"/>
+                  </a:schemeClr>
+                </a:gs>
+                <a:gs pos="36000">
+                  <a:schemeClr val="bg2">
+                    <a:lumMod val="40000"/>
+                    <a:lumOff val="60000"/>
+                    <a:alpha val="7000"/>
+                  </a:schemeClr>
+                </a:gs>
+              </a:gsLst>
+              <a:path path="circle">
+                <a:fillToRect l="50000" t="50000" r="50000" b="50000"/>
+              </a:path>
+              <a:tileRect/>
+            </a:gradFill>
+            <a:ln>
+              <a:noFill/>
+            </a:ln>
+            <a:effectLst/>
+          </p:spPr>
+          <p:style>
+            <a:lnRef idx="1">
+              <a:schemeClr val="accent1"/>
+            </a:lnRef>
+            <a:fillRef idx="3">
+              <a:schemeClr val="accent1"/>
+            </a:fillRef>
+            <a:effectRef idx="2">
+              <a:schemeClr val="accent1"/>
+            </a:effectRef>
+            <a:fontRef idx="minor">
+              <a:schemeClr val="lt1"/>
+            </a:fontRef>
+          </p:style>
+        </p:sp>
+        <p:sp>
+          <p:nvSpPr>
+            <p:cNvPr id="15" name="Oval 14"/>
+            <p:cNvSpPr/>
+            <p:nvPr/>
+          </p:nvSpPr>
+          <p:spPr>
+            <a:xfrm>
+              <a:off x="8609012" y="5874054"/>
+              <a:ext cx="990600" cy="990600"/>
+            </a:xfrm>
+            <a:prstGeom prst="ellipse">
+              <a:avLst/>
+            </a:prstGeom>
+            <a:gradFill flip="none" rotWithShape="1">
+              <a:gsLst>
+                <a:gs pos="0">
+                  <a:schemeClr val="bg2">
+                    <a:lumMod val="40000"/>
+                    <a:lumOff val="60000"/>
+                    <a:alpha val="14000"/>
+                  </a:schemeClr>
+                </a:gs>
+                <a:gs pos="66000">
+                  <a:schemeClr val="bg2">
+                    <a:lumMod val="40000"/>
+                    <a:lumOff val="60000"/>
+                    <a:alpha val="0"/>
+                  </a:schemeClr>
+                </a:gs>
+                <a:gs pos="36000">
+                  <a:schemeClr val="bg2">
+                    <a:lumMod val="40000"/>
+                    <a:lumOff val="60000"/>
+                    <a:alpha val="7000"/>
+                  </a:schemeClr>
+                </a:gs>
+              </a:gsLst>
+              <a:path path="circle">
+                <a:fillToRect l="50000" t="50000" r="50000" b="50000"/>
+              </a:path>
+              <a:tileRect/>
+            </a:gradFill>
+            <a:ln>
+              <a:noFill/>
+            </a:ln>
+            <a:effectLst/>
+          </p:spPr>
+          <p:style>
+            <a:lnRef idx="1">
+              <a:schemeClr val="accent1"/>
+            </a:lnRef>
+            <a:fillRef idx="3">
+              <a:schemeClr val="accent1"/>
+            </a:fillRef>
+            <a:effectRef idx="2">
+              <a:schemeClr val="accent1"/>
+            </a:effectRef>
+            <a:fontRef idx="minor">
+              <a:schemeClr val="lt1"/>
+            </a:fontRef>
+          </p:style>
+        </p:sp>
+        <p:sp>
+          <p:nvSpPr>
+            <p:cNvPr id="9" name="Freeform 5"/>
             <p:cNvSpPr>
               <a:spLocks noEditPoints="1"/>
             </p:cNvSpPr>
@@ -3857,7 +4169,7 @@
             <p:ph type="subTitle" idx="1"/>
           </p:nvPr>
         </p:nvSpPr>
-        <p:spPr bwMode="gray">
+        <p:spPr>
           <a:xfrm>
             <a:off x="1154955" y="4777380"/>
             <a:ext cx="8825658" cy="861420"/>
@@ -3870,10 +4182,7 @@
               <a:buNone/>
               <a:defRPr cap="all">
                 <a:solidFill>
-                  <a:schemeClr val="accent1">
-                    <a:lumMod val="60000"/>
-                    <a:lumOff val="40000"/>
-                  </a:schemeClr>
+                  <a:schemeClr val="accent1"/>
                 </a:solidFill>
               </a:defRPr>
             </a:lvl1pPr>
@@ -3977,9 +4286,9 @@
             <p:ph type="dt" sz="half" idx="10"/>
           </p:nvPr>
         </p:nvSpPr>
-        <p:spPr bwMode="gray">
+        <p:spPr>
           <a:xfrm rot="5400000">
-            <a:off x="10158984" y="1792224"/>
+            <a:off x="10089390" y="1792223"/>
             <a:ext cx="990599" cy="304799"/>
           </a:xfrm>
         </p:spPr>
@@ -3989,9 +4298,7 @@
             <a:lvl1pPr algn="l">
               <a:defRPr b="0" i="0">
                 <a:solidFill>
-                  <a:schemeClr val="bg1">
-                    <a:alpha val="60000"/>
-                  </a:schemeClr>
+                  <a:schemeClr val="bg1"/>
                 </a:solidFill>
               </a:defRPr>
             </a:lvl1pPr>
@@ -3999,7 +4306,7 @@
           <a:p>
             <a:fld id="{71C85FF8-2AF0-6A4B-B786-86E31EDFDAD3}" type="datetimeFigureOut">
               <a:rPr lang="es-EC" smtClean="0"/>
-              <a:t>29/7/2019</a:t>
+              <a:t>29/07/2019</a:t>
             </a:fld>
             <a:endParaRPr lang="es-EC"/>
           </a:p>
@@ -4015,9 +4322,9 @@
             <p:ph type="ftr" sz="quarter" idx="11"/>
           </p:nvPr>
         </p:nvSpPr>
-        <p:spPr bwMode="gray">
+        <p:spPr>
           <a:xfrm rot="5400000">
-            <a:off x="8951976" y="3227832"/>
+            <a:off x="8959592" y="3226820"/>
             <a:ext cx="3859795" cy="304801"/>
           </a:xfrm>
         </p:spPr>
@@ -4027,9 +4334,7 @@
             <a:lvl1pPr>
               <a:defRPr b="0" i="0">
                 <a:solidFill>
-                  <a:schemeClr val="bg1">
-                    <a:alpha val="60000"/>
-                  </a:schemeClr>
+                  <a:schemeClr val="bg1"/>
                 </a:solidFill>
               </a:defRPr>
             </a:lvl1pPr>
@@ -4041,7 +4346,7 @@
       </p:sp>
       <p:sp>
         <p:nvSpPr>
-          <p:cNvPr id="11" name="Rectangle 10"/>
+          <p:cNvPr id="10" name="Rectangle 9"/>
           <p:cNvSpPr/>
           <p:nvPr/>
         </p:nvSpPr>
@@ -4077,7 +4382,7 @@
       </p:sp>
       <p:sp>
         <p:nvSpPr>
-          <p:cNvPr id="12" name="Slide Number Placeholder 5"/>
+          <p:cNvPr id="6" name="Slide Number Placeholder 5"/>
           <p:cNvSpPr>
             <a:spLocks noGrp="1"/>
           </p:cNvSpPr>
@@ -4087,13 +4392,19 @@
         </p:nvSpPr>
         <p:spPr>
           <a:xfrm>
-            <a:off x="10352540" y="295729"/>
+            <a:off x="10351008" y="292608"/>
             <a:ext cx="838199" cy="767687"/>
           </a:xfrm>
         </p:spPr>
         <p:txBody>
           <a:bodyPr/>
-          <a:lstStyle/>
+          <a:lstStyle>
+            <a:lvl1pPr>
+              <a:defRPr sz="2800" b="0" i="0">
+                <a:latin typeface="+mj-lt"/>
+              </a:defRPr>
+            </a:lvl1pPr>
+          </a:lstStyle>
           <a:p>
             <a:fld id="{EE4B2B3C-3F40-AB44-A3C3-A773B6A82868}" type="slidenum">
               <a:rPr lang="es-EC" smtClean="0"/>
@@ -4106,7 +4417,7 @@
     </p:spTree>
     <p:extLst>
       <p:ext uri="{BB962C8B-B14F-4D97-AF65-F5344CB8AC3E}">
-        <p14:creationId xmlns:p14="http://schemas.microsoft.com/office/powerpoint/2010/main" val="410213034"/>
+        <p14:creationId xmlns:p14="http://schemas.microsoft.com/office/powerpoint/2010/main" val="736707773"/>
       </p:ext>
     </p:extLst>
   </p:cSld>
@@ -4135,21 +4446,21 @@
       </p:grpSpPr>
       <p:grpSp>
         <p:nvGrpSpPr>
-          <p:cNvPr id="9" name="Group 8"/>
+          <p:cNvPr id="19" name="Group 18"/>
           <p:cNvGrpSpPr/>
           <p:nvPr/>
         </p:nvGrpSpPr>
         <p:grpSpPr>
           <a:xfrm>
-            <a:off x="0" y="0"/>
-            <a:ext cx="12192000" cy="6858000"/>
-            <a:chOff x="0" y="0"/>
-            <a:chExt cx="12192000" cy="6858000"/>
+            <a:off x="0" y="-2373"/>
+            <a:ext cx="12192000" cy="6867027"/>
+            <a:chOff x="0" y="-2373"/>
+            <a:chExt cx="12192000" cy="6867027"/>
           </a:xfrm>
         </p:grpSpPr>
         <p:sp>
           <p:nvSpPr>
-            <p:cNvPr id="13" name="Rectangle 12"/>
+            <p:cNvPr id="11" name="Rectangle 10"/>
             <p:cNvSpPr/>
             <p:nvPr/>
           </p:nvSpPr>
@@ -4165,15 +4476,16 @@
               <a:blip r:embed="rId2">
                 <a:duotone>
                   <a:schemeClr val="dk2">
-                    <a:shade val="69000"/>
-                    <a:hueMod val="91000"/>
+                    <a:shade val="62000"/>
+                    <a:hueMod val="108000"/>
                     <a:satMod val="164000"/>
-                    <a:lumMod val="74000"/>
+                    <a:lumMod val="69000"/>
                   </a:schemeClr>
                   <a:schemeClr val="dk2">
-                    <a:hueMod val="124000"/>
-                    <a:satMod val="140000"/>
-                    <a:lumMod val="142000"/>
+                    <a:tint val="96000"/>
+                    <a:hueMod val="90000"/>
+                    <a:satMod val="130000"/>
+                    <a:lumMod val="134000"/>
                   </a:schemeClr>
                 </a:duotone>
               </a:blip>
@@ -4204,13 +4516,13 @@
         </p:sp>
         <p:sp>
           <p:nvSpPr>
-            <p:cNvPr id="17" name="Oval 16"/>
+            <p:cNvPr id="14" name="Oval 13"/>
             <p:cNvSpPr/>
             <p:nvPr/>
           </p:nvSpPr>
           <p:spPr>
             <a:xfrm>
-              <a:off x="0" y="2667000"/>
+              <a:off x="3220" y="2667000"/>
               <a:ext cx="4191000" cy="4191000"/>
             </a:xfrm>
             <a:prstGeom prst="ellipse">
@@ -4219,18 +4531,213 @@
             <a:gradFill flip="none" rotWithShape="1">
               <a:gsLst>
                 <a:gs pos="0">
-                  <a:schemeClr val="accent5">
+                  <a:schemeClr val="bg2">
+                    <a:lumMod val="40000"/>
+                    <a:lumOff val="60000"/>
                     <a:alpha val="11000"/>
                   </a:schemeClr>
                 </a:gs>
                 <a:gs pos="75000">
-                  <a:schemeClr val="accent5">
+                  <a:schemeClr val="bg2">
+                    <a:lumMod val="40000"/>
+                    <a:lumOff val="60000"/>
                     <a:alpha val="0"/>
                   </a:schemeClr>
                 </a:gs>
                 <a:gs pos="36000">
-                  <a:schemeClr val="accent5">
+                  <a:schemeClr val="bg2">
+                    <a:lumMod val="40000"/>
+                    <a:lumOff val="60000"/>
                     <a:alpha val="10000"/>
+                  </a:schemeClr>
+                </a:gs>
+              </a:gsLst>
+              <a:path path="circle">
+                <a:fillToRect l="50000" t="50000" r="50000" b="50000"/>
+              </a:path>
+              <a:tileRect/>
+            </a:gradFill>
+            <a:ln>
+              <a:noFill/>
+            </a:ln>
+            <a:effectLst/>
+          </p:spPr>
+          <p:style>
+            <a:lnRef idx="1">
+              <a:schemeClr val="accent1"/>
+            </a:lnRef>
+            <a:fillRef idx="3">
+              <a:schemeClr val="accent1"/>
+            </a:fillRef>
+            <a:effectRef idx="2">
+              <a:schemeClr val="accent1"/>
+            </a:effectRef>
+            <a:fontRef idx="minor">
+              <a:schemeClr val="lt1"/>
+            </a:fontRef>
+          </p:style>
+        </p:sp>
+        <p:sp>
+          <p:nvSpPr>
+            <p:cNvPr id="15" name="Oval 14"/>
+            <p:cNvSpPr/>
+            <p:nvPr/>
+          </p:nvSpPr>
+          <p:spPr>
+            <a:xfrm>
+              <a:off x="1750" y="2895600"/>
+              <a:ext cx="2362200" cy="2362200"/>
+            </a:xfrm>
+            <a:prstGeom prst="ellipse">
+              <a:avLst/>
+            </a:prstGeom>
+            <a:gradFill flip="none" rotWithShape="1">
+              <a:gsLst>
+                <a:gs pos="0">
+                  <a:schemeClr val="bg2">
+                    <a:lumMod val="40000"/>
+                    <a:lumOff val="60000"/>
+                    <a:alpha val="8000"/>
+                  </a:schemeClr>
+                </a:gs>
+                <a:gs pos="72000">
+                  <a:schemeClr val="bg2">
+                    <a:lumMod val="40000"/>
+                    <a:lumOff val="60000"/>
+                    <a:alpha val="0"/>
+                  </a:schemeClr>
+                </a:gs>
+                <a:gs pos="36000">
+                  <a:schemeClr val="bg2">
+                    <a:lumMod val="40000"/>
+                    <a:lumOff val="60000"/>
+                    <a:alpha val="8000"/>
+                  </a:schemeClr>
+                </a:gs>
+              </a:gsLst>
+              <a:path path="circle">
+                <a:fillToRect l="50000" t="50000" r="50000" b="50000"/>
+              </a:path>
+              <a:tileRect/>
+            </a:gradFill>
+            <a:ln>
+              <a:noFill/>
+            </a:ln>
+            <a:effectLst/>
+          </p:spPr>
+          <p:style>
+            <a:lnRef idx="1">
+              <a:schemeClr val="accent1"/>
+            </a:lnRef>
+            <a:fillRef idx="3">
+              <a:schemeClr val="accent1"/>
+            </a:fillRef>
+            <a:effectRef idx="2">
+              <a:schemeClr val="accent1"/>
+            </a:effectRef>
+            <a:fontRef idx="minor">
+              <a:schemeClr val="lt1"/>
+            </a:fontRef>
+          </p:style>
+        </p:sp>
+        <p:sp>
+          <p:nvSpPr>
+            <p:cNvPr id="16" name="Oval 15"/>
+            <p:cNvSpPr/>
+            <p:nvPr/>
+          </p:nvSpPr>
+          <p:spPr>
+            <a:xfrm>
+              <a:off x="8609012" y="1676400"/>
+              <a:ext cx="2819400" cy="2819400"/>
+            </a:xfrm>
+            <a:prstGeom prst="ellipse">
+              <a:avLst/>
+            </a:prstGeom>
+            <a:gradFill flip="none" rotWithShape="1">
+              <a:gsLst>
+                <a:gs pos="0">
+                  <a:schemeClr val="bg2">
+                    <a:lumMod val="40000"/>
+                    <a:lumOff val="60000"/>
+                    <a:alpha val="7000"/>
+                  </a:schemeClr>
+                </a:gs>
+                <a:gs pos="69000">
+                  <a:schemeClr val="bg2">
+                    <a:lumMod val="40000"/>
+                    <a:lumOff val="60000"/>
+                    <a:alpha val="0"/>
+                  </a:schemeClr>
+                </a:gs>
+                <a:gs pos="36000">
+                  <a:schemeClr val="bg2">
+                    <a:lumMod val="40000"/>
+                    <a:lumOff val="60000"/>
+                    <a:alpha val="6000"/>
+                  </a:schemeClr>
+                </a:gs>
+              </a:gsLst>
+              <a:path path="circle">
+                <a:fillToRect l="50000" t="50000" r="50000" b="50000"/>
+              </a:path>
+              <a:tileRect/>
+            </a:gradFill>
+            <a:ln>
+              <a:noFill/>
+            </a:ln>
+            <a:effectLst/>
+          </p:spPr>
+          <p:style>
+            <a:lnRef idx="1">
+              <a:schemeClr val="accent1"/>
+            </a:lnRef>
+            <a:fillRef idx="3">
+              <a:schemeClr val="accent1"/>
+            </a:fillRef>
+            <a:effectRef idx="2">
+              <a:schemeClr val="accent1"/>
+            </a:effectRef>
+            <a:fontRef idx="minor">
+              <a:schemeClr val="lt1"/>
+            </a:fontRef>
+          </p:style>
+        </p:sp>
+        <p:sp>
+          <p:nvSpPr>
+            <p:cNvPr id="17" name="Oval 16"/>
+            <p:cNvSpPr/>
+            <p:nvPr/>
+          </p:nvSpPr>
+          <p:spPr>
+            <a:xfrm>
+              <a:off x="7999412" y="-2373"/>
+              <a:ext cx="1600200" cy="1600200"/>
+            </a:xfrm>
+            <a:prstGeom prst="ellipse">
+              <a:avLst/>
+            </a:prstGeom>
+            <a:gradFill flip="none" rotWithShape="1">
+              <a:gsLst>
+                <a:gs pos="0">
+                  <a:schemeClr val="bg2">
+                    <a:lumMod val="40000"/>
+                    <a:lumOff val="60000"/>
+                    <a:alpha val="14000"/>
+                  </a:schemeClr>
+                </a:gs>
+                <a:gs pos="73000">
+                  <a:schemeClr val="bg2">
+                    <a:lumMod val="40000"/>
+                    <a:lumOff val="60000"/>
+                    <a:alpha val="0"/>
+                  </a:schemeClr>
+                </a:gs>
+                <a:gs pos="36000">
+                  <a:schemeClr val="bg2">
+                    <a:lumMod val="40000"/>
+                    <a:lumOff val="60000"/>
+                    <a:alpha val="7000"/>
                   </a:schemeClr>
                 </a:gs>
               </a:gsLst>
@@ -4267,8 +4774,8 @@
           </p:nvSpPr>
           <p:spPr>
             <a:xfrm>
-              <a:off x="0" y="2895600"/>
-              <a:ext cx="2362200" cy="2362200"/>
+              <a:off x="8609012" y="5874054"/>
+              <a:ext cx="990600" cy="990600"/>
             </a:xfrm>
             <a:prstGeom prst="ellipse">
               <a:avLst/>
@@ -4276,18 +4783,24 @@
             <a:gradFill flip="none" rotWithShape="1">
               <a:gsLst>
                 <a:gs pos="0">
-                  <a:schemeClr val="accent5">
-                    <a:alpha val="8000"/>
+                  <a:schemeClr val="bg2">
+                    <a:lumMod val="40000"/>
+                    <a:lumOff val="60000"/>
+                    <a:alpha val="14000"/>
                   </a:schemeClr>
                 </a:gs>
-                <a:gs pos="72000">
-                  <a:schemeClr val="accent5">
+                <a:gs pos="66000">
+                  <a:schemeClr val="bg2">
+                    <a:lumMod val="40000"/>
+                    <a:lumOff val="60000"/>
                     <a:alpha val="0"/>
                   </a:schemeClr>
                 </a:gs>
                 <a:gs pos="36000">
-                  <a:schemeClr val="accent5">
-                    <a:alpha val="8000"/>
+                  <a:schemeClr val="bg2">
+                    <a:lumMod val="40000"/>
+                    <a:lumOff val="60000"/>
+                    <a:alpha val="7000"/>
                   </a:schemeClr>
                 </a:gs>
               </a:gsLst>
@@ -4318,178 +4831,7 @@
         </p:sp>
         <p:sp>
           <p:nvSpPr>
-            <p:cNvPr id="19" name="Oval 18"/>
-            <p:cNvSpPr/>
-            <p:nvPr/>
-          </p:nvSpPr>
-          <p:spPr>
-            <a:xfrm>
-              <a:off x="8609012" y="5867400"/>
-              <a:ext cx="990600" cy="990600"/>
-            </a:xfrm>
-            <a:prstGeom prst="ellipse">
-              <a:avLst/>
-            </a:prstGeom>
-            <a:gradFill flip="none" rotWithShape="1">
-              <a:gsLst>
-                <a:gs pos="0">
-                  <a:schemeClr val="accent5">
-                    <a:alpha val="14000"/>
-                  </a:schemeClr>
-                </a:gs>
-                <a:gs pos="66000">
-                  <a:schemeClr val="accent5">
-                    <a:alpha val="0"/>
-                  </a:schemeClr>
-                </a:gs>
-                <a:gs pos="36000">
-                  <a:schemeClr val="accent5">
-                    <a:alpha val="7000"/>
-                  </a:schemeClr>
-                </a:gs>
-              </a:gsLst>
-              <a:path path="circle">
-                <a:fillToRect l="50000" t="50000" r="50000" b="50000"/>
-              </a:path>
-              <a:tileRect/>
-            </a:gradFill>
-            <a:ln>
-              <a:noFill/>
-            </a:ln>
-            <a:effectLst/>
-          </p:spPr>
-          <p:style>
-            <a:lnRef idx="1">
-              <a:schemeClr val="accent1"/>
-            </a:lnRef>
-            <a:fillRef idx="3">
-              <a:schemeClr val="accent1"/>
-            </a:fillRef>
-            <a:effectRef idx="2">
-              <a:schemeClr val="accent1"/>
-            </a:effectRef>
-            <a:fontRef idx="minor">
-              <a:schemeClr val="lt1"/>
-            </a:fontRef>
-          </p:style>
-        </p:sp>
-        <p:sp>
-          <p:nvSpPr>
-            <p:cNvPr id="20" name="Oval 19"/>
-            <p:cNvSpPr/>
-            <p:nvPr/>
-          </p:nvSpPr>
-          <p:spPr>
-            <a:xfrm>
-              <a:off x="8609012" y="1676400"/>
-              <a:ext cx="2819400" cy="2819400"/>
-            </a:xfrm>
-            <a:prstGeom prst="ellipse">
-              <a:avLst/>
-            </a:prstGeom>
-            <a:gradFill flip="none" rotWithShape="1">
-              <a:gsLst>
-                <a:gs pos="0">
-                  <a:schemeClr val="accent5">
-                    <a:alpha val="7000"/>
-                  </a:schemeClr>
-                </a:gs>
-                <a:gs pos="69000">
-                  <a:schemeClr val="accent5">
-                    <a:alpha val="0"/>
-                  </a:schemeClr>
-                </a:gs>
-                <a:gs pos="36000">
-                  <a:schemeClr val="accent5">
-                    <a:alpha val="6000"/>
-                  </a:schemeClr>
-                </a:gs>
-              </a:gsLst>
-              <a:path path="circle">
-                <a:fillToRect l="50000" t="50000" r="50000" b="50000"/>
-              </a:path>
-              <a:tileRect/>
-            </a:gradFill>
-            <a:ln>
-              <a:noFill/>
-            </a:ln>
-            <a:effectLst/>
-          </p:spPr>
-          <p:style>
-            <a:lnRef idx="1">
-              <a:schemeClr val="accent1"/>
-            </a:lnRef>
-            <a:fillRef idx="3">
-              <a:schemeClr val="accent1"/>
-            </a:fillRef>
-            <a:effectRef idx="2">
-              <a:schemeClr val="accent1"/>
-            </a:effectRef>
-            <a:fontRef idx="minor">
-              <a:schemeClr val="lt1"/>
-            </a:fontRef>
-          </p:style>
-        </p:sp>
-        <p:sp>
-          <p:nvSpPr>
-            <p:cNvPr id="21" name="Oval 20"/>
-            <p:cNvSpPr/>
-            <p:nvPr/>
-          </p:nvSpPr>
-          <p:spPr>
-            <a:xfrm>
-              <a:off x="7999412" y="8464"/>
-              <a:ext cx="1600200" cy="1600200"/>
-            </a:xfrm>
-            <a:prstGeom prst="ellipse">
-              <a:avLst/>
-            </a:prstGeom>
-            <a:gradFill flip="none" rotWithShape="1">
-              <a:gsLst>
-                <a:gs pos="0">
-                  <a:schemeClr val="accent5">
-                    <a:alpha val="14000"/>
-                  </a:schemeClr>
-                </a:gs>
-                <a:gs pos="73000">
-                  <a:schemeClr val="accent5">
-                    <a:alpha val="0"/>
-                  </a:schemeClr>
-                </a:gs>
-                <a:gs pos="36000">
-                  <a:schemeClr val="accent5">
-                    <a:alpha val="7000"/>
-                  </a:schemeClr>
-                </a:gs>
-              </a:gsLst>
-              <a:path path="circle">
-                <a:fillToRect l="50000" t="50000" r="50000" b="50000"/>
-              </a:path>
-              <a:tileRect/>
-            </a:gradFill>
-            <a:ln>
-              <a:noFill/>
-            </a:ln>
-            <a:effectLst/>
-          </p:spPr>
-          <p:style>
-            <a:lnRef idx="1">
-              <a:schemeClr val="accent1"/>
-            </a:lnRef>
-            <a:fillRef idx="3">
-              <a:schemeClr val="accent1"/>
-            </a:fillRef>
-            <a:effectRef idx="2">
-              <a:schemeClr val="accent1"/>
-            </a:effectRef>
-            <a:fontRef idx="minor">
-              <a:schemeClr val="lt1"/>
-            </a:fontRef>
-          </p:style>
-        </p:sp>
-        <p:sp>
-          <p:nvSpPr>
-            <p:cNvPr id="14" name="Freeform 5"/>
+            <p:cNvPr id="8" name="Freeform 5"/>
             <p:cNvSpPr/>
             <p:nvPr/>
           </p:nvSpPr>
@@ -4636,7 +4978,7 @@
         </p:sp>
         <p:sp>
           <p:nvSpPr>
-            <p:cNvPr id="11" name="Freeform 5"/>
+            <p:cNvPr id="9" name="Freeform 5"/>
             <p:cNvSpPr/>
             <p:nvPr/>
           </p:nvSpPr>
@@ -4820,7 +5162,7 @@
         </p:sp>
         <p:sp>
           <p:nvSpPr>
-            <p:cNvPr id="15" name="Freeform 5"/>
+            <p:cNvPr id="12" name="Freeform 5"/>
             <p:cNvSpPr>
               <a:spLocks noEditPoints="1"/>
             </p:cNvSpPr>
@@ -4895,8 +5237,8 @@
         </p:nvSpPr>
         <p:spPr>
           <a:xfrm>
-            <a:off x="1154954" y="4969927"/>
-            <a:ext cx="8825659" cy="566738"/>
+            <a:off x="1154956" y="4966674"/>
+            <a:ext cx="8825657" cy="566738"/>
           </a:xfrm>
         </p:spPr>
         <p:txBody>
@@ -4929,8 +5271,8 @@
         </p:nvSpPr>
         <p:spPr>
           <a:xfrm>
-            <a:off x="1154954" y="685800"/>
-            <a:ext cx="8825659" cy="3429000"/>
+            <a:off x="1154955" y="685800"/>
+            <a:ext cx="8825658" cy="3429000"/>
           </a:xfrm>
           <a:prstGeom prst="roundRect">
             <a:avLst>
@@ -5006,10 +5348,10 @@
             <p:ph type="body" sz="half" idx="2"/>
           </p:nvPr>
         </p:nvSpPr>
-        <p:spPr>
+        <p:spPr bwMode="gray">
           <a:xfrm>
-            <a:off x="1154954" y="5536665"/>
-            <a:ext cx="8825658" cy="493712"/>
+            <a:off x="1154956" y="5536665"/>
+            <a:ext cx="8825656" cy="493712"/>
           </a:xfrm>
         </p:spPr>
         <p:txBody>
@@ -5021,10 +5363,7 @@
               <a:buNone/>
               <a:defRPr sz="1200">
                 <a:solidFill>
-                  <a:schemeClr val="accent1">
-                    <a:lumMod val="60000"/>
-                    <a:lumOff val="40000"/>
-                  </a:schemeClr>
+                  <a:schemeClr val="accent1"/>
                 </a:solidFill>
               </a:defRPr>
             </a:lvl1pPr>
@@ -5087,7 +5426,7 @@
           <a:p>
             <a:fld id="{71C85FF8-2AF0-6A4B-B786-86E31EDFDAD3}" type="datetimeFigureOut">
               <a:rPr lang="es-EC" smtClean="0"/>
-              <a:t>29/7/2019</a:t>
+              <a:t>29/07/2019</a:t>
             </a:fld>
             <a:endParaRPr lang="es-EC"/>
           </a:p>
@@ -5114,7 +5453,7 @@
       </p:sp>
       <p:sp>
         <p:nvSpPr>
-          <p:cNvPr id="16" name="Rectangle 15"/>
+          <p:cNvPr id="13" name="Rectangle 12"/>
           <p:cNvSpPr/>
           <p:nvPr/>
         </p:nvSpPr>
@@ -5174,7 +5513,7 @@
     </p:spTree>
     <p:extLst>
       <p:ext uri="{BB962C8B-B14F-4D97-AF65-F5344CB8AC3E}">
-        <p14:creationId xmlns:p14="http://schemas.microsoft.com/office/powerpoint/2010/main" val="3084785261"/>
+        <p14:creationId xmlns:p14="http://schemas.microsoft.com/office/powerpoint/2010/main" val="310074295"/>
       </p:ext>
     </p:extLst>
   </p:cSld>
@@ -5203,21 +5542,21 @@
       </p:grpSpPr>
       <p:grpSp>
         <p:nvGrpSpPr>
-          <p:cNvPr id="7" name="Group 6"/>
+          <p:cNvPr id="12" name="Group 11"/>
           <p:cNvGrpSpPr/>
           <p:nvPr/>
         </p:nvGrpSpPr>
         <p:grpSpPr>
           <a:xfrm>
-            <a:off x="0" y="0"/>
-            <a:ext cx="12192000" cy="6858000"/>
-            <a:chOff x="0" y="0"/>
-            <a:chExt cx="12192000" cy="6858000"/>
+            <a:off x="0" y="-2373"/>
+            <a:ext cx="12192000" cy="6867027"/>
+            <a:chOff x="0" y="-2373"/>
+            <a:chExt cx="12192000" cy="6867027"/>
           </a:xfrm>
         </p:grpSpPr>
         <p:sp>
           <p:nvSpPr>
-            <p:cNvPr id="11" name="Rectangle 10"/>
+            <p:cNvPr id="10" name="Rectangle 9"/>
             <p:cNvSpPr/>
             <p:nvPr/>
           </p:nvSpPr>
@@ -5233,15 +5572,16 @@
               <a:blip r:embed="rId2">
                 <a:duotone>
                   <a:schemeClr val="dk2">
-                    <a:shade val="69000"/>
-                    <a:hueMod val="91000"/>
+                    <a:shade val="62000"/>
+                    <a:hueMod val="108000"/>
                     <a:satMod val="164000"/>
-                    <a:lumMod val="74000"/>
+                    <a:lumMod val="69000"/>
                   </a:schemeClr>
                   <a:schemeClr val="dk2">
-                    <a:hueMod val="124000"/>
-                    <a:satMod val="140000"/>
-                    <a:lumMod val="142000"/>
+                    <a:tint val="96000"/>
+                    <a:hueMod val="90000"/>
+                    <a:satMod val="130000"/>
+                    <a:lumMod val="134000"/>
                   </a:schemeClr>
                 </a:duotone>
               </a:blip>
@@ -5278,7 +5618,7 @@
           </p:nvSpPr>
           <p:spPr>
             <a:xfrm>
-              <a:off x="0" y="2667000"/>
+              <a:off x="3220" y="2667000"/>
               <a:ext cx="4191000" cy="4191000"/>
             </a:xfrm>
             <a:prstGeom prst="ellipse">
@@ -5287,17 +5627,23 @@
             <a:gradFill flip="none" rotWithShape="1">
               <a:gsLst>
                 <a:gs pos="0">
-                  <a:schemeClr val="accent5">
+                  <a:schemeClr val="bg2">
+                    <a:lumMod val="40000"/>
+                    <a:lumOff val="60000"/>
                     <a:alpha val="11000"/>
                   </a:schemeClr>
                 </a:gs>
                 <a:gs pos="75000">
-                  <a:schemeClr val="accent5">
+                  <a:schemeClr val="bg2">
+                    <a:lumMod val="40000"/>
+                    <a:lumOff val="60000"/>
                     <a:alpha val="0"/>
                   </a:schemeClr>
                 </a:gs>
                 <a:gs pos="36000">
-                  <a:schemeClr val="accent5">
+                  <a:schemeClr val="bg2">
+                    <a:lumMod val="40000"/>
+                    <a:lumOff val="60000"/>
                     <a:alpha val="10000"/>
                   </a:schemeClr>
                 </a:gs>
@@ -5335,7 +5681,7 @@
           </p:nvSpPr>
           <p:spPr>
             <a:xfrm>
-              <a:off x="0" y="2895600"/>
+              <a:off x="1750" y="2895600"/>
               <a:ext cx="2362200" cy="2362200"/>
             </a:xfrm>
             <a:prstGeom prst="ellipse">
@@ -5344,17 +5690,23 @@
             <a:gradFill flip="none" rotWithShape="1">
               <a:gsLst>
                 <a:gs pos="0">
-                  <a:schemeClr val="accent5">
+                  <a:schemeClr val="bg2">
+                    <a:lumMod val="40000"/>
+                    <a:lumOff val="60000"/>
                     <a:alpha val="8000"/>
                   </a:schemeClr>
                 </a:gs>
                 <a:gs pos="72000">
-                  <a:schemeClr val="accent5">
+                  <a:schemeClr val="bg2">
+                    <a:lumMod val="40000"/>
+                    <a:lumOff val="60000"/>
                     <a:alpha val="0"/>
                   </a:schemeClr>
                 </a:gs>
                 <a:gs pos="36000">
-                  <a:schemeClr val="accent5">
+                  <a:schemeClr val="bg2">
+                    <a:lumMod val="40000"/>
+                    <a:lumOff val="60000"/>
                     <a:alpha val="8000"/>
                   </a:schemeClr>
                 </a:gs>
@@ -5392,8 +5744,8 @@
           </p:nvSpPr>
           <p:spPr>
             <a:xfrm>
-              <a:off x="8609012" y="5867400"/>
-              <a:ext cx="990600" cy="990600"/>
+              <a:off x="8609012" y="1676400"/>
+              <a:ext cx="2819400" cy="2819400"/>
             </a:xfrm>
             <a:prstGeom prst="ellipse">
               <a:avLst/>
@@ -5401,17 +5753,86 @@
             <a:gradFill flip="none" rotWithShape="1">
               <a:gsLst>
                 <a:gs pos="0">
-                  <a:schemeClr val="accent5">
-                    <a:alpha val="14000"/>
+                  <a:schemeClr val="bg2">
+                    <a:lumMod val="40000"/>
+                    <a:lumOff val="60000"/>
+                    <a:alpha val="7000"/>
                   </a:schemeClr>
                 </a:gs>
-                <a:gs pos="66000">
-                  <a:schemeClr val="accent5">
+                <a:gs pos="69000">
+                  <a:schemeClr val="bg2">
+                    <a:lumMod val="40000"/>
+                    <a:lumOff val="60000"/>
                     <a:alpha val="0"/>
                   </a:schemeClr>
                 </a:gs>
                 <a:gs pos="36000">
-                  <a:schemeClr val="accent5">
+                  <a:schemeClr val="bg2">
+                    <a:lumMod val="40000"/>
+                    <a:lumOff val="60000"/>
+                    <a:alpha val="6000"/>
+                  </a:schemeClr>
+                </a:gs>
+              </a:gsLst>
+              <a:path path="circle">
+                <a:fillToRect l="50000" t="50000" r="50000" b="50000"/>
+              </a:path>
+              <a:tileRect/>
+            </a:gradFill>
+            <a:ln>
+              <a:noFill/>
+            </a:ln>
+            <a:effectLst/>
+          </p:spPr>
+          <p:style>
+            <a:lnRef idx="1">
+              <a:schemeClr val="accent1"/>
+            </a:lnRef>
+            <a:fillRef idx="3">
+              <a:schemeClr val="accent1"/>
+            </a:fillRef>
+            <a:effectRef idx="2">
+              <a:schemeClr val="accent1"/>
+            </a:effectRef>
+            <a:fontRef idx="minor">
+              <a:schemeClr val="lt1"/>
+            </a:fontRef>
+          </p:style>
+        </p:sp>
+        <p:sp>
+          <p:nvSpPr>
+            <p:cNvPr id="17" name="Oval 16"/>
+            <p:cNvSpPr/>
+            <p:nvPr/>
+          </p:nvSpPr>
+          <p:spPr>
+            <a:xfrm>
+              <a:off x="7999412" y="-2373"/>
+              <a:ext cx="1600200" cy="1600200"/>
+            </a:xfrm>
+            <a:prstGeom prst="ellipse">
+              <a:avLst/>
+            </a:prstGeom>
+            <a:gradFill flip="none" rotWithShape="1">
+              <a:gsLst>
+                <a:gs pos="0">
+                  <a:schemeClr val="bg2">
+                    <a:lumMod val="40000"/>
+                    <a:lumOff val="60000"/>
+                    <a:alpha val="14000"/>
+                  </a:schemeClr>
+                </a:gs>
+                <a:gs pos="73000">
+                  <a:schemeClr val="bg2">
+                    <a:lumMod val="40000"/>
+                    <a:lumOff val="60000"/>
+                    <a:alpha val="0"/>
+                  </a:schemeClr>
+                </a:gs>
+                <a:gs pos="36000">
+                  <a:schemeClr val="bg2">
+                    <a:lumMod val="40000"/>
+                    <a:lumOff val="60000"/>
                     <a:alpha val="7000"/>
                   </a:schemeClr>
                 </a:gs>
@@ -5449,8 +5870,8 @@
           </p:nvSpPr>
           <p:spPr>
             <a:xfrm>
-              <a:off x="8609012" y="1676400"/>
-              <a:ext cx="2819400" cy="2819400"/>
+              <a:off x="8609012" y="5874054"/>
+              <a:ext cx="990600" cy="990600"/>
             </a:xfrm>
             <a:prstGeom prst="ellipse">
               <a:avLst/>
@@ -5458,18 +5879,24 @@
             <a:gradFill flip="none" rotWithShape="1">
               <a:gsLst>
                 <a:gs pos="0">
-                  <a:schemeClr val="accent5">
-                    <a:alpha val="7000"/>
+                  <a:schemeClr val="bg2">
+                    <a:lumMod val="40000"/>
+                    <a:lumOff val="60000"/>
+                    <a:alpha val="14000"/>
                   </a:schemeClr>
                 </a:gs>
-                <a:gs pos="69000">
-                  <a:schemeClr val="accent5">
+                <a:gs pos="66000">
+                  <a:schemeClr val="bg2">
+                    <a:lumMod val="40000"/>
+                    <a:lumOff val="60000"/>
                     <a:alpha val="0"/>
                   </a:schemeClr>
                 </a:gs>
                 <a:gs pos="36000">
-                  <a:schemeClr val="accent5">
-                    <a:alpha val="6000"/>
+                  <a:schemeClr val="bg2">
+                    <a:lumMod val="40000"/>
+                    <a:lumOff val="60000"/>
+                    <a:alpha val="7000"/>
                   </a:schemeClr>
                 </a:gs>
               </a:gsLst>
@@ -5500,64 +5927,7 @@
         </p:sp>
         <p:sp>
           <p:nvSpPr>
-            <p:cNvPr id="19" name="Oval 18"/>
-            <p:cNvSpPr/>
-            <p:nvPr/>
-          </p:nvSpPr>
-          <p:spPr>
-            <a:xfrm>
-              <a:off x="7999412" y="8464"/>
-              <a:ext cx="1600200" cy="1600200"/>
-            </a:xfrm>
-            <a:prstGeom prst="ellipse">
-              <a:avLst/>
-            </a:prstGeom>
-            <a:gradFill flip="none" rotWithShape="1">
-              <a:gsLst>
-                <a:gs pos="0">
-                  <a:schemeClr val="accent5">
-                    <a:alpha val="14000"/>
-                  </a:schemeClr>
-                </a:gs>
-                <a:gs pos="73000">
-                  <a:schemeClr val="accent5">
-                    <a:alpha val="0"/>
-                  </a:schemeClr>
-                </a:gs>
-                <a:gs pos="36000">
-                  <a:schemeClr val="accent5">
-                    <a:alpha val="7000"/>
-                  </a:schemeClr>
-                </a:gs>
-              </a:gsLst>
-              <a:path path="circle">
-                <a:fillToRect l="50000" t="50000" r="50000" b="50000"/>
-              </a:path>
-              <a:tileRect/>
-            </a:gradFill>
-            <a:ln>
-              <a:noFill/>
-            </a:ln>
-            <a:effectLst/>
-          </p:spPr>
-          <p:style>
-            <a:lnRef idx="1">
-              <a:schemeClr val="accent1"/>
-            </a:lnRef>
-            <a:fillRef idx="3">
-              <a:schemeClr val="accent1"/>
-            </a:fillRef>
-            <a:effectRef idx="2">
-              <a:schemeClr val="accent1"/>
-            </a:effectRef>
-            <a:fontRef idx="minor">
-              <a:schemeClr val="lt1"/>
-            </a:fontRef>
-          </p:style>
-        </p:sp>
-        <p:sp>
-          <p:nvSpPr>
-            <p:cNvPr id="25" name="Freeform 5"/>
+            <p:cNvPr id="9" name="Freeform 5"/>
             <p:cNvSpPr/>
             <p:nvPr/>
           </p:nvSpPr>
@@ -5704,7 +6074,7 @@
         </p:sp>
         <p:sp>
           <p:nvSpPr>
-            <p:cNvPr id="17" name="Freeform 5"/>
+            <p:cNvPr id="7" name="Freeform 5"/>
             <p:cNvSpPr/>
             <p:nvPr/>
           </p:nvSpPr>
@@ -5888,7 +6258,7 @@
         </p:sp>
         <p:sp>
           <p:nvSpPr>
-            <p:cNvPr id="12" name="Freeform 5"/>
+            <p:cNvPr id="11" name="Freeform 5"/>
             <p:cNvSpPr>
               <a:spLocks noEditPoints="1"/>
             </p:cNvSpPr>
@@ -5963,8 +6333,8 @@
         </p:nvSpPr>
         <p:spPr>
           <a:xfrm>
-            <a:off x="1148798" y="1063417"/>
-            <a:ext cx="8831816" cy="1372986"/>
+            <a:off x="1154954" y="1063416"/>
+            <a:ext cx="8825659" cy="1379755"/>
           </a:xfrm>
         </p:spPr>
         <p:txBody>
@@ -6067,7 +6437,7 @@
           <a:p>
             <a:fld id="{71C85FF8-2AF0-6A4B-B786-86E31EDFDAD3}" type="datetimeFigureOut">
               <a:rPr lang="es-EC" smtClean="0"/>
-              <a:t>29/7/2019</a:t>
+              <a:t>29/07/2019</a:t>
             </a:fld>
             <a:endParaRPr lang="es-EC"/>
           </a:p>
@@ -6154,7 +6524,7 @@
     </p:spTree>
     <p:extLst>
       <p:ext uri="{BB962C8B-B14F-4D97-AF65-F5344CB8AC3E}">
-        <p14:creationId xmlns:p14="http://schemas.microsoft.com/office/powerpoint/2010/main" val="788153768"/>
+        <p14:creationId xmlns:p14="http://schemas.microsoft.com/office/powerpoint/2010/main" val="4129183214"/>
       </p:ext>
     </p:extLst>
   </p:cSld>
@@ -6183,21 +6553,21 @@
       </p:grpSpPr>
       <p:grpSp>
         <p:nvGrpSpPr>
-          <p:cNvPr id="3" name="Group 2"/>
+          <p:cNvPr id="7" name="Group 6"/>
           <p:cNvGrpSpPr/>
           <p:nvPr/>
         </p:nvGrpSpPr>
         <p:grpSpPr>
           <a:xfrm>
-            <a:off x="0" y="0"/>
-            <a:ext cx="12192000" cy="6858000"/>
-            <a:chOff x="0" y="0"/>
-            <a:chExt cx="12192000" cy="6858000"/>
+            <a:off x="0" y="-2373"/>
+            <a:ext cx="12192000" cy="6867027"/>
+            <a:chOff x="0" y="-2373"/>
+            <a:chExt cx="12192000" cy="6867027"/>
           </a:xfrm>
         </p:grpSpPr>
         <p:sp>
           <p:nvSpPr>
-            <p:cNvPr id="17" name="Rectangle 16"/>
+            <p:cNvPr id="15" name="Rectangle 14"/>
             <p:cNvSpPr/>
             <p:nvPr/>
           </p:nvSpPr>
@@ -6213,15 +6583,16 @@
               <a:blip r:embed="rId2">
                 <a:duotone>
                   <a:schemeClr val="dk2">
-                    <a:shade val="69000"/>
-                    <a:hueMod val="91000"/>
+                    <a:shade val="62000"/>
+                    <a:hueMod val="108000"/>
                     <a:satMod val="164000"/>
-                    <a:lumMod val="74000"/>
+                    <a:lumMod val="69000"/>
                   </a:schemeClr>
                   <a:schemeClr val="dk2">
-                    <a:hueMod val="124000"/>
-                    <a:satMod val="140000"/>
-                    <a:lumMod val="142000"/>
+                    <a:tint val="96000"/>
+                    <a:hueMod val="90000"/>
+                    <a:satMod val="130000"/>
+                    <a:lumMod val="134000"/>
                   </a:schemeClr>
                 </a:duotone>
               </a:blip>
@@ -6252,13 +6623,13 @@
         </p:sp>
         <p:sp>
           <p:nvSpPr>
-            <p:cNvPr id="20" name="Oval 19"/>
+            <p:cNvPr id="17" name="Oval 16"/>
             <p:cNvSpPr/>
             <p:nvPr/>
           </p:nvSpPr>
           <p:spPr>
             <a:xfrm>
-              <a:off x="0" y="2667000"/>
+              <a:off x="3220" y="2667000"/>
               <a:ext cx="4191000" cy="4191000"/>
             </a:xfrm>
             <a:prstGeom prst="ellipse">
@@ -6267,17 +6638,23 @@
             <a:gradFill flip="none" rotWithShape="1">
               <a:gsLst>
                 <a:gs pos="0">
-                  <a:schemeClr val="accent5">
+                  <a:schemeClr val="bg2">
+                    <a:lumMod val="40000"/>
+                    <a:lumOff val="60000"/>
                     <a:alpha val="11000"/>
                   </a:schemeClr>
                 </a:gs>
                 <a:gs pos="75000">
-                  <a:schemeClr val="accent5">
+                  <a:schemeClr val="bg2">
+                    <a:lumMod val="40000"/>
+                    <a:lumOff val="60000"/>
                     <a:alpha val="0"/>
                   </a:schemeClr>
                 </a:gs>
                 <a:gs pos="36000">
-                  <a:schemeClr val="accent5">
+                  <a:schemeClr val="bg2">
+                    <a:lumMod val="40000"/>
+                    <a:lumOff val="60000"/>
                     <a:alpha val="10000"/>
                   </a:schemeClr>
                 </a:gs>
@@ -6309,13 +6686,13 @@
         </p:sp>
         <p:sp>
           <p:nvSpPr>
-            <p:cNvPr id="22" name="Oval 21"/>
+            <p:cNvPr id="18" name="Oval 17"/>
             <p:cNvSpPr/>
             <p:nvPr/>
           </p:nvSpPr>
           <p:spPr>
             <a:xfrm>
-              <a:off x="0" y="2895600"/>
+              <a:off x="1750" y="2895600"/>
               <a:ext cx="2362200" cy="2362200"/>
             </a:xfrm>
             <a:prstGeom prst="ellipse">
@@ -6324,17 +6701,23 @@
             <a:gradFill flip="none" rotWithShape="1">
               <a:gsLst>
                 <a:gs pos="0">
-                  <a:schemeClr val="accent5">
+                  <a:schemeClr val="bg2">
+                    <a:lumMod val="40000"/>
+                    <a:lumOff val="60000"/>
                     <a:alpha val="8000"/>
                   </a:schemeClr>
                 </a:gs>
                 <a:gs pos="72000">
-                  <a:schemeClr val="accent5">
+                  <a:schemeClr val="bg2">
+                    <a:lumMod val="40000"/>
+                    <a:lumOff val="60000"/>
                     <a:alpha val="0"/>
                   </a:schemeClr>
                 </a:gs>
                 <a:gs pos="36000">
-                  <a:schemeClr val="accent5">
+                  <a:schemeClr val="bg2">
+                    <a:lumMod val="40000"/>
+                    <a:lumOff val="60000"/>
                     <a:alpha val="8000"/>
                   </a:schemeClr>
                 </a:gs>
@@ -6366,14 +6749,14 @@
         </p:sp>
         <p:sp>
           <p:nvSpPr>
-            <p:cNvPr id="23" name="Oval 22"/>
+            <p:cNvPr id="19" name="Oval 18"/>
             <p:cNvSpPr/>
             <p:nvPr/>
           </p:nvSpPr>
           <p:spPr>
             <a:xfrm>
-              <a:off x="8609012" y="5867400"/>
-              <a:ext cx="990600" cy="990600"/>
+              <a:off x="8609012" y="1676400"/>
+              <a:ext cx="2819400" cy="2819400"/>
             </a:xfrm>
             <a:prstGeom prst="ellipse">
               <a:avLst/>
@@ -6381,18 +6764,24 @@
             <a:gradFill flip="none" rotWithShape="1">
               <a:gsLst>
                 <a:gs pos="0">
-                  <a:schemeClr val="accent5">
-                    <a:alpha val="14000"/>
+                  <a:schemeClr val="bg2">
+                    <a:lumMod val="40000"/>
+                    <a:lumOff val="60000"/>
+                    <a:alpha val="7000"/>
                   </a:schemeClr>
                 </a:gs>
-                <a:gs pos="66000">
-                  <a:schemeClr val="accent5">
+                <a:gs pos="69000">
+                  <a:schemeClr val="bg2">
+                    <a:lumMod val="40000"/>
+                    <a:lumOff val="60000"/>
                     <a:alpha val="0"/>
                   </a:schemeClr>
                 </a:gs>
                 <a:gs pos="36000">
-                  <a:schemeClr val="accent5">
-                    <a:alpha val="7000"/>
+                  <a:schemeClr val="bg2">
+                    <a:lumMod val="40000"/>
+                    <a:lumOff val="60000"/>
+                    <a:alpha val="6000"/>
                   </a:schemeClr>
                 </a:gs>
               </a:gsLst>
@@ -6423,14 +6812,14 @@
         </p:sp>
         <p:sp>
           <p:nvSpPr>
-            <p:cNvPr id="24" name="Oval 23"/>
+            <p:cNvPr id="20" name="Oval 19"/>
             <p:cNvSpPr/>
             <p:nvPr/>
           </p:nvSpPr>
           <p:spPr>
             <a:xfrm>
-              <a:off x="8609012" y="1676400"/>
-              <a:ext cx="2819400" cy="2819400"/>
+              <a:off x="7999412" y="-2373"/>
+              <a:ext cx="1600200" cy="1600200"/>
             </a:xfrm>
             <a:prstGeom prst="ellipse">
               <a:avLst/>
@@ -6438,18 +6827,24 @@
             <a:gradFill flip="none" rotWithShape="1">
               <a:gsLst>
                 <a:gs pos="0">
-                  <a:schemeClr val="accent5">
-                    <a:alpha val="7000"/>
+                  <a:schemeClr val="bg2">
+                    <a:lumMod val="40000"/>
+                    <a:lumOff val="60000"/>
+                    <a:alpha val="14000"/>
                   </a:schemeClr>
                 </a:gs>
-                <a:gs pos="69000">
-                  <a:schemeClr val="accent5">
+                <a:gs pos="73000">
+                  <a:schemeClr val="bg2">
+                    <a:lumMod val="40000"/>
+                    <a:lumOff val="60000"/>
                     <a:alpha val="0"/>
                   </a:schemeClr>
                 </a:gs>
                 <a:gs pos="36000">
-                  <a:schemeClr val="accent5">
-                    <a:alpha val="6000"/>
+                  <a:schemeClr val="bg2">
+                    <a:lumMod val="40000"/>
+                    <a:lumOff val="60000"/>
+                    <a:alpha val="7000"/>
                   </a:schemeClr>
                 </a:gs>
               </a:gsLst>
@@ -6480,14 +6875,14 @@
         </p:sp>
         <p:sp>
           <p:nvSpPr>
-            <p:cNvPr id="25" name="Oval 24"/>
+            <p:cNvPr id="21" name="Oval 20"/>
             <p:cNvSpPr/>
             <p:nvPr/>
           </p:nvSpPr>
           <p:spPr>
             <a:xfrm>
-              <a:off x="7999412" y="8464"/>
-              <a:ext cx="1600200" cy="1600200"/>
+              <a:off x="8609012" y="5874054"/>
+              <a:ext cx="990600" cy="990600"/>
             </a:xfrm>
             <a:prstGeom prst="ellipse">
               <a:avLst/>
@@ -6495,17 +6890,23 @@
             <a:gradFill flip="none" rotWithShape="1">
               <a:gsLst>
                 <a:gs pos="0">
-                  <a:schemeClr val="accent5">
+                  <a:schemeClr val="bg2">
+                    <a:lumMod val="40000"/>
+                    <a:lumOff val="60000"/>
                     <a:alpha val="14000"/>
                   </a:schemeClr>
                 </a:gs>
-                <a:gs pos="73000">
-                  <a:schemeClr val="accent5">
+                <a:gs pos="66000">
+                  <a:schemeClr val="bg2">
+                    <a:lumMod val="40000"/>
+                    <a:lumOff val="60000"/>
                     <a:alpha val="0"/>
                   </a:schemeClr>
                 </a:gs>
                 <a:gs pos="36000">
-                  <a:schemeClr val="accent5">
+                  <a:schemeClr val="bg2">
+                    <a:lumMod val="40000"/>
+                    <a:lumOff val="60000"/>
                     <a:alpha val="7000"/>
                   </a:schemeClr>
                 </a:gs>
@@ -6537,7 +6938,7 @@
         </p:sp>
         <p:sp>
           <p:nvSpPr>
-            <p:cNvPr id="21" name="Freeform 5"/>
+            <p:cNvPr id="23" name="Freeform 5"/>
             <p:cNvSpPr/>
             <p:nvPr/>
           </p:nvSpPr>
@@ -6684,7 +7085,7 @@
         </p:sp>
         <p:sp>
           <p:nvSpPr>
-            <p:cNvPr id="12" name="Freeform 5"/>
+            <p:cNvPr id="24" name="Freeform 5"/>
             <p:cNvSpPr/>
             <p:nvPr/>
           </p:nvSpPr>
@@ -6868,7 +7269,7 @@
         </p:sp>
         <p:sp>
           <p:nvSpPr>
-            <p:cNvPr id="18" name="Freeform 5"/>
+            <p:cNvPr id="16" name="Freeform 5"/>
             <p:cNvSpPr>
               <a:spLocks noEditPoints="1"/>
             </p:cNvSpPr>
@@ -6933,13 +7334,13 @@
       </p:grpSp>
       <p:sp>
         <p:nvSpPr>
-          <p:cNvPr id="16" name="TextBox 15"/>
+          <p:cNvPr id="13" name="TextBox 12"/>
           <p:cNvSpPr txBox="1"/>
           <p:nvPr/>
         </p:nvSpPr>
-        <p:spPr bwMode="gray">
+        <p:spPr>
           <a:xfrm>
-            <a:off x="881566" y="607336"/>
+            <a:off x="9719438" y="2631815"/>
             <a:ext cx="801912" cy="1569660"/>
           </a:xfrm>
           <a:prstGeom prst="rect">
@@ -6951,35 +7352,39 @@
           <a:bodyPr wrap="square" rtlCol="0">
             <a:spAutoFit/>
           </a:bodyPr>
-          <a:lstStyle/>
-          <a:p>
-            <a:pPr algn="r"/>
-            <a:r>
-              <a:rPr lang="en-US" sz="9600" b="0" i="0" dirty="0">
+          <a:lstStyle>
+            <a:defPPr>
+              <a:defRPr lang="en-US"/>
+            </a:defPPr>
+            <a:lvl1pPr algn="r">
+              <a:defRPr sz="12200" b="0" i="0">
                 <a:solidFill>
-                  <a:schemeClr val="accent1">
-                    <a:lumMod val="60000"/>
-                    <a:lumOff val="40000"/>
-                  </a:schemeClr>
+                  <a:schemeClr val="accent1"/>
                 </a:solidFill>
                 <a:latin typeface="Arial"/>
                 <a:cs typeface="Arial"/>
-              </a:rPr>
-              <a:t>“</a:t>
+              </a:defRPr>
+            </a:lvl1pPr>
+          </a:lstStyle>
+          <a:p>
+            <a:pPr lvl="0"/>
+            <a:r>
+              <a:rPr lang="en-US" sz="9600" dirty="0"/>
+              <a:t>”</a:t>
             </a:r>
           </a:p>
         </p:txBody>
       </p:sp>
       <p:sp>
         <p:nvSpPr>
-          <p:cNvPr id="13" name="TextBox 12"/>
+          <p:cNvPr id="9" name="TextBox 8"/>
           <p:cNvSpPr txBox="1"/>
           <p:nvPr/>
         </p:nvSpPr>
-        <p:spPr bwMode="gray">
+        <p:spPr>
           <a:xfrm>
-            <a:off x="9884458" y="2613787"/>
-            <a:ext cx="652763" cy="1569660"/>
+            <a:off x="898295" y="591093"/>
+            <a:ext cx="801912" cy="1569660"/>
           </a:xfrm>
           <a:prstGeom prst="rect">
             <a:avLst/>
@@ -6990,21 +7395,25 @@
           <a:bodyPr wrap="square" rtlCol="0">
             <a:spAutoFit/>
           </a:bodyPr>
-          <a:lstStyle/>
-          <a:p>
-            <a:pPr algn="r"/>
-            <a:r>
-              <a:rPr lang="en-US" sz="9600" b="0" i="0" dirty="0">
+          <a:lstStyle>
+            <a:defPPr>
+              <a:defRPr lang="en-US"/>
+            </a:defPPr>
+            <a:lvl1pPr algn="r">
+              <a:defRPr sz="12200" b="0" i="0">
                 <a:solidFill>
-                  <a:schemeClr val="accent1">
-                    <a:lumMod val="60000"/>
-                    <a:lumOff val="40000"/>
-                  </a:schemeClr>
+                  <a:schemeClr val="accent1"/>
                 </a:solidFill>
                 <a:latin typeface="Arial"/>
                 <a:cs typeface="Arial"/>
-              </a:rPr>
-              <a:t>”</a:t>
+              </a:defRPr>
+            </a:lvl1pPr>
+          </a:lstStyle>
+          <a:p>
+            <a:pPr lvl="0"/>
+            <a:r>
+              <a:rPr lang="en-US" sz="9600" dirty="0"/>
+              <a:t>“</a:t>
             </a:r>
           </a:p>
         </p:txBody>
@@ -7021,8 +7430,8 @@
         </p:nvSpPr>
         <p:spPr>
           <a:xfrm>
-            <a:off x="1581878" y="982134"/>
-            <a:ext cx="8453906" cy="2696632"/>
+            <a:off x="1581878" y="980517"/>
+            <a:ext cx="8453906" cy="2698249"/>
           </a:xfrm>
         </p:spPr>
         <p:txBody>
@@ -7054,7 +7463,7 @@
         <p:spPr bwMode="gray">
           <a:xfrm>
             <a:off x="1945945" y="3678766"/>
-            <a:ext cx="7731219" cy="342174"/>
+            <a:ext cx="7725772" cy="342174"/>
           </a:xfrm>
         </p:spPr>
         <p:txBody>
@@ -7066,10 +7475,7 @@
               <a:buNone/>
               <a:defRPr lang="en-US" sz="1400" b="0" i="0" kern="1200" cap="small" dirty="0">
                 <a:solidFill>
-                  <a:schemeClr val="accent1">
-                    <a:lumMod val="60000"/>
-                    <a:lumOff val="40000"/>
-                  </a:schemeClr>
+                  <a:schemeClr val="accent1"/>
                 </a:solidFill>
                 <a:latin typeface="+mn-lt"/>
                 <a:ea typeface="+mn-ea"/>
@@ -7129,8 +7535,8 @@
         </p:nvSpPr>
         <p:spPr>
           <a:xfrm>
-            <a:off x="1154954" y="5029199"/>
-            <a:ext cx="9244897" cy="997857"/>
+            <a:off x="1154954" y="4350657"/>
+            <a:ext cx="8825659" cy="1676400"/>
           </a:xfrm>
         </p:spPr>
         <p:txBody>
@@ -7140,7 +7546,7 @@
           <a:lstStyle>
             <a:lvl1pPr marL="0" indent="0">
               <a:buNone/>
-              <a:defRPr sz="1400"/>
+              <a:defRPr sz="1800"/>
             </a:lvl1pPr>
             <a:lvl2pPr marL="457200" indent="0">
               <a:buNone/>
@@ -7201,7 +7607,7 @@
           <a:p>
             <a:fld id="{71C85FF8-2AF0-6A4B-B786-86E31EDFDAD3}" type="datetimeFigureOut">
               <a:rPr lang="es-EC" smtClean="0"/>
-              <a:t>29/7/2019</a:t>
+              <a:t>29/07/2019</a:t>
             </a:fld>
             <a:endParaRPr lang="es-EC"/>
           </a:p>
@@ -7228,7 +7634,7 @@
       </p:sp>
       <p:sp>
         <p:nvSpPr>
-          <p:cNvPr id="19" name="Rectangle 18"/>
+          <p:cNvPr id="32" name="Rectangle 31"/>
           <p:cNvSpPr/>
           <p:nvPr/>
         </p:nvSpPr>
@@ -7288,7 +7694,7 @@
     </p:spTree>
     <p:extLst>
       <p:ext uri="{BB962C8B-B14F-4D97-AF65-F5344CB8AC3E}">
-        <p14:creationId xmlns:p14="http://schemas.microsoft.com/office/powerpoint/2010/main" val="253420684"/>
+        <p14:creationId xmlns:p14="http://schemas.microsoft.com/office/powerpoint/2010/main" val="1812469223"/>
       </p:ext>
     </p:extLst>
   </p:cSld>
@@ -7317,21 +7723,21 @@
       </p:grpSpPr>
       <p:grpSp>
         <p:nvGrpSpPr>
-          <p:cNvPr id="9" name="Group 8"/>
+          <p:cNvPr id="18" name="Group 17"/>
           <p:cNvGrpSpPr/>
           <p:nvPr/>
         </p:nvGrpSpPr>
         <p:grpSpPr>
           <a:xfrm>
-            <a:off x="0" y="0"/>
-            <a:ext cx="12192000" cy="6858000"/>
-            <a:chOff x="0" y="0"/>
-            <a:chExt cx="12192000" cy="6858000"/>
+            <a:off x="0" y="-2373"/>
+            <a:ext cx="12192000" cy="6867027"/>
+            <a:chOff x="0" y="-2373"/>
+            <a:chExt cx="12192000" cy="6867027"/>
           </a:xfrm>
         </p:grpSpPr>
         <p:sp>
           <p:nvSpPr>
-            <p:cNvPr id="11" name="Rectangle 10"/>
+            <p:cNvPr id="10" name="Rectangle 9"/>
             <p:cNvSpPr/>
             <p:nvPr/>
           </p:nvSpPr>
@@ -7347,15 +7753,16 @@
               <a:blip r:embed="rId2">
                 <a:duotone>
                   <a:schemeClr val="dk2">
-                    <a:shade val="69000"/>
-                    <a:hueMod val="91000"/>
+                    <a:shade val="62000"/>
+                    <a:hueMod val="108000"/>
                     <a:satMod val="164000"/>
-                    <a:lumMod val="74000"/>
+                    <a:lumMod val="69000"/>
                   </a:schemeClr>
                   <a:schemeClr val="dk2">
-                    <a:hueMod val="124000"/>
-                    <a:satMod val="140000"/>
-                    <a:lumMod val="142000"/>
+                    <a:tint val="96000"/>
+                    <a:hueMod val="90000"/>
+                    <a:satMod val="130000"/>
+                    <a:lumMod val="134000"/>
                   </a:schemeClr>
                 </a:duotone>
               </a:blip>
@@ -7386,13 +7793,13 @@
         </p:sp>
         <p:sp>
           <p:nvSpPr>
-            <p:cNvPr id="15" name="Oval 14"/>
+            <p:cNvPr id="13" name="Oval 12"/>
             <p:cNvSpPr/>
             <p:nvPr/>
           </p:nvSpPr>
           <p:spPr>
             <a:xfrm>
-              <a:off x="0" y="2667000"/>
+              <a:off x="3220" y="2667000"/>
               <a:ext cx="4191000" cy="4191000"/>
             </a:xfrm>
             <a:prstGeom prst="ellipse">
@@ -7401,18 +7808,150 @@
             <a:gradFill flip="none" rotWithShape="1">
               <a:gsLst>
                 <a:gs pos="0">
-                  <a:schemeClr val="accent5">
+                  <a:schemeClr val="bg2">
+                    <a:lumMod val="40000"/>
+                    <a:lumOff val="60000"/>
                     <a:alpha val="11000"/>
                   </a:schemeClr>
                 </a:gs>
                 <a:gs pos="75000">
-                  <a:schemeClr val="accent5">
+                  <a:schemeClr val="bg2">
+                    <a:lumMod val="40000"/>
+                    <a:lumOff val="60000"/>
                     <a:alpha val="0"/>
                   </a:schemeClr>
                 </a:gs>
                 <a:gs pos="36000">
-                  <a:schemeClr val="accent5">
+                  <a:schemeClr val="bg2">
+                    <a:lumMod val="40000"/>
+                    <a:lumOff val="60000"/>
                     <a:alpha val="10000"/>
+                  </a:schemeClr>
+                </a:gs>
+              </a:gsLst>
+              <a:path path="circle">
+                <a:fillToRect l="50000" t="50000" r="50000" b="50000"/>
+              </a:path>
+              <a:tileRect/>
+            </a:gradFill>
+            <a:ln>
+              <a:noFill/>
+            </a:ln>
+            <a:effectLst/>
+          </p:spPr>
+          <p:style>
+            <a:lnRef idx="1">
+              <a:schemeClr val="accent1"/>
+            </a:lnRef>
+            <a:fillRef idx="3">
+              <a:schemeClr val="accent1"/>
+            </a:fillRef>
+            <a:effectRef idx="2">
+              <a:schemeClr val="accent1"/>
+            </a:effectRef>
+            <a:fontRef idx="minor">
+              <a:schemeClr val="lt1"/>
+            </a:fontRef>
+          </p:style>
+        </p:sp>
+        <p:sp>
+          <p:nvSpPr>
+            <p:cNvPr id="14" name="Oval 13"/>
+            <p:cNvSpPr/>
+            <p:nvPr/>
+          </p:nvSpPr>
+          <p:spPr>
+            <a:xfrm>
+              <a:off x="1750" y="2895600"/>
+              <a:ext cx="2362200" cy="2362200"/>
+            </a:xfrm>
+            <a:prstGeom prst="ellipse">
+              <a:avLst/>
+            </a:prstGeom>
+            <a:gradFill flip="none" rotWithShape="1">
+              <a:gsLst>
+                <a:gs pos="0">
+                  <a:schemeClr val="bg2">
+                    <a:lumMod val="40000"/>
+                    <a:lumOff val="60000"/>
+                    <a:alpha val="8000"/>
+                  </a:schemeClr>
+                </a:gs>
+                <a:gs pos="72000">
+                  <a:schemeClr val="bg2">
+                    <a:lumMod val="40000"/>
+                    <a:lumOff val="60000"/>
+                    <a:alpha val="0"/>
+                  </a:schemeClr>
+                </a:gs>
+                <a:gs pos="36000">
+                  <a:schemeClr val="bg2">
+                    <a:lumMod val="40000"/>
+                    <a:lumOff val="60000"/>
+                    <a:alpha val="8000"/>
+                  </a:schemeClr>
+                </a:gs>
+              </a:gsLst>
+              <a:path path="circle">
+                <a:fillToRect l="50000" t="50000" r="50000" b="50000"/>
+              </a:path>
+              <a:tileRect/>
+            </a:gradFill>
+            <a:ln>
+              <a:noFill/>
+            </a:ln>
+            <a:effectLst/>
+          </p:spPr>
+          <p:style>
+            <a:lnRef idx="1">
+              <a:schemeClr val="accent1"/>
+            </a:lnRef>
+            <a:fillRef idx="3">
+              <a:schemeClr val="accent1"/>
+            </a:fillRef>
+            <a:effectRef idx="2">
+              <a:schemeClr val="accent1"/>
+            </a:effectRef>
+            <a:fontRef idx="minor">
+              <a:schemeClr val="lt1"/>
+            </a:fontRef>
+          </p:style>
+        </p:sp>
+        <p:sp>
+          <p:nvSpPr>
+            <p:cNvPr id="15" name="Oval 14"/>
+            <p:cNvSpPr/>
+            <p:nvPr/>
+          </p:nvSpPr>
+          <p:spPr>
+            <a:xfrm>
+              <a:off x="8609012" y="1676400"/>
+              <a:ext cx="2819400" cy="2819400"/>
+            </a:xfrm>
+            <a:prstGeom prst="ellipse">
+              <a:avLst/>
+            </a:prstGeom>
+            <a:gradFill flip="none" rotWithShape="1">
+              <a:gsLst>
+                <a:gs pos="0">
+                  <a:schemeClr val="bg2">
+                    <a:lumMod val="40000"/>
+                    <a:lumOff val="60000"/>
+                    <a:alpha val="7000"/>
+                  </a:schemeClr>
+                </a:gs>
+                <a:gs pos="69000">
+                  <a:schemeClr val="bg2">
+                    <a:lumMod val="40000"/>
+                    <a:lumOff val="60000"/>
+                    <a:alpha val="0"/>
+                  </a:schemeClr>
+                </a:gs>
+                <a:gs pos="36000">
+                  <a:schemeClr val="bg2">
+                    <a:lumMod val="40000"/>
+                    <a:lumOff val="60000"/>
+                    <a:alpha val="6000"/>
                   </a:schemeClr>
                 </a:gs>
               </a:gsLst>
@@ -7449,8 +7988,8 @@
           </p:nvSpPr>
           <p:spPr>
             <a:xfrm>
-              <a:off x="0" y="2895600"/>
-              <a:ext cx="2362200" cy="2362200"/>
+              <a:off x="7999412" y="-2373"/>
+              <a:ext cx="1600200" cy="1600200"/>
             </a:xfrm>
             <a:prstGeom prst="ellipse">
               <a:avLst/>
@@ -7458,18 +7997,24 @@
             <a:gradFill flip="none" rotWithShape="1">
               <a:gsLst>
                 <a:gs pos="0">
-                  <a:schemeClr val="accent5">
-                    <a:alpha val="8000"/>
+                  <a:schemeClr val="bg2">
+                    <a:lumMod val="40000"/>
+                    <a:lumOff val="60000"/>
+                    <a:alpha val="14000"/>
                   </a:schemeClr>
                 </a:gs>
-                <a:gs pos="72000">
-                  <a:schemeClr val="accent5">
+                <a:gs pos="73000">
+                  <a:schemeClr val="bg2">
+                    <a:lumMod val="40000"/>
+                    <a:lumOff val="60000"/>
                     <a:alpha val="0"/>
                   </a:schemeClr>
                 </a:gs>
                 <a:gs pos="36000">
-                  <a:schemeClr val="accent5">
-                    <a:alpha val="8000"/>
+                  <a:schemeClr val="bg2">
+                    <a:lumMod val="40000"/>
+                    <a:lumOff val="60000"/>
+                    <a:alpha val="7000"/>
                   </a:schemeClr>
                 </a:gs>
               </a:gsLst>
@@ -7506,7 +8051,7 @@
           </p:nvSpPr>
           <p:spPr>
             <a:xfrm>
-              <a:off x="8609012" y="5867400"/>
+              <a:off x="8609012" y="5874054"/>
               <a:ext cx="990600" cy="990600"/>
             </a:xfrm>
             <a:prstGeom prst="ellipse">
@@ -7515,17 +8060,23 @@
             <a:gradFill flip="none" rotWithShape="1">
               <a:gsLst>
                 <a:gs pos="0">
-                  <a:schemeClr val="accent5">
+                  <a:schemeClr val="bg2">
+                    <a:lumMod val="40000"/>
+                    <a:lumOff val="60000"/>
                     <a:alpha val="14000"/>
                   </a:schemeClr>
                 </a:gs>
                 <a:gs pos="66000">
-                  <a:schemeClr val="accent5">
+                  <a:schemeClr val="bg2">
+                    <a:lumMod val="40000"/>
+                    <a:lumOff val="60000"/>
                     <a:alpha val="0"/>
                   </a:schemeClr>
                 </a:gs>
                 <a:gs pos="36000">
-                  <a:schemeClr val="accent5">
+                  <a:schemeClr val="bg2">
+                    <a:lumMod val="40000"/>
+                    <a:lumOff val="60000"/>
                     <a:alpha val="7000"/>
                   </a:schemeClr>
                 </a:gs>
@@ -7557,121 +8108,7 @@
         </p:sp>
         <p:sp>
           <p:nvSpPr>
-            <p:cNvPr id="18" name="Oval 17"/>
-            <p:cNvSpPr/>
-            <p:nvPr/>
-          </p:nvSpPr>
-          <p:spPr>
-            <a:xfrm>
-              <a:off x="8609012" y="1676400"/>
-              <a:ext cx="2819400" cy="2819400"/>
-            </a:xfrm>
-            <a:prstGeom prst="ellipse">
-              <a:avLst/>
-            </a:prstGeom>
-            <a:gradFill flip="none" rotWithShape="1">
-              <a:gsLst>
-                <a:gs pos="0">
-                  <a:schemeClr val="accent5">
-                    <a:alpha val="7000"/>
-                  </a:schemeClr>
-                </a:gs>
-                <a:gs pos="69000">
-                  <a:schemeClr val="accent5">
-                    <a:alpha val="0"/>
-                  </a:schemeClr>
-                </a:gs>
-                <a:gs pos="36000">
-                  <a:schemeClr val="accent5">
-                    <a:alpha val="6000"/>
-                  </a:schemeClr>
-                </a:gs>
-              </a:gsLst>
-              <a:path path="circle">
-                <a:fillToRect l="50000" t="50000" r="50000" b="50000"/>
-              </a:path>
-              <a:tileRect/>
-            </a:gradFill>
-            <a:ln>
-              <a:noFill/>
-            </a:ln>
-            <a:effectLst/>
-          </p:spPr>
-          <p:style>
-            <a:lnRef idx="1">
-              <a:schemeClr val="accent1"/>
-            </a:lnRef>
-            <a:fillRef idx="3">
-              <a:schemeClr val="accent1"/>
-            </a:fillRef>
-            <a:effectRef idx="2">
-              <a:schemeClr val="accent1"/>
-            </a:effectRef>
-            <a:fontRef idx="minor">
-              <a:schemeClr val="lt1"/>
-            </a:fontRef>
-          </p:style>
-        </p:sp>
-        <p:sp>
-          <p:nvSpPr>
-            <p:cNvPr id="19" name="Oval 18"/>
-            <p:cNvSpPr/>
-            <p:nvPr/>
-          </p:nvSpPr>
-          <p:spPr>
-            <a:xfrm>
-              <a:off x="7999412" y="8464"/>
-              <a:ext cx="1600200" cy="1600200"/>
-            </a:xfrm>
-            <a:prstGeom prst="ellipse">
-              <a:avLst/>
-            </a:prstGeom>
-            <a:gradFill flip="none" rotWithShape="1">
-              <a:gsLst>
-                <a:gs pos="0">
-                  <a:schemeClr val="accent5">
-                    <a:alpha val="14000"/>
-                  </a:schemeClr>
-                </a:gs>
-                <a:gs pos="73000">
-                  <a:schemeClr val="accent5">
-                    <a:alpha val="0"/>
-                  </a:schemeClr>
-                </a:gs>
-                <a:gs pos="36000">
-                  <a:schemeClr val="accent5">
-                    <a:alpha val="7000"/>
-                  </a:schemeClr>
-                </a:gs>
-              </a:gsLst>
-              <a:path path="circle">
-                <a:fillToRect l="50000" t="50000" r="50000" b="50000"/>
-              </a:path>
-              <a:tileRect/>
-            </a:gradFill>
-            <a:ln>
-              <a:noFill/>
-            </a:ln>
-            <a:effectLst/>
-          </p:spPr>
-          <p:style>
-            <a:lnRef idx="1">
-              <a:schemeClr val="accent1"/>
-            </a:lnRef>
-            <a:fillRef idx="3">
-              <a:schemeClr val="accent1"/>
-            </a:fillRef>
-            <a:effectRef idx="2">
-              <a:schemeClr val="accent1"/>
-            </a:effectRef>
-            <a:fontRef idx="minor">
-              <a:schemeClr val="lt1"/>
-            </a:fontRef>
-          </p:style>
-        </p:sp>
-        <p:sp>
-          <p:nvSpPr>
-            <p:cNvPr id="13" name="Freeform 5"/>
+            <p:cNvPr id="7" name="Freeform 5"/>
             <p:cNvSpPr/>
             <p:nvPr/>
           </p:nvSpPr>
@@ -8002,7 +8439,7 @@
         </p:sp>
         <p:sp>
           <p:nvSpPr>
-            <p:cNvPr id="12" name="Freeform 5"/>
+            <p:cNvPr id="11" name="Freeform 5"/>
             <p:cNvSpPr>
               <a:spLocks noEditPoints="1"/>
             </p:cNvSpPr>
@@ -8109,7 +8546,7 @@
         </p:nvSpPr>
         <p:spPr>
           <a:xfrm>
-            <a:off x="1154954" y="5024967"/>
+            <a:off x="1154954" y="5033068"/>
             <a:ext cx="8825659" cy="860400"/>
           </a:xfrm>
         </p:spPr>
@@ -8120,10 +8557,7 @@
               <a:buNone/>
               <a:defRPr sz="2000" cap="none">
                 <a:solidFill>
-                  <a:schemeClr val="accent1">
-                    <a:lumMod val="60000"/>
-                    <a:lumOff val="40000"/>
-                  </a:schemeClr>
+                  <a:schemeClr val="accent1"/>
                 </a:solidFill>
               </a:defRPr>
             </a:lvl1pPr>
@@ -8234,7 +8668,7 @@
           <a:p>
             <a:fld id="{71C85FF8-2AF0-6A4B-B786-86E31EDFDAD3}" type="datetimeFigureOut">
               <a:rPr lang="es-EC" smtClean="0"/>
-              <a:t>29/7/2019</a:t>
+              <a:t>29/07/2019</a:t>
             </a:fld>
             <a:endParaRPr lang="es-EC"/>
           </a:p>
@@ -8261,7 +8695,7 @@
       </p:sp>
       <p:sp>
         <p:nvSpPr>
-          <p:cNvPr id="14" name="Rectangle 13"/>
+          <p:cNvPr id="12" name="Rectangle 11"/>
           <p:cNvSpPr/>
           <p:nvPr/>
         </p:nvSpPr>
@@ -8321,7 +8755,7 @@
     </p:spTree>
     <p:extLst>
       <p:ext uri="{BB962C8B-B14F-4D97-AF65-F5344CB8AC3E}">
-        <p14:creationId xmlns:p14="http://schemas.microsoft.com/office/powerpoint/2010/main" val="4054702313"/>
+        <p14:creationId xmlns:p14="http://schemas.microsoft.com/office/powerpoint/2010/main" val="3997464464"/>
       </p:ext>
     </p:extLst>
   </p:cSld>
@@ -8358,12 +8792,7 @@
             <p:ph type="title"/>
           </p:nvPr>
         </p:nvSpPr>
-        <p:spPr>
-          <a:xfrm>
-            <a:off x="1154954" y="973668"/>
-            <a:ext cx="8825659" cy="706964"/>
-          </a:xfrm>
-        </p:spPr>
+        <p:spPr/>
         <p:txBody>
           <a:bodyPr/>
           <a:lstStyle>
@@ -8392,8 +8821,8 @@
         </p:nvSpPr>
         <p:spPr>
           <a:xfrm>
-            <a:off x="1154954" y="2603502"/>
-            <a:ext cx="3141878" cy="576262"/>
+            <a:off x="1154954" y="2617299"/>
+            <a:ext cx="3129168" cy="576262"/>
           </a:xfrm>
         </p:spPr>
         <p:txBody>
@@ -8405,10 +8834,7 @@
               <a:buNone/>
               <a:defRPr sz="2400" b="0">
                 <a:solidFill>
-                  <a:schemeClr val="accent1">
-                    <a:lumMod val="60000"/>
-                    <a:lumOff val="40000"/>
-                  </a:schemeClr>
+                  <a:schemeClr val="accent1"/>
                 </a:solidFill>
               </a:defRPr>
             </a:lvl1pPr>
@@ -8466,8 +8892,8 @@
         </p:nvSpPr>
         <p:spPr>
           <a:xfrm>
-            <a:off x="1154953" y="3179764"/>
-            <a:ext cx="3141879" cy="2847293"/>
+            <a:off x="1154954" y="3193561"/>
+            <a:ext cx="3129168" cy="2833496"/>
           </a:xfrm>
         </p:spPr>
         <p:txBody>
@@ -8533,8 +8959,8 @@
         </p:nvSpPr>
         <p:spPr>
           <a:xfrm>
-            <a:off x="4512721" y="2603500"/>
-            <a:ext cx="3147009" cy="576262"/>
+            <a:off x="4512721" y="2603502"/>
+            <a:ext cx="3145380" cy="576262"/>
           </a:xfrm>
         </p:spPr>
         <p:txBody>
@@ -8546,10 +8972,7 @@
               <a:buNone/>
               <a:defRPr sz="2400" b="0">
                 <a:solidFill>
-                  <a:schemeClr val="accent1">
-                    <a:lumMod val="60000"/>
-                    <a:lumOff val="40000"/>
-                  </a:schemeClr>
+                  <a:schemeClr val="accent1"/>
                 </a:solidFill>
               </a:defRPr>
             </a:lvl1pPr>
@@ -8607,8 +9030,8 @@
         </p:nvSpPr>
         <p:spPr>
           <a:xfrm>
-            <a:off x="4512721" y="3179763"/>
-            <a:ext cx="3147009" cy="2847293"/>
+            <a:off x="4512721" y="3193561"/>
+            <a:ext cx="3145380" cy="2833495"/>
           </a:xfrm>
         </p:spPr>
         <p:txBody>
@@ -8674,8 +9097,8 @@
         </p:nvSpPr>
         <p:spPr>
           <a:xfrm>
-            <a:off x="7888135" y="2603501"/>
-            <a:ext cx="3145730" cy="576262"/>
+            <a:off x="7886700" y="2617299"/>
+            <a:ext cx="3161029" cy="576261"/>
           </a:xfrm>
         </p:spPr>
         <p:txBody>
@@ -8687,10 +9110,7 @@
               <a:buNone/>
               <a:defRPr sz="2400" b="0">
                 <a:solidFill>
-                  <a:schemeClr val="accent1">
-                    <a:lumMod val="60000"/>
-                    <a:lumOff val="40000"/>
-                  </a:schemeClr>
+                  <a:schemeClr val="accent1"/>
                 </a:solidFill>
               </a:defRPr>
             </a:lvl1pPr>
@@ -8748,8 +9168,8 @@
         </p:nvSpPr>
         <p:spPr>
           <a:xfrm>
-            <a:off x="7888329" y="3179762"/>
-            <a:ext cx="3145536" cy="2847293"/>
+            <a:off x="7886700" y="3193561"/>
+            <a:ext cx="3164719" cy="2833493"/>
           </a:xfrm>
         </p:spPr>
         <p:txBody>
@@ -8805,7 +9225,7 @@
       </p:sp>
       <p:cxnSp>
         <p:nvCxnSpPr>
-          <p:cNvPr id="17" name="Straight Connector 16"/>
+          <p:cNvPr id="22" name="Straight Connector 21"/>
           <p:cNvCxnSpPr/>
           <p:nvPr/>
         </p:nvCxnSpPr>
@@ -8820,7 +9240,7 @@
           <a:ln w="12700" cmpd="sng">
             <a:solidFill>
               <a:schemeClr val="accent1">
-                <a:alpha val="40000"/>
+                <a:alpha val="41000"/>
               </a:schemeClr>
             </a:solidFill>
           </a:ln>
@@ -8842,7 +9262,7 @@
       </p:cxnSp>
       <p:cxnSp>
         <p:nvCxnSpPr>
-          <p:cNvPr id="18" name="Straight Connector 17"/>
+          <p:cNvPr id="23" name="Straight Connector 22"/>
           <p:cNvCxnSpPr/>
           <p:nvPr/>
         </p:nvCxnSpPr>
@@ -8857,7 +9277,7 @@
           <a:ln w="12700" cmpd="sng">
             <a:solidFill>
               <a:schemeClr val="accent1">
-                <a:alpha val="40000"/>
+                <a:alpha val="41000"/>
               </a:schemeClr>
             </a:solidFill>
           </a:ln>
@@ -8894,7 +9314,7 @@
           <a:p>
             <a:fld id="{71C85FF8-2AF0-6A4B-B786-86E31EDFDAD3}" type="datetimeFigureOut">
               <a:rPr lang="es-EC" smtClean="0"/>
-              <a:t>29/7/2019</a:t>
+              <a:t>29/07/2019</a:t>
             </a:fld>
             <a:endParaRPr lang="es-EC"/>
           </a:p>
@@ -8945,7 +9365,7 @@
     </p:spTree>
     <p:extLst>
       <p:ext uri="{BB962C8B-B14F-4D97-AF65-F5344CB8AC3E}">
-        <p14:creationId xmlns:p14="http://schemas.microsoft.com/office/powerpoint/2010/main" val="2570497941"/>
+        <p14:creationId xmlns:p14="http://schemas.microsoft.com/office/powerpoint/2010/main" val="3842553538"/>
       </p:ext>
     </p:extLst>
   </p:cSld>
@@ -8982,12 +9402,7 @@
             <p:ph type="title"/>
           </p:nvPr>
         </p:nvSpPr>
-        <p:spPr>
-          <a:xfrm>
-            <a:off x="1154954" y="973668"/>
-            <a:ext cx="8825659" cy="706964"/>
-          </a:xfrm>
-        </p:spPr>
+        <p:spPr/>
         <p:txBody>
           <a:bodyPr/>
           <a:lstStyle>
@@ -9016,8 +9431,8 @@
         </p:nvSpPr>
         <p:spPr>
           <a:xfrm>
-            <a:off x="1154954" y="4532844"/>
-            <a:ext cx="3050438" cy="576262"/>
+            <a:off x="1154952" y="4532845"/>
+            <a:ext cx="3050439" cy="576262"/>
           </a:xfrm>
         </p:spPr>
         <p:txBody>
@@ -9029,10 +9444,7 @@
               <a:buNone/>
               <a:defRPr sz="2400" b="0">
                 <a:solidFill>
-                  <a:schemeClr val="accent1">
-                    <a:lumMod val="60000"/>
-                    <a:lumOff val="40000"/>
-                  </a:schemeClr>
+                  <a:schemeClr val="accent1"/>
                 </a:solidFill>
               </a:defRPr>
             </a:lvl1pPr>
@@ -9080,7 +9492,7 @@
       </p:sp>
       <p:sp>
         <p:nvSpPr>
-          <p:cNvPr id="19" name="Picture Placeholder 2"/>
+          <p:cNvPr id="29" name="Picture Placeholder 2"/>
           <p:cNvSpPr>
             <a:spLocks noGrp="1" noChangeAspect="1"/>
           </p:cNvSpPr>
@@ -9090,7 +9502,7 @@
         </p:nvSpPr>
         <p:spPr>
           <a:xfrm>
-            <a:off x="1334553" y="2603500"/>
+            <a:off x="1334552" y="2603500"/>
             <a:ext cx="2691242" cy="1591510"/>
           </a:xfrm>
           <a:prstGeom prst="roundRect">
@@ -9169,8 +9581,8 @@
         </p:nvSpPr>
         <p:spPr>
           <a:xfrm>
-            <a:off x="1154954" y="5109106"/>
-            <a:ext cx="3050438" cy="917952"/>
+            <a:off x="1154953" y="5109107"/>
+            <a:ext cx="3050437" cy="917949"/>
           </a:xfrm>
         </p:spPr>
         <p:txBody>
@@ -9236,8 +9648,8 @@
         </p:nvSpPr>
         <p:spPr>
           <a:xfrm>
-            <a:off x="4568865" y="4532844"/>
-            <a:ext cx="3050438" cy="576263"/>
+            <a:off x="4572537" y="4532846"/>
+            <a:ext cx="3046766" cy="651156"/>
           </a:xfrm>
         </p:spPr>
         <p:txBody>
@@ -9249,10 +9661,7 @@
               <a:buNone/>
               <a:defRPr sz="2400" b="0">
                 <a:solidFill>
-                  <a:schemeClr val="accent1">
-                    <a:lumMod val="60000"/>
-                    <a:lumOff val="40000"/>
-                  </a:schemeClr>
+                  <a:schemeClr val="accent1"/>
                 </a:solidFill>
               </a:defRPr>
             </a:lvl1pPr>
@@ -9300,7 +9709,7 @@
       </p:sp>
       <p:sp>
         <p:nvSpPr>
-          <p:cNvPr id="41" name="Picture Placeholder 2"/>
+          <p:cNvPr id="30" name="Picture Placeholder 2"/>
           <p:cNvSpPr>
             <a:spLocks noGrp="1" noChangeAspect="1"/>
           </p:cNvSpPr>
@@ -9310,8 +9719,8 @@
         </p:nvSpPr>
         <p:spPr>
           <a:xfrm>
-            <a:off x="4748462" y="2603500"/>
-            <a:ext cx="2691243" cy="1591510"/>
+            <a:off x="4748463" y="2603500"/>
+            <a:ext cx="2691241" cy="1591510"/>
           </a:xfrm>
           <a:prstGeom prst="roundRect">
             <a:avLst>
@@ -9389,8 +9798,8 @@
         </p:nvSpPr>
         <p:spPr>
           <a:xfrm>
-            <a:off x="4570172" y="5109105"/>
-            <a:ext cx="3050438" cy="917952"/>
+            <a:off x="4568865" y="5184002"/>
+            <a:ext cx="3050438" cy="843056"/>
           </a:xfrm>
         </p:spPr>
         <p:txBody>
@@ -9456,8 +9865,8 @@
         </p:nvSpPr>
         <p:spPr>
           <a:xfrm>
-            <a:off x="7982775" y="4532845"/>
-            <a:ext cx="3051095" cy="576262"/>
+            <a:off x="7983434" y="4532847"/>
+            <a:ext cx="3050438" cy="651154"/>
           </a:xfrm>
         </p:spPr>
         <p:txBody>
@@ -9469,10 +9878,7 @@
               <a:buNone/>
               <a:defRPr sz="2400" b="0">
                 <a:solidFill>
-                  <a:schemeClr val="accent1">
-                    <a:lumMod val="60000"/>
-                    <a:lumOff val="40000"/>
-                  </a:schemeClr>
+                  <a:schemeClr val="accent1"/>
                 </a:solidFill>
               </a:defRPr>
             </a:lvl1pPr>
@@ -9520,7 +9926,7 @@
       </p:sp>
       <p:sp>
         <p:nvSpPr>
-          <p:cNvPr id="42" name="Picture Placeholder 2"/>
+          <p:cNvPr id="31" name="Picture Placeholder 2"/>
           <p:cNvSpPr>
             <a:spLocks noGrp="1" noChangeAspect="1"/>
           </p:cNvSpPr>
@@ -9609,8 +10015,8 @@
         </p:nvSpPr>
         <p:spPr>
           <a:xfrm>
-            <a:off x="7982775" y="5109104"/>
-            <a:ext cx="3051096" cy="917952"/>
+            <a:off x="7983434" y="5184001"/>
+            <a:ext cx="3050437" cy="843054"/>
           </a:xfrm>
         </p:spPr>
         <p:txBody>
@@ -9666,14 +10072,14 @@
       </p:sp>
       <p:cxnSp>
         <p:nvCxnSpPr>
-          <p:cNvPr id="43" name="Straight Connector 42"/>
+          <p:cNvPr id="17" name="Straight Connector 16"/>
           <p:cNvCxnSpPr/>
           <p:nvPr/>
         </p:nvCxnSpPr>
         <p:spPr>
           <a:xfrm>
-            <a:off x="4405831" y="2569633"/>
-            <a:ext cx="0" cy="3492499"/>
+            <a:off x="4388153" y="2603500"/>
+            <a:ext cx="0" cy="3517594"/>
           </a:xfrm>
           <a:prstGeom prst="line">
             <a:avLst/>
@@ -9703,14 +10109,14 @@
       </p:cxnSp>
       <p:cxnSp>
         <p:nvCxnSpPr>
-          <p:cNvPr id="44" name="Straight Connector 43"/>
+          <p:cNvPr id="18" name="Straight Connector 17"/>
           <p:cNvCxnSpPr/>
           <p:nvPr/>
         </p:nvCxnSpPr>
         <p:spPr>
           <a:xfrm>
-            <a:off x="7797802" y="2569633"/>
-            <a:ext cx="0" cy="3492499"/>
+            <a:off x="7801905" y="2603500"/>
+            <a:ext cx="0" cy="3492500"/>
           </a:xfrm>
           <a:prstGeom prst="line">
             <a:avLst/>
@@ -9755,7 +10161,7 @@
           <a:p>
             <a:fld id="{71C85FF8-2AF0-6A4B-B786-86E31EDFDAD3}" type="datetimeFigureOut">
               <a:rPr lang="es-EC" smtClean="0"/>
-              <a:t>29/7/2019</a:t>
+              <a:t>29/07/2019</a:t>
             </a:fld>
             <a:endParaRPr lang="es-EC"/>
           </a:p>
@@ -9771,12 +10177,7 @@
             <p:ph type="ftr" sz="quarter" idx="11"/>
           </p:nvPr>
         </p:nvSpPr>
-        <p:spPr>
-          <a:xfrm>
-            <a:off x="561111" y="6391838"/>
-            <a:ext cx="3644282" cy="304801"/>
-          </a:xfrm>
-        </p:spPr>
+        <p:spPr/>
         <p:txBody>
           <a:bodyPr/>
           <a:lstStyle/>
@@ -9811,7 +10212,7 @@
     </p:spTree>
     <p:extLst>
       <p:ext uri="{BB962C8B-B14F-4D97-AF65-F5344CB8AC3E}">
-        <p14:creationId xmlns:p14="http://schemas.microsoft.com/office/powerpoint/2010/main" val="2717416749"/>
+        <p14:creationId xmlns:p14="http://schemas.microsoft.com/office/powerpoint/2010/main" val="1782142827"/>
       </p:ext>
     </p:extLst>
   </p:cSld>
@@ -9850,8 +10251,8 @@
         </p:nvSpPr>
         <p:spPr>
           <a:xfrm>
-            <a:off x="1154954" y="973668"/>
-            <a:ext cx="8825659" cy="706964"/>
+            <a:off x="1154953" y="973668"/>
+            <a:ext cx="8825660" cy="706964"/>
           </a:xfrm>
         </p:spPr>
         <p:txBody>
@@ -9876,12 +10277,7 @@
             <p:ph type="body" orient="vert" idx="1"/>
           </p:nvPr>
         </p:nvSpPr>
-        <p:spPr>
-          <a:xfrm>
-            <a:off x="1154954" y="2603500"/>
-            <a:ext cx="8825659" cy="3416300"/>
-          </a:xfrm>
-        </p:spPr>
+        <p:spPr/>
         <p:txBody>
           <a:bodyPr vert="eaVert" anchor="t" anchorCtr="0"/>
           <a:lstStyle/>
@@ -9933,19 +10329,14 @@
             <p:ph type="dt" sz="half" idx="10"/>
           </p:nvPr>
         </p:nvSpPr>
-        <p:spPr>
-          <a:xfrm>
-            <a:off x="10695439" y="6391838"/>
-            <a:ext cx="990599" cy="304799"/>
-          </a:xfrm>
-        </p:spPr>
+        <p:spPr/>
         <p:txBody>
           <a:bodyPr/>
           <a:lstStyle/>
           <a:p>
             <a:fld id="{71C85FF8-2AF0-6A4B-B786-86E31EDFDAD3}" type="datetimeFigureOut">
               <a:rPr lang="es-EC" smtClean="0"/>
-              <a:t>29/7/2019</a:t>
+              <a:t>29/07/2019</a:t>
             </a:fld>
             <a:endParaRPr lang="es-EC"/>
           </a:p>
@@ -9996,7 +10387,7 @@
     </p:spTree>
     <p:extLst>
       <p:ext uri="{BB962C8B-B14F-4D97-AF65-F5344CB8AC3E}">
-        <p14:creationId xmlns:p14="http://schemas.microsoft.com/office/powerpoint/2010/main" val="3354157157"/>
+        <p14:creationId xmlns:p14="http://schemas.microsoft.com/office/powerpoint/2010/main" val="1294045248"/>
       </p:ext>
     </p:extLst>
   </p:cSld>
@@ -10025,21 +10416,21 @@
       </p:grpSpPr>
       <p:grpSp>
         <p:nvGrpSpPr>
-          <p:cNvPr id="9" name="Group 8"/>
+          <p:cNvPr id="19" name="Group 18"/>
           <p:cNvGrpSpPr/>
           <p:nvPr/>
         </p:nvGrpSpPr>
         <p:grpSpPr>
           <a:xfrm>
-            <a:off x="0" y="0"/>
-            <a:ext cx="12192000" cy="6858000"/>
-            <a:chOff x="0" y="0"/>
-            <a:chExt cx="12192000" cy="6858000"/>
+            <a:off x="0" y="-2373"/>
+            <a:ext cx="12192000" cy="6867027"/>
+            <a:chOff x="0" y="-2373"/>
+            <a:chExt cx="12192000" cy="6867027"/>
           </a:xfrm>
         </p:grpSpPr>
         <p:sp>
           <p:nvSpPr>
-            <p:cNvPr id="12" name="Rectangle 11"/>
+            <p:cNvPr id="11" name="Rectangle 10"/>
             <p:cNvSpPr/>
             <p:nvPr/>
           </p:nvSpPr>
@@ -10055,15 +10446,16 @@
               <a:blip r:embed="rId2">
                 <a:duotone>
                   <a:schemeClr val="dk2">
-                    <a:shade val="69000"/>
-                    <a:hueMod val="91000"/>
+                    <a:shade val="62000"/>
+                    <a:hueMod val="108000"/>
                     <a:satMod val="164000"/>
-                    <a:lumMod val="74000"/>
+                    <a:lumMod val="69000"/>
                   </a:schemeClr>
                   <a:schemeClr val="dk2">
-                    <a:hueMod val="124000"/>
-                    <a:satMod val="140000"/>
-                    <a:lumMod val="142000"/>
+                    <a:tint val="96000"/>
+                    <a:hueMod val="90000"/>
+                    <a:satMod val="130000"/>
+                    <a:lumMod val="134000"/>
                   </a:schemeClr>
                 </a:duotone>
               </a:blip>
@@ -10094,13 +10486,13 @@
         </p:sp>
         <p:sp>
           <p:nvSpPr>
-            <p:cNvPr id="15" name="Oval 14"/>
+            <p:cNvPr id="14" name="Oval 13"/>
             <p:cNvSpPr/>
             <p:nvPr/>
           </p:nvSpPr>
           <p:spPr>
             <a:xfrm>
-              <a:off x="0" y="2667000"/>
+              <a:off x="3220" y="2667000"/>
               <a:ext cx="4191000" cy="4191000"/>
             </a:xfrm>
             <a:prstGeom prst="ellipse">
@@ -10109,18 +10501,87 @@
             <a:gradFill flip="none" rotWithShape="1">
               <a:gsLst>
                 <a:gs pos="0">
-                  <a:schemeClr val="accent5">
+                  <a:schemeClr val="bg2">
+                    <a:lumMod val="40000"/>
+                    <a:lumOff val="60000"/>
                     <a:alpha val="11000"/>
                   </a:schemeClr>
                 </a:gs>
                 <a:gs pos="75000">
-                  <a:schemeClr val="accent5">
+                  <a:schemeClr val="bg2">
+                    <a:lumMod val="40000"/>
+                    <a:lumOff val="60000"/>
                     <a:alpha val="0"/>
                   </a:schemeClr>
                 </a:gs>
                 <a:gs pos="36000">
-                  <a:schemeClr val="accent5">
+                  <a:schemeClr val="bg2">
+                    <a:lumMod val="40000"/>
+                    <a:lumOff val="60000"/>
                     <a:alpha val="10000"/>
+                  </a:schemeClr>
+                </a:gs>
+              </a:gsLst>
+              <a:path path="circle">
+                <a:fillToRect l="50000" t="50000" r="50000" b="50000"/>
+              </a:path>
+              <a:tileRect/>
+            </a:gradFill>
+            <a:ln>
+              <a:noFill/>
+            </a:ln>
+            <a:effectLst/>
+          </p:spPr>
+          <p:style>
+            <a:lnRef idx="1">
+              <a:schemeClr val="accent1"/>
+            </a:lnRef>
+            <a:fillRef idx="3">
+              <a:schemeClr val="accent1"/>
+            </a:fillRef>
+            <a:effectRef idx="2">
+              <a:schemeClr val="accent1"/>
+            </a:effectRef>
+            <a:fontRef idx="minor">
+              <a:schemeClr val="lt1"/>
+            </a:fontRef>
+          </p:style>
+        </p:sp>
+        <p:sp>
+          <p:nvSpPr>
+            <p:cNvPr id="15" name="Oval 14"/>
+            <p:cNvSpPr/>
+            <p:nvPr/>
+          </p:nvSpPr>
+          <p:spPr>
+            <a:xfrm>
+              <a:off x="1750" y="2895600"/>
+              <a:ext cx="2362200" cy="2362200"/>
+            </a:xfrm>
+            <a:prstGeom prst="ellipse">
+              <a:avLst/>
+            </a:prstGeom>
+            <a:gradFill flip="none" rotWithShape="1">
+              <a:gsLst>
+                <a:gs pos="0">
+                  <a:schemeClr val="bg2">
+                    <a:lumMod val="40000"/>
+                    <a:lumOff val="60000"/>
+                    <a:alpha val="8000"/>
+                  </a:schemeClr>
+                </a:gs>
+                <a:gs pos="72000">
+                  <a:schemeClr val="bg2">
+                    <a:lumMod val="40000"/>
+                    <a:lumOff val="60000"/>
+                    <a:alpha val="0"/>
+                  </a:schemeClr>
+                </a:gs>
+                <a:gs pos="36000">
+                  <a:schemeClr val="bg2">
+                    <a:lumMod val="40000"/>
+                    <a:lumOff val="60000"/>
+                    <a:alpha val="8000"/>
                   </a:schemeClr>
                 </a:gs>
               </a:gsLst>
@@ -10157,8 +10618,8 @@
           </p:nvSpPr>
           <p:spPr>
             <a:xfrm>
-              <a:off x="0" y="2895600"/>
-              <a:ext cx="2362200" cy="2362200"/>
+              <a:off x="8609012" y="1676400"/>
+              <a:ext cx="2819400" cy="2819400"/>
             </a:xfrm>
             <a:prstGeom prst="ellipse">
               <a:avLst/>
@@ -10166,18 +10627,87 @@
             <a:gradFill flip="none" rotWithShape="1">
               <a:gsLst>
                 <a:gs pos="0">
-                  <a:schemeClr val="accent5">
-                    <a:alpha val="8000"/>
+                  <a:schemeClr val="bg2">
+                    <a:lumMod val="40000"/>
+                    <a:lumOff val="60000"/>
+                    <a:alpha val="7000"/>
                   </a:schemeClr>
                 </a:gs>
-                <a:gs pos="72000">
-                  <a:schemeClr val="accent5">
+                <a:gs pos="69000">
+                  <a:schemeClr val="bg2">
+                    <a:lumMod val="40000"/>
+                    <a:lumOff val="60000"/>
                     <a:alpha val="0"/>
                   </a:schemeClr>
                 </a:gs>
                 <a:gs pos="36000">
-                  <a:schemeClr val="accent5">
-                    <a:alpha val="8000"/>
+                  <a:schemeClr val="bg2">
+                    <a:lumMod val="40000"/>
+                    <a:lumOff val="60000"/>
+                    <a:alpha val="6000"/>
+                  </a:schemeClr>
+                </a:gs>
+              </a:gsLst>
+              <a:path path="circle">
+                <a:fillToRect l="50000" t="50000" r="50000" b="50000"/>
+              </a:path>
+              <a:tileRect/>
+            </a:gradFill>
+            <a:ln>
+              <a:noFill/>
+            </a:ln>
+            <a:effectLst/>
+          </p:spPr>
+          <p:style>
+            <a:lnRef idx="1">
+              <a:schemeClr val="accent1"/>
+            </a:lnRef>
+            <a:fillRef idx="3">
+              <a:schemeClr val="accent1"/>
+            </a:fillRef>
+            <a:effectRef idx="2">
+              <a:schemeClr val="accent1"/>
+            </a:effectRef>
+            <a:fontRef idx="minor">
+              <a:schemeClr val="lt1"/>
+            </a:fontRef>
+          </p:style>
+        </p:sp>
+        <p:sp>
+          <p:nvSpPr>
+            <p:cNvPr id="17" name="Oval 16"/>
+            <p:cNvSpPr/>
+            <p:nvPr/>
+          </p:nvSpPr>
+          <p:spPr>
+            <a:xfrm>
+              <a:off x="7999412" y="-2373"/>
+              <a:ext cx="1600200" cy="1600200"/>
+            </a:xfrm>
+            <a:prstGeom prst="ellipse">
+              <a:avLst/>
+            </a:prstGeom>
+            <a:gradFill flip="none" rotWithShape="1">
+              <a:gsLst>
+                <a:gs pos="0">
+                  <a:schemeClr val="bg2">
+                    <a:lumMod val="40000"/>
+                    <a:lumOff val="60000"/>
+                    <a:alpha val="14000"/>
+                  </a:schemeClr>
+                </a:gs>
+                <a:gs pos="73000">
+                  <a:schemeClr val="bg2">
+                    <a:lumMod val="40000"/>
+                    <a:lumOff val="60000"/>
+                    <a:alpha val="0"/>
+                  </a:schemeClr>
+                </a:gs>
+                <a:gs pos="36000">
+                  <a:schemeClr val="bg2">
+                    <a:lumMod val="40000"/>
+                    <a:lumOff val="60000"/>
+                    <a:alpha val="7000"/>
                   </a:schemeClr>
                 </a:gs>
               </a:gsLst>
@@ -10214,7 +10744,7 @@
           </p:nvSpPr>
           <p:spPr>
             <a:xfrm>
-              <a:off x="8609012" y="5867400"/>
+              <a:off x="8609012" y="5874054"/>
               <a:ext cx="990600" cy="990600"/>
             </a:xfrm>
             <a:prstGeom prst="ellipse">
@@ -10223,17 +10753,23 @@
             <a:gradFill flip="none" rotWithShape="1">
               <a:gsLst>
                 <a:gs pos="0">
-                  <a:schemeClr val="accent5">
+                  <a:schemeClr val="bg2">
+                    <a:lumMod val="40000"/>
+                    <a:lumOff val="60000"/>
                     <a:alpha val="14000"/>
                   </a:schemeClr>
                 </a:gs>
                 <a:gs pos="66000">
-                  <a:schemeClr val="accent5">
+                  <a:schemeClr val="bg2">
+                    <a:lumMod val="40000"/>
+                    <a:lumOff val="60000"/>
                     <a:alpha val="0"/>
                   </a:schemeClr>
                 </a:gs>
                 <a:gs pos="36000">
-                  <a:schemeClr val="accent5">
+                  <a:schemeClr val="bg2">
+                    <a:lumMod val="40000"/>
+                    <a:lumOff val="60000"/>
                     <a:alpha val="7000"/>
                   </a:schemeClr>
                 </a:gs>
@@ -10265,125 +10801,158 @@
         </p:sp>
         <p:sp>
           <p:nvSpPr>
-            <p:cNvPr id="19" name="Oval 18"/>
+            <p:cNvPr id="7" name="Freeform 5"/>
+            <p:cNvSpPr/>
+            <p:nvPr/>
+          </p:nvSpPr>
+          <p:spPr bwMode="gray">
+            <a:xfrm rot="5101749">
+              <a:off x="6294738" y="4577737"/>
+              <a:ext cx="3299407" cy="440924"/>
+            </a:xfrm>
+            <a:custGeom>
+              <a:avLst/>
+              <a:gdLst/>
+              <a:ahLst/>
+              <a:cxnLst/>
+              <a:rect l="l" t="t" r="r" b="b"/>
+              <a:pathLst>
+                <a:path w="10000" h="5291">
+                  <a:moveTo>
+                    <a:pt x="85" y="2532"/>
+                  </a:moveTo>
+                  <a:cubicBezTo>
+                    <a:pt x="1736" y="3911"/>
+                    <a:pt x="7524" y="5298"/>
+                    <a:pt x="9958" y="5291"/>
+                  </a:cubicBezTo>
+                  <a:cubicBezTo>
+                    <a:pt x="9989" y="1958"/>
+                    <a:pt x="9969" y="3333"/>
+                    <a:pt x="10000" y="0"/>
+                  </a:cubicBezTo>
+                  <a:lnTo>
+                    <a:pt x="10000" y="0"/>
+                  </a:lnTo>
+                  <a:lnTo>
+                    <a:pt x="9667" y="204"/>
+                  </a:lnTo>
+                  <a:lnTo>
+                    <a:pt x="9334" y="400"/>
+                  </a:lnTo>
+                  <a:lnTo>
+                    <a:pt x="9001" y="590"/>
+                  </a:lnTo>
+                  <a:lnTo>
+                    <a:pt x="8667" y="753"/>
+                  </a:lnTo>
+                  <a:lnTo>
+                    <a:pt x="8333" y="917"/>
+                  </a:lnTo>
+                  <a:lnTo>
+                    <a:pt x="7999" y="1071"/>
+                  </a:lnTo>
+                  <a:lnTo>
+                    <a:pt x="7669" y="1202"/>
+                  </a:lnTo>
+                  <a:lnTo>
+                    <a:pt x="7333" y="1325"/>
+                  </a:lnTo>
+                  <a:lnTo>
+                    <a:pt x="7000" y="1440"/>
+                  </a:lnTo>
+                  <a:lnTo>
+                    <a:pt x="6673" y="1538"/>
+                  </a:lnTo>
+                  <a:lnTo>
+                    <a:pt x="6340" y="1636"/>
+                  </a:lnTo>
+                  <a:lnTo>
+                    <a:pt x="6013" y="1719"/>
+                  </a:lnTo>
+                  <a:lnTo>
+                    <a:pt x="5686" y="1784"/>
+                  </a:lnTo>
+                  <a:lnTo>
+                    <a:pt x="5359" y="1850"/>
+                  </a:lnTo>
+                  <a:lnTo>
+                    <a:pt x="5036" y="1906"/>
+                  </a:lnTo>
+                  <a:lnTo>
+                    <a:pt x="4717" y="1948"/>
+                  </a:lnTo>
+                  <a:lnTo>
+                    <a:pt x="4396" y="1980"/>
+                  </a:lnTo>
+                  <a:lnTo>
+                    <a:pt x="4079" y="2013"/>
+                  </a:lnTo>
+                  <a:lnTo>
+                    <a:pt x="3766" y="2029"/>
+                  </a:lnTo>
+                  <a:lnTo>
+                    <a:pt x="3454" y="2046"/>
+                  </a:lnTo>
+                  <a:lnTo>
+                    <a:pt x="3145" y="2053"/>
+                  </a:lnTo>
+                  <a:lnTo>
+                    <a:pt x="2839" y="2046"/>
+                  </a:lnTo>
+                  <a:lnTo>
+                    <a:pt x="2537" y="2046"/>
+                  </a:lnTo>
+                  <a:lnTo>
+                    <a:pt x="2238" y="2029"/>
+                  </a:lnTo>
+                  <a:lnTo>
+                    <a:pt x="1943" y="2004"/>
+                  </a:lnTo>
+                  <a:lnTo>
+                    <a:pt x="1653" y="1980"/>
+                  </a:lnTo>
+                  <a:lnTo>
+                    <a:pt x="1368" y="1955"/>
+                  </a:lnTo>
+                  <a:lnTo>
+                    <a:pt x="1085" y="1915"/>
+                  </a:lnTo>
+                  <a:lnTo>
+                    <a:pt x="806" y="1873"/>
+                  </a:lnTo>
+                  <a:lnTo>
+                    <a:pt x="533" y="1833"/>
+                  </a:lnTo>
+                  <a:lnTo>
+                    <a:pt x="0" y="1726"/>
+                  </a:lnTo>
+                  <a:cubicBezTo>
+                    <a:pt x="28" y="1995"/>
+                    <a:pt x="57" y="2263"/>
+                    <a:pt x="85" y="2532"/>
+                  </a:cubicBezTo>
+                  <a:close/>
+                </a:path>
+              </a:pathLst>
+            </a:custGeom>
+            <a:solidFill>
+              <a:schemeClr val="bg1">
+                <a:alpha val="20000"/>
+              </a:schemeClr>
+            </a:solidFill>
+            <a:ln>
+              <a:noFill/>
+            </a:ln>
+          </p:spPr>
+        </p:sp>
+        <p:sp>
+          <p:nvSpPr>
+            <p:cNvPr id="8" name="Rectangle 7"/>
             <p:cNvSpPr/>
             <p:nvPr/>
           </p:nvSpPr>
           <p:spPr>
-            <a:xfrm>
-              <a:off x="8609012" y="1676400"/>
-              <a:ext cx="2819400" cy="2819400"/>
-            </a:xfrm>
-            <a:prstGeom prst="ellipse">
-              <a:avLst/>
-            </a:prstGeom>
-            <a:gradFill flip="none" rotWithShape="1">
-              <a:gsLst>
-                <a:gs pos="0">
-                  <a:schemeClr val="accent5">
-                    <a:alpha val="7000"/>
-                  </a:schemeClr>
-                </a:gs>
-                <a:gs pos="69000">
-                  <a:schemeClr val="accent5">
-                    <a:alpha val="0"/>
-                  </a:schemeClr>
-                </a:gs>
-                <a:gs pos="36000">
-                  <a:schemeClr val="accent5">
-                    <a:alpha val="6000"/>
-                  </a:schemeClr>
-                </a:gs>
-              </a:gsLst>
-              <a:path path="circle">
-                <a:fillToRect l="50000" t="50000" r="50000" b="50000"/>
-              </a:path>
-              <a:tileRect/>
-            </a:gradFill>
-            <a:ln>
-              <a:noFill/>
-            </a:ln>
-            <a:effectLst/>
-          </p:spPr>
-          <p:style>
-            <a:lnRef idx="1">
-              <a:schemeClr val="accent1"/>
-            </a:lnRef>
-            <a:fillRef idx="3">
-              <a:schemeClr val="accent1"/>
-            </a:fillRef>
-            <a:effectRef idx="2">
-              <a:schemeClr val="accent1"/>
-            </a:effectRef>
-            <a:fontRef idx="minor">
-              <a:schemeClr val="lt1"/>
-            </a:fontRef>
-          </p:style>
-        </p:sp>
-        <p:sp>
-          <p:nvSpPr>
-            <p:cNvPr id="20" name="Oval 19"/>
-            <p:cNvSpPr/>
-            <p:nvPr/>
-          </p:nvSpPr>
-          <p:spPr>
-            <a:xfrm>
-              <a:off x="7999412" y="8464"/>
-              <a:ext cx="1600200" cy="1600200"/>
-            </a:xfrm>
-            <a:prstGeom prst="ellipse">
-              <a:avLst/>
-            </a:prstGeom>
-            <a:gradFill flip="none" rotWithShape="1">
-              <a:gsLst>
-                <a:gs pos="0">
-                  <a:schemeClr val="accent5">
-                    <a:alpha val="14000"/>
-                  </a:schemeClr>
-                </a:gs>
-                <a:gs pos="73000">
-                  <a:schemeClr val="accent5">
-                    <a:alpha val="0"/>
-                  </a:schemeClr>
-                </a:gs>
-                <a:gs pos="36000">
-                  <a:schemeClr val="accent5">
-                    <a:alpha val="7000"/>
-                  </a:schemeClr>
-                </a:gs>
-              </a:gsLst>
-              <a:path path="circle">
-                <a:fillToRect l="50000" t="50000" r="50000" b="50000"/>
-              </a:path>
-              <a:tileRect/>
-            </a:gradFill>
-            <a:ln>
-              <a:noFill/>
-            </a:ln>
-            <a:effectLst/>
-          </p:spPr>
-          <p:style>
-            <a:lnRef idx="1">
-              <a:schemeClr val="accent1"/>
-            </a:lnRef>
-            <a:fillRef idx="3">
-              <a:schemeClr val="accent1"/>
-            </a:fillRef>
-            <a:effectRef idx="2">
-              <a:schemeClr val="accent1"/>
-            </a:effectRef>
-            <a:fontRef idx="minor">
-              <a:schemeClr val="lt1"/>
-            </a:fontRef>
-          </p:style>
-        </p:sp>
-        <p:sp>
-          <p:nvSpPr>
-            <p:cNvPr id="7" name="Rectangle 6"/>
-            <p:cNvSpPr/>
-            <p:nvPr/>
-          </p:nvSpPr>
-          <p:spPr bwMode="gray">
             <a:xfrm>
               <a:off x="414867" y="402165"/>
               <a:ext cx="6510866" cy="6053670"/>
@@ -10416,154 +10985,7 @@
         </p:sp>
         <p:sp>
           <p:nvSpPr>
-            <p:cNvPr id="17" name="Freeform 5"/>
-            <p:cNvSpPr/>
-            <p:nvPr/>
-          </p:nvSpPr>
-          <p:spPr bwMode="gray">
-            <a:xfrm rot="5101749">
-              <a:off x="6294738" y="4577737"/>
-              <a:ext cx="3299407" cy="440924"/>
-            </a:xfrm>
-            <a:custGeom>
-              <a:avLst/>
-              <a:gdLst/>
-              <a:ahLst/>
-              <a:cxnLst/>
-              <a:rect l="l" t="t" r="r" b="b"/>
-              <a:pathLst>
-                <a:path w="10000" h="5291">
-                  <a:moveTo>
-                    <a:pt x="85" y="2532"/>
-                  </a:moveTo>
-                  <a:cubicBezTo>
-                    <a:pt x="1736" y="3911"/>
-                    <a:pt x="7524" y="5298"/>
-                    <a:pt x="9958" y="5291"/>
-                  </a:cubicBezTo>
-                  <a:cubicBezTo>
-                    <a:pt x="9989" y="1958"/>
-                    <a:pt x="9969" y="3333"/>
-                    <a:pt x="10000" y="0"/>
-                  </a:cubicBezTo>
-                  <a:lnTo>
-                    <a:pt x="10000" y="0"/>
-                  </a:lnTo>
-                  <a:lnTo>
-                    <a:pt x="9667" y="204"/>
-                  </a:lnTo>
-                  <a:lnTo>
-                    <a:pt x="9334" y="400"/>
-                  </a:lnTo>
-                  <a:lnTo>
-                    <a:pt x="9001" y="590"/>
-                  </a:lnTo>
-                  <a:lnTo>
-                    <a:pt x="8667" y="753"/>
-                  </a:lnTo>
-                  <a:lnTo>
-                    <a:pt x="8333" y="917"/>
-                  </a:lnTo>
-                  <a:lnTo>
-                    <a:pt x="7999" y="1071"/>
-                  </a:lnTo>
-                  <a:lnTo>
-                    <a:pt x="7669" y="1202"/>
-                  </a:lnTo>
-                  <a:lnTo>
-                    <a:pt x="7333" y="1325"/>
-                  </a:lnTo>
-                  <a:lnTo>
-                    <a:pt x="7000" y="1440"/>
-                  </a:lnTo>
-                  <a:lnTo>
-                    <a:pt x="6673" y="1538"/>
-                  </a:lnTo>
-                  <a:lnTo>
-                    <a:pt x="6340" y="1636"/>
-                  </a:lnTo>
-                  <a:lnTo>
-                    <a:pt x="6013" y="1719"/>
-                  </a:lnTo>
-                  <a:lnTo>
-                    <a:pt x="5686" y="1784"/>
-                  </a:lnTo>
-                  <a:lnTo>
-                    <a:pt x="5359" y="1850"/>
-                  </a:lnTo>
-                  <a:lnTo>
-                    <a:pt x="5036" y="1906"/>
-                  </a:lnTo>
-                  <a:lnTo>
-                    <a:pt x="4717" y="1948"/>
-                  </a:lnTo>
-                  <a:lnTo>
-                    <a:pt x="4396" y="1980"/>
-                  </a:lnTo>
-                  <a:lnTo>
-                    <a:pt x="4079" y="2013"/>
-                  </a:lnTo>
-                  <a:lnTo>
-                    <a:pt x="3766" y="2029"/>
-                  </a:lnTo>
-                  <a:lnTo>
-                    <a:pt x="3454" y="2046"/>
-                  </a:lnTo>
-                  <a:lnTo>
-                    <a:pt x="3145" y="2053"/>
-                  </a:lnTo>
-                  <a:lnTo>
-                    <a:pt x="2839" y="2046"/>
-                  </a:lnTo>
-                  <a:lnTo>
-                    <a:pt x="2537" y="2046"/>
-                  </a:lnTo>
-                  <a:lnTo>
-                    <a:pt x="2238" y="2029"/>
-                  </a:lnTo>
-                  <a:lnTo>
-                    <a:pt x="1943" y="2004"/>
-                  </a:lnTo>
-                  <a:lnTo>
-                    <a:pt x="1653" y="1980"/>
-                  </a:lnTo>
-                  <a:lnTo>
-                    <a:pt x="1368" y="1955"/>
-                  </a:lnTo>
-                  <a:lnTo>
-                    <a:pt x="1085" y="1915"/>
-                  </a:lnTo>
-                  <a:lnTo>
-                    <a:pt x="806" y="1873"/>
-                  </a:lnTo>
-                  <a:lnTo>
-                    <a:pt x="533" y="1833"/>
-                  </a:lnTo>
-                  <a:lnTo>
-                    <a:pt x="0" y="1726"/>
-                  </a:lnTo>
-                  <a:cubicBezTo>
-                    <a:pt x="28" y="1995"/>
-                    <a:pt x="57" y="2263"/>
-                    <a:pt x="85" y="2532"/>
-                  </a:cubicBezTo>
-                  <a:close/>
-                </a:path>
-              </a:pathLst>
-            </a:custGeom>
-            <a:solidFill>
-              <a:schemeClr val="bg1">
-                <a:alpha val="20000"/>
-              </a:schemeClr>
-            </a:solidFill>
-            <a:ln>
-              <a:noFill/>
-            </a:ln>
-          </p:spPr>
-        </p:sp>
-        <p:sp>
-          <p:nvSpPr>
-            <p:cNvPr id="10" name="Freeform 5"/>
+            <p:cNvPr id="9" name="Freeform 5"/>
             <p:cNvSpPr/>
             <p:nvPr/>
           </p:nvSpPr>
@@ -10747,7 +11169,7 @@
         </p:sp>
         <p:sp>
           <p:nvSpPr>
-            <p:cNvPr id="13" name="Freeform 5"/>
+            <p:cNvPr id="12" name="Freeform 5"/>
             <p:cNvSpPr>
               <a:spLocks noEditPoints="1"/>
             </p:cNvSpPr>
@@ -10822,8 +11244,8 @@
         </p:nvSpPr>
         <p:spPr>
           <a:xfrm>
-            <a:off x="8585235" y="1278467"/>
-            <a:ext cx="1409965" cy="4748590"/>
+            <a:off x="8576756" y="1278468"/>
+            <a:ext cx="1413933" cy="4748589"/>
           </a:xfrm>
         </p:spPr>
         <p:txBody>
@@ -10850,8 +11272,8 @@
         </p:nvSpPr>
         <p:spPr>
           <a:xfrm>
-            <a:off x="1154954" y="1278467"/>
-            <a:ext cx="6256025" cy="4748590"/>
+            <a:off x="1154954" y="1278468"/>
+            <a:ext cx="6247546" cy="4748590"/>
           </a:xfrm>
         </p:spPr>
         <p:txBody>
@@ -10905,19 +11327,14 @@
             <p:ph type="dt" sz="half" idx="10"/>
           </p:nvPr>
         </p:nvSpPr>
-        <p:spPr>
-          <a:xfrm>
-            <a:off x="10653104" y="6391838"/>
-            <a:ext cx="992135" cy="304799"/>
-          </a:xfrm>
-        </p:spPr>
+        <p:spPr/>
         <p:txBody>
           <a:bodyPr/>
           <a:lstStyle/>
           <a:p>
             <a:fld id="{71C85FF8-2AF0-6A4B-B786-86E31EDFDAD3}" type="datetimeFigureOut">
               <a:rPr lang="es-EC" smtClean="0"/>
-              <a:t>29/7/2019</a:t>
+              <a:t>29/07/2019</a:t>
             </a:fld>
             <a:endParaRPr lang="es-EC"/>
           </a:p>
@@ -10944,7 +11361,7 @@
       </p:sp>
       <p:sp>
         <p:nvSpPr>
-          <p:cNvPr id="14" name="Rectangle 13"/>
+          <p:cNvPr id="13" name="Rectangle 12"/>
           <p:cNvSpPr/>
           <p:nvPr/>
         </p:nvSpPr>
@@ -11004,7 +11421,7 @@
     </p:spTree>
     <p:extLst>
       <p:ext uri="{BB962C8B-B14F-4D97-AF65-F5344CB8AC3E}">
-        <p14:creationId xmlns:p14="http://schemas.microsoft.com/office/powerpoint/2010/main" val="4192786931"/>
+        <p14:creationId xmlns:p14="http://schemas.microsoft.com/office/powerpoint/2010/main" val="1568113193"/>
       </p:ext>
     </p:extLst>
   </p:cSld>
@@ -11064,12 +11481,7 @@
             <p:ph idx="1"/>
           </p:nvPr>
         </p:nvSpPr>
-        <p:spPr>
-          <a:xfrm>
-            <a:off x="1154954" y="2603500"/>
-            <a:ext cx="8825659" cy="3416300"/>
-          </a:xfrm>
-        </p:spPr>
+        <p:spPr/>
         <p:txBody>
           <a:bodyPr/>
           <a:lstStyle/>
@@ -11128,7 +11540,7 @@
           <a:p>
             <a:fld id="{71C85FF8-2AF0-6A4B-B786-86E31EDFDAD3}" type="datetimeFigureOut">
               <a:rPr lang="es-EC" smtClean="0"/>
-              <a:t>29/7/2019</a:t>
+              <a:t>29/07/2019</a:t>
             </a:fld>
             <a:endParaRPr lang="es-EC"/>
           </a:p>
@@ -11179,7 +11591,7 @@
     </p:spTree>
     <p:extLst>
       <p:ext uri="{BB962C8B-B14F-4D97-AF65-F5344CB8AC3E}">
-        <p14:creationId xmlns:p14="http://schemas.microsoft.com/office/powerpoint/2010/main" val="1711661883"/>
+        <p14:creationId xmlns:p14="http://schemas.microsoft.com/office/powerpoint/2010/main" val="980839008"/>
       </p:ext>
     </p:extLst>
   </p:cSld>
@@ -11208,21 +11620,21 @@
       </p:grpSpPr>
       <p:grpSp>
         <p:nvGrpSpPr>
-          <p:cNvPr id="8" name="Group 7"/>
+          <p:cNvPr id="13" name="Group 12"/>
           <p:cNvGrpSpPr/>
           <p:nvPr/>
         </p:nvGrpSpPr>
         <p:grpSpPr>
           <a:xfrm>
-            <a:off x="0" y="0"/>
-            <a:ext cx="12192000" cy="6858000"/>
-            <a:chOff x="0" y="0"/>
-            <a:chExt cx="12192000" cy="6858000"/>
+            <a:off x="0" y="-2373"/>
+            <a:ext cx="12192000" cy="6867027"/>
+            <a:chOff x="0" y="-2373"/>
+            <a:chExt cx="12192000" cy="6867027"/>
           </a:xfrm>
         </p:grpSpPr>
         <p:sp>
           <p:nvSpPr>
-            <p:cNvPr id="14" name="Rectangle 13"/>
+            <p:cNvPr id="11" name="Rectangle 10"/>
             <p:cNvSpPr/>
             <p:nvPr/>
           </p:nvSpPr>
@@ -11238,15 +11650,16 @@
               <a:blip r:embed="rId2">
                 <a:duotone>
                   <a:schemeClr val="dk2">
-                    <a:shade val="69000"/>
-                    <a:hueMod val="91000"/>
+                    <a:shade val="62000"/>
+                    <a:hueMod val="108000"/>
                     <a:satMod val="164000"/>
-                    <a:lumMod val="74000"/>
+                    <a:lumMod val="69000"/>
                   </a:schemeClr>
                   <a:schemeClr val="dk2">
-                    <a:hueMod val="124000"/>
-                    <a:satMod val="140000"/>
-                    <a:lumMod val="142000"/>
+                    <a:tint val="96000"/>
+                    <a:hueMod val="90000"/>
+                    <a:satMod val="130000"/>
+                    <a:lumMod val="134000"/>
                   </a:schemeClr>
                 </a:duotone>
               </a:blip>
@@ -11277,13 +11690,13 @@
         </p:sp>
         <p:sp>
           <p:nvSpPr>
-            <p:cNvPr id="17" name="Oval 16"/>
+            <p:cNvPr id="14" name="Oval 13"/>
             <p:cNvSpPr/>
             <p:nvPr/>
           </p:nvSpPr>
           <p:spPr>
             <a:xfrm>
-              <a:off x="0" y="2667000"/>
+              <a:off x="3220" y="2667000"/>
               <a:ext cx="4191000" cy="4191000"/>
             </a:xfrm>
             <a:prstGeom prst="ellipse">
@@ -11292,18 +11705,150 @@
             <a:gradFill flip="none" rotWithShape="1">
               <a:gsLst>
                 <a:gs pos="0">
-                  <a:schemeClr val="accent5">
+                  <a:schemeClr val="bg2">
+                    <a:lumMod val="40000"/>
+                    <a:lumOff val="60000"/>
                     <a:alpha val="11000"/>
                   </a:schemeClr>
                 </a:gs>
                 <a:gs pos="75000">
-                  <a:schemeClr val="accent5">
+                  <a:schemeClr val="bg2">
+                    <a:lumMod val="40000"/>
+                    <a:lumOff val="60000"/>
                     <a:alpha val="0"/>
                   </a:schemeClr>
                 </a:gs>
                 <a:gs pos="36000">
-                  <a:schemeClr val="accent5">
+                  <a:schemeClr val="bg2">
+                    <a:lumMod val="40000"/>
+                    <a:lumOff val="60000"/>
                     <a:alpha val="10000"/>
+                  </a:schemeClr>
+                </a:gs>
+              </a:gsLst>
+              <a:path path="circle">
+                <a:fillToRect l="50000" t="50000" r="50000" b="50000"/>
+              </a:path>
+              <a:tileRect/>
+            </a:gradFill>
+            <a:ln>
+              <a:noFill/>
+            </a:ln>
+            <a:effectLst/>
+          </p:spPr>
+          <p:style>
+            <a:lnRef idx="1">
+              <a:schemeClr val="accent1"/>
+            </a:lnRef>
+            <a:fillRef idx="3">
+              <a:schemeClr val="accent1"/>
+            </a:fillRef>
+            <a:effectRef idx="2">
+              <a:schemeClr val="accent1"/>
+            </a:effectRef>
+            <a:fontRef idx="minor">
+              <a:schemeClr val="lt1"/>
+            </a:fontRef>
+          </p:style>
+        </p:sp>
+        <p:sp>
+          <p:nvSpPr>
+            <p:cNvPr id="16" name="Oval 15"/>
+            <p:cNvSpPr/>
+            <p:nvPr/>
+          </p:nvSpPr>
+          <p:spPr>
+            <a:xfrm>
+              <a:off x="1750" y="2895600"/>
+              <a:ext cx="2362200" cy="2362200"/>
+            </a:xfrm>
+            <a:prstGeom prst="ellipse">
+              <a:avLst/>
+            </a:prstGeom>
+            <a:gradFill flip="none" rotWithShape="1">
+              <a:gsLst>
+                <a:gs pos="0">
+                  <a:schemeClr val="bg2">
+                    <a:lumMod val="40000"/>
+                    <a:lumOff val="60000"/>
+                    <a:alpha val="8000"/>
+                  </a:schemeClr>
+                </a:gs>
+                <a:gs pos="72000">
+                  <a:schemeClr val="bg2">
+                    <a:lumMod val="40000"/>
+                    <a:lumOff val="60000"/>
+                    <a:alpha val="0"/>
+                  </a:schemeClr>
+                </a:gs>
+                <a:gs pos="36000">
+                  <a:schemeClr val="bg2">
+                    <a:lumMod val="40000"/>
+                    <a:lumOff val="60000"/>
+                    <a:alpha val="8000"/>
+                  </a:schemeClr>
+                </a:gs>
+              </a:gsLst>
+              <a:path path="circle">
+                <a:fillToRect l="50000" t="50000" r="50000" b="50000"/>
+              </a:path>
+              <a:tileRect/>
+            </a:gradFill>
+            <a:ln>
+              <a:noFill/>
+            </a:ln>
+            <a:effectLst/>
+          </p:spPr>
+          <p:style>
+            <a:lnRef idx="1">
+              <a:schemeClr val="accent1"/>
+            </a:lnRef>
+            <a:fillRef idx="3">
+              <a:schemeClr val="accent1"/>
+            </a:fillRef>
+            <a:effectRef idx="2">
+              <a:schemeClr val="accent1"/>
+            </a:effectRef>
+            <a:fontRef idx="minor">
+              <a:schemeClr val="lt1"/>
+            </a:fontRef>
+          </p:style>
+        </p:sp>
+        <p:sp>
+          <p:nvSpPr>
+            <p:cNvPr id="17" name="Oval 16"/>
+            <p:cNvSpPr/>
+            <p:nvPr/>
+          </p:nvSpPr>
+          <p:spPr>
+            <a:xfrm>
+              <a:off x="8609012" y="1676400"/>
+              <a:ext cx="2819400" cy="2819400"/>
+            </a:xfrm>
+            <a:prstGeom prst="ellipse">
+              <a:avLst/>
+            </a:prstGeom>
+            <a:gradFill flip="none" rotWithShape="1">
+              <a:gsLst>
+                <a:gs pos="0">
+                  <a:schemeClr val="bg2">
+                    <a:lumMod val="40000"/>
+                    <a:lumOff val="60000"/>
+                    <a:alpha val="7000"/>
+                  </a:schemeClr>
+                </a:gs>
+                <a:gs pos="69000">
+                  <a:schemeClr val="bg2">
+                    <a:lumMod val="40000"/>
+                    <a:lumOff val="60000"/>
+                    <a:alpha val="0"/>
+                  </a:schemeClr>
+                </a:gs>
+                <a:gs pos="36000">
+                  <a:schemeClr val="bg2">
+                    <a:lumMod val="40000"/>
+                    <a:lumOff val="60000"/>
+                    <a:alpha val="6000"/>
                   </a:schemeClr>
                 </a:gs>
               </a:gsLst>
@@ -11340,8 +11885,8 @@
           </p:nvSpPr>
           <p:spPr>
             <a:xfrm>
-              <a:off x="0" y="2895600"/>
-              <a:ext cx="2362200" cy="2362200"/>
+              <a:off x="7999412" y="-2373"/>
+              <a:ext cx="1600200" cy="1600200"/>
             </a:xfrm>
             <a:prstGeom prst="ellipse">
               <a:avLst/>
@@ -11349,18 +11894,24 @@
             <a:gradFill flip="none" rotWithShape="1">
               <a:gsLst>
                 <a:gs pos="0">
-                  <a:schemeClr val="accent5">
-                    <a:alpha val="8000"/>
+                  <a:schemeClr val="bg2">
+                    <a:lumMod val="40000"/>
+                    <a:lumOff val="60000"/>
+                    <a:alpha val="14000"/>
                   </a:schemeClr>
                 </a:gs>
-                <a:gs pos="72000">
-                  <a:schemeClr val="accent5">
+                <a:gs pos="73000">
+                  <a:schemeClr val="bg2">
+                    <a:lumMod val="40000"/>
+                    <a:lumOff val="60000"/>
                     <a:alpha val="0"/>
                   </a:schemeClr>
                 </a:gs>
                 <a:gs pos="36000">
-                  <a:schemeClr val="accent5">
-                    <a:alpha val="8000"/>
+                  <a:schemeClr val="bg2">
+                    <a:lumMod val="40000"/>
+                    <a:lumOff val="60000"/>
+                    <a:alpha val="7000"/>
                   </a:schemeClr>
                 </a:gs>
               </a:gsLst>
@@ -11397,7 +11948,7 @@
           </p:nvSpPr>
           <p:spPr>
             <a:xfrm>
-              <a:off x="8609012" y="5867400"/>
+              <a:off x="8609012" y="5874054"/>
               <a:ext cx="990600" cy="990600"/>
             </a:xfrm>
             <a:prstGeom prst="ellipse">
@@ -11406,17 +11957,23 @@
             <a:gradFill flip="none" rotWithShape="1">
               <a:gsLst>
                 <a:gs pos="0">
-                  <a:schemeClr val="accent5">
+                  <a:schemeClr val="bg2">
+                    <a:lumMod val="40000"/>
+                    <a:lumOff val="60000"/>
                     <a:alpha val="14000"/>
                   </a:schemeClr>
                 </a:gs>
                 <a:gs pos="66000">
-                  <a:schemeClr val="accent5">
+                  <a:schemeClr val="bg2">
+                    <a:lumMod val="40000"/>
+                    <a:lumOff val="60000"/>
                     <a:alpha val="0"/>
                   </a:schemeClr>
                 </a:gs>
                 <a:gs pos="36000">
-                  <a:schemeClr val="accent5">
+                  <a:schemeClr val="bg2">
+                    <a:lumMod val="40000"/>
+                    <a:lumOff val="60000"/>
                     <a:alpha val="7000"/>
                   </a:schemeClr>
                 </a:gs>
@@ -11448,125 +12005,11 @@
         </p:sp>
         <p:sp>
           <p:nvSpPr>
-            <p:cNvPr id="20" name="Oval 19"/>
+            <p:cNvPr id="7" name="Rectangle 6"/>
             <p:cNvSpPr/>
             <p:nvPr/>
           </p:nvSpPr>
           <p:spPr>
-            <a:xfrm>
-              <a:off x="8609012" y="1676400"/>
-              <a:ext cx="2819400" cy="2819400"/>
-            </a:xfrm>
-            <a:prstGeom prst="ellipse">
-              <a:avLst/>
-            </a:prstGeom>
-            <a:gradFill flip="none" rotWithShape="1">
-              <a:gsLst>
-                <a:gs pos="0">
-                  <a:schemeClr val="accent5">
-                    <a:alpha val="7000"/>
-                  </a:schemeClr>
-                </a:gs>
-                <a:gs pos="69000">
-                  <a:schemeClr val="accent5">
-                    <a:alpha val="0"/>
-                  </a:schemeClr>
-                </a:gs>
-                <a:gs pos="36000">
-                  <a:schemeClr val="accent5">
-                    <a:alpha val="6000"/>
-                  </a:schemeClr>
-                </a:gs>
-              </a:gsLst>
-              <a:path path="circle">
-                <a:fillToRect l="50000" t="50000" r="50000" b="50000"/>
-              </a:path>
-              <a:tileRect/>
-            </a:gradFill>
-            <a:ln>
-              <a:noFill/>
-            </a:ln>
-            <a:effectLst/>
-          </p:spPr>
-          <p:style>
-            <a:lnRef idx="1">
-              <a:schemeClr val="accent1"/>
-            </a:lnRef>
-            <a:fillRef idx="3">
-              <a:schemeClr val="accent1"/>
-            </a:fillRef>
-            <a:effectRef idx="2">
-              <a:schemeClr val="accent1"/>
-            </a:effectRef>
-            <a:fontRef idx="minor">
-              <a:schemeClr val="lt1"/>
-            </a:fontRef>
-          </p:style>
-        </p:sp>
-        <p:sp>
-          <p:nvSpPr>
-            <p:cNvPr id="21" name="Oval 20"/>
-            <p:cNvSpPr/>
-            <p:nvPr/>
-          </p:nvSpPr>
-          <p:spPr>
-            <a:xfrm>
-              <a:off x="7999412" y="8464"/>
-              <a:ext cx="1600200" cy="1600200"/>
-            </a:xfrm>
-            <a:prstGeom prst="ellipse">
-              <a:avLst/>
-            </a:prstGeom>
-            <a:gradFill flip="none" rotWithShape="1">
-              <a:gsLst>
-                <a:gs pos="0">
-                  <a:schemeClr val="accent5">
-                    <a:alpha val="14000"/>
-                  </a:schemeClr>
-                </a:gs>
-                <a:gs pos="73000">
-                  <a:schemeClr val="accent5">
-                    <a:alpha val="0"/>
-                  </a:schemeClr>
-                </a:gs>
-                <a:gs pos="36000">
-                  <a:schemeClr val="accent5">
-                    <a:alpha val="7000"/>
-                  </a:schemeClr>
-                </a:gs>
-              </a:gsLst>
-              <a:path path="circle">
-                <a:fillToRect l="50000" t="50000" r="50000" b="50000"/>
-              </a:path>
-              <a:tileRect/>
-            </a:gradFill>
-            <a:ln>
-              <a:noFill/>
-            </a:ln>
-            <a:effectLst/>
-          </p:spPr>
-          <p:style>
-            <a:lnRef idx="1">
-              <a:schemeClr val="accent1"/>
-            </a:lnRef>
-            <a:fillRef idx="3">
-              <a:schemeClr val="accent1"/>
-            </a:fillRef>
-            <a:effectRef idx="2">
-              <a:schemeClr val="accent1"/>
-            </a:effectRef>
-            <a:fontRef idx="minor">
-              <a:schemeClr val="lt1"/>
-            </a:fontRef>
-          </p:style>
-        </p:sp>
-        <p:sp>
-          <p:nvSpPr>
-            <p:cNvPr id="10" name="Rectangle 9"/>
-            <p:cNvSpPr/>
-            <p:nvPr/>
-          </p:nvSpPr>
-          <p:spPr bwMode="gray">
             <a:xfrm>
               <a:off x="7289800" y="402165"/>
               <a:ext cx="4478865" cy="6053670"/>
@@ -11599,191 +12042,7 @@
         </p:sp>
         <p:sp>
           <p:nvSpPr>
-            <p:cNvPr id="11" name="Freeform 5"/>
-            <p:cNvSpPr/>
-            <p:nvPr/>
-          </p:nvSpPr>
-          <p:spPr bwMode="gray">
-            <a:xfrm rot="16200000">
-              <a:off x="3787244" y="2801721"/>
-              <a:ext cx="6053670" cy="1254558"/>
-            </a:xfrm>
-            <a:custGeom>
-              <a:avLst/>
-              <a:gdLst/>
-              <a:ahLst/>
-              <a:cxnLst/>
-              <a:rect l="l" t="t" r="r" b="b"/>
-              <a:pathLst>
-                <a:path w="10000" h="8000">
-                  <a:moveTo>
-                    <a:pt x="0" y="0"/>
-                  </a:moveTo>
-                  <a:lnTo>
-                    <a:pt x="0" y="7970"/>
-                  </a:lnTo>
-                  <a:lnTo>
-                    <a:pt x="10000" y="8000"/>
-                  </a:lnTo>
-                  <a:lnTo>
-                    <a:pt x="10000" y="7"/>
-                  </a:lnTo>
-                  <a:lnTo>
-                    <a:pt x="10000" y="7"/>
-                  </a:lnTo>
-                  <a:lnTo>
-                    <a:pt x="9773" y="156"/>
-                  </a:lnTo>
-                  <a:lnTo>
-                    <a:pt x="9547" y="298"/>
-                  </a:lnTo>
-                  <a:lnTo>
-                    <a:pt x="9320" y="437"/>
-                  </a:lnTo>
-                  <a:lnTo>
-                    <a:pt x="9092" y="556"/>
-                  </a:lnTo>
-                  <a:lnTo>
-                    <a:pt x="8865" y="676"/>
-                  </a:lnTo>
-                  <a:lnTo>
-                    <a:pt x="8637" y="788"/>
-                  </a:lnTo>
-                  <a:lnTo>
-                    <a:pt x="8412" y="884"/>
-                  </a:lnTo>
-                  <a:lnTo>
-                    <a:pt x="8184" y="975"/>
-                  </a:lnTo>
-                  <a:lnTo>
-                    <a:pt x="7957" y="1058"/>
-                  </a:lnTo>
-                  <a:lnTo>
-                    <a:pt x="7734" y="1130"/>
-                  </a:lnTo>
-                  <a:lnTo>
-                    <a:pt x="7508" y="1202"/>
-                  </a:lnTo>
-                  <a:lnTo>
-                    <a:pt x="7285" y="1262"/>
-                  </a:lnTo>
-                  <a:lnTo>
-                    <a:pt x="7062" y="1309"/>
-                  </a:lnTo>
-                  <a:lnTo>
-                    <a:pt x="6840" y="1358"/>
-                  </a:lnTo>
-                  <a:lnTo>
-                    <a:pt x="6620" y="1399"/>
-                  </a:lnTo>
-                  <a:lnTo>
-                    <a:pt x="6402" y="1428"/>
-                  </a:lnTo>
-                  <a:lnTo>
-                    <a:pt x="6184" y="1453"/>
-                  </a:lnTo>
-                  <a:lnTo>
-                    <a:pt x="5968" y="1477"/>
-                  </a:lnTo>
-                  <a:lnTo>
-                    <a:pt x="5755" y="1488"/>
-                  </a:lnTo>
-                  <a:lnTo>
-                    <a:pt x="5542" y="1500"/>
-                  </a:lnTo>
-                  <a:lnTo>
-                    <a:pt x="5332" y="1506"/>
-                  </a:lnTo>
-                  <a:lnTo>
-                    <a:pt x="5124" y="1500"/>
-                  </a:lnTo>
-                  <a:lnTo>
-                    <a:pt x="4918" y="1500"/>
-                  </a:lnTo>
-                  <a:lnTo>
-                    <a:pt x="4714" y="1488"/>
-                  </a:lnTo>
-                  <a:lnTo>
-                    <a:pt x="4514" y="1470"/>
-                  </a:lnTo>
-                  <a:lnTo>
-                    <a:pt x="4316" y="1453"/>
-                  </a:lnTo>
-                  <a:lnTo>
-                    <a:pt x="4122" y="1434"/>
-                  </a:lnTo>
-                  <a:lnTo>
-                    <a:pt x="3929" y="1405"/>
-                  </a:lnTo>
-                  <a:lnTo>
-                    <a:pt x="3739" y="1374"/>
-                  </a:lnTo>
-                  <a:lnTo>
-                    <a:pt x="3553" y="1346"/>
-                  </a:lnTo>
-                  <a:lnTo>
-                    <a:pt x="3190" y="1267"/>
-                  </a:lnTo>
-                  <a:lnTo>
-                    <a:pt x="2842" y="1183"/>
-                  </a:lnTo>
-                  <a:lnTo>
-                    <a:pt x="2508" y="1095"/>
-                  </a:lnTo>
-                  <a:lnTo>
-                    <a:pt x="2192" y="998"/>
-                  </a:lnTo>
-                  <a:lnTo>
-                    <a:pt x="1890" y="897"/>
-                  </a:lnTo>
-                  <a:lnTo>
-                    <a:pt x="1610" y="788"/>
-                  </a:lnTo>
-                  <a:lnTo>
-                    <a:pt x="1347" y="681"/>
-                  </a:lnTo>
-                  <a:lnTo>
-                    <a:pt x="1105" y="574"/>
-                  </a:lnTo>
-                  <a:lnTo>
-                    <a:pt x="883" y="473"/>
-                  </a:lnTo>
-                  <a:lnTo>
-                    <a:pt x="686" y="377"/>
-                  </a:lnTo>
-                  <a:lnTo>
-                    <a:pt x="508" y="286"/>
-                  </a:lnTo>
-                  <a:lnTo>
-                    <a:pt x="358" y="210"/>
-                  </a:lnTo>
-                  <a:lnTo>
-                    <a:pt x="232" y="138"/>
-                  </a:lnTo>
-                  <a:lnTo>
-                    <a:pt x="59" y="35"/>
-                  </a:lnTo>
-                  <a:lnTo>
-                    <a:pt x="0" y="0"/>
-                  </a:lnTo>
-                  <a:lnTo>
-                    <a:pt x="0" y="0"/>
-                  </a:lnTo>
-                  <a:close/>
-                </a:path>
-              </a:pathLst>
-            </a:custGeom>
-            <a:solidFill>
-              <a:schemeClr val="bg1"/>
-            </a:solidFill>
-            <a:ln>
-              <a:noFill/>
-            </a:ln>
-          </p:spPr>
-        </p:sp>
-        <p:sp>
-          <p:nvSpPr>
-            <p:cNvPr id="12" name="Freeform 5"/>
+            <p:cNvPr id="9" name="Freeform 5"/>
             <p:cNvSpPr/>
             <p:nvPr/>
           </p:nvSpPr>
@@ -11930,7 +12189,191 @@
         </p:sp>
         <p:sp>
           <p:nvSpPr>
-            <p:cNvPr id="15" name="Freeform 5"/>
+            <p:cNvPr id="8" name="Freeform 5"/>
+            <p:cNvSpPr/>
+            <p:nvPr/>
+          </p:nvSpPr>
+          <p:spPr bwMode="gray">
+            <a:xfrm rot="16200000">
+              <a:off x="3787244" y="2801721"/>
+              <a:ext cx="6053670" cy="1254558"/>
+            </a:xfrm>
+            <a:custGeom>
+              <a:avLst/>
+              <a:gdLst/>
+              <a:ahLst/>
+              <a:cxnLst/>
+              <a:rect l="l" t="t" r="r" b="b"/>
+              <a:pathLst>
+                <a:path w="10000" h="8000">
+                  <a:moveTo>
+                    <a:pt x="0" y="0"/>
+                  </a:moveTo>
+                  <a:lnTo>
+                    <a:pt x="0" y="7970"/>
+                  </a:lnTo>
+                  <a:lnTo>
+                    <a:pt x="10000" y="8000"/>
+                  </a:lnTo>
+                  <a:lnTo>
+                    <a:pt x="10000" y="7"/>
+                  </a:lnTo>
+                  <a:lnTo>
+                    <a:pt x="10000" y="7"/>
+                  </a:lnTo>
+                  <a:lnTo>
+                    <a:pt x="9773" y="156"/>
+                  </a:lnTo>
+                  <a:lnTo>
+                    <a:pt x="9547" y="298"/>
+                  </a:lnTo>
+                  <a:lnTo>
+                    <a:pt x="9320" y="437"/>
+                  </a:lnTo>
+                  <a:lnTo>
+                    <a:pt x="9092" y="556"/>
+                  </a:lnTo>
+                  <a:lnTo>
+                    <a:pt x="8865" y="676"/>
+                  </a:lnTo>
+                  <a:lnTo>
+                    <a:pt x="8637" y="788"/>
+                  </a:lnTo>
+                  <a:lnTo>
+                    <a:pt x="8412" y="884"/>
+                  </a:lnTo>
+                  <a:lnTo>
+                    <a:pt x="8184" y="975"/>
+                  </a:lnTo>
+                  <a:lnTo>
+                    <a:pt x="7957" y="1058"/>
+                  </a:lnTo>
+                  <a:lnTo>
+                    <a:pt x="7734" y="1130"/>
+                  </a:lnTo>
+                  <a:lnTo>
+                    <a:pt x="7508" y="1202"/>
+                  </a:lnTo>
+                  <a:lnTo>
+                    <a:pt x="7285" y="1262"/>
+                  </a:lnTo>
+                  <a:lnTo>
+                    <a:pt x="7062" y="1309"/>
+                  </a:lnTo>
+                  <a:lnTo>
+                    <a:pt x="6840" y="1358"/>
+                  </a:lnTo>
+                  <a:lnTo>
+                    <a:pt x="6620" y="1399"/>
+                  </a:lnTo>
+                  <a:lnTo>
+                    <a:pt x="6402" y="1428"/>
+                  </a:lnTo>
+                  <a:lnTo>
+                    <a:pt x="6184" y="1453"/>
+                  </a:lnTo>
+                  <a:lnTo>
+                    <a:pt x="5968" y="1477"/>
+                  </a:lnTo>
+                  <a:lnTo>
+                    <a:pt x="5755" y="1488"/>
+                  </a:lnTo>
+                  <a:lnTo>
+                    <a:pt x="5542" y="1500"/>
+                  </a:lnTo>
+                  <a:lnTo>
+                    <a:pt x="5332" y="1506"/>
+                  </a:lnTo>
+                  <a:lnTo>
+                    <a:pt x="5124" y="1500"/>
+                  </a:lnTo>
+                  <a:lnTo>
+                    <a:pt x="4918" y="1500"/>
+                  </a:lnTo>
+                  <a:lnTo>
+                    <a:pt x="4714" y="1488"/>
+                  </a:lnTo>
+                  <a:lnTo>
+                    <a:pt x="4514" y="1470"/>
+                  </a:lnTo>
+                  <a:lnTo>
+                    <a:pt x="4316" y="1453"/>
+                  </a:lnTo>
+                  <a:lnTo>
+                    <a:pt x="4122" y="1434"/>
+                  </a:lnTo>
+                  <a:lnTo>
+                    <a:pt x="3929" y="1405"/>
+                  </a:lnTo>
+                  <a:lnTo>
+                    <a:pt x="3739" y="1374"/>
+                  </a:lnTo>
+                  <a:lnTo>
+                    <a:pt x="3553" y="1346"/>
+                  </a:lnTo>
+                  <a:lnTo>
+                    <a:pt x="3190" y="1267"/>
+                  </a:lnTo>
+                  <a:lnTo>
+                    <a:pt x="2842" y="1183"/>
+                  </a:lnTo>
+                  <a:lnTo>
+                    <a:pt x="2508" y="1095"/>
+                  </a:lnTo>
+                  <a:lnTo>
+                    <a:pt x="2192" y="998"/>
+                  </a:lnTo>
+                  <a:lnTo>
+                    <a:pt x="1890" y="897"/>
+                  </a:lnTo>
+                  <a:lnTo>
+                    <a:pt x="1610" y="788"/>
+                  </a:lnTo>
+                  <a:lnTo>
+                    <a:pt x="1347" y="681"/>
+                  </a:lnTo>
+                  <a:lnTo>
+                    <a:pt x="1105" y="574"/>
+                  </a:lnTo>
+                  <a:lnTo>
+                    <a:pt x="883" y="473"/>
+                  </a:lnTo>
+                  <a:lnTo>
+                    <a:pt x="686" y="377"/>
+                  </a:lnTo>
+                  <a:lnTo>
+                    <a:pt x="508" y="286"/>
+                  </a:lnTo>
+                  <a:lnTo>
+                    <a:pt x="358" y="210"/>
+                  </a:lnTo>
+                  <a:lnTo>
+                    <a:pt x="232" y="138"/>
+                  </a:lnTo>
+                  <a:lnTo>
+                    <a:pt x="59" y="35"/>
+                  </a:lnTo>
+                  <a:lnTo>
+                    <a:pt x="0" y="0"/>
+                  </a:lnTo>
+                  <a:lnTo>
+                    <a:pt x="0" y="0"/>
+                  </a:lnTo>
+                  <a:close/>
+                </a:path>
+              </a:pathLst>
+            </a:custGeom>
+            <a:solidFill>
+              <a:schemeClr val="bg1"/>
+            </a:solidFill>
+            <a:ln>
+              <a:noFill/>
+            </a:ln>
+          </p:spPr>
+        </p:sp>
+        <p:sp>
+          <p:nvSpPr>
+            <p:cNvPr id="12" name="Freeform 5"/>
             <p:cNvSpPr>
               <a:spLocks noEditPoints="1"/>
             </p:cNvSpPr>
@@ -12005,8 +12448,8 @@
         </p:nvSpPr>
         <p:spPr>
           <a:xfrm>
-            <a:off x="1154954" y="2677645"/>
-            <a:ext cx="4351025" cy="2283824"/>
+            <a:off x="1154956" y="2677645"/>
+            <a:ext cx="4351023" cy="2283824"/>
           </a:xfrm>
         </p:spPr>
         <p:txBody>
@@ -12037,8 +12480,8 @@
         </p:nvSpPr>
         <p:spPr>
           <a:xfrm>
-            <a:off x="6895559" y="2677644"/>
-            <a:ext cx="3757545" cy="2283824"/>
+            <a:off x="6895558" y="2677644"/>
+            <a:ext cx="3755379" cy="2283823"/>
           </a:xfrm>
         </p:spPr>
         <p:txBody>
@@ -12048,10 +12491,7 @@
               <a:buNone/>
               <a:defRPr sz="2000" cap="all">
                 <a:solidFill>
-                  <a:schemeClr val="accent1">
-                    <a:lumMod val="60000"/>
-                    <a:lumOff val="40000"/>
-                  </a:schemeClr>
+                  <a:schemeClr val="accent1"/>
                 </a:solidFill>
               </a:defRPr>
             </a:lvl1pPr>
@@ -12162,7 +12602,7 @@
           <a:p>
             <a:fld id="{71C85FF8-2AF0-6A4B-B786-86E31EDFDAD3}" type="datetimeFigureOut">
               <a:rPr lang="es-EC" smtClean="0"/>
-              <a:t>29/7/2019</a:t>
+              <a:t>29/07/2019</a:t>
             </a:fld>
             <a:endParaRPr lang="es-EC"/>
           </a:p>
@@ -12189,7 +12629,7 @@
       </p:sp>
       <p:sp>
         <p:nvSpPr>
-          <p:cNvPr id="16" name="Rectangle 15"/>
+          <p:cNvPr id="15" name="Rectangle 14"/>
           <p:cNvSpPr/>
           <p:nvPr/>
         </p:nvSpPr>
@@ -12249,7 +12689,7 @@
     </p:spTree>
     <p:extLst>
       <p:ext uri="{BB962C8B-B14F-4D97-AF65-F5344CB8AC3E}">
-        <p14:creationId xmlns:p14="http://schemas.microsoft.com/office/powerpoint/2010/main" val="4039181957"/>
+        <p14:creationId xmlns:p14="http://schemas.microsoft.com/office/powerpoint/2010/main" val="313464323"/>
       </p:ext>
     </p:extLst>
   </p:cSld>
@@ -12434,7 +12874,7 @@
           <a:p>
             <a:fld id="{71C85FF8-2AF0-6A4B-B786-86E31EDFDAD3}" type="datetimeFigureOut">
               <a:rPr lang="es-EC" smtClean="0"/>
-              <a:t>29/7/2019</a:t>
+              <a:t>29/07/2019</a:t>
             </a:fld>
             <a:endParaRPr lang="es-EC"/>
           </a:p>
@@ -12485,7 +12925,7 @@
     </p:spTree>
     <p:extLst>
       <p:ext uri="{BB962C8B-B14F-4D97-AF65-F5344CB8AC3E}">
-        <p14:creationId xmlns:p14="http://schemas.microsoft.com/office/powerpoint/2010/main" val="2506292701"/>
+        <p14:creationId xmlns:p14="http://schemas.microsoft.com/office/powerpoint/2010/main" val="4160067421"/>
       </p:ext>
     </p:extLst>
   </p:cSld>
@@ -12752,7 +13192,7 @@
         </p:nvSpPr>
         <p:spPr>
           <a:xfrm>
-            <a:off x="6208712" y="3179762"/>
+            <a:off x="6208710" y="3179762"/>
             <a:ext cx="4825159" cy="2840039"/>
           </a:xfrm>
         </p:spPr>
@@ -12760,35 +13200,7 @@
           <a:bodyPr>
             <a:normAutofit/>
           </a:bodyPr>
-          <a:lstStyle>
-            <a:lvl1pPr>
-              <a:defRPr sz="1800"/>
-            </a:lvl1pPr>
-            <a:lvl2pPr>
-              <a:defRPr sz="1600"/>
-            </a:lvl2pPr>
-            <a:lvl3pPr>
-              <a:defRPr sz="1400"/>
-            </a:lvl3pPr>
-            <a:lvl4pPr>
-              <a:defRPr sz="1200"/>
-            </a:lvl4pPr>
-            <a:lvl5pPr>
-              <a:defRPr sz="1200"/>
-            </a:lvl5pPr>
-            <a:lvl6pPr>
-              <a:defRPr sz="1200"/>
-            </a:lvl6pPr>
-            <a:lvl7pPr>
-              <a:defRPr sz="1200"/>
-            </a:lvl7pPr>
-            <a:lvl8pPr>
-              <a:defRPr sz="1200"/>
-            </a:lvl8pPr>
-            <a:lvl9pPr>
-              <a:defRPr sz="1200"/>
-            </a:lvl9pPr>
-          </a:lstStyle>
+          <a:lstStyle/>
           <a:p>
             <a:pPr lvl="0"/>
             <a:r>
@@ -12844,7 +13256,7 @@
           <a:p>
             <a:fld id="{71C85FF8-2AF0-6A4B-B786-86E31EDFDAD3}" type="datetimeFigureOut">
               <a:rPr lang="es-EC" smtClean="0"/>
-              <a:t>29/7/2019</a:t>
+              <a:t>29/07/2019</a:t>
             </a:fld>
             <a:endParaRPr lang="es-EC"/>
           </a:p>
@@ -12895,7 +13307,7 @@
     </p:spTree>
     <p:extLst>
       <p:ext uri="{BB962C8B-B14F-4D97-AF65-F5344CB8AC3E}">
-        <p14:creationId xmlns:p14="http://schemas.microsoft.com/office/powerpoint/2010/main" val="1945042883"/>
+        <p14:creationId xmlns:p14="http://schemas.microsoft.com/office/powerpoint/2010/main" val="948929309"/>
       </p:ext>
     </p:extLst>
   </p:cSld>
@@ -12924,7 +13336,7 @@
       </p:grpSpPr>
       <p:sp>
         <p:nvSpPr>
-          <p:cNvPr id="9" name="Title 1"/>
+          <p:cNvPr id="2" name="Title 1"/>
           <p:cNvSpPr>
             <a:spLocks noGrp="1"/>
           </p:cNvSpPr>
@@ -12932,19 +13344,10 @@
             <p:ph type="title"/>
           </p:nvPr>
         </p:nvSpPr>
-        <p:spPr>
-          <a:xfrm>
-            <a:off x="1154954" y="973668"/>
-            <a:ext cx="8761413" cy="706964"/>
-          </a:xfrm>
-        </p:spPr>
+        <p:spPr/>
         <p:txBody>
           <a:bodyPr/>
-          <a:lstStyle>
-            <a:lvl1pPr>
-              <a:defRPr/>
-            </a:lvl1pPr>
-          </a:lstStyle>
+          <a:lstStyle/>
           <a:p>
             <a:r>
               <a:rPr lang="es-ES"/>
@@ -12971,7 +13374,7 @@
           <a:p>
             <a:fld id="{71C85FF8-2AF0-6A4B-B786-86E31EDFDAD3}" type="datetimeFigureOut">
               <a:rPr lang="es-EC" smtClean="0"/>
-              <a:t>29/7/2019</a:t>
+              <a:t>29/07/2019</a:t>
             </a:fld>
             <a:endParaRPr lang="es-EC"/>
           </a:p>
@@ -13022,7 +13425,7 @@
     </p:spTree>
     <p:extLst>
       <p:ext uri="{BB962C8B-B14F-4D97-AF65-F5344CB8AC3E}">
-        <p14:creationId xmlns:p14="http://schemas.microsoft.com/office/powerpoint/2010/main" val="2733358590"/>
+        <p14:creationId xmlns:p14="http://schemas.microsoft.com/office/powerpoint/2010/main" val="469626289"/>
       </p:ext>
     </p:extLst>
   </p:cSld>
@@ -13066,7 +13469,7 @@
           <a:p>
             <a:fld id="{71C85FF8-2AF0-6A4B-B786-86E31EDFDAD3}" type="datetimeFigureOut">
               <a:rPr lang="es-EC" smtClean="0"/>
-              <a:t>29/7/2019</a:t>
+              <a:t>29/07/2019</a:t>
             </a:fld>
             <a:endParaRPr lang="es-EC"/>
           </a:p>
@@ -13153,7 +13556,7 @@
     </p:spTree>
     <p:extLst>
       <p:ext uri="{BB962C8B-B14F-4D97-AF65-F5344CB8AC3E}">
-        <p14:creationId xmlns:p14="http://schemas.microsoft.com/office/powerpoint/2010/main" val="4108857434"/>
+        <p14:creationId xmlns:p14="http://schemas.microsoft.com/office/powerpoint/2010/main" val="3716026539"/>
       </p:ext>
     </p:extLst>
   </p:cSld>
@@ -13182,21 +13585,21 @@
       </p:grpSpPr>
       <p:grpSp>
         <p:nvGrpSpPr>
-          <p:cNvPr id="9" name="Group 8"/>
+          <p:cNvPr id="14" name="Group 13"/>
           <p:cNvGrpSpPr/>
           <p:nvPr/>
         </p:nvGrpSpPr>
         <p:grpSpPr>
           <a:xfrm>
-            <a:off x="0" y="0"/>
-            <a:ext cx="12192000" cy="6858000"/>
-            <a:chOff x="0" y="0"/>
-            <a:chExt cx="12192000" cy="6858000"/>
+            <a:off x="0" y="-2373"/>
+            <a:ext cx="12192000" cy="6867027"/>
+            <a:chOff x="0" y="-2373"/>
+            <a:chExt cx="12192000" cy="6867027"/>
           </a:xfrm>
         </p:grpSpPr>
         <p:sp>
           <p:nvSpPr>
-            <p:cNvPr id="14" name="Rectangle 13"/>
+            <p:cNvPr id="12" name="Rectangle 11"/>
             <p:cNvSpPr/>
             <p:nvPr/>
           </p:nvSpPr>
@@ -13212,15 +13615,16 @@
               <a:blip r:embed="rId2">
                 <a:duotone>
                   <a:schemeClr val="dk2">
-                    <a:shade val="69000"/>
-                    <a:hueMod val="91000"/>
+                    <a:shade val="62000"/>
+                    <a:hueMod val="108000"/>
                     <a:satMod val="164000"/>
-                    <a:lumMod val="74000"/>
+                    <a:lumMod val="69000"/>
                   </a:schemeClr>
                   <a:schemeClr val="dk2">
-                    <a:hueMod val="124000"/>
-                    <a:satMod val="140000"/>
-                    <a:lumMod val="142000"/>
+                    <a:tint val="96000"/>
+                    <a:hueMod val="90000"/>
+                    <a:satMod val="130000"/>
+                    <a:lumMod val="134000"/>
                   </a:schemeClr>
                 </a:duotone>
               </a:blip>
@@ -13251,13 +13655,13 @@
         </p:sp>
         <p:sp>
           <p:nvSpPr>
-            <p:cNvPr id="17" name="Oval 16"/>
+            <p:cNvPr id="16" name="Oval 15"/>
             <p:cNvSpPr/>
             <p:nvPr/>
           </p:nvSpPr>
           <p:spPr>
             <a:xfrm>
-              <a:off x="0" y="2667000"/>
+              <a:off x="3220" y="2667000"/>
               <a:ext cx="4191000" cy="4191000"/>
             </a:xfrm>
             <a:prstGeom prst="ellipse">
@@ -13266,18 +13670,150 @@
             <a:gradFill flip="none" rotWithShape="1">
               <a:gsLst>
                 <a:gs pos="0">
-                  <a:schemeClr val="accent5">
+                  <a:schemeClr val="bg2">
+                    <a:lumMod val="40000"/>
+                    <a:lumOff val="60000"/>
                     <a:alpha val="11000"/>
                   </a:schemeClr>
                 </a:gs>
                 <a:gs pos="75000">
-                  <a:schemeClr val="accent5">
+                  <a:schemeClr val="bg2">
+                    <a:lumMod val="40000"/>
+                    <a:lumOff val="60000"/>
                     <a:alpha val="0"/>
                   </a:schemeClr>
                 </a:gs>
                 <a:gs pos="36000">
-                  <a:schemeClr val="accent5">
+                  <a:schemeClr val="bg2">
+                    <a:lumMod val="40000"/>
+                    <a:lumOff val="60000"/>
                     <a:alpha val="10000"/>
+                  </a:schemeClr>
+                </a:gs>
+              </a:gsLst>
+              <a:path path="circle">
+                <a:fillToRect l="50000" t="50000" r="50000" b="50000"/>
+              </a:path>
+              <a:tileRect/>
+            </a:gradFill>
+            <a:ln>
+              <a:noFill/>
+            </a:ln>
+            <a:effectLst/>
+          </p:spPr>
+          <p:style>
+            <a:lnRef idx="1">
+              <a:schemeClr val="accent1"/>
+            </a:lnRef>
+            <a:fillRef idx="3">
+              <a:schemeClr val="accent1"/>
+            </a:fillRef>
+            <a:effectRef idx="2">
+              <a:schemeClr val="accent1"/>
+            </a:effectRef>
+            <a:fontRef idx="minor">
+              <a:schemeClr val="lt1"/>
+            </a:fontRef>
+          </p:style>
+        </p:sp>
+        <p:sp>
+          <p:nvSpPr>
+            <p:cNvPr id="17" name="Oval 16"/>
+            <p:cNvSpPr/>
+            <p:nvPr/>
+          </p:nvSpPr>
+          <p:spPr>
+            <a:xfrm>
+              <a:off x="1750" y="2895600"/>
+              <a:ext cx="2362200" cy="2362200"/>
+            </a:xfrm>
+            <a:prstGeom prst="ellipse">
+              <a:avLst/>
+            </a:prstGeom>
+            <a:gradFill flip="none" rotWithShape="1">
+              <a:gsLst>
+                <a:gs pos="0">
+                  <a:schemeClr val="bg2">
+                    <a:lumMod val="40000"/>
+                    <a:lumOff val="60000"/>
+                    <a:alpha val="8000"/>
+                  </a:schemeClr>
+                </a:gs>
+                <a:gs pos="72000">
+                  <a:schemeClr val="bg2">
+                    <a:lumMod val="40000"/>
+                    <a:lumOff val="60000"/>
+                    <a:alpha val="0"/>
+                  </a:schemeClr>
+                </a:gs>
+                <a:gs pos="36000">
+                  <a:schemeClr val="bg2">
+                    <a:lumMod val="40000"/>
+                    <a:lumOff val="60000"/>
+                    <a:alpha val="8000"/>
+                  </a:schemeClr>
+                </a:gs>
+              </a:gsLst>
+              <a:path path="circle">
+                <a:fillToRect l="50000" t="50000" r="50000" b="50000"/>
+              </a:path>
+              <a:tileRect/>
+            </a:gradFill>
+            <a:ln>
+              <a:noFill/>
+            </a:ln>
+            <a:effectLst/>
+          </p:spPr>
+          <p:style>
+            <a:lnRef idx="1">
+              <a:schemeClr val="accent1"/>
+            </a:lnRef>
+            <a:fillRef idx="3">
+              <a:schemeClr val="accent1"/>
+            </a:fillRef>
+            <a:effectRef idx="2">
+              <a:schemeClr val="accent1"/>
+            </a:effectRef>
+            <a:fontRef idx="minor">
+              <a:schemeClr val="lt1"/>
+            </a:fontRef>
+          </p:style>
+        </p:sp>
+        <p:sp>
+          <p:nvSpPr>
+            <p:cNvPr id="18" name="Oval 17"/>
+            <p:cNvSpPr/>
+            <p:nvPr/>
+          </p:nvSpPr>
+          <p:spPr>
+            <a:xfrm>
+              <a:off x="8609012" y="1676400"/>
+              <a:ext cx="2819400" cy="2819400"/>
+            </a:xfrm>
+            <a:prstGeom prst="ellipse">
+              <a:avLst/>
+            </a:prstGeom>
+            <a:gradFill flip="none" rotWithShape="1">
+              <a:gsLst>
+                <a:gs pos="0">
+                  <a:schemeClr val="bg2">
+                    <a:lumMod val="40000"/>
+                    <a:lumOff val="60000"/>
+                    <a:alpha val="7000"/>
+                  </a:schemeClr>
+                </a:gs>
+                <a:gs pos="69000">
+                  <a:schemeClr val="bg2">
+                    <a:lumMod val="40000"/>
+                    <a:lumOff val="60000"/>
+                    <a:alpha val="0"/>
+                  </a:schemeClr>
+                </a:gs>
+                <a:gs pos="36000">
+                  <a:schemeClr val="bg2">
+                    <a:lumMod val="40000"/>
+                    <a:lumOff val="60000"/>
+                    <a:alpha val="6000"/>
                   </a:schemeClr>
                 </a:gs>
               </a:gsLst>
@@ -13314,8 +13850,8 @@
           </p:nvSpPr>
           <p:spPr>
             <a:xfrm>
-              <a:off x="0" y="2895600"/>
-              <a:ext cx="2362200" cy="2362200"/>
+              <a:off x="7999412" y="-2373"/>
+              <a:ext cx="1600200" cy="1600200"/>
             </a:xfrm>
             <a:prstGeom prst="ellipse">
               <a:avLst/>
@@ -13323,18 +13859,24 @@
             <a:gradFill flip="none" rotWithShape="1">
               <a:gsLst>
                 <a:gs pos="0">
-                  <a:schemeClr val="accent5">
-                    <a:alpha val="8000"/>
+                  <a:schemeClr val="bg2">
+                    <a:lumMod val="40000"/>
+                    <a:lumOff val="60000"/>
+                    <a:alpha val="14000"/>
                   </a:schemeClr>
                 </a:gs>
-                <a:gs pos="72000">
-                  <a:schemeClr val="accent5">
+                <a:gs pos="73000">
+                  <a:schemeClr val="bg2">
+                    <a:lumMod val="40000"/>
+                    <a:lumOff val="60000"/>
                     <a:alpha val="0"/>
                   </a:schemeClr>
                 </a:gs>
                 <a:gs pos="36000">
-                  <a:schemeClr val="accent5">
-                    <a:alpha val="8000"/>
+                  <a:schemeClr val="bg2">
+                    <a:lumMod val="40000"/>
+                    <a:lumOff val="60000"/>
+                    <a:alpha val="7000"/>
                   </a:schemeClr>
                 </a:gs>
               </a:gsLst>
@@ -13371,7 +13913,7 @@
           </p:nvSpPr>
           <p:spPr>
             <a:xfrm>
-              <a:off x="8609012" y="5867400"/>
+              <a:off x="8609012" y="5874054"/>
               <a:ext cx="990600" cy="990600"/>
             </a:xfrm>
             <a:prstGeom prst="ellipse">
@@ -13380,17 +13922,23 @@
             <a:gradFill flip="none" rotWithShape="1">
               <a:gsLst>
                 <a:gs pos="0">
-                  <a:schemeClr val="accent5">
+                  <a:schemeClr val="bg2">
+                    <a:lumMod val="40000"/>
+                    <a:lumOff val="60000"/>
                     <a:alpha val="14000"/>
                   </a:schemeClr>
                 </a:gs>
                 <a:gs pos="66000">
-                  <a:schemeClr val="accent5">
+                  <a:schemeClr val="bg2">
+                    <a:lumMod val="40000"/>
+                    <a:lumOff val="60000"/>
                     <a:alpha val="0"/>
                   </a:schemeClr>
                 </a:gs>
                 <a:gs pos="36000">
-                  <a:schemeClr val="accent5">
+                  <a:schemeClr val="bg2">
+                    <a:lumMod val="40000"/>
+                    <a:lumOff val="60000"/>
                     <a:alpha val="7000"/>
                   </a:schemeClr>
                 </a:gs>
@@ -13422,125 +13970,11 @@
         </p:sp>
         <p:sp>
           <p:nvSpPr>
-            <p:cNvPr id="21" name="Oval 20"/>
+            <p:cNvPr id="8" name="Rectangle 7"/>
             <p:cNvSpPr/>
             <p:nvPr/>
           </p:nvSpPr>
           <p:spPr>
-            <a:xfrm>
-              <a:off x="8609012" y="1676400"/>
-              <a:ext cx="2819400" cy="2819400"/>
-            </a:xfrm>
-            <a:prstGeom prst="ellipse">
-              <a:avLst/>
-            </a:prstGeom>
-            <a:gradFill flip="none" rotWithShape="1">
-              <a:gsLst>
-                <a:gs pos="0">
-                  <a:schemeClr val="accent5">
-                    <a:alpha val="7000"/>
-                  </a:schemeClr>
-                </a:gs>
-                <a:gs pos="69000">
-                  <a:schemeClr val="accent5">
-                    <a:alpha val="0"/>
-                  </a:schemeClr>
-                </a:gs>
-                <a:gs pos="36000">
-                  <a:schemeClr val="accent5">
-                    <a:alpha val="6000"/>
-                  </a:schemeClr>
-                </a:gs>
-              </a:gsLst>
-              <a:path path="circle">
-                <a:fillToRect l="50000" t="50000" r="50000" b="50000"/>
-              </a:path>
-              <a:tileRect/>
-            </a:gradFill>
-            <a:ln>
-              <a:noFill/>
-            </a:ln>
-            <a:effectLst/>
-          </p:spPr>
-          <p:style>
-            <a:lnRef idx="1">
-              <a:schemeClr val="accent1"/>
-            </a:lnRef>
-            <a:fillRef idx="3">
-              <a:schemeClr val="accent1"/>
-            </a:fillRef>
-            <a:effectRef idx="2">
-              <a:schemeClr val="accent1"/>
-            </a:effectRef>
-            <a:fontRef idx="minor">
-              <a:schemeClr val="lt1"/>
-            </a:fontRef>
-          </p:style>
-        </p:sp>
-        <p:sp>
-          <p:nvSpPr>
-            <p:cNvPr id="22" name="Oval 21"/>
-            <p:cNvSpPr/>
-            <p:nvPr/>
-          </p:nvSpPr>
-          <p:spPr>
-            <a:xfrm>
-              <a:off x="7999412" y="8464"/>
-              <a:ext cx="1600200" cy="1600200"/>
-            </a:xfrm>
-            <a:prstGeom prst="ellipse">
-              <a:avLst/>
-            </a:prstGeom>
-            <a:gradFill flip="none" rotWithShape="1">
-              <a:gsLst>
-                <a:gs pos="0">
-                  <a:schemeClr val="accent5">
-                    <a:alpha val="14000"/>
-                  </a:schemeClr>
-                </a:gs>
-                <a:gs pos="73000">
-                  <a:schemeClr val="accent5">
-                    <a:alpha val="0"/>
-                  </a:schemeClr>
-                </a:gs>
-                <a:gs pos="36000">
-                  <a:schemeClr val="accent5">
-                    <a:alpha val="7000"/>
-                  </a:schemeClr>
-                </a:gs>
-              </a:gsLst>
-              <a:path path="circle">
-                <a:fillToRect l="50000" t="50000" r="50000" b="50000"/>
-              </a:path>
-              <a:tileRect/>
-            </a:gradFill>
-            <a:ln>
-              <a:noFill/>
-            </a:ln>
-            <a:effectLst/>
-          </p:spPr>
-          <p:style>
-            <a:lnRef idx="1">
-              <a:schemeClr val="accent1"/>
-            </a:lnRef>
-            <a:fillRef idx="3">
-              <a:schemeClr val="accent1"/>
-            </a:fillRef>
-            <a:effectRef idx="2">
-              <a:schemeClr val="accent1"/>
-            </a:effectRef>
-            <a:fontRef idx="minor">
-              <a:schemeClr val="lt1"/>
-            </a:fontRef>
-          </p:style>
-        </p:sp>
-        <p:sp>
-          <p:nvSpPr>
-            <p:cNvPr id="11" name="Rectangle 10"/>
-            <p:cNvSpPr/>
-            <p:nvPr/>
-          </p:nvSpPr>
-          <p:spPr bwMode="gray">
             <a:xfrm>
               <a:off x="5713412" y="402165"/>
               <a:ext cx="6055253" cy="6053670"/>
@@ -13573,7 +14007,7 @@
         </p:sp>
         <p:sp>
           <p:nvSpPr>
-            <p:cNvPr id="18" name="Freeform 5"/>
+            <p:cNvPr id="10" name="Freeform 5"/>
             <p:cNvSpPr/>
             <p:nvPr/>
           </p:nvSpPr>
@@ -13720,7 +14154,7 @@
         </p:sp>
         <p:sp>
           <p:nvSpPr>
-            <p:cNvPr id="12" name="Freeform 5"/>
+            <p:cNvPr id="9" name="Freeform 5"/>
             <p:cNvSpPr/>
             <p:nvPr/>
           </p:nvSpPr>
@@ -13904,7 +14338,7 @@
         </p:sp>
         <p:sp>
           <p:nvSpPr>
-            <p:cNvPr id="15" name="Freeform 5"/>
+            <p:cNvPr id="13" name="Freeform 5"/>
             <p:cNvSpPr>
               <a:spLocks noEditPoints="1"/>
             </p:cNvSpPr>
@@ -13979,8 +14413,8 @@
         </p:nvSpPr>
         <p:spPr>
           <a:xfrm>
-            <a:off x="1154955" y="1295400"/>
-            <a:ext cx="2793158" cy="1600200"/>
+            <a:off x="1154954" y="1295400"/>
+            <a:ext cx="2793159" cy="1600200"/>
           </a:xfrm>
         </p:spPr>
         <p:txBody>
@@ -14012,7 +14446,7 @@
         <p:spPr>
           <a:xfrm>
             <a:off x="5781146" y="1447800"/>
-            <a:ext cx="5190066" cy="4572000"/>
+            <a:ext cx="5190065" cy="4572000"/>
           </a:xfrm>
         </p:spPr>
         <p:txBody>
@@ -14070,8 +14504,8 @@
         </p:nvSpPr>
         <p:spPr bwMode="gray">
           <a:xfrm>
-            <a:off x="1154954" y="3129280"/>
-            <a:ext cx="2793158" cy="2895599"/>
+            <a:off x="1154955" y="2895600"/>
+            <a:ext cx="2793158" cy="3129279"/>
           </a:xfrm>
         </p:spPr>
         <p:txBody>
@@ -14081,10 +14515,7 @@
               <a:buNone/>
               <a:defRPr sz="1400">
                 <a:solidFill>
-                  <a:schemeClr val="accent1">
-                    <a:lumMod val="60000"/>
-                    <a:lumOff val="40000"/>
-                  </a:schemeClr>
+                  <a:schemeClr val="accent1"/>
                 </a:solidFill>
               </a:defRPr>
             </a:lvl1pPr>
@@ -14147,7 +14578,7 @@
           <a:p>
             <a:fld id="{71C85FF8-2AF0-6A4B-B786-86E31EDFDAD3}" type="datetimeFigureOut">
               <a:rPr lang="es-EC" smtClean="0"/>
-              <a:t>29/7/2019</a:t>
+              <a:t>29/07/2019</a:t>
             </a:fld>
             <a:endParaRPr lang="es-EC"/>
           </a:p>
@@ -14174,7 +14605,7 @@
       </p:sp>
       <p:sp>
         <p:nvSpPr>
-          <p:cNvPr id="16" name="Rectangle 15"/>
+          <p:cNvPr id="15" name="Rectangle 14"/>
           <p:cNvSpPr/>
           <p:nvPr/>
         </p:nvSpPr>
@@ -14234,7 +14665,7 @@
     </p:spTree>
     <p:extLst>
       <p:ext uri="{BB962C8B-B14F-4D97-AF65-F5344CB8AC3E}">
-        <p14:creationId xmlns:p14="http://schemas.microsoft.com/office/powerpoint/2010/main" val="977192851"/>
+        <p14:creationId xmlns:p14="http://schemas.microsoft.com/office/powerpoint/2010/main" val="2894269739"/>
       </p:ext>
     </p:extLst>
   </p:cSld>
@@ -14263,21 +14694,21 @@
       </p:grpSpPr>
       <p:grpSp>
         <p:nvGrpSpPr>
-          <p:cNvPr id="9" name="Group 8"/>
+          <p:cNvPr id="20" name="Group 19"/>
           <p:cNvGrpSpPr/>
           <p:nvPr/>
         </p:nvGrpSpPr>
         <p:grpSpPr>
           <a:xfrm>
-            <a:off x="0" y="0"/>
-            <a:ext cx="12192000" cy="6858000"/>
-            <a:chOff x="0" y="0"/>
-            <a:chExt cx="12192000" cy="6858000"/>
+            <a:off x="0" y="-2373"/>
+            <a:ext cx="12192000" cy="6867027"/>
+            <a:chOff x="0" y="-2373"/>
+            <a:chExt cx="12192000" cy="6867027"/>
           </a:xfrm>
         </p:grpSpPr>
         <p:sp>
           <p:nvSpPr>
-            <p:cNvPr id="14" name="Rectangle 13"/>
+            <p:cNvPr id="12" name="Rectangle 11"/>
             <p:cNvSpPr/>
             <p:nvPr/>
           </p:nvSpPr>
@@ -14293,15 +14724,16 @@
               <a:blip r:embed="rId2">
                 <a:duotone>
                   <a:schemeClr val="dk2">
-                    <a:shade val="69000"/>
-                    <a:hueMod val="91000"/>
+                    <a:shade val="62000"/>
+                    <a:hueMod val="108000"/>
                     <a:satMod val="164000"/>
-                    <a:lumMod val="74000"/>
+                    <a:lumMod val="69000"/>
                   </a:schemeClr>
                   <a:schemeClr val="dk2">
-                    <a:hueMod val="124000"/>
-                    <a:satMod val="140000"/>
-                    <a:lumMod val="142000"/>
+                    <a:tint val="96000"/>
+                    <a:hueMod val="90000"/>
+                    <a:satMod val="130000"/>
+                    <a:lumMod val="134000"/>
                   </a:schemeClr>
                 </a:duotone>
               </a:blip>
@@ -14332,13 +14764,13 @@
         </p:sp>
         <p:sp>
           <p:nvSpPr>
-            <p:cNvPr id="17" name="Oval 16"/>
+            <p:cNvPr id="15" name="Oval 14"/>
             <p:cNvSpPr/>
             <p:nvPr/>
           </p:nvSpPr>
           <p:spPr>
             <a:xfrm>
-              <a:off x="0" y="2667000"/>
+              <a:off x="3220" y="2667000"/>
               <a:ext cx="4191000" cy="4191000"/>
             </a:xfrm>
             <a:prstGeom prst="ellipse">
@@ -14347,18 +14779,150 @@
             <a:gradFill flip="none" rotWithShape="1">
               <a:gsLst>
                 <a:gs pos="0">
-                  <a:schemeClr val="accent5">
+                  <a:schemeClr val="bg2">
+                    <a:lumMod val="40000"/>
+                    <a:lumOff val="60000"/>
                     <a:alpha val="11000"/>
                   </a:schemeClr>
                 </a:gs>
                 <a:gs pos="75000">
-                  <a:schemeClr val="accent5">
+                  <a:schemeClr val="bg2">
+                    <a:lumMod val="40000"/>
+                    <a:lumOff val="60000"/>
                     <a:alpha val="0"/>
                   </a:schemeClr>
                 </a:gs>
                 <a:gs pos="36000">
-                  <a:schemeClr val="accent5">
+                  <a:schemeClr val="bg2">
+                    <a:lumMod val="40000"/>
+                    <a:lumOff val="60000"/>
                     <a:alpha val="10000"/>
+                  </a:schemeClr>
+                </a:gs>
+              </a:gsLst>
+              <a:path path="circle">
+                <a:fillToRect l="50000" t="50000" r="50000" b="50000"/>
+              </a:path>
+              <a:tileRect/>
+            </a:gradFill>
+            <a:ln>
+              <a:noFill/>
+            </a:ln>
+            <a:effectLst/>
+          </p:spPr>
+          <p:style>
+            <a:lnRef idx="1">
+              <a:schemeClr val="accent1"/>
+            </a:lnRef>
+            <a:fillRef idx="3">
+              <a:schemeClr val="accent1"/>
+            </a:fillRef>
+            <a:effectRef idx="2">
+              <a:schemeClr val="accent1"/>
+            </a:effectRef>
+            <a:fontRef idx="minor">
+              <a:schemeClr val="lt1"/>
+            </a:fontRef>
+          </p:style>
+        </p:sp>
+        <p:sp>
+          <p:nvSpPr>
+            <p:cNvPr id="16" name="Oval 15"/>
+            <p:cNvSpPr/>
+            <p:nvPr/>
+          </p:nvSpPr>
+          <p:spPr>
+            <a:xfrm>
+              <a:off x="1750" y="2895600"/>
+              <a:ext cx="2362200" cy="2362200"/>
+            </a:xfrm>
+            <a:prstGeom prst="ellipse">
+              <a:avLst/>
+            </a:prstGeom>
+            <a:gradFill flip="none" rotWithShape="1">
+              <a:gsLst>
+                <a:gs pos="0">
+                  <a:schemeClr val="bg2">
+                    <a:lumMod val="40000"/>
+                    <a:lumOff val="60000"/>
+                    <a:alpha val="8000"/>
+                  </a:schemeClr>
+                </a:gs>
+                <a:gs pos="72000">
+                  <a:schemeClr val="bg2">
+                    <a:lumMod val="40000"/>
+                    <a:lumOff val="60000"/>
+                    <a:alpha val="0"/>
+                  </a:schemeClr>
+                </a:gs>
+                <a:gs pos="36000">
+                  <a:schemeClr val="bg2">
+                    <a:lumMod val="40000"/>
+                    <a:lumOff val="60000"/>
+                    <a:alpha val="8000"/>
+                  </a:schemeClr>
+                </a:gs>
+              </a:gsLst>
+              <a:path path="circle">
+                <a:fillToRect l="50000" t="50000" r="50000" b="50000"/>
+              </a:path>
+              <a:tileRect/>
+            </a:gradFill>
+            <a:ln>
+              <a:noFill/>
+            </a:ln>
+            <a:effectLst/>
+          </p:spPr>
+          <p:style>
+            <a:lnRef idx="1">
+              <a:schemeClr val="accent1"/>
+            </a:lnRef>
+            <a:fillRef idx="3">
+              <a:schemeClr val="accent1"/>
+            </a:fillRef>
+            <a:effectRef idx="2">
+              <a:schemeClr val="accent1"/>
+            </a:effectRef>
+            <a:fontRef idx="minor">
+              <a:schemeClr val="lt1"/>
+            </a:fontRef>
+          </p:style>
+        </p:sp>
+        <p:sp>
+          <p:nvSpPr>
+            <p:cNvPr id="17" name="Oval 16"/>
+            <p:cNvSpPr/>
+            <p:nvPr/>
+          </p:nvSpPr>
+          <p:spPr>
+            <a:xfrm>
+              <a:off x="8609012" y="1676400"/>
+              <a:ext cx="2819400" cy="2819400"/>
+            </a:xfrm>
+            <a:prstGeom prst="ellipse">
+              <a:avLst/>
+            </a:prstGeom>
+            <a:gradFill flip="none" rotWithShape="1">
+              <a:gsLst>
+                <a:gs pos="0">
+                  <a:schemeClr val="bg2">
+                    <a:lumMod val="40000"/>
+                    <a:lumOff val="60000"/>
+                    <a:alpha val="7000"/>
+                  </a:schemeClr>
+                </a:gs>
+                <a:gs pos="69000">
+                  <a:schemeClr val="bg2">
+                    <a:lumMod val="40000"/>
+                    <a:lumOff val="60000"/>
+                    <a:alpha val="0"/>
+                  </a:schemeClr>
+                </a:gs>
+                <a:gs pos="36000">
+                  <a:schemeClr val="bg2">
+                    <a:lumMod val="40000"/>
+                    <a:lumOff val="60000"/>
+                    <a:alpha val="6000"/>
                   </a:schemeClr>
                 </a:gs>
               </a:gsLst>
@@ -14395,8 +14959,8 @@
           </p:nvSpPr>
           <p:spPr>
             <a:xfrm>
-              <a:off x="0" y="2895600"/>
-              <a:ext cx="2362200" cy="2362200"/>
+              <a:off x="7999412" y="-2373"/>
+              <a:ext cx="1600200" cy="1600200"/>
             </a:xfrm>
             <a:prstGeom prst="ellipse">
               <a:avLst/>
@@ -14404,18 +14968,24 @@
             <a:gradFill flip="none" rotWithShape="1">
               <a:gsLst>
                 <a:gs pos="0">
-                  <a:schemeClr val="accent5">
-                    <a:alpha val="8000"/>
+                  <a:schemeClr val="bg2">
+                    <a:lumMod val="40000"/>
+                    <a:lumOff val="60000"/>
+                    <a:alpha val="14000"/>
                   </a:schemeClr>
                 </a:gs>
-                <a:gs pos="72000">
-                  <a:schemeClr val="accent5">
+                <a:gs pos="73000">
+                  <a:schemeClr val="bg2">
+                    <a:lumMod val="40000"/>
+                    <a:lumOff val="60000"/>
                     <a:alpha val="0"/>
                   </a:schemeClr>
                 </a:gs>
                 <a:gs pos="36000">
-                  <a:schemeClr val="accent5">
-                    <a:alpha val="8000"/>
+                  <a:schemeClr val="bg2">
+                    <a:lumMod val="40000"/>
+                    <a:lumOff val="60000"/>
+                    <a:alpha val="7000"/>
                   </a:schemeClr>
                 </a:gs>
               </a:gsLst>
@@ -14452,7 +15022,7 @@
           </p:nvSpPr>
           <p:spPr>
             <a:xfrm>
-              <a:off x="8609012" y="5867400"/>
+              <a:off x="8609012" y="5874054"/>
               <a:ext cx="990600" cy="990600"/>
             </a:xfrm>
             <a:prstGeom prst="ellipse">
@@ -14461,17 +15031,23 @@
             <a:gradFill flip="none" rotWithShape="1">
               <a:gsLst>
                 <a:gs pos="0">
-                  <a:schemeClr val="accent5">
+                  <a:schemeClr val="bg2">
+                    <a:lumMod val="40000"/>
+                    <a:lumOff val="60000"/>
                     <a:alpha val="14000"/>
                   </a:schemeClr>
                 </a:gs>
                 <a:gs pos="66000">
-                  <a:schemeClr val="accent5">
+                  <a:schemeClr val="bg2">
+                    <a:lumMod val="40000"/>
+                    <a:lumOff val="60000"/>
                     <a:alpha val="0"/>
                   </a:schemeClr>
                 </a:gs>
                 <a:gs pos="36000">
-                  <a:schemeClr val="accent5">
+                  <a:schemeClr val="bg2">
+                    <a:lumMod val="40000"/>
+                    <a:lumOff val="60000"/>
                     <a:alpha val="7000"/>
                   </a:schemeClr>
                 </a:gs>
@@ -14503,125 +15079,11 @@
         </p:sp>
         <p:sp>
           <p:nvSpPr>
-            <p:cNvPr id="20" name="Oval 19"/>
+            <p:cNvPr id="8" name="Rectangle 7"/>
             <p:cNvSpPr/>
             <p:nvPr/>
           </p:nvSpPr>
           <p:spPr>
-            <a:xfrm>
-              <a:off x="8609012" y="1676400"/>
-              <a:ext cx="2819400" cy="2819400"/>
-            </a:xfrm>
-            <a:prstGeom prst="ellipse">
-              <a:avLst/>
-            </a:prstGeom>
-            <a:gradFill flip="none" rotWithShape="1">
-              <a:gsLst>
-                <a:gs pos="0">
-                  <a:schemeClr val="accent5">
-                    <a:alpha val="7000"/>
-                  </a:schemeClr>
-                </a:gs>
-                <a:gs pos="69000">
-                  <a:schemeClr val="accent5">
-                    <a:alpha val="0"/>
-                  </a:schemeClr>
-                </a:gs>
-                <a:gs pos="36000">
-                  <a:schemeClr val="accent5">
-                    <a:alpha val="6000"/>
-                  </a:schemeClr>
-                </a:gs>
-              </a:gsLst>
-              <a:path path="circle">
-                <a:fillToRect l="50000" t="50000" r="50000" b="50000"/>
-              </a:path>
-              <a:tileRect/>
-            </a:gradFill>
-            <a:ln>
-              <a:noFill/>
-            </a:ln>
-            <a:effectLst/>
-          </p:spPr>
-          <p:style>
-            <a:lnRef idx="1">
-              <a:schemeClr val="accent1"/>
-            </a:lnRef>
-            <a:fillRef idx="3">
-              <a:schemeClr val="accent1"/>
-            </a:fillRef>
-            <a:effectRef idx="2">
-              <a:schemeClr val="accent1"/>
-            </a:effectRef>
-            <a:fontRef idx="minor">
-              <a:schemeClr val="lt1"/>
-            </a:fontRef>
-          </p:style>
-        </p:sp>
-        <p:sp>
-          <p:nvSpPr>
-            <p:cNvPr id="21" name="Oval 20"/>
-            <p:cNvSpPr/>
-            <p:nvPr/>
-          </p:nvSpPr>
-          <p:spPr>
-            <a:xfrm>
-              <a:off x="7999412" y="8464"/>
-              <a:ext cx="1600200" cy="1600200"/>
-            </a:xfrm>
-            <a:prstGeom prst="ellipse">
-              <a:avLst/>
-            </a:prstGeom>
-            <a:gradFill flip="none" rotWithShape="1">
-              <a:gsLst>
-                <a:gs pos="0">
-                  <a:schemeClr val="accent5">
-                    <a:alpha val="14000"/>
-                  </a:schemeClr>
-                </a:gs>
-                <a:gs pos="73000">
-                  <a:schemeClr val="accent5">
-                    <a:alpha val="0"/>
-                  </a:schemeClr>
-                </a:gs>
-                <a:gs pos="36000">
-                  <a:schemeClr val="accent5">
-                    <a:alpha val="7000"/>
-                  </a:schemeClr>
-                </a:gs>
-              </a:gsLst>
-              <a:path path="circle">
-                <a:fillToRect l="50000" t="50000" r="50000" b="50000"/>
-              </a:path>
-              <a:tileRect/>
-            </a:gradFill>
-            <a:ln>
-              <a:noFill/>
-            </a:ln>
-            <a:effectLst/>
-          </p:spPr>
-          <p:style>
-            <a:lnRef idx="1">
-              <a:schemeClr val="accent1"/>
-            </a:lnRef>
-            <a:fillRef idx="3">
-              <a:schemeClr val="accent1"/>
-            </a:fillRef>
-            <a:effectRef idx="2">
-              <a:schemeClr val="accent1"/>
-            </a:effectRef>
-            <a:fontRef idx="minor">
-              <a:schemeClr val="lt1"/>
-            </a:fontRef>
-          </p:style>
-        </p:sp>
-        <p:sp>
-          <p:nvSpPr>
-            <p:cNvPr id="11" name="Rectangle 10"/>
-            <p:cNvSpPr/>
-            <p:nvPr/>
-          </p:nvSpPr>
-          <p:spPr bwMode="gray">
             <a:xfrm>
               <a:off x="6172200" y="402165"/>
               <a:ext cx="5596465" cy="6053670"/>
@@ -14654,7 +15116,191 @@
         </p:sp>
         <p:sp>
           <p:nvSpPr>
-            <p:cNvPr id="22" name="Freeform 5"/>
+            <p:cNvPr id="9" name="Freeform 5"/>
+            <p:cNvSpPr/>
+            <p:nvPr/>
+          </p:nvSpPr>
+          <p:spPr bwMode="gray">
+            <a:xfrm rot="16200000">
+              <a:off x="3295432" y="2801721"/>
+              <a:ext cx="6053670" cy="1254558"/>
+            </a:xfrm>
+            <a:custGeom>
+              <a:avLst/>
+              <a:gdLst/>
+              <a:ahLst/>
+              <a:cxnLst/>
+              <a:rect l="l" t="t" r="r" b="b"/>
+              <a:pathLst>
+                <a:path w="10000" h="8000">
+                  <a:moveTo>
+                    <a:pt x="0" y="0"/>
+                  </a:moveTo>
+                  <a:lnTo>
+                    <a:pt x="0" y="7970"/>
+                  </a:lnTo>
+                  <a:lnTo>
+                    <a:pt x="10000" y="8000"/>
+                  </a:lnTo>
+                  <a:lnTo>
+                    <a:pt x="10000" y="7"/>
+                  </a:lnTo>
+                  <a:lnTo>
+                    <a:pt x="10000" y="7"/>
+                  </a:lnTo>
+                  <a:lnTo>
+                    <a:pt x="9773" y="156"/>
+                  </a:lnTo>
+                  <a:lnTo>
+                    <a:pt x="9547" y="298"/>
+                  </a:lnTo>
+                  <a:lnTo>
+                    <a:pt x="9320" y="437"/>
+                  </a:lnTo>
+                  <a:lnTo>
+                    <a:pt x="9092" y="556"/>
+                  </a:lnTo>
+                  <a:lnTo>
+                    <a:pt x="8865" y="676"/>
+                  </a:lnTo>
+                  <a:lnTo>
+                    <a:pt x="8637" y="788"/>
+                  </a:lnTo>
+                  <a:lnTo>
+                    <a:pt x="8412" y="884"/>
+                  </a:lnTo>
+                  <a:lnTo>
+                    <a:pt x="8184" y="975"/>
+                  </a:lnTo>
+                  <a:lnTo>
+                    <a:pt x="7957" y="1058"/>
+                  </a:lnTo>
+                  <a:lnTo>
+                    <a:pt x="7734" y="1130"/>
+                  </a:lnTo>
+                  <a:lnTo>
+                    <a:pt x="7508" y="1202"/>
+                  </a:lnTo>
+                  <a:lnTo>
+                    <a:pt x="7285" y="1262"/>
+                  </a:lnTo>
+                  <a:lnTo>
+                    <a:pt x="7062" y="1309"/>
+                  </a:lnTo>
+                  <a:lnTo>
+                    <a:pt x="6840" y="1358"/>
+                  </a:lnTo>
+                  <a:lnTo>
+                    <a:pt x="6620" y="1399"/>
+                  </a:lnTo>
+                  <a:lnTo>
+                    <a:pt x="6402" y="1428"/>
+                  </a:lnTo>
+                  <a:lnTo>
+                    <a:pt x="6184" y="1453"/>
+                  </a:lnTo>
+                  <a:lnTo>
+                    <a:pt x="5968" y="1477"/>
+                  </a:lnTo>
+                  <a:lnTo>
+                    <a:pt x="5755" y="1488"/>
+                  </a:lnTo>
+                  <a:lnTo>
+                    <a:pt x="5542" y="1500"/>
+                  </a:lnTo>
+                  <a:lnTo>
+                    <a:pt x="5332" y="1506"/>
+                  </a:lnTo>
+                  <a:lnTo>
+                    <a:pt x="5124" y="1500"/>
+                  </a:lnTo>
+                  <a:lnTo>
+                    <a:pt x="4918" y="1500"/>
+                  </a:lnTo>
+                  <a:lnTo>
+                    <a:pt x="4714" y="1488"/>
+                  </a:lnTo>
+                  <a:lnTo>
+                    <a:pt x="4514" y="1470"/>
+                  </a:lnTo>
+                  <a:lnTo>
+                    <a:pt x="4316" y="1453"/>
+                  </a:lnTo>
+                  <a:lnTo>
+                    <a:pt x="4122" y="1434"/>
+                  </a:lnTo>
+                  <a:lnTo>
+                    <a:pt x="3929" y="1405"/>
+                  </a:lnTo>
+                  <a:lnTo>
+                    <a:pt x="3739" y="1374"/>
+                  </a:lnTo>
+                  <a:lnTo>
+                    <a:pt x="3553" y="1346"/>
+                  </a:lnTo>
+                  <a:lnTo>
+                    <a:pt x="3190" y="1267"/>
+                  </a:lnTo>
+                  <a:lnTo>
+                    <a:pt x="2842" y="1183"/>
+                  </a:lnTo>
+                  <a:lnTo>
+                    <a:pt x="2508" y="1095"/>
+                  </a:lnTo>
+                  <a:lnTo>
+                    <a:pt x="2192" y="998"/>
+                  </a:lnTo>
+                  <a:lnTo>
+                    <a:pt x="1890" y="897"/>
+                  </a:lnTo>
+                  <a:lnTo>
+                    <a:pt x="1610" y="788"/>
+                  </a:lnTo>
+                  <a:lnTo>
+                    <a:pt x="1347" y="681"/>
+                  </a:lnTo>
+                  <a:lnTo>
+                    <a:pt x="1105" y="574"/>
+                  </a:lnTo>
+                  <a:lnTo>
+                    <a:pt x="883" y="473"/>
+                  </a:lnTo>
+                  <a:lnTo>
+                    <a:pt x="686" y="377"/>
+                  </a:lnTo>
+                  <a:lnTo>
+                    <a:pt x="508" y="286"/>
+                  </a:lnTo>
+                  <a:lnTo>
+                    <a:pt x="358" y="210"/>
+                  </a:lnTo>
+                  <a:lnTo>
+                    <a:pt x="232" y="138"/>
+                  </a:lnTo>
+                  <a:lnTo>
+                    <a:pt x="59" y="35"/>
+                  </a:lnTo>
+                  <a:lnTo>
+                    <a:pt x="0" y="0"/>
+                  </a:lnTo>
+                  <a:lnTo>
+                    <a:pt x="0" y="0"/>
+                  </a:lnTo>
+                  <a:close/>
+                </a:path>
+              </a:pathLst>
+            </a:custGeom>
+            <a:solidFill>
+              <a:schemeClr val="bg1"/>
+            </a:solidFill>
+            <a:ln>
+              <a:noFill/>
+            </a:ln>
+          </p:spPr>
+        </p:sp>
+        <p:sp>
+          <p:nvSpPr>
+            <p:cNvPr id="10" name="Freeform 5"/>
             <p:cNvSpPr/>
             <p:nvPr/>
           </p:nvSpPr>
@@ -14801,191 +15447,7 @@
         </p:sp>
         <p:sp>
           <p:nvSpPr>
-            <p:cNvPr id="12" name="Freeform 5"/>
-            <p:cNvSpPr/>
-            <p:nvPr/>
-          </p:nvSpPr>
-          <p:spPr bwMode="gray">
-            <a:xfrm rot="16200000">
-              <a:off x="3295432" y="2801721"/>
-              <a:ext cx="6053670" cy="1254558"/>
-            </a:xfrm>
-            <a:custGeom>
-              <a:avLst/>
-              <a:gdLst/>
-              <a:ahLst/>
-              <a:cxnLst/>
-              <a:rect l="l" t="t" r="r" b="b"/>
-              <a:pathLst>
-                <a:path w="10000" h="8000">
-                  <a:moveTo>
-                    <a:pt x="0" y="0"/>
-                  </a:moveTo>
-                  <a:lnTo>
-                    <a:pt x="0" y="7970"/>
-                  </a:lnTo>
-                  <a:lnTo>
-                    <a:pt x="10000" y="8000"/>
-                  </a:lnTo>
-                  <a:lnTo>
-                    <a:pt x="10000" y="7"/>
-                  </a:lnTo>
-                  <a:lnTo>
-                    <a:pt x="10000" y="7"/>
-                  </a:lnTo>
-                  <a:lnTo>
-                    <a:pt x="9773" y="156"/>
-                  </a:lnTo>
-                  <a:lnTo>
-                    <a:pt x="9547" y="298"/>
-                  </a:lnTo>
-                  <a:lnTo>
-                    <a:pt x="9320" y="437"/>
-                  </a:lnTo>
-                  <a:lnTo>
-                    <a:pt x="9092" y="556"/>
-                  </a:lnTo>
-                  <a:lnTo>
-                    <a:pt x="8865" y="676"/>
-                  </a:lnTo>
-                  <a:lnTo>
-                    <a:pt x="8637" y="788"/>
-                  </a:lnTo>
-                  <a:lnTo>
-                    <a:pt x="8412" y="884"/>
-                  </a:lnTo>
-                  <a:lnTo>
-                    <a:pt x="8184" y="975"/>
-                  </a:lnTo>
-                  <a:lnTo>
-                    <a:pt x="7957" y="1058"/>
-                  </a:lnTo>
-                  <a:lnTo>
-                    <a:pt x="7734" y="1130"/>
-                  </a:lnTo>
-                  <a:lnTo>
-                    <a:pt x="7508" y="1202"/>
-                  </a:lnTo>
-                  <a:lnTo>
-                    <a:pt x="7285" y="1262"/>
-                  </a:lnTo>
-                  <a:lnTo>
-                    <a:pt x="7062" y="1309"/>
-                  </a:lnTo>
-                  <a:lnTo>
-                    <a:pt x="6840" y="1358"/>
-                  </a:lnTo>
-                  <a:lnTo>
-                    <a:pt x="6620" y="1399"/>
-                  </a:lnTo>
-                  <a:lnTo>
-                    <a:pt x="6402" y="1428"/>
-                  </a:lnTo>
-                  <a:lnTo>
-                    <a:pt x="6184" y="1453"/>
-                  </a:lnTo>
-                  <a:lnTo>
-                    <a:pt x="5968" y="1477"/>
-                  </a:lnTo>
-                  <a:lnTo>
-                    <a:pt x="5755" y="1488"/>
-                  </a:lnTo>
-                  <a:lnTo>
-                    <a:pt x="5542" y="1500"/>
-                  </a:lnTo>
-                  <a:lnTo>
-                    <a:pt x="5332" y="1506"/>
-                  </a:lnTo>
-                  <a:lnTo>
-                    <a:pt x="5124" y="1500"/>
-                  </a:lnTo>
-                  <a:lnTo>
-                    <a:pt x="4918" y="1500"/>
-                  </a:lnTo>
-                  <a:lnTo>
-                    <a:pt x="4714" y="1488"/>
-                  </a:lnTo>
-                  <a:lnTo>
-                    <a:pt x="4514" y="1470"/>
-                  </a:lnTo>
-                  <a:lnTo>
-                    <a:pt x="4316" y="1453"/>
-                  </a:lnTo>
-                  <a:lnTo>
-                    <a:pt x="4122" y="1434"/>
-                  </a:lnTo>
-                  <a:lnTo>
-                    <a:pt x="3929" y="1405"/>
-                  </a:lnTo>
-                  <a:lnTo>
-                    <a:pt x="3739" y="1374"/>
-                  </a:lnTo>
-                  <a:lnTo>
-                    <a:pt x="3553" y="1346"/>
-                  </a:lnTo>
-                  <a:lnTo>
-                    <a:pt x="3190" y="1267"/>
-                  </a:lnTo>
-                  <a:lnTo>
-                    <a:pt x="2842" y="1183"/>
-                  </a:lnTo>
-                  <a:lnTo>
-                    <a:pt x="2508" y="1095"/>
-                  </a:lnTo>
-                  <a:lnTo>
-                    <a:pt x="2192" y="998"/>
-                  </a:lnTo>
-                  <a:lnTo>
-                    <a:pt x="1890" y="897"/>
-                  </a:lnTo>
-                  <a:lnTo>
-                    <a:pt x="1610" y="788"/>
-                  </a:lnTo>
-                  <a:lnTo>
-                    <a:pt x="1347" y="681"/>
-                  </a:lnTo>
-                  <a:lnTo>
-                    <a:pt x="1105" y="574"/>
-                  </a:lnTo>
-                  <a:lnTo>
-                    <a:pt x="883" y="473"/>
-                  </a:lnTo>
-                  <a:lnTo>
-                    <a:pt x="686" y="377"/>
-                  </a:lnTo>
-                  <a:lnTo>
-                    <a:pt x="508" y="286"/>
-                  </a:lnTo>
-                  <a:lnTo>
-                    <a:pt x="358" y="210"/>
-                  </a:lnTo>
-                  <a:lnTo>
-                    <a:pt x="232" y="138"/>
-                  </a:lnTo>
-                  <a:lnTo>
-                    <a:pt x="59" y="35"/>
-                  </a:lnTo>
-                  <a:lnTo>
-                    <a:pt x="0" y="0"/>
-                  </a:lnTo>
-                  <a:lnTo>
-                    <a:pt x="0" y="0"/>
-                  </a:lnTo>
-                  <a:close/>
-                </a:path>
-              </a:pathLst>
-            </a:custGeom>
-            <a:solidFill>
-              <a:schemeClr val="bg1"/>
-            </a:solidFill>
-            <a:ln>
-              <a:noFill/>
-            </a:ln>
-          </p:spPr>
-        </p:sp>
-        <p:sp>
-          <p:nvSpPr>
-            <p:cNvPr id="15" name="Freeform 5"/>
+            <p:cNvPr id="13" name="Freeform 5"/>
             <p:cNvSpPr>
               <a:spLocks noEditPoints="1"/>
             </p:cNvSpPr>
@@ -15060,8 +15522,8 @@
         </p:nvSpPr>
         <p:spPr>
           <a:xfrm>
-            <a:off x="1154955" y="1693333"/>
-            <a:ext cx="3865134" cy="1735667"/>
+            <a:off x="1153907" y="1693332"/>
+            <a:ext cx="3860260" cy="1735668"/>
           </a:xfrm>
         </p:spPr>
         <p:txBody>
@@ -15153,9 +15615,6 @@
             </a:lvl9pPr>
           </a:lstStyle>
           <a:p>
-            <a:pPr marL="0" lvl="0" indent="0" algn="ctr">
-              <a:buNone/>
-            </a:pPr>
             <a:r>
               <a:rPr lang="es-ES"/>
               <a:t>Haga clic en el icono para agregar una imagen</a:t>
@@ -15176,7 +15635,7 @@
         </p:nvSpPr>
         <p:spPr bwMode="gray">
           <a:xfrm>
-            <a:off x="1154954" y="3657600"/>
+            <a:off x="1154955" y="3657600"/>
             <a:ext cx="3859212" cy="1371600"/>
           </a:xfrm>
         </p:spPr>
@@ -15189,10 +15648,7 @@
               <a:buNone/>
               <a:defRPr sz="1400">
                 <a:solidFill>
-                  <a:schemeClr val="accent1">
-                    <a:lumMod val="60000"/>
-                    <a:lumOff val="40000"/>
-                  </a:schemeClr>
+                  <a:schemeClr val="accent1"/>
                 </a:solidFill>
               </a:defRPr>
             </a:lvl1pPr>
@@ -15255,7 +15711,7 @@
           <a:p>
             <a:fld id="{71C85FF8-2AF0-6A4B-B786-86E31EDFDAD3}" type="datetimeFigureOut">
               <a:rPr lang="es-EC" smtClean="0"/>
-              <a:t>29/7/2019</a:t>
+              <a:t>29/07/2019</a:t>
             </a:fld>
             <a:endParaRPr lang="es-EC"/>
           </a:p>
@@ -15282,7 +15738,7 @@
       </p:sp>
       <p:sp>
         <p:nvSpPr>
-          <p:cNvPr id="16" name="Rectangle 15"/>
+          <p:cNvPr id="14" name="Rectangle 13"/>
           <p:cNvSpPr/>
           <p:nvPr/>
         </p:nvSpPr>
@@ -15342,7 +15798,7 @@
     </p:spTree>
     <p:extLst>
       <p:ext uri="{BB962C8B-B14F-4D97-AF65-F5344CB8AC3E}">
-        <p14:creationId xmlns:p14="http://schemas.microsoft.com/office/powerpoint/2010/main" val="2587975047"/>
+        <p14:creationId xmlns:p14="http://schemas.microsoft.com/office/powerpoint/2010/main" val="628598580"/>
       </p:ext>
     </p:extLst>
   </p:cSld>
@@ -15376,21 +15832,21 @@
       </p:grpSpPr>
       <p:grpSp>
         <p:nvGrpSpPr>
-          <p:cNvPr id="8" name="Group 7"/>
+          <p:cNvPr id="9" name="Group 8"/>
           <p:cNvGrpSpPr/>
           <p:nvPr/>
         </p:nvGrpSpPr>
         <p:grpSpPr>
           <a:xfrm>
-            <a:off x="0" y="0"/>
-            <a:ext cx="12192000" cy="6858000"/>
-            <a:chOff x="0" y="0"/>
-            <a:chExt cx="12192000" cy="6858000"/>
+            <a:off x="0" y="-2373"/>
+            <a:ext cx="12192000" cy="6867027"/>
+            <a:chOff x="0" y="-2373"/>
+            <a:chExt cx="12192000" cy="6867027"/>
           </a:xfrm>
         </p:grpSpPr>
         <p:sp>
           <p:nvSpPr>
-            <p:cNvPr id="7" name="Rectangle 6"/>
+            <p:cNvPr id="26" name="Rectangle 25"/>
             <p:cNvSpPr/>
             <p:nvPr/>
           </p:nvSpPr>
@@ -15406,15 +15862,16 @@
               <a:blip r:embed="rId19">
                 <a:duotone>
                   <a:schemeClr val="dk2">
-                    <a:shade val="69000"/>
-                    <a:hueMod val="91000"/>
+                    <a:shade val="62000"/>
+                    <a:hueMod val="108000"/>
                     <a:satMod val="164000"/>
-                    <a:lumMod val="74000"/>
+                    <a:lumMod val="69000"/>
                   </a:schemeClr>
                   <a:schemeClr val="dk2">
-                    <a:hueMod val="124000"/>
-                    <a:satMod val="140000"/>
-                    <a:lumMod val="142000"/>
+                    <a:tint val="96000"/>
+                    <a:hueMod val="90000"/>
+                    <a:satMod val="130000"/>
+                    <a:lumMod val="134000"/>
                   </a:schemeClr>
                 </a:duotone>
               </a:blip>
@@ -15445,13 +15902,13 @@
         </p:sp>
         <p:sp>
           <p:nvSpPr>
-            <p:cNvPr id="13" name="Oval 12"/>
+            <p:cNvPr id="15" name="Oval 14"/>
             <p:cNvSpPr/>
             <p:nvPr/>
           </p:nvSpPr>
           <p:spPr>
             <a:xfrm>
-              <a:off x="0" y="2667000"/>
+              <a:off x="3220" y="2667000"/>
               <a:ext cx="4191000" cy="4191000"/>
             </a:xfrm>
             <a:prstGeom prst="ellipse">
@@ -15460,17 +15917,23 @@
             <a:gradFill flip="none" rotWithShape="1">
               <a:gsLst>
                 <a:gs pos="0">
-                  <a:schemeClr val="accent5">
+                  <a:schemeClr val="bg2">
+                    <a:lumMod val="40000"/>
+                    <a:lumOff val="60000"/>
                     <a:alpha val="11000"/>
                   </a:schemeClr>
                 </a:gs>
                 <a:gs pos="75000">
-                  <a:schemeClr val="accent5">
+                  <a:schemeClr val="bg2">
+                    <a:lumMod val="40000"/>
+                    <a:lumOff val="60000"/>
                     <a:alpha val="0"/>
                   </a:schemeClr>
                 </a:gs>
                 <a:gs pos="36000">
-                  <a:schemeClr val="accent5">
+                  <a:schemeClr val="bg2">
+                    <a:lumMod val="40000"/>
+                    <a:lumOff val="60000"/>
                     <a:alpha val="10000"/>
                   </a:schemeClr>
                 </a:gs>
@@ -15502,13 +15965,13 @@
         </p:sp>
         <p:sp>
           <p:nvSpPr>
-            <p:cNvPr id="15" name="Oval 14"/>
+            <p:cNvPr id="16" name="Oval 15"/>
             <p:cNvSpPr/>
             <p:nvPr/>
           </p:nvSpPr>
           <p:spPr>
             <a:xfrm>
-              <a:off x="0" y="2895600"/>
+              <a:off x="1750" y="2895600"/>
               <a:ext cx="2362200" cy="2362200"/>
             </a:xfrm>
             <a:prstGeom prst="ellipse">
@@ -15517,18 +15980,87 @@
             <a:gradFill flip="none" rotWithShape="1">
               <a:gsLst>
                 <a:gs pos="0">
-                  <a:schemeClr val="accent5">
+                  <a:schemeClr val="bg2">
+                    <a:lumMod val="40000"/>
+                    <a:lumOff val="60000"/>
                     <a:alpha val="8000"/>
                   </a:schemeClr>
                 </a:gs>
                 <a:gs pos="72000">
-                  <a:schemeClr val="accent5">
+                  <a:schemeClr val="bg2">
+                    <a:lumMod val="40000"/>
+                    <a:lumOff val="60000"/>
                     <a:alpha val="0"/>
                   </a:schemeClr>
                 </a:gs>
                 <a:gs pos="36000">
-                  <a:schemeClr val="accent5">
+                  <a:schemeClr val="bg2">
+                    <a:lumMod val="40000"/>
+                    <a:lumOff val="60000"/>
                     <a:alpha val="8000"/>
+                  </a:schemeClr>
+                </a:gs>
+              </a:gsLst>
+              <a:path path="circle">
+                <a:fillToRect l="50000" t="50000" r="50000" b="50000"/>
+              </a:path>
+              <a:tileRect/>
+            </a:gradFill>
+            <a:ln>
+              <a:noFill/>
+            </a:ln>
+            <a:effectLst/>
+          </p:spPr>
+          <p:style>
+            <a:lnRef idx="1">
+              <a:schemeClr val="accent1"/>
+            </a:lnRef>
+            <a:fillRef idx="3">
+              <a:schemeClr val="accent1"/>
+            </a:fillRef>
+            <a:effectRef idx="2">
+              <a:schemeClr val="accent1"/>
+            </a:effectRef>
+            <a:fontRef idx="minor">
+              <a:schemeClr val="lt1"/>
+            </a:fontRef>
+          </p:style>
+        </p:sp>
+        <p:sp>
+          <p:nvSpPr>
+            <p:cNvPr id="17" name="Oval 16"/>
+            <p:cNvSpPr/>
+            <p:nvPr/>
+          </p:nvSpPr>
+          <p:spPr>
+            <a:xfrm>
+              <a:off x="8609012" y="1676400"/>
+              <a:ext cx="2819400" cy="2819400"/>
+            </a:xfrm>
+            <a:prstGeom prst="ellipse">
+              <a:avLst/>
+            </a:prstGeom>
+            <a:gradFill flip="none" rotWithShape="1">
+              <a:gsLst>
+                <a:gs pos="0">
+                  <a:schemeClr val="bg2">
+                    <a:lumMod val="40000"/>
+                    <a:lumOff val="60000"/>
+                    <a:alpha val="7000"/>
+                  </a:schemeClr>
+                </a:gs>
+                <a:gs pos="69000">
+                  <a:schemeClr val="bg2">
+                    <a:lumMod val="40000"/>
+                    <a:lumOff val="60000"/>
+                    <a:alpha val="0"/>
+                  </a:schemeClr>
+                </a:gs>
+                <a:gs pos="36000">
+                  <a:schemeClr val="bg2">
+                    <a:lumMod val="40000"/>
+                    <a:lumOff val="60000"/>
+                    <a:alpha val="6000"/>
                   </a:schemeClr>
                 </a:gs>
               </a:gsLst>
@@ -15565,8 +16097,8 @@
           </p:nvSpPr>
           <p:spPr>
             <a:xfrm>
-              <a:off x="8609012" y="5867400"/>
-              <a:ext cx="990600" cy="990600"/>
+              <a:off x="7999412" y="-2373"/>
+              <a:ext cx="1600200" cy="1600200"/>
             </a:xfrm>
             <a:prstGeom prst="ellipse">
               <a:avLst/>
@@ -15574,17 +16106,23 @@
             <a:gradFill flip="none" rotWithShape="1">
               <a:gsLst>
                 <a:gs pos="0">
-                  <a:schemeClr val="accent5">
+                  <a:schemeClr val="bg2">
+                    <a:lumMod val="40000"/>
+                    <a:lumOff val="60000"/>
                     <a:alpha val="14000"/>
                   </a:schemeClr>
                 </a:gs>
-                <a:gs pos="66000">
-                  <a:schemeClr val="accent5">
+                <a:gs pos="73000">
+                  <a:schemeClr val="bg2">
+                    <a:lumMod val="40000"/>
+                    <a:lumOff val="60000"/>
                     <a:alpha val="0"/>
                   </a:schemeClr>
                 </a:gs>
                 <a:gs pos="36000">
-                  <a:schemeClr val="accent5">
+                  <a:schemeClr val="bg2">
+                    <a:lumMod val="40000"/>
+                    <a:lumOff val="60000"/>
                     <a:alpha val="7000"/>
                   </a:schemeClr>
                 </a:gs>
@@ -15616,14 +16154,14 @@
         </p:sp>
         <p:sp>
           <p:nvSpPr>
-            <p:cNvPr id="16" name="Oval 15"/>
+            <p:cNvPr id="19" name="Oval 18"/>
             <p:cNvSpPr/>
             <p:nvPr/>
           </p:nvSpPr>
           <p:spPr>
             <a:xfrm>
-              <a:off x="8609012" y="1676400"/>
-              <a:ext cx="2819400" cy="2819400"/>
+              <a:off x="8609012" y="5874054"/>
+              <a:ext cx="990600" cy="990600"/>
             </a:xfrm>
             <a:prstGeom prst="ellipse">
               <a:avLst/>
@@ -15631,18 +16169,24 @@
             <a:gradFill flip="none" rotWithShape="1">
               <a:gsLst>
                 <a:gs pos="0">
-                  <a:schemeClr val="accent5">
-                    <a:alpha val="7000"/>
+                  <a:schemeClr val="bg2">
+                    <a:lumMod val="40000"/>
+                    <a:lumOff val="60000"/>
+                    <a:alpha val="14000"/>
                   </a:schemeClr>
                 </a:gs>
-                <a:gs pos="69000">
-                  <a:schemeClr val="accent5">
+                <a:gs pos="66000">
+                  <a:schemeClr val="bg2">
+                    <a:lumMod val="40000"/>
+                    <a:lumOff val="60000"/>
                     <a:alpha val="0"/>
                   </a:schemeClr>
                 </a:gs>
                 <a:gs pos="36000">
-                  <a:schemeClr val="accent5">
-                    <a:alpha val="6000"/>
+                  <a:schemeClr val="bg2">
+                    <a:lumMod val="40000"/>
+                    <a:lumOff val="60000"/>
+                    <a:alpha val="7000"/>
                   </a:schemeClr>
                 </a:gs>
               </a:gsLst>
@@ -15673,64 +16217,7 @@
         </p:sp>
         <p:sp>
           <p:nvSpPr>
-            <p:cNvPr id="17" name="Oval 16"/>
-            <p:cNvSpPr/>
-            <p:nvPr/>
-          </p:nvSpPr>
-          <p:spPr>
-            <a:xfrm>
-              <a:off x="7999412" y="8464"/>
-              <a:ext cx="1600200" cy="1600200"/>
-            </a:xfrm>
-            <a:prstGeom prst="ellipse">
-              <a:avLst/>
-            </a:prstGeom>
-            <a:gradFill flip="none" rotWithShape="1">
-              <a:gsLst>
-                <a:gs pos="0">
-                  <a:schemeClr val="accent5">
-                    <a:alpha val="14000"/>
-                  </a:schemeClr>
-                </a:gs>
-                <a:gs pos="73000">
-                  <a:schemeClr val="accent5">
-                    <a:alpha val="0"/>
-                  </a:schemeClr>
-                </a:gs>
-                <a:gs pos="36000">
-                  <a:schemeClr val="accent5">
-                    <a:alpha val="7000"/>
-                  </a:schemeClr>
-                </a:gs>
-              </a:gsLst>
-              <a:path path="circle">
-                <a:fillToRect l="50000" t="50000" r="50000" b="50000"/>
-              </a:path>
-              <a:tileRect/>
-            </a:gradFill>
-            <a:ln>
-              <a:noFill/>
-            </a:ln>
-            <a:effectLst/>
-          </p:spPr>
-          <p:style>
-            <a:lnRef idx="1">
-              <a:schemeClr val="accent1"/>
-            </a:lnRef>
-            <a:fillRef idx="3">
-              <a:schemeClr val="accent1"/>
-            </a:fillRef>
-            <a:effectRef idx="2">
-              <a:schemeClr val="accent1"/>
-            </a:effectRef>
-            <a:fontRef idx="minor">
-              <a:schemeClr val="lt1"/>
-            </a:fontRef>
-          </p:style>
-        </p:sp>
-        <p:sp>
-          <p:nvSpPr>
-            <p:cNvPr id="20" name="Freeform 5"/>
+            <p:cNvPr id="23" name="Freeform 5"/>
             <p:cNvSpPr/>
             <p:nvPr/>
           </p:nvSpPr>
@@ -15877,7 +16364,7 @@
         </p:sp>
         <p:sp>
           <p:nvSpPr>
-            <p:cNvPr id="19" name="Freeform 5"/>
+            <p:cNvPr id="20" name="Freeform 5"/>
             <p:cNvSpPr/>
             <p:nvPr/>
           </p:nvSpPr>
@@ -16061,7 +16548,7 @@
         </p:sp>
         <p:sp>
           <p:nvSpPr>
-            <p:cNvPr id="14" name="Freeform 5"/>
+            <p:cNvPr id="21" name="Freeform 5"/>
             <p:cNvSpPr>
               <a:spLocks noEditPoints="1"/>
             </p:cNvSpPr>
@@ -16136,7 +16623,7 @@
         </p:nvSpPr>
         <p:spPr bwMode="gray">
           <a:xfrm>
-            <a:off x="1154954" y="973668"/>
+            <a:off x="1154953" y="973668"/>
             <a:ext cx="8761413" cy="706964"/>
           </a:xfrm>
           <a:prstGeom prst="rect">
@@ -16169,8 +16656,8 @@
         </p:nvSpPr>
         <p:spPr>
           <a:xfrm>
-            <a:off x="1154954" y="2603500"/>
-            <a:ext cx="8761413" cy="3416300"/>
+            <a:off x="1154955" y="2603500"/>
+            <a:ext cx="8761412" cy="3416300"/>
           </a:xfrm>
           <a:prstGeom prst="rect">
             <a:avLst/>
@@ -16231,7 +16718,7 @@
         </p:nvSpPr>
         <p:spPr>
           <a:xfrm>
-            <a:off x="10653104" y="6391838"/>
+            <a:off x="10650938" y="6394061"/>
             <a:ext cx="990599" cy="304799"/>
           </a:xfrm>
           <a:prstGeom prst="rect">
@@ -16239,7 +16726,7 @@
           </a:prstGeom>
         </p:spPr>
         <p:txBody>
-          <a:bodyPr vert="horz" lIns="91440" tIns="45720" rIns="91440" bIns="45720" rtlCol="0" anchor="ctr"/>
+          <a:bodyPr vert="horz" lIns="91440" tIns="45720" rIns="91440" bIns="45720" rtlCol="0" anchor="t"/>
           <a:lstStyle>
             <a:lvl1pPr algn="r">
               <a:defRPr sz="1000" b="1" i="0">
@@ -16252,7 +16739,7 @@
           <a:p>
             <a:fld id="{71C85FF8-2AF0-6A4B-B786-86E31EDFDAD3}" type="datetimeFigureOut">
               <a:rPr lang="es-EC" smtClean="0"/>
-              <a:t>29/7/2019</a:t>
+              <a:t>29/07/2019</a:t>
             </a:fld>
             <a:endParaRPr lang="es-EC"/>
           </a:p>
@@ -16270,7 +16757,7 @@
         </p:nvSpPr>
         <p:spPr>
           <a:xfrm>
-            <a:off x="561110" y="6391838"/>
+            <a:off x="528358" y="6391838"/>
             <a:ext cx="3859795" cy="304801"/>
           </a:xfrm>
           <a:prstGeom prst="rect">
@@ -16278,13 +16765,14 @@
           </a:prstGeom>
         </p:spPr>
         <p:txBody>
-          <a:bodyPr vert="horz" lIns="91440" tIns="45720" rIns="91440" bIns="45720" rtlCol="0" anchor="ctr"/>
+          <a:bodyPr vert="horz" lIns="91440" tIns="45720" rIns="91440" bIns="45720" rtlCol="0" anchor="b"/>
           <a:lstStyle>
             <a:lvl1pPr algn="l">
               <a:defRPr sz="1000" b="1" i="0">
                 <a:solidFill>
                   <a:schemeClr val="accent1"/>
                 </a:solidFill>
+                <a:latin typeface="+mn-lt"/>
               </a:defRPr>
             </a:lvl1pPr>
           </a:lstStyle>
@@ -16295,7 +16783,7 @@
       </p:sp>
       <p:sp>
         <p:nvSpPr>
-          <p:cNvPr id="21" name="Rectangle 20"/>
+          <p:cNvPr id="22" name="Rectangle 21"/>
           <p:cNvSpPr/>
           <p:nvPr/>
         </p:nvSpPr>
@@ -16339,7 +16827,7 @@
             <p:ph type="sldNum" sz="quarter" idx="4"/>
           </p:nvPr>
         </p:nvSpPr>
-        <p:spPr bwMode="gray">
+        <p:spPr>
           <a:xfrm>
             <a:off x="10352540" y="295729"/>
             <a:ext cx="838199" cy="767687"/>
@@ -16356,6 +16844,7 @@
                 <a:solidFill>
                   <a:schemeClr val="bg1"/>
                 </a:solidFill>
+                <a:latin typeface="+mn-lt"/>
               </a:defRPr>
             </a:lvl1pPr>
           </a:lstStyle>
@@ -16371,29 +16860,29 @@
     </p:spTree>
     <p:extLst>
       <p:ext uri="{BB962C8B-B14F-4D97-AF65-F5344CB8AC3E}">
-        <p14:creationId xmlns:p14="http://schemas.microsoft.com/office/powerpoint/2010/main" val="3026738178"/>
+        <p14:creationId xmlns:p14="http://schemas.microsoft.com/office/powerpoint/2010/main" val="4214536728"/>
       </p:ext>
     </p:extLst>
   </p:cSld>
   <p:clrMap bg1="lt1" tx1="dk1" bg2="lt2" tx2="dk2" accent1="accent1" accent2="accent2" accent3="accent3" accent4="accent4" accent5="accent5" accent6="accent6" hlink="hlink" folHlink="folHlink"/>
   <p:sldLayoutIdLst>
-    <p:sldLayoutId id="2147483661" r:id="rId1"/>
-    <p:sldLayoutId id="2147483662" r:id="rId2"/>
-    <p:sldLayoutId id="2147483663" r:id="rId3"/>
-    <p:sldLayoutId id="2147483664" r:id="rId4"/>
-    <p:sldLayoutId id="2147483665" r:id="rId5"/>
-    <p:sldLayoutId id="2147483666" r:id="rId6"/>
-    <p:sldLayoutId id="2147483667" r:id="rId7"/>
-    <p:sldLayoutId id="2147483668" r:id="rId8"/>
-    <p:sldLayoutId id="2147483669" r:id="rId9"/>
-    <p:sldLayoutId id="2147483670" r:id="rId10"/>
-    <p:sldLayoutId id="2147483671" r:id="rId11"/>
-    <p:sldLayoutId id="2147483672" r:id="rId12"/>
-    <p:sldLayoutId id="2147483673" r:id="rId13"/>
-    <p:sldLayoutId id="2147483674" r:id="rId14"/>
-    <p:sldLayoutId id="2147483675" r:id="rId15"/>
-    <p:sldLayoutId id="2147483676" r:id="rId16"/>
-    <p:sldLayoutId id="2147483677" r:id="rId17"/>
+    <p:sldLayoutId id="2147483715" r:id="rId1"/>
+    <p:sldLayoutId id="2147483716" r:id="rId2"/>
+    <p:sldLayoutId id="2147483717" r:id="rId3"/>
+    <p:sldLayoutId id="2147483718" r:id="rId4"/>
+    <p:sldLayoutId id="2147483719" r:id="rId5"/>
+    <p:sldLayoutId id="2147483720" r:id="rId6"/>
+    <p:sldLayoutId id="2147483721" r:id="rId7"/>
+    <p:sldLayoutId id="2147483722" r:id="rId8"/>
+    <p:sldLayoutId id="2147483723" r:id="rId9"/>
+    <p:sldLayoutId id="2147483724" r:id="rId10"/>
+    <p:sldLayoutId id="2147483725" r:id="rId11"/>
+    <p:sldLayoutId id="2147483726" r:id="rId12"/>
+    <p:sldLayoutId id="2147483727" r:id="rId13"/>
+    <p:sldLayoutId id="2147483728" r:id="rId14"/>
+    <p:sldLayoutId id="2147483729" r:id="rId15"/>
+    <p:sldLayoutId id="2147483730" r:id="rId16"/>
+    <p:sldLayoutId id="2147483731" r:id="rId17"/>
   </p:sldLayoutIdLst>
   <p:txStyles>
     <p:titleStyle>
@@ -16829,8 +17318,8 @@
         </p:nvSpPr>
         <p:spPr>
           <a:xfrm>
-            <a:off x="1154955" y="769067"/>
-            <a:ext cx="8825658" cy="2677648"/>
+            <a:off x="1524000" y="1674055"/>
+            <a:ext cx="8825658" cy="1430810"/>
           </a:xfrm>
         </p:spPr>
         <p:txBody>
@@ -16891,12 +17380,8 @@
           </a:p>
           <a:p>
             <a:r>
-              <a:rPr lang="es-EC"/>
-              <a:t>Cristian </a:t>
-            </a:r>
-            <a:r>
               <a:rPr lang="es-EC" dirty="0"/>
-              <a:t>Guamba</a:t>
+              <a:t>Christian Guamba</a:t>
             </a:r>
           </a:p>
           <a:p>
@@ -16914,379 +17399,6 @@
     <p:extLst>
       <p:ext uri="{BB962C8B-B14F-4D97-AF65-F5344CB8AC3E}">
         <p14:creationId xmlns:p14="http://schemas.microsoft.com/office/powerpoint/2010/main" val="2767270824"/>
-      </p:ext>
-    </p:extLst>
-  </p:cSld>
-  <p:clrMapOvr>
-    <a:masterClrMapping/>
-  </p:clrMapOvr>
-</p:sld>
-</file>
-
-<file path=ppt/slides/slide10.xml><?xml version="1.0" encoding="utf-8"?>
-<p:sld xmlns:a="http://schemas.openxmlformats.org/drawingml/2006/main" xmlns:r="http://schemas.openxmlformats.org/officeDocument/2006/relationships" xmlns:p="http://schemas.openxmlformats.org/presentationml/2006/main">
-  <p:cSld>
-    <p:spTree>
-      <p:nvGrpSpPr>
-        <p:cNvPr id="1" name=""/>
-        <p:cNvGrpSpPr/>
-        <p:nvPr/>
-      </p:nvGrpSpPr>
-      <p:grpSpPr>
-        <a:xfrm>
-          <a:off x="0" y="0"/>
-          <a:ext cx="0" cy="0"/>
-          <a:chOff x="0" y="0"/>
-          <a:chExt cx="0" cy="0"/>
-        </a:xfrm>
-      </p:grpSpPr>
-      <p:sp>
-        <p:nvSpPr>
-          <p:cNvPr id="2" name="Título 1">
-            <a:extLst>
-              <a:ext uri="{FF2B5EF4-FFF2-40B4-BE49-F238E27FC236}">
-                <a16:creationId xmlns:a16="http://schemas.microsoft.com/office/drawing/2014/main" id="{95F49695-9578-4477-9CE0-BE95AD260D23}"/>
-              </a:ext>
-            </a:extLst>
-          </p:cNvPr>
-          <p:cNvSpPr>
-            <a:spLocks noGrp="1"/>
-          </p:cNvSpPr>
-          <p:nvPr>
-            <p:ph type="title"/>
-          </p:nvPr>
-        </p:nvSpPr>
-        <p:spPr/>
-        <p:txBody>
-          <a:bodyPr/>
-          <a:lstStyle/>
-          <a:p>
-            <a:r>
-              <a:rPr lang="es-ES" dirty="0"/>
-              <a:t>Orden de ejecución</a:t>
-            </a:r>
-            <a:endParaRPr lang="es-EC" dirty="0"/>
-          </a:p>
-        </p:txBody>
-      </p:sp>
-      <p:sp>
-        <p:nvSpPr>
-          <p:cNvPr id="3" name="Marcador de contenido 2">
-            <a:extLst>
-              <a:ext uri="{FF2B5EF4-FFF2-40B4-BE49-F238E27FC236}">
-                <a16:creationId xmlns:a16="http://schemas.microsoft.com/office/drawing/2014/main" id="{E3C86FB4-5AFE-47A5-8D1F-6E8794207BC0}"/>
-              </a:ext>
-            </a:extLst>
-          </p:cNvPr>
-          <p:cNvSpPr>
-            <a:spLocks noGrp="1"/>
-          </p:cNvSpPr>
-          <p:nvPr>
-            <p:ph idx="1"/>
-          </p:nvPr>
-        </p:nvSpPr>
-        <p:spPr>
-          <a:xfrm>
-            <a:off x="830580" y="2548767"/>
-            <a:ext cx="10515600" cy="1252853"/>
-          </a:xfrm>
-        </p:spPr>
-        <p:txBody>
-          <a:bodyPr/>
-          <a:lstStyle/>
-          <a:p>
-            <a:r>
-              <a:rPr lang="es-ES_tradnl" sz="2000" dirty="0"/>
-              <a:t>Cuando el navegador encuentra un bloque de JavaScript, generalmente lo corre en orden, de arriba hacia abajo. Esto significa que tienes que tener cuidado en qué orden pones las cosas.</a:t>
-            </a:r>
-            <a:endParaRPr lang="es-EC" sz="2000" dirty="0"/>
-          </a:p>
-          <a:p>
-            <a:endParaRPr lang="es-EC" dirty="0"/>
-          </a:p>
-        </p:txBody>
-      </p:sp>
-      <p:sp>
-        <p:nvSpPr>
-          <p:cNvPr id="4" name="Título 1">
-            <a:extLst>
-              <a:ext uri="{FF2B5EF4-FFF2-40B4-BE49-F238E27FC236}">
-                <a16:creationId xmlns:a16="http://schemas.microsoft.com/office/drawing/2014/main" id="{F57FC3CF-FE4A-41A8-BABE-83A69A54CFE3}"/>
-              </a:ext>
-            </a:extLst>
-          </p:cNvPr>
-          <p:cNvSpPr txBox="1">
-            <a:spLocks/>
-          </p:cNvSpPr>
-          <p:nvPr/>
-        </p:nvSpPr>
-        <p:spPr>
-          <a:xfrm>
-            <a:off x="830580" y="3995882"/>
-            <a:ext cx="10515600" cy="759997"/>
-          </a:xfrm>
-          <a:prstGeom prst="rect">
-            <a:avLst/>
-          </a:prstGeom>
-        </p:spPr>
-        <p:txBody>
-          <a:bodyPr vert="horz" lIns="91440" tIns="45720" rIns="91440" bIns="45720" rtlCol="0" anchor="ctr">
-            <a:normAutofit/>
-          </a:bodyPr>
-          <a:lstStyle>
-            <a:lvl1pPr algn="l" defTabSz="914400" rtl="0" eaLnBrk="1" latinLnBrk="0" hangingPunct="1">
-              <a:lnSpc>
-                <a:spcPct val="90000"/>
-              </a:lnSpc>
-              <a:spcBef>
-                <a:spcPct val="0"/>
-              </a:spcBef>
-              <a:buNone/>
-              <a:defRPr sz="4400" kern="1200">
-                <a:solidFill>
-                  <a:schemeClr val="tx1"/>
-                </a:solidFill>
-                <a:latin typeface="+mj-lt"/>
-                <a:ea typeface="+mj-ea"/>
-                <a:cs typeface="+mj-cs"/>
-              </a:defRPr>
-            </a:lvl1pPr>
-          </a:lstStyle>
-          <a:p>
-            <a:r>
-              <a:rPr lang="es-ES" sz="3600" dirty="0"/>
-              <a:t>El Interpretador entre el código compilado</a:t>
-            </a:r>
-            <a:endParaRPr lang="es-EC" sz="3600" dirty="0"/>
-          </a:p>
-        </p:txBody>
-      </p:sp>
-      <p:sp>
-        <p:nvSpPr>
-          <p:cNvPr id="5" name="Marcador de contenido 2">
-            <a:extLst>
-              <a:ext uri="{FF2B5EF4-FFF2-40B4-BE49-F238E27FC236}">
-                <a16:creationId xmlns:a16="http://schemas.microsoft.com/office/drawing/2014/main" id="{74627494-C1B6-46F4-A974-BBBA592E128D}"/>
-              </a:ext>
-            </a:extLst>
-          </p:cNvPr>
-          <p:cNvSpPr txBox="1">
-            <a:spLocks/>
-          </p:cNvSpPr>
-          <p:nvPr/>
-        </p:nvSpPr>
-        <p:spPr>
-          <a:xfrm>
-            <a:off x="845820" y="4950141"/>
-            <a:ext cx="10515600" cy="1907858"/>
-          </a:xfrm>
-          <a:prstGeom prst="rect">
-            <a:avLst/>
-          </a:prstGeom>
-        </p:spPr>
-        <p:txBody>
-          <a:bodyPr vert="horz" lIns="91440" tIns="45720" rIns="91440" bIns="45720" rtlCol="0">
-            <a:normAutofit/>
-          </a:bodyPr>
-          <a:lstStyle>
-            <a:lvl1pPr marL="228600" indent="-228600" algn="l" defTabSz="914400" rtl="0" eaLnBrk="1" latinLnBrk="0" hangingPunct="1">
-              <a:lnSpc>
-                <a:spcPct val="90000"/>
-              </a:lnSpc>
-              <a:spcBef>
-                <a:spcPts val="1000"/>
-              </a:spcBef>
-              <a:buFont typeface="Arial" panose="020B0604020202020204" pitchFamily="34" charset="0"/>
-              <a:buChar char="•"/>
-              <a:defRPr sz="2800" kern="1200">
-                <a:solidFill>
-                  <a:schemeClr val="tx1"/>
-                </a:solidFill>
-                <a:latin typeface="+mn-lt"/>
-                <a:ea typeface="+mn-ea"/>
-                <a:cs typeface="+mn-cs"/>
-              </a:defRPr>
-            </a:lvl1pPr>
-            <a:lvl2pPr marL="685800" indent="-228600" algn="l" defTabSz="914400" rtl="0" eaLnBrk="1" latinLnBrk="0" hangingPunct="1">
-              <a:lnSpc>
-                <a:spcPct val="90000"/>
-              </a:lnSpc>
-              <a:spcBef>
-                <a:spcPts val="500"/>
-              </a:spcBef>
-              <a:buFont typeface="Arial" panose="020B0604020202020204" pitchFamily="34" charset="0"/>
-              <a:buChar char="•"/>
-              <a:defRPr sz="2400" kern="1200">
-                <a:solidFill>
-                  <a:schemeClr val="tx1"/>
-                </a:solidFill>
-                <a:latin typeface="+mn-lt"/>
-                <a:ea typeface="+mn-ea"/>
-                <a:cs typeface="+mn-cs"/>
-              </a:defRPr>
-            </a:lvl2pPr>
-            <a:lvl3pPr marL="1143000" indent="-228600" algn="l" defTabSz="914400" rtl="0" eaLnBrk="1" latinLnBrk="0" hangingPunct="1">
-              <a:lnSpc>
-                <a:spcPct val="90000"/>
-              </a:lnSpc>
-              <a:spcBef>
-                <a:spcPts val="500"/>
-              </a:spcBef>
-              <a:buFont typeface="Arial" panose="020B0604020202020204" pitchFamily="34" charset="0"/>
-              <a:buChar char="•"/>
-              <a:defRPr sz="2000" kern="1200">
-                <a:solidFill>
-                  <a:schemeClr val="tx1"/>
-                </a:solidFill>
-                <a:latin typeface="+mn-lt"/>
-                <a:ea typeface="+mn-ea"/>
-                <a:cs typeface="+mn-cs"/>
-              </a:defRPr>
-            </a:lvl3pPr>
-            <a:lvl4pPr marL="1600200" indent="-228600" algn="l" defTabSz="914400" rtl="0" eaLnBrk="1" latinLnBrk="0" hangingPunct="1">
-              <a:lnSpc>
-                <a:spcPct val="90000"/>
-              </a:lnSpc>
-              <a:spcBef>
-                <a:spcPts val="500"/>
-              </a:spcBef>
-              <a:buFont typeface="Arial" panose="020B0604020202020204" pitchFamily="34" charset="0"/>
-              <a:buChar char="•"/>
-              <a:defRPr sz="1800" kern="1200">
-                <a:solidFill>
-                  <a:schemeClr val="tx1"/>
-                </a:solidFill>
-                <a:latin typeface="+mn-lt"/>
-                <a:ea typeface="+mn-ea"/>
-                <a:cs typeface="+mn-cs"/>
-              </a:defRPr>
-            </a:lvl4pPr>
-            <a:lvl5pPr marL="2057400" indent="-228600" algn="l" defTabSz="914400" rtl="0" eaLnBrk="1" latinLnBrk="0" hangingPunct="1">
-              <a:lnSpc>
-                <a:spcPct val="90000"/>
-              </a:lnSpc>
-              <a:spcBef>
-                <a:spcPts val="500"/>
-              </a:spcBef>
-              <a:buFont typeface="Arial" panose="020B0604020202020204" pitchFamily="34" charset="0"/>
-              <a:buChar char="•"/>
-              <a:defRPr sz="1800" kern="1200">
-                <a:solidFill>
-                  <a:schemeClr val="tx1"/>
-                </a:solidFill>
-                <a:latin typeface="+mn-lt"/>
-                <a:ea typeface="+mn-ea"/>
-                <a:cs typeface="+mn-cs"/>
-              </a:defRPr>
-            </a:lvl5pPr>
-            <a:lvl6pPr marL="2514600" indent="-228600" algn="l" defTabSz="914400" rtl="0" eaLnBrk="1" latinLnBrk="0" hangingPunct="1">
-              <a:lnSpc>
-                <a:spcPct val="90000"/>
-              </a:lnSpc>
-              <a:spcBef>
-                <a:spcPts val="500"/>
-              </a:spcBef>
-              <a:buFont typeface="Arial" panose="020B0604020202020204" pitchFamily="34" charset="0"/>
-              <a:buChar char="•"/>
-              <a:defRPr sz="1800" kern="1200">
-                <a:solidFill>
-                  <a:schemeClr val="tx1"/>
-                </a:solidFill>
-                <a:latin typeface="+mn-lt"/>
-                <a:ea typeface="+mn-ea"/>
-                <a:cs typeface="+mn-cs"/>
-              </a:defRPr>
-            </a:lvl6pPr>
-            <a:lvl7pPr marL="2971800" indent="-228600" algn="l" defTabSz="914400" rtl="0" eaLnBrk="1" latinLnBrk="0" hangingPunct="1">
-              <a:lnSpc>
-                <a:spcPct val="90000"/>
-              </a:lnSpc>
-              <a:spcBef>
-                <a:spcPts val="500"/>
-              </a:spcBef>
-              <a:buFont typeface="Arial" panose="020B0604020202020204" pitchFamily="34" charset="0"/>
-              <a:buChar char="•"/>
-              <a:defRPr sz="1800" kern="1200">
-                <a:solidFill>
-                  <a:schemeClr val="tx1"/>
-                </a:solidFill>
-                <a:latin typeface="+mn-lt"/>
-                <a:ea typeface="+mn-ea"/>
-                <a:cs typeface="+mn-cs"/>
-              </a:defRPr>
-            </a:lvl7pPr>
-            <a:lvl8pPr marL="3429000" indent="-228600" algn="l" defTabSz="914400" rtl="0" eaLnBrk="1" latinLnBrk="0" hangingPunct="1">
-              <a:lnSpc>
-                <a:spcPct val="90000"/>
-              </a:lnSpc>
-              <a:spcBef>
-                <a:spcPts val="500"/>
-              </a:spcBef>
-              <a:buFont typeface="Arial" panose="020B0604020202020204" pitchFamily="34" charset="0"/>
-              <a:buChar char="•"/>
-              <a:defRPr sz="1800" kern="1200">
-                <a:solidFill>
-                  <a:schemeClr val="tx1"/>
-                </a:solidFill>
-                <a:latin typeface="+mn-lt"/>
-                <a:ea typeface="+mn-ea"/>
-                <a:cs typeface="+mn-cs"/>
-              </a:defRPr>
-            </a:lvl8pPr>
-            <a:lvl9pPr marL="3886200" indent="-228600" algn="l" defTabSz="914400" rtl="0" eaLnBrk="1" latinLnBrk="0" hangingPunct="1">
-              <a:lnSpc>
-                <a:spcPct val="90000"/>
-              </a:lnSpc>
-              <a:spcBef>
-                <a:spcPts val="500"/>
-              </a:spcBef>
-              <a:buFont typeface="Arial" panose="020B0604020202020204" pitchFamily="34" charset="0"/>
-              <a:buChar char="•"/>
-              <a:defRPr sz="1800" kern="1200">
-                <a:solidFill>
-                  <a:schemeClr val="tx1"/>
-                </a:solidFill>
-                <a:latin typeface="+mn-lt"/>
-                <a:ea typeface="+mn-ea"/>
-                <a:cs typeface="+mn-cs"/>
-              </a:defRPr>
-            </a:lvl9pPr>
-          </a:lstStyle>
-          <a:p>
-            <a:pPr marL="342900" indent="-342900" defTabSz="457200">
-              <a:buClr>
-                <a:schemeClr val="accent1"/>
-              </a:buClr>
-              <a:buSzPct val="80000"/>
-              <a:buFont typeface="Wingdings 3" charset="2"/>
-              <a:buChar char=""/>
-            </a:pPr>
-            <a:r>
-              <a:rPr lang="es-ES_tradnl" sz="2000" dirty="0">
-                <a:solidFill>
-                  <a:schemeClr val="tx1">
-                    <a:lumMod val="75000"/>
-                    <a:lumOff val="25000"/>
-                  </a:schemeClr>
-                </a:solidFill>
-              </a:rPr>
-              <a:t>Quizás debiste escuchar sobre los términos interpretador y el compilador en contexto de programación, JavaScript es un lenguaje de interpretación – el código se hace funcionar de arriba hacia abajo y el resultado de leerlo de esta manera hace que inmediatamente responda. No tienes que transformar tu código en algo diferente antes de que el navegador lo haga por ti.</a:t>
-            </a:r>
-            <a:endParaRPr lang="es-EC" sz="2000" dirty="0">
-              <a:solidFill>
-                <a:schemeClr val="tx1">
-                  <a:lumMod val="75000"/>
-                  <a:lumOff val="25000"/>
-                </a:schemeClr>
-              </a:solidFill>
-            </a:endParaRPr>
-          </a:p>
-        </p:txBody>
-      </p:sp>
-    </p:spTree>
-    <p:extLst>
-      <p:ext uri="{BB962C8B-B14F-4D97-AF65-F5344CB8AC3E}">
-        <p14:creationId xmlns:p14="http://schemas.microsoft.com/office/powerpoint/2010/main" val="58460103"/>
       </p:ext>
     </p:extLst>
   </p:cSld>
@@ -17534,744 +17646,6 @@
           <a:chExt cx="0" cy="0"/>
         </a:xfrm>
       </p:grpSpPr>
-      <p:grpSp>
-        <p:nvGrpSpPr>
-          <p:cNvPr id="10" name="Group 9">
-            <a:extLst>
-              <a:ext uri="{FF2B5EF4-FFF2-40B4-BE49-F238E27FC236}">
-                <a16:creationId xmlns:a16="http://schemas.microsoft.com/office/drawing/2014/main" id="{08BCF048-8940-4354-B9EC-5AD74E283CE3}"/>
-              </a:ext>
-              <a:ext uri="{C183D7F6-B498-43B3-948B-1728B52AA6E4}">
-                <adec:decorative xmlns:adec="http://schemas.microsoft.com/office/drawing/2017/decorative" val="1"/>
-              </a:ext>
-            </a:extLst>
-          </p:cNvPr>
-          <p:cNvGrpSpPr>
-            <a:grpSpLocks noGrp="1" noUngrp="1" noRot="1" noChangeAspect="1" noMove="1" noResize="1"/>
-          </p:cNvGrpSpPr>
-          <p:nvPr>
-            <p:extLst>
-              <p:ext uri="{386F3935-93C4-4BCD-93E2-E3B085C9AB24}">
-                <p16:designElem xmlns:p16="http://schemas.microsoft.com/office/powerpoint/2015/main" val="1"/>
-              </p:ext>
-            </p:extLst>
-          </p:nvPr>
-        </p:nvGrpSpPr>
-        <p:grpSpPr>
-          <a:xfrm>
-            <a:off x="0" y="0"/>
-            <a:ext cx="12192000" cy="6858000"/>
-            <a:chOff x="0" y="0"/>
-            <a:chExt cx="12192000" cy="6858000"/>
-          </a:xfrm>
-        </p:grpSpPr>
-        <p:sp>
-          <p:nvSpPr>
-            <p:cNvPr id="11" name="Rectangle 10">
-              <a:extLst>
-                <a:ext uri="{FF2B5EF4-FFF2-40B4-BE49-F238E27FC236}">
-                  <a16:creationId xmlns:a16="http://schemas.microsoft.com/office/drawing/2014/main" id="{D024C14A-78BD-44B0-82BE-6A0D0A27063A}"/>
-                </a:ext>
-                <a:ext uri="{C183D7F6-B498-43B3-948B-1728B52AA6E4}">
-                  <adec:decorative xmlns:adec="http://schemas.microsoft.com/office/drawing/2017/decorative" val="1"/>
-                </a:ext>
-              </a:extLst>
-            </p:cNvPr>
-            <p:cNvSpPr/>
-            <p:nvPr>
-              <p:extLst>
-                <p:ext uri="{386F3935-93C4-4BCD-93E2-E3B085C9AB24}">
-                  <p16:designElem xmlns:p16="http://schemas.microsoft.com/office/powerpoint/2015/main" val="1"/>
-                </p:ext>
-              </p:extLst>
-            </p:nvPr>
-          </p:nvSpPr>
-          <p:spPr>
-            <a:xfrm>
-              <a:off x="0" y="0"/>
-              <a:ext cx="12192000" cy="6858000"/>
-            </a:xfrm>
-            <a:prstGeom prst="rect">
-              <a:avLst/>
-            </a:prstGeom>
-            <a:blipFill>
-              <a:blip r:embed="rId2">
-                <a:duotone>
-                  <a:schemeClr val="dk2">
-                    <a:shade val="69000"/>
-                    <a:hueMod val="91000"/>
-                    <a:satMod val="164000"/>
-                    <a:lumMod val="74000"/>
-                  </a:schemeClr>
-                  <a:schemeClr val="dk2">
-                    <a:hueMod val="124000"/>
-                    <a:satMod val="140000"/>
-                    <a:lumMod val="142000"/>
-                  </a:schemeClr>
-                </a:duotone>
-              </a:blip>
-              <a:stretch>
-                <a:fillRect/>
-              </a:stretch>
-            </a:blipFill>
-            <a:ln>
-              <a:noFill/>
-            </a:ln>
-          </p:spPr>
-          <p:style>
-            <a:lnRef idx="2">
-              <a:schemeClr val="accent1">
-                <a:shade val="50000"/>
-              </a:schemeClr>
-            </a:lnRef>
-            <a:fillRef idx="1">
-              <a:schemeClr val="accent1"/>
-            </a:fillRef>
-            <a:effectRef idx="0">
-              <a:schemeClr val="accent1"/>
-            </a:effectRef>
-            <a:fontRef idx="minor">
-              <a:schemeClr val="lt1"/>
-            </a:fontRef>
-          </p:style>
-        </p:sp>
-        <p:sp>
-          <p:nvSpPr>
-            <p:cNvPr id="12" name="Oval 11">
-              <a:extLst>
-                <a:ext uri="{FF2B5EF4-FFF2-40B4-BE49-F238E27FC236}">
-                  <a16:creationId xmlns:a16="http://schemas.microsoft.com/office/drawing/2014/main" id="{809F3D29-EDB1-4F1C-A0E0-36F28CE17188}"/>
-                </a:ext>
-                <a:ext uri="{C183D7F6-B498-43B3-948B-1728B52AA6E4}">
-                  <adec:decorative xmlns:adec="http://schemas.microsoft.com/office/drawing/2017/decorative" val="1"/>
-                </a:ext>
-              </a:extLst>
-            </p:cNvPr>
-            <p:cNvSpPr/>
-            <p:nvPr>
-              <p:extLst>
-                <p:ext uri="{386F3935-93C4-4BCD-93E2-E3B085C9AB24}">
-                  <p16:designElem xmlns:p16="http://schemas.microsoft.com/office/powerpoint/2015/main" val="1"/>
-                </p:ext>
-              </p:extLst>
-            </p:nvPr>
-          </p:nvSpPr>
-          <p:spPr>
-            <a:xfrm>
-              <a:off x="0" y="2667000"/>
-              <a:ext cx="4191000" cy="4191000"/>
-            </a:xfrm>
-            <a:prstGeom prst="ellipse">
-              <a:avLst/>
-            </a:prstGeom>
-            <a:gradFill flip="none" rotWithShape="1">
-              <a:gsLst>
-                <a:gs pos="0">
-                  <a:schemeClr val="accent5">
-                    <a:alpha val="11000"/>
-                  </a:schemeClr>
-                </a:gs>
-                <a:gs pos="75000">
-                  <a:schemeClr val="accent5">
-                    <a:alpha val="0"/>
-                  </a:schemeClr>
-                </a:gs>
-                <a:gs pos="36000">
-                  <a:schemeClr val="accent5">
-                    <a:alpha val="10000"/>
-                  </a:schemeClr>
-                </a:gs>
-              </a:gsLst>
-              <a:path path="circle">
-                <a:fillToRect l="50000" t="50000" r="50000" b="50000"/>
-              </a:path>
-              <a:tileRect/>
-            </a:gradFill>
-            <a:ln>
-              <a:noFill/>
-            </a:ln>
-            <a:effectLst/>
-          </p:spPr>
-          <p:style>
-            <a:lnRef idx="1">
-              <a:schemeClr val="accent1"/>
-            </a:lnRef>
-            <a:fillRef idx="3">
-              <a:schemeClr val="accent1"/>
-            </a:fillRef>
-            <a:effectRef idx="2">
-              <a:schemeClr val="accent1"/>
-            </a:effectRef>
-            <a:fontRef idx="minor">
-              <a:schemeClr val="lt1"/>
-            </a:fontRef>
-          </p:style>
-        </p:sp>
-        <p:sp>
-          <p:nvSpPr>
-            <p:cNvPr id="13" name="Oval 12">
-              <a:extLst>
-                <a:ext uri="{FF2B5EF4-FFF2-40B4-BE49-F238E27FC236}">
-                  <a16:creationId xmlns:a16="http://schemas.microsoft.com/office/drawing/2014/main" id="{5282F4AB-C7B8-4A86-9927-AA106AA27B41}"/>
-                </a:ext>
-                <a:ext uri="{C183D7F6-B498-43B3-948B-1728B52AA6E4}">
-                  <adec:decorative xmlns:adec="http://schemas.microsoft.com/office/drawing/2017/decorative" val="1"/>
-                </a:ext>
-              </a:extLst>
-            </p:cNvPr>
-            <p:cNvSpPr/>
-            <p:nvPr>
-              <p:extLst>
-                <p:ext uri="{386F3935-93C4-4BCD-93E2-E3B085C9AB24}">
-                  <p16:designElem xmlns:p16="http://schemas.microsoft.com/office/powerpoint/2015/main" val="1"/>
-                </p:ext>
-              </p:extLst>
-            </p:nvPr>
-          </p:nvSpPr>
-          <p:spPr>
-            <a:xfrm>
-              <a:off x="0" y="2895600"/>
-              <a:ext cx="2362200" cy="2362200"/>
-            </a:xfrm>
-            <a:prstGeom prst="ellipse">
-              <a:avLst/>
-            </a:prstGeom>
-            <a:gradFill flip="none" rotWithShape="1">
-              <a:gsLst>
-                <a:gs pos="0">
-                  <a:schemeClr val="accent5">
-                    <a:alpha val="8000"/>
-                  </a:schemeClr>
-                </a:gs>
-                <a:gs pos="72000">
-                  <a:schemeClr val="accent5">
-                    <a:alpha val="0"/>
-                  </a:schemeClr>
-                </a:gs>
-                <a:gs pos="36000">
-                  <a:schemeClr val="accent5">
-                    <a:alpha val="8000"/>
-                  </a:schemeClr>
-                </a:gs>
-              </a:gsLst>
-              <a:path path="circle">
-                <a:fillToRect l="50000" t="50000" r="50000" b="50000"/>
-              </a:path>
-              <a:tileRect/>
-            </a:gradFill>
-            <a:ln>
-              <a:noFill/>
-            </a:ln>
-            <a:effectLst/>
-          </p:spPr>
-          <p:style>
-            <a:lnRef idx="1">
-              <a:schemeClr val="accent1"/>
-            </a:lnRef>
-            <a:fillRef idx="3">
-              <a:schemeClr val="accent1"/>
-            </a:fillRef>
-            <a:effectRef idx="2">
-              <a:schemeClr val="accent1"/>
-            </a:effectRef>
-            <a:fontRef idx="minor">
-              <a:schemeClr val="lt1"/>
-            </a:fontRef>
-          </p:style>
-        </p:sp>
-        <p:sp>
-          <p:nvSpPr>
-            <p:cNvPr id="14" name="Rectangle 13">
-              <a:extLst>
-                <a:ext uri="{FF2B5EF4-FFF2-40B4-BE49-F238E27FC236}">
-                  <a16:creationId xmlns:a16="http://schemas.microsoft.com/office/drawing/2014/main" id="{60B26874-5AFA-4D1E-94A9-53AF9790D702}"/>
-                </a:ext>
-                <a:ext uri="{C183D7F6-B498-43B3-948B-1728B52AA6E4}">
-                  <adec:decorative xmlns:adec="http://schemas.microsoft.com/office/drawing/2017/decorative" val="1"/>
-                </a:ext>
-              </a:extLst>
-            </p:cNvPr>
-            <p:cNvSpPr/>
-            <p:nvPr>
-              <p:extLst>
-                <p:ext uri="{386F3935-93C4-4BCD-93E2-E3B085C9AB24}">
-                  <p16:designElem xmlns:p16="http://schemas.microsoft.com/office/powerpoint/2015/main" val="1"/>
-                </p:ext>
-              </p:extLst>
-            </p:nvPr>
-          </p:nvSpPr>
-          <p:spPr bwMode="gray">
-            <a:xfrm>
-              <a:off x="5713412" y="402165"/>
-              <a:ext cx="6055253" cy="6053670"/>
-            </a:xfrm>
-            <a:prstGeom prst="rect">
-              <a:avLst/>
-            </a:prstGeom>
-            <a:solidFill>
-              <a:schemeClr val="bg1"/>
-            </a:solidFill>
-            <a:ln>
-              <a:noFill/>
-            </a:ln>
-            <a:effectLst/>
-          </p:spPr>
-          <p:style>
-            <a:lnRef idx="1">
-              <a:schemeClr val="accent1"/>
-            </a:lnRef>
-            <a:fillRef idx="3">
-              <a:schemeClr val="accent1"/>
-            </a:fillRef>
-            <a:effectRef idx="2">
-              <a:schemeClr val="accent1"/>
-            </a:effectRef>
-            <a:fontRef idx="minor">
-              <a:schemeClr val="lt1"/>
-            </a:fontRef>
-          </p:style>
-        </p:sp>
-        <p:sp>
-          <p:nvSpPr>
-            <p:cNvPr id="15" name="Freeform 5">
-              <a:extLst>
-                <a:ext uri="{FF2B5EF4-FFF2-40B4-BE49-F238E27FC236}">
-                  <a16:creationId xmlns:a16="http://schemas.microsoft.com/office/drawing/2014/main" id="{A1DA6C95-40F8-4305-89F6-17F6167C0BF2}"/>
-                </a:ext>
-                <a:ext uri="{C183D7F6-B498-43B3-948B-1728B52AA6E4}">
-                  <adec:decorative xmlns:adec="http://schemas.microsoft.com/office/drawing/2017/decorative" val="1"/>
-                </a:ext>
-              </a:extLst>
-            </p:cNvPr>
-            <p:cNvSpPr/>
-            <p:nvPr>
-              <p:extLst>
-                <p:ext uri="{386F3935-93C4-4BCD-93E2-E3B085C9AB24}">
-                  <p16:designElem xmlns:p16="http://schemas.microsoft.com/office/powerpoint/2015/main" val="1"/>
-                </p:ext>
-              </p:extLst>
-            </p:nvPr>
-          </p:nvSpPr>
-          <p:spPr bwMode="gray">
-            <a:xfrm rot="15922489">
-              <a:off x="3140485" y="1826078"/>
-              <a:ext cx="3299407" cy="440924"/>
-            </a:xfrm>
-            <a:custGeom>
-              <a:avLst/>
-              <a:gdLst/>
-              <a:ahLst/>
-              <a:cxnLst/>
-              <a:rect l="l" t="t" r="r" b="b"/>
-              <a:pathLst>
-                <a:path w="10000" h="5291">
-                  <a:moveTo>
-                    <a:pt x="85" y="2532"/>
-                  </a:moveTo>
-                  <a:cubicBezTo>
-                    <a:pt x="1736" y="3911"/>
-                    <a:pt x="7524" y="5298"/>
-                    <a:pt x="9958" y="5291"/>
-                  </a:cubicBezTo>
-                  <a:cubicBezTo>
-                    <a:pt x="9989" y="1958"/>
-                    <a:pt x="9969" y="3333"/>
-                    <a:pt x="10000" y="0"/>
-                  </a:cubicBezTo>
-                  <a:lnTo>
-                    <a:pt x="10000" y="0"/>
-                  </a:lnTo>
-                  <a:lnTo>
-                    <a:pt x="9667" y="204"/>
-                  </a:lnTo>
-                  <a:lnTo>
-                    <a:pt x="9334" y="400"/>
-                  </a:lnTo>
-                  <a:lnTo>
-                    <a:pt x="9001" y="590"/>
-                  </a:lnTo>
-                  <a:lnTo>
-                    <a:pt x="8667" y="753"/>
-                  </a:lnTo>
-                  <a:lnTo>
-                    <a:pt x="8333" y="917"/>
-                  </a:lnTo>
-                  <a:lnTo>
-                    <a:pt x="7999" y="1071"/>
-                  </a:lnTo>
-                  <a:lnTo>
-                    <a:pt x="7669" y="1202"/>
-                  </a:lnTo>
-                  <a:lnTo>
-                    <a:pt x="7333" y="1325"/>
-                  </a:lnTo>
-                  <a:lnTo>
-                    <a:pt x="7000" y="1440"/>
-                  </a:lnTo>
-                  <a:lnTo>
-                    <a:pt x="6673" y="1538"/>
-                  </a:lnTo>
-                  <a:lnTo>
-                    <a:pt x="6340" y="1636"/>
-                  </a:lnTo>
-                  <a:lnTo>
-                    <a:pt x="6013" y="1719"/>
-                  </a:lnTo>
-                  <a:lnTo>
-                    <a:pt x="5686" y="1784"/>
-                  </a:lnTo>
-                  <a:lnTo>
-                    <a:pt x="5359" y="1850"/>
-                  </a:lnTo>
-                  <a:lnTo>
-                    <a:pt x="5036" y="1906"/>
-                  </a:lnTo>
-                  <a:lnTo>
-                    <a:pt x="4717" y="1948"/>
-                  </a:lnTo>
-                  <a:lnTo>
-                    <a:pt x="4396" y="1980"/>
-                  </a:lnTo>
-                  <a:lnTo>
-                    <a:pt x="4079" y="2013"/>
-                  </a:lnTo>
-                  <a:lnTo>
-                    <a:pt x="3766" y="2029"/>
-                  </a:lnTo>
-                  <a:lnTo>
-                    <a:pt x="3454" y="2046"/>
-                  </a:lnTo>
-                  <a:lnTo>
-                    <a:pt x="3145" y="2053"/>
-                  </a:lnTo>
-                  <a:lnTo>
-                    <a:pt x="2839" y="2046"/>
-                  </a:lnTo>
-                  <a:lnTo>
-                    <a:pt x="2537" y="2046"/>
-                  </a:lnTo>
-                  <a:lnTo>
-                    <a:pt x="2238" y="2029"/>
-                  </a:lnTo>
-                  <a:lnTo>
-                    <a:pt x="1943" y="2004"/>
-                  </a:lnTo>
-                  <a:lnTo>
-                    <a:pt x="1653" y="1980"/>
-                  </a:lnTo>
-                  <a:lnTo>
-                    <a:pt x="1368" y="1955"/>
-                  </a:lnTo>
-                  <a:lnTo>
-                    <a:pt x="1085" y="1915"/>
-                  </a:lnTo>
-                  <a:lnTo>
-                    <a:pt x="806" y="1873"/>
-                  </a:lnTo>
-                  <a:lnTo>
-                    <a:pt x="533" y="1833"/>
-                  </a:lnTo>
-                  <a:lnTo>
-                    <a:pt x="0" y="1726"/>
-                  </a:lnTo>
-                  <a:cubicBezTo>
-                    <a:pt x="28" y="1995"/>
-                    <a:pt x="57" y="2263"/>
-                    <a:pt x="85" y="2532"/>
-                  </a:cubicBezTo>
-                  <a:close/>
-                </a:path>
-              </a:pathLst>
-            </a:custGeom>
-            <a:solidFill>
-              <a:schemeClr val="bg1">
-                <a:alpha val="20000"/>
-              </a:schemeClr>
-            </a:solidFill>
-            <a:ln>
-              <a:noFill/>
-            </a:ln>
-          </p:spPr>
-        </p:sp>
-        <p:sp>
-          <p:nvSpPr>
-            <p:cNvPr id="16" name="Freeform 5">
-              <a:extLst>
-                <a:ext uri="{FF2B5EF4-FFF2-40B4-BE49-F238E27FC236}">
-                  <a16:creationId xmlns:a16="http://schemas.microsoft.com/office/drawing/2014/main" id="{A2FA2D29-AEEE-4FFA-B233-94FBE84C9B41}"/>
-                </a:ext>
-                <a:ext uri="{C183D7F6-B498-43B3-948B-1728B52AA6E4}">
-                  <adec:decorative xmlns:adec="http://schemas.microsoft.com/office/drawing/2017/decorative" val="1"/>
-                </a:ext>
-              </a:extLst>
-            </p:cNvPr>
-            <p:cNvSpPr/>
-            <p:nvPr>
-              <p:extLst>
-                <p:ext uri="{386F3935-93C4-4BCD-93E2-E3B085C9AB24}">
-                  <p16:designElem xmlns:p16="http://schemas.microsoft.com/office/powerpoint/2015/main" val="1"/>
-                </p:ext>
-              </p:extLst>
-            </p:nvPr>
-          </p:nvSpPr>
-          <p:spPr bwMode="gray">
-            <a:xfrm rot="16200000">
-              <a:off x="2229377" y="2801721"/>
-              <a:ext cx="6053670" cy="1254558"/>
-            </a:xfrm>
-            <a:custGeom>
-              <a:avLst/>
-              <a:gdLst/>
-              <a:ahLst/>
-              <a:cxnLst/>
-              <a:rect l="l" t="t" r="r" b="b"/>
-              <a:pathLst>
-                <a:path w="10000" h="8000">
-                  <a:moveTo>
-                    <a:pt x="0" y="0"/>
-                  </a:moveTo>
-                  <a:lnTo>
-                    <a:pt x="0" y="7970"/>
-                  </a:lnTo>
-                  <a:lnTo>
-                    <a:pt x="10000" y="8000"/>
-                  </a:lnTo>
-                  <a:lnTo>
-                    <a:pt x="10000" y="7"/>
-                  </a:lnTo>
-                  <a:lnTo>
-                    <a:pt x="10000" y="7"/>
-                  </a:lnTo>
-                  <a:lnTo>
-                    <a:pt x="9773" y="156"/>
-                  </a:lnTo>
-                  <a:lnTo>
-                    <a:pt x="9547" y="298"/>
-                  </a:lnTo>
-                  <a:lnTo>
-                    <a:pt x="9320" y="437"/>
-                  </a:lnTo>
-                  <a:lnTo>
-                    <a:pt x="9092" y="556"/>
-                  </a:lnTo>
-                  <a:lnTo>
-                    <a:pt x="8865" y="676"/>
-                  </a:lnTo>
-                  <a:lnTo>
-                    <a:pt x="8637" y="788"/>
-                  </a:lnTo>
-                  <a:lnTo>
-                    <a:pt x="8412" y="884"/>
-                  </a:lnTo>
-                  <a:lnTo>
-                    <a:pt x="8184" y="975"/>
-                  </a:lnTo>
-                  <a:lnTo>
-                    <a:pt x="7957" y="1058"/>
-                  </a:lnTo>
-                  <a:lnTo>
-                    <a:pt x="7734" y="1130"/>
-                  </a:lnTo>
-                  <a:lnTo>
-                    <a:pt x="7508" y="1202"/>
-                  </a:lnTo>
-                  <a:lnTo>
-                    <a:pt x="7285" y="1262"/>
-                  </a:lnTo>
-                  <a:lnTo>
-                    <a:pt x="7062" y="1309"/>
-                  </a:lnTo>
-                  <a:lnTo>
-                    <a:pt x="6840" y="1358"/>
-                  </a:lnTo>
-                  <a:lnTo>
-                    <a:pt x="6620" y="1399"/>
-                  </a:lnTo>
-                  <a:lnTo>
-                    <a:pt x="6402" y="1428"/>
-                  </a:lnTo>
-                  <a:lnTo>
-                    <a:pt x="6184" y="1453"/>
-                  </a:lnTo>
-                  <a:lnTo>
-                    <a:pt x="5968" y="1477"/>
-                  </a:lnTo>
-                  <a:lnTo>
-                    <a:pt x="5755" y="1488"/>
-                  </a:lnTo>
-                  <a:lnTo>
-                    <a:pt x="5542" y="1500"/>
-                  </a:lnTo>
-                  <a:lnTo>
-                    <a:pt x="5332" y="1506"/>
-                  </a:lnTo>
-                  <a:lnTo>
-                    <a:pt x="5124" y="1500"/>
-                  </a:lnTo>
-                  <a:lnTo>
-                    <a:pt x="4918" y="1500"/>
-                  </a:lnTo>
-                  <a:lnTo>
-                    <a:pt x="4714" y="1488"/>
-                  </a:lnTo>
-                  <a:lnTo>
-                    <a:pt x="4514" y="1470"/>
-                  </a:lnTo>
-                  <a:lnTo>
-                    <a:pt x="4316" y="1453"/>
-                  </a:lnTo>
-                  <a:lnTo>
-                    <a:pt x="4122" y="1434"/>
-                  </a:lnTo>
-                  <a:lnTo>
-                    <a:pt x="3929" y="1405"/>
-                  </a:lnTo>
-                  <a:lnTo>
-                    <a:pt x="3739" y="1374"/>
-                  </a:lnTo>
-                  <a:lnTo>
-                    <a:pt x="3553" y="1346"/>
-                  </a:lnTo>
-                  <a:lnTo>
-                    <a:pt x="3190" y="1267"/>
-                  </a:lnTo>
-                  <a:lnTo>
-                    <a:pt x="2842" y="1183"/>
-                  </a:lnTo>
-                  <a:lnTo>
-                    <a:pt x="2508" y="1095"/>
-                  </a:lnTo>
-                  <a:lnTo>
-                    <a:pt x="2192" y="998"/>
-                  </a:lnTo>
-                  <a:lnTo>
-                    <a:pt x="1890" y="897"/>
-                  </a:lnTo>
-                  <a:lnTo>
-                    <a:pt x="1610" y="788"/>
-                  </a:lnTo>
-                  <a:lnTo>
-                    <a:pt x="1347" y="681"/>
-                  </a:lnTo>
-                  <a:lnTo>
-                    <a:pt x="1105" y="574"/>
-                  </a:lnTo>
-                  <a:lnTo>
-                    <a:pt x="883" y="473"/>
-                  </a:lnTo>
-                  <a:lnTo>
-                    <a:pt x="686" y="377"/>
-                  </a:lnTo>
-                  <a:lnTo>
-                    <a:pt x="508" y="286"/>
-                  </a:lnTo>
-                  <a:lnTo>
-                    <a:pt x="358" y="210"/>
-                  </a:lnTo>
-                  <a:lnTo>
-                    <a:pt x="232" y="138"/>
-                  </a:lnTo>
-                  <a:lnTo>
-                    <a:pt x="59" y="35"/>
-                  </a:lnTo>
-                  <a:lnTo>
-                    <a:pt x="0" y="0"/>
-                  </a:lnTo>
-                  <a:lnTo>
-                    <a:pt x="0" y="0"/>
-                  </a:lnTo>
-                  <a:close/>
-                </a:path>
-              </a:pathLst>
-            </a:custGeom>
-            <a:solidFill>
-              <a:schemeClr val="bg1"/>
-            </a:solidFill>
-            <a:ln>
-              <a:noFill/>
-            </a:ln>
-          </p:spPr>
-        </p:sp>
-        <p:sp>
-          <p:nvSpPr>
-            <p:cNvPr id="17" name="Freeform 5">
-              <a:extLst>
-                <a:ext uri="{FF2B5EF4-FFF2-40B4-BE49-F238E27FC236}">
-                  <a16:creationId xmlns:a16="http://schemas.microsoft.com/office/drawing/2014/main" id="{6DA5143E-FA8E-4EC1-99F7-35AE5AD4E377}"/>
-                </a:ext>
-                <a:ext uri="{C183D7F6-B498-43B3-948B-1728B52AA6E4}">
-                  <adec:decorative xmlns:adec="http://schemas.microsoft.com/office/drawing/2017/decorative" val="1"/>
-                </a:ext>
-              </a:extLst>
-            </p:cNvPr>
-            <p:cNvSpPr>
-              <a:spLocks noEditPoints="1"/>
-            </p:cNvSpPr>
-            <p:nvPr>
-              <p:extLst>
-                <p:ext uri="{386F3935-93C4-4BCD-93E2-E3B085C9AB24}">
-                  <p16:designElem xmlns:p16="http://schemas.microsoft.com/office/powerpoint/2015/main" val="1"/>
-                </p:ext>
-              </p:extLst>
-            </p:nvPr>
-          </p:nvSpPr>
-          <p:spPr bwMode="gray">
-            <a:xfrm>
-              <a:off x="0" y="1587"/>
-              <a:ext cx="12192000" cy="6856413"/>
-            </a:xfrm>
-            <a:custGeom>
-              <a:avLst/>
-              <a:gdLst/>
-              <a:ahLst/>
-              <a:cxnLst/>
-              <a:rect l="0" t="0" r="r" b="b"/>
-              <a:pathLst>
-                <a:path w="15356" h="8638">
-                  <a:moveTo>
-                    <a:pt x="0" y="0"/>
-                  </a:moveTo>
-                  <a:lnTo>
-                    <a:pt x="0" y="8638"/>
-                  </a:lnTo>
-                  <a:lnTo>
-                    <a:pt x="15356" y="8638"/>
-                  </a:lnTo>
-                  <a:lnTo>
-                    <a:pt x="15356" y="0"/>
-                  </a:lnTo>
-                  <a:lnTo>
-                    <a:pt x="0" y="0"/>
-                  </a:lnTo>
-                  <a:close/>
-                  <a:moveTo>
-                    <a:pt x="14748" y="8038"/>
-                  </a:moveTo>
-                  <a:lnTo>
-                    <a:pt x="600" y="8038"/>
-                  </a:lnTo>
-                  <a:lnTo>
-                    <a:pt x="600" y="592"/>
-                  </a:lnTo>
-                  <a:lnTo>
-                    <a:pt x="14748" y="592"/>
-                  </a:lnTo>
-                  <a:lnTo>
-                    <a:pt x="14748" y="8038"/>
-                  </a:lnTo>
-                  <a:close/>
-                </a:path>
-              </a:pathLst>
-            </a:custGeom>
-            <a:solidFill>
-              <a:schemeClr val="bg1"/>
-            </a:solidFill>
-            <a:ln>
-              <a:noFill/>
-            </a:ln>
-          </p:spPr>
-        </p:sp>
-      </p:grpSp>
       <p:sp>
         <p:nvSpPr>
           <p:cNvPr id="2" name="Título 1">
@@ -18300,82 +17674,64 @@
           </a:bodyPr>
           <a:lstStyle/>
           <a:p>
+            <a:pPr algn="ctr"/>
             <a:r>
-              <a:rPr lang="es-ES_tradnl" b="1">
+              <a:rPr lang="es-ES_tradnl" b="1" dirty="0">
                 <a:solidFill>
-                  <a:srgbClr val="EBEBEB"/>
+                  <a:schemeClr val="accent6">
+                    <a:lumMod val="50000"/>
+                  </a:schemeClr>
                 </a:solidFill>
               </a:rPr>
-              <a:t>sintaxis de JavaScript</a:t>
+              <a:t>Sintaxis de JavaScript</a:t>
+            </a:r>
+            <a:br>
+              <a:rPr lang="es-ES_tradnl" b="1" dirty="0">
+                <a:solidFill>
+                  <a:schemeClr val="accent6">
+                    <a:lumMod val="50000"/>
+                  </a:schemeClr>
+                </a:solidFill>
+              </a:rPr>
+            </a:br>
+            <a:br>
+              <a:rPr lang="es-ES_tradnl" b="1" dirty="0">
+                <a:solidFill>
+                  <a:schemeClr val="accent6">
+                    <a:lumMod val="50000"/>
+                  </a:schemeClr>
+                </a:solidFill>
+              </a:rPr>
+            </a:br>
+            <a:r>
+              <a:rPr lang="es-ES_tradnl" sz="2800" b="1" dirty="0">
+                <a:solidFill>
+                  <a:schemeClr val="accent4">
+                    <a:lumMod val="50000"/>
+                  </a:schemeClr>
+                </a:solidFill>
+              </a:rPr>
+              <a:t>Normas</a:t>
             </a:r>
             <a:r>
-              <a:rPr lang="es-ES_tradnl">
+              <a:rPr lang="es-ES_tradnl" dirty="0">
                 <a:solidFill>
-                  <a:srgbClr val="EBEBEB"/>
+                  <a:schemeClr val="accent6">
+                    <a:lumMod val="50000"/>
+                  </a:schemeClr>
                 </a:solidFill>
               </a:rPr>
               <a:t> </a:t>
             </a:r>
-            <a:endParaRPr lang="es-EC">
+            <a:endParaRPr lang="es-EC" dirty="0">
               <a:solidFill>
-                <a:srgbClr val="EBEBEB"/>
+                <a:schemeClr val="accent6">
+                  <a:lumMod val="50000"/>
+                </a:schemeClr>
               </a:solidFill>
             </a:endParaRPr>
           </a:p>
         </p:txBody>
-      </p:sp>
-      <p:sp>
-        <p:nvSpPr>
-          <p:cNvPr id="19" name="Rectangle 18">
-            <a:extLst>
-              <a:ext uri="{FF2B5EF4-FFF2-40B4-BE49-F238E27FC236}">
-                <a16:creationId xmlns:a16="http://schemas.microsoft.com/office/drawing/2014/main" id="{CC28BCC9-4093-4FD5-83EB-7EC297F51396}"/>
-              </a:ext>
-              <a:ext uri="{C183D7F6-B498-43B3-948B-1728B52AA6E4}">
-                <adec:decorative xmlns:adec="http://schemas.microsoft.com/office/drawing/2017/decorative" val="1"/>
-              </a:ext>
-            </a:extLst>
-          </p:cNvPr>
-          <p:cNvSpPr>
-            <a:spLocks noGrp="1" noRot="1" noChangeAspect="1" noMove="1" noResize="1" noEditPoints="1" noAdjustHandles="1" noChangeArrowheads="1" noChangeShapeType="1" noTextEdit="1"/>
-          </p:cNvSpPr>
-          <p:nvPr>
-            <p:extLst>
-              <p:ext uri="{386F3935-93C4-4BCD-93E2-E3B085C9AB24}">
-                <p16:designElem xmlns:p16="http://schemas.microsoft.com/office/powerpoint/2015/main" val="1"/>
-              </p:ext>
-            </p:extLst>
-          </p:nvPr>
-        </p:nvSpPr>
-        <p:spPr>
-          <a:xfrm>
-            <a:off x="10437812" y="0"/>
-            <a:ext cx="685800" cy="1143000"/>
-          </a:xfrm>
-          <a:prstGeom prst="rect">
-            <a:avLst/>
-          </a:prstGeom>
-          <a:solidFill>
-            <a:schemeClr val="accent1"/>
-          </a:solidFill>
-          <a:ln>
-            <a:noFill/>
-          </a:ln>
-        </p:spPr>
-        <p:style>
-          <a:lnRef idx="1">
-            <a:schemeClr val="accent1"/>
-          </a:lnRef>
-          <a:fillRef idx="3">
-            <a:schemeClr val="accent1"/>
-          </a:fillRef>
-          <a:effectRef idx="2">
-            <a:schemeClr val="accent1"/>
-          </a:effectRef>
-          <a:fontRef idx="minor">
-            <a:schemeClr val="lt1"/>
-          </a:fontRef>
-        </p:style>
       </p:sp>
       <p:graphicFrame>
         <p:nvGraphicFramePr>
@@ -18393,7 +17749,7 @@
             <p:ph idx="1"/>
             <p:extLst>
               <p:ext uri="{D42A27DB-BD31-4B8C-83A1-F6EECF244321}">
-                <p14:modId xmlns:p14="http://schemas.microsoft.com/office/powerpoint/2010/main" val="1515532322"/>
+                <p14:modId xmlns:p14="http://schemas.microsoft.com/office/powerpoint/2010/main" val="2494739659"/>
               </p:ext>
             </p:extLst>
           </p:nvPr>
@@ -18404,7 +17760,7 @@
         </p:xfrm>
         <a:graphic>
           <a:graphicData uri="http://schemas.openxmlformats.org/drawingml/2006/diagram">
-            <dgm:relIds xmlns:dgm="http://schemas.openxmlformats.org/drawingml/2006/diagram" xmlns:r="http://schemas.openxmlformats.org/officeDocument/2006/relationships" r:dm="rId3" r:lo="rId4" r:qs="rId5" r:cs="rId6"/>
+            <dgm:relIds xmlns:dgm="http://schemas.openxmlformats.org/drawingml/2006/diagram" xmlns:r="http://schemas.openxmlformats.org/officeDocument/2006/relationships" r:dm="rId2" r:lo="rId3" r:qs="rId4" r:cs="rId5"/>
           </a:graphicData>
         </a:graphic>
       </p:graphicFrame>
@@ -18443,7 +17799,7 @@
           <p:cNvPr id="2" name="Título 1">
             <a:extLst>
               <a:ext uri="{FF2B5EF4-FFF2-40B4-BE49-F238E27FC236}">
-                <a16:creationId xmlns:a16="http://schemas.microsoft.com/office/drawing/2014/main" id="{628A7DE5-A1BF-4947-BBF5-2EFBB01E29F2}"/>
+                <a16:creationId xmlns:a16="http://schemas.microsoft.com/office/drawing/2014/main" id="{B09D658D-350C-4BE6-A415-2315F995D619}"/>
               </a:ext>
             </a:extLst>
           </p:cNvPr>
@@ -18451,51 +17807,91 @@
             <a:spLocks noGrp="1"/>
           </p:cNvSpPr>
           <p:nvPr>
-            <p:ph type="ctrTitle"/>
+            <p:ph type="title"/>
           </p:nvPr>
         </p:nvSpPr>
-        <p:spPr/>
+        <p:spPr>
+          <a:xfrm>
+            <a:off x="1323765" y="678246"/>
+            <a:ext cx="8761413" cy="1094283"/>
+          </a:xfrm>
+        </p:spPr>
         <p:txBody>
           <a:bodyPr/>
           <a:lstStyle/>
           <a:p>
+            <a:pPr algn="ctr"/>
             <a:r>
-              <a:rPr lang="es-ES" dirty="0"/>
-              <a:t>JAVASCRIPT</a:t>
+              <a:rPr lang="es-EC" dirty="0"/>
+              <a:t>Ejemplo de variables, arreglos, funciones y bucles en JavaScript</a:t>
             </a:r>
-            <a:endParaRPr lang="es-EC" dirty="0"/>
           </a:p>
         </p:txBody>
       </p:sp>
-      <p:sp>
-        <p:nvSpPr>
-          <p:cNvPr id="3" name="Subtítulo 2">
+      <p:pic>
+        <p:nvPicPr>
+          <p:cNvPr id="7" name="Imagen 6">
             <a:extLst>
               <a:ext uri="{FF2B5EF4-FFF2-40B4-BE49-F238E27FC236}">
-                <a16:creationId xmlns:a16="http://schemas.microsoft.com/office/drawing/2014/main" id="{20349A7E-4E16-43AD-AE9E-D67211348513}"/>
+                <a16:creationId xmlns:a16="http://schemas.microsoft.com/office/drawing/2014/main" id="{00C06ED5-E687-4342-8417-CA57E17A46FB}"/>
               </a:ext>
             </a:extLst>
           </p:cNvPr>
-          <p:cNvSpPr>
-            <a:spLocks noGrp="1"/>
-          </p:cNvSpPr>
-          <p:nvPr>
-            <p:ph type="subTitle" idx="1"/>
-          </p:nvPr>
-        </p:nvSpPr>
-        <p:spPr/>
-        <p:txBody>
-          <a:bodyPr/>
-          <a:lstStyle/>
-          <a:p>
-            <a:endParaRPr lang="es-EC"/>
-          </a:p>
-        </p:txBody>
-      </p:sp>
+          <p:cNvPicPr>
+            <a:picLocks noChangeAspect="1"/>
+          </p:cNvPicPr>
+          <p:nvPr/>
+        </p:nvPicPr>
+        <p:blipFill>
+          <a:blip r:embed="rId2"/>
+          <a:stretch>
+            <a:fillRect/>
+          </a:stretch>
+        </p:blipFill>
+        <p:spPr>
+          <a:xfrm>
+            <a:off x="6350701" y="2421176"/>
+            <a:ext cx="5399027" cy="4436824"/>
+          </a:xfrm>
+          <a:prstGeom prst="rect">
+            <a:avLst/>
+          </a:prstGeom>
+        </p:spPr>
+      </p:pic>
+      <p:pic>
+        <p:nvPicPr>
+          <p:cNvPr id="8" name="Imagen 7">
+            <a:extLst>
+              <a:ext uri="{FF2B5EF4-FFF2-40B4-BE49-F238E27FC236}">
+                <a16:creationId xmlns:a16="http://schemas.microsoft.com/office/drawing/2014/main" id="{AD4906D5-4F08-4637-AD94-F57AD8FC9504}"/>
+              </a:ext>
+            </a:extLst>
+          </p:cNvPr>
+          <p:cNvPicPr>
+            <a:picLocks noChangeAspect="1"/>
+          </p:cNvPicPr>
+          <p:nvPr/>
+        </p:nvPicPr>
+        <p:blipFill>
+          <a:blip r:embed="rId3"/>
+          <a:stretch>
+            <a:fillRect/>
+          </a:stretch>
+        </p:blipFill>
+        <p:spPr>
+          <a:xfrm>
+            <a:off x="976845" y="2421176"/>
+            <a:ext cx="4531628" cy="4436824"/>
+          </a:xfrm>
+          <a:prstGeom prst="rect">
+            <a:avLst/>
+          </a:prstGeom>
+        </p:spPr>
+      </p:pic>
     </p:spTree>
     <p:extLst>
       <p:ext uri="{BB962C8B-B14F-4D97-AF65-F5344CB8AC3E}">
-        <p14:creationId xmlns:p14="http://schemas.microsoft.com/office/powerpoint/2010/main" val="2307621685"/>
+        <p14:creationId xmlns:p14="http://schemas.microsoft.com/office/powerpoint/2010/main" val="537713242"/>
       </p:ext>
     </p:extLst>
   </p:cSld>
@@ -18527,103 +17923,7 @@
           <p:cNvPr id="2" name="Título 1">
             <a:extLst>
               <a:ext uri="{FF2B5EF4-FFF2-40B4-BE49-F238E27FC236}">
-                <a16:creationId xmlns:a16="http://schemas.microsoft.com/office/drawing/2014/main" id="{5506DDE3-C986-478F-ABC1-DD0D7F5C887E}"/>
-              </a:ext>
-            </a:extLst>
-          </p:cNvPr>
-          <p:cNvSpPr>
-            <a:spLocks noGrp="1"/>
-          </p:cNvSpPr>
-          <p:nvPr>
-            <p:ph type="title"/>
-          </p:nvPr>
-        </p:nvSpPr>
-        <p:spPr/>
-        <p:txBody>
-          <a:bodyPr/>
-          <a:lstStyle/>
-          <a:p>
-            <a:r>
-              <a:rPr lang="es-ES" dirty="0"/>
-              <a:t>¿Qué es JavaScript?</a:t>
-            </a:r>
-            <a:endParaRPr lang="es-EC" dirty="0"/>
-          </a:p>
-        </p:txBody>
-      </p:sp>
-      <p:sp>
-        <p:nvSpPr>
-          <p:cNvPr id="3" name="Marcador de contenido 2">
-            <a:extLst>
-              <a:ext uri="{FF2B5EF4-FFF2-40B4-BE49-F238E27FC236}">
-                <a16:creationId xmlns:a16="http://schemas.microsoft.com/office/drawing/2014/main" id="{08761DA5-8E2E-4FFC-B9DD-37A2953E2932}"/>
-              </a:ext>
-            </a:extLst>
-          </p:cNvPr>
-          <p:cNvSpPr>
-            <a:spLocks noGrp="1"/>
-          </p:cNvSpPr>
-          <p:nvPr>
-            <p:ph idx="1"/>
-          </p:nvPr>
-        </p:nvSpPr>
-        <p:spPr/>
-        <p:txBody>
-          <a:bodyPr>
-            <a:normAutofit fontScale="92500" lnSpcReduction="10000"/>
-          </a:bodyPr>
-          <a:lstStyle/>
-          <a:p>
-            <a:r>
-              <a:rPr lang="es-ES_tradnl" sz="2400" dirty="0"/>
-              <a:t>JavaScript es un lenguaje de programación que te permite realizar actividades complejas en una página web, cada vez más una página web hace más cosas que sólo mostrar información estática, como mostrar actualizaciones de contenido en el momento, interactuar con mapas, animaciones gráficas 2D/3D etc. puedes estar seguro de que JavaScript está involucrado. Es la tercera capa del conjunto de los estándares en las tecnologías para la web, dos de las cuales son (HTML y CSS), de los cuales ya hablamos anteriormente.</a:t>
-            </a:r>
-            <a:endParaRPr lang="es-EC" sz="2400" dirty="0"/>
-          </a:p>
-          <a:p>
-            <a:pPr marL="0" indent="0">
-              <a:buNone/>
-            </a:pPr>
-            <a:endParaRPr lang="es-EC" dirty="0"/>
-          </a:p>
-        </p:txBody>
-      </p:sp>
-    </p:spTree>
-    <p:extLst>
-      <p:ext uri="{BB962C8B-B14F-4D97-AF65-F5344CB8AC3E}">
-        <p14:creationId xmlns:p14="http://schemas.microsoft.com/office/powerpoint/2010/main" val="2791146760"/>
-      </p:ext>
-    </p:extLst>
-  </p:cSld>
-  <p:clrMapOvr>
-    <a:masterClrMapping/>
-  </p:clrMapOvr>
-</p:sld>
-</file>
-
-<file path=ppt/slides/slide7.xml><?xml version="1.0" encoding="utf-8"?>
-<p:sld xmlns:a="http://schemas.openxmlformats.org/drawingml/2006/main" xmlns:r="http://schemas.openxmlformats.org/officeDocument/2006/relationships" xmlns:p="http://schemas.openxmlformats.org/presentationml/2006/main">
-  <p:cSld>
-    <p:spTree>
-      <p:nvGrpSpPr>
-        <p:cNvPr id="1" name=""/>
-        <p:cNvGrpSpPr/>
-        <p:nvPr/>
-      </p:nvGrpSpPr>
-      <p:grpSpPr>
-        <a:xfrm>
-          <a:off x="0" y="0"/>
-          <a:ext cx="0" cy="0"/>
-          <a:chOff x="0" y="0"/>
-          <a:chExt cx="0" cy="0"/>
-        </a:xfrm>
-      </p:grpSpPr>
-      <p:sp>
-        <p:nvSpPr>
-          <p:cNvPr id="2" name="Título 1">
-            <a:extLst>
-              <a:ext uri="{FF2B5EF4-FFF2-40B4-BE49-F238E27FC236}">
-                <a16:creationId xmlns:a16="http://schemas.microsoft.com/office/drawing/2014/main" id="{E62FE9F8-ABDC-4DB3-BAC7-1ADF46330842}"/>
+                <a16:creationId xmlns:a16="http://schemas.microsoft.com/office/drawing/2014/main" id="{9F01200F-3936-466B-B23F-E0E87C1F3BAA}"/>
               </a:ext>
             </a:extLst>
           </p:cNvPr>
@@ -18648,219 +17948,7 @@
           <p:cNvPr id="3" name="Marcador de contenido 2">
             <a:extLst>
               <a:ext uri="{FF2B5EF4-FFF2-40B4-BE49-F238E27FC236}">
-                <a16:creationId xmlns:a16="http://schemas.microsoft.com/office/drawing/2014/main" id="{C6035F72-2004-4C3E-9B38-0C450BC612D0}"/>
-              </a:ext>
-            </a:extLst>
-          </p:cNvPr>
-          <p:cNvSpPr>
-            <a:spLocks noGrp="1"/>
-          </p:cNvSpPr>
-          <p:nvPr>
-            <p:ph idx="1"/>
-          </p:nvPr>
-        </p:nvSpPr>
-        <p:spPr/>
-        <p:txBody>
-          <a:bodyPr>
-            <a:normAutofit fontScale="92500"/>
-          </a:bodyPr>
-          <a:lstStyle/>
-          <a:p>
-            <a:r>
-              <a:rPr lang="es-ES_tradnl" sz="2400" dirty="0"/>
-              <a:t>Es un lenguaje de programación que te permite crear contenido nuevo y dinámico, controlar archivos de multimedia, crear imágenes animadas y muchas otras cosas más. En definitiva, realizar la programación necesaria en el sitio web.  </a:t>
-            </a:r>
-          </a:p>
-          <a:p>
-            <a:r>
-              <a:rPr lang="es-ES_tradnl" sz="2400" dirty="0"/>
-              <a:t>Hay algo incluso más emocionante, sin embargo, es la funcionalidad construida por encima del núcleo del lenguaje de JavaScript. Llamada Interfaz de programación en aplicaciones - </a:t>
-            </a:r>
-            <a:r>
-              <a:rPr lang="es-ES_tradnl" sz="2400" dirty="0" err="1"/>
-              <a:t>Application</a:t>
-            </a:r>
-            <a:r>
-              <a:rPr lang="es-ES_tradnl" sz="2400" dirty="0"/>
-              <a:t> </a:t>
-            </a:r>
-            <a:r>
-              <a:rPr lang="es-ES_tradnl" sz="2400" dirty="0" err="1"/>
-              <a:t>Programming</a:t>
-            </a:r>
-            <a:r>
-              <a:rPr lang="es-ES_tradnl" sz="2400" dirty="0"/>
-              <a:t> Interfaces (</a:t>
-            </a:r>
-            <a:r>
-              <a:rPr lang="es-ES_tradnl" sz="2400" dirty="0" err="1"/>
-              <a:t>API's</a:t>
-            </a:r>
-            <a:r>
-              <a:rPr lang="es-ES_tradnl" sz="2400" dirty="0"/>
-              <a:t> )</a:t>
-            </a:r>
-            <a:endParaRPr lang="es-EC" sz="2400" dirty="0"/>
-          </a:p>
-          <a:p>
-            <a:endParaRPr lang="es-EC" dirty="0"/>
-          </a:p>
-        </p:txBody>
-      </p:sp>
-    </p:spTree>
-    <p:extLst>
-      <p:ext uri="{BB962C8B-B14F-4D97-AF65-F5344CB8AC3E}">
-        <p14:creationId xmlns:p14="http://schemas.microsoft.com/office/powerpoint/2010/main" val="2412616079"/>
-      </p:ext>
-    </p:extLst>
-  </p:cSld>
-  <p:clrMapOvr>
-    <a:masterClrMapping/>
-  </p:clrMapOvr>
-</p:sld>
-</file>
-
-<file path=ppt/slides/slide8.xml><?xml version="1.0" encoding="utf-8"?>
-<p:sld xmlns:a="http://schemas.openxmlformats.org/drawingml/2006/main" xmlns:r="http://schemas.openxmlformats.org/officeDocument/2006/relationships" xmlns:p="http://schemas.openxmlformats.org/presentationml/2006/main">
-  <p:cSld>
-    <p:spTree>
-      <p:nvGrpSpPr>
-        <p:cNvPr id="1" name=""/>
-        <p:cNvGrpSpPr/>
-        <p:nvPr/>
-      </p:nvGrpSpPr>
-      <p:grpSpPr>
-        <a:xfrm>
-          <a:off x="0" y="0"/>
-          <a:ext cx="0" cy="0"/>
-          <a:chOff x="0" y="0"/>
-          <a:chExt cx="0" cy="0"/>
-        </a:xfrm>
-      </p:grpSpPr>
-      <p:sp>
-        <p:nvSpPr>
-          <p:cNvPr id="2" name="Título 1">
-            <a:extLst>
-              <a:ext uri="{FF2B5EF4-FFF2-40B4-BE49-F238E27FC236}">
-                <a16:creationId xmlns:a16="http://schemas.microsoft.com/office/drawing/2014/main" id="{644AA276-F321-48A7-B528-8BB88409E723}"/>
-              </a:ext>
-            </a:extLst>
-          </p:cNvPr>
-          <p:cNvSpPr>
-            <a:spLocks noGrp="1"/>
-          </p:cNvSpPr>
-          <p:nvPr>
-            <p:ph type="title"/>
-          </p:nvPr>
-        </p:nvSpPr>
-        <p:spPr/>
-        <p:txBody>
-          <a:bodyPr/>
-          <a:lstStyle/>
-          <a:p>
-            <a:endParaRPr lang="es-EC"/>
-          </a:p>
-        </p:txBody>
-      </p:sp>
-      <p:sp>
-        <p:nvSpPr>
-          <p:cNvPr id="3" name="Marcador de contenido 2">
-            <a:extLst>
-              <a:ext uri="{FF2B5EF4-FFF2-40B4-BE49-F238E27FC236}">
-                <a16:creationId xmlns:a16="http://schemas.microsoft.com/office/drawing/2014/main" id="{EE0FA15B-FE26-438A-9549-B9B3B3207806}"/>
-              </a:ext>
-            </a:extLst>
-          </p:cNvPr>
-          <p:cNvSpPr>
-            <a:spLocks noGrp="1"/>
-          </p:cNvSpPr>
-          <p:nvPr>
-            <p:ph idx="1"/>
-          </p:nvPr>
-        </p:nvSpPr>
-        <p:spPr/>
-        <p:txBody>
-          <a:bodyPr>
-            <a:normAutofit lnSpcReduction="10000"/>
-          </a:bodyPr>
-          <a:lstStyle/>
-          <a:p>
-            <a:r>
-              <a:rPr lang="es-ES_tradnl" sz="2000" dirty="0"/>
-              <a:t>Los APIS son inserciones de líneas, incluso bloques gigantes de código listos para usar que permiten a un desarrollador implementarlo a programas que de cualquier otra forma podría ser difícil o incluso imposible de terminar. Así como las herramientas para construir una casa, es lo mismo para las cosas de programación – Es mucho más fácil tomar los paneles que ya estén cortados y atornillarlos para hacer un estante de libros, ya que es más trabajoso diseñarlo por ti mismo, ir y encontrar la madera correcta, cortarla del tamaño correcto y lijarla, buscar los tornillos del tamaño correcto y ensamblarla para hacer un estante de libros.</a:t>
-            </a:r>
-            <a:endParaRPr lang="es-EC" sz="2000" dirty="0"/>
-          </a:p>
-          <a:p>
-            <a:endParaRPr lang="es-EC" dirty="0"/>
-          </a:p>
-        </p:txBody>
-      </p:sp>
-    </p:spTree>
-    <p:extLst>
-      <p:ext uri="{BB962C8B-B14F-4D97-AF65-F5344CB8AC3E}">
-        <p14:creationId xmlns:p14="http://schemas.microsoft.com/office/powerpoint/2010/main" val="3501334443"/>
-      </p:ext>
-    </p:extLst>
-  </p:cSld>
-  <p:clrMapOvr>
-    <a:masterClrMapping/>
-  </p:clrMapOvr>
-</p:sld>
-</file>
-
-<file path=ppt/slides/slide9.xml><?xml version="1.0" encoding="utf-8"?>
-<p:sld xmlns:a="http://schemas.openxmlformats.org/drawingml/2006/main" xmlns:r="http://schemas.openxmlformats.org/officeDocument/2006/relationships" xmlns:p="http://schemas.openxmlformats.org/presentationml/2006/main">
-  <p:cSld>
-    <p:spTree>
-      <p:nvGrpSpPr>
-        <p:cNvPr id="1" name=""/>
-        <p:cNvGrpSpPr/>
-        <p:nvPr/>
-      </p:nvGrpSpPr>
-      <p:grpSpPr>
-        <a:xfrm>
-          <a:off x="0" y="0"/>
-          <a:ext cx="0" cy="0"/>
-          <a:chOff x="0" y="0"/>
-          <a:chExt cx="0" cy="0"/>
-        </a:xfrm>
-      </p:grpSpPr>
-      <p:sp>
-        <p:nvSpPr>
-          <p:cNvPr id="2" name="Título 1">
-            <a:extLst>
-              <a:ext uri="{FF2B5EF4-FFF2-40B4-BE49-F238E27FC236}">
-                <a16:creationId xmlns:a16="http://schemas.microsoft.com/office/drawing/2014/main" id="{1AAFEAC0-FF8C-4984-8797-87AFD540DDC7}"/>
-              </a:ext>
-            </a:extLst>
-          </p:cNvPr>
-          <p:cNvSpPr>
-            <a:spLocks noGrp="1"/>
-          </p:cNvSpPr>
-          <p:nvPr>
-            <p:ph type="title"/>
-          </p:nvPr>
-        </p:nvSpPr>
-        <p:spPr/>
-        <p:txBody>
-          <a:bodyPr/>
-          <a:lstStyle/>
-          <a:p>
-            <a:r>
-              <a:rPr lang="es-ES" dirty="0"/>
-              <a:t>¿Qué hace JavaScript en tu página web? </a:t>
-            </a:r>
-            <a:endParaRPr lang="es-EC" dirty="0"/>
-          </a:p>
-        </p:txBody>
-      </p:sp>
-      <p:sp>
-        <p:nvSpPr>
-          <p:cNvPr id="3" name="Marcador de contenido 2">
-            <a:extLst>
-              <a:ext uri="{FF2B5EF4-FFF2-40B4-BE49-F238E27FC236}">
-                <a16:creationId xmlns:a16="http://schemas.microsoft.com/office/drawing/2014/main" id="{E8B647AB-BF93-441A-9BB9-C64223EF26FE}"/>
+                <a16:creationId xmlns:a16="http://schemas.microsoft.com/office/drawing/2014/main" id="{3FC5823E-66C0-47FD-8A13-CA83FD041A86}"/>
               </a:ext>
             </a:extLst>
           </p:cNvPr>
@@ -18876,28 +17964,14 @@
           <a:bodyPr/>
           <a:lstStyle/>
           <a:p>
-            <a:r>
-              <a:rPr lang="es-ES_tradnl" sz="2000" dirty="0"/>
-              <a:t>Cuando cargas una página Web en tu navegador, tu código (HTML, CSS y JavaScript) es leído dentro de un ambiente de ejecución (pestaña del navegador). Esto es como una fábrica que coge la materia prima (Las líneas de código) y lo presenta como el producto final (la página Web).</a:t>
-            </a:r>
-            <a:endParaRPr lang="es-EC" sz="2000" dirty="0"/>
-          </a:p>
-          <a:p>
-            <a:r>
-              <a:rPr lang="es-ES_tradnl" sz="2000" dirty="0"/>
-              <a:t>El lenguaje JavaScript es ejecutado por el motor del navegador de JavaScript, luego que el código HTML y CSS han sido juntados y congregados dentro de la página Web. Esto asegura que el estilo y la estructura de la página están en su lugar en el momento en que JavaScript comienza a ejecutarse.</a:t>
-            </a:r>
-            <a:endParaRPr lang="es-EC" sz="2000" dirty="0"/>
-          </a:p>
-          <a:p>
-            <a:endParaRPr lang="es-EC" dirty="0"/>
+            <a:endParaRPr lang="es-EC"/>
           </a:p>
         </p:txBody>
       </p:sp>
     </p:spTree>
     <p:extLst>
       <p:ext uri="{BB962C8B-B14F-4D97-AF65-F5344CB8AC3E}">
-        <p14:creationId xmlns:p14="http://schemas.microsoft.com/office/powerpoint/2010/main" val="1926558029"/>
+        <p14:creationId xmlns:p14="http://schemas.microsoft.com/office/powerpoint/2010/main" val="1676188960"/>
       </p:ext>
     </p:extLst>
   </p:cSld>
@@ -18918,34 +17992,34 @@
         <a:sysClr val="window" lastClr="FFFFFF"/>
       </a:lt1>
       <a:dk2>
-        <a:srgbClr val="3B3059"/>
+        <a:srgbClr val="0E5580"/>
       </a:dk2>
       <a:lt2>
         <a:srgbClr val="EBEBEB"/>
       </a:lt2>
       <a:accent1>
-        <a:srgbClr val="B31166"/>
+        <a:srgbClr val="ACD433"/>
       </a:accent1>
       <a:accent2>
-        <a:srgbClr val="E33D6F"/>
+        <a:srgbClr val="E6C133"/>
       </a:accent2>
       <a:accent3>
-        <a:srgbClr val="E45F3C"/>
+        <a:srgbClr val="EF7A24"/>
       </a:accent3>
       <a:accent4>
-        <a:srgbClr val="E9943A"/>
+        <a:srgbClr val="5AA0F5"/>
       </a:accent4>
       <a:accent5>
-        <a:srgbClr val="9B6BF2"/>
+        <a:srgbClr val="75CEEC"/>
       </a:accent5>
       <a:accent6>
-        <a:srgbClr val="D53DD0"/>
+        <a:srgbClr val="65D6A0"/>
       </a:accent6>
       <a:hlink>
-        <a:srgbClr val="8F8F8F"/>
+        <a:srgbClr val="C4E46E"/>
       </a:hlink>
       <a:folHlink>
-        <a:srgbClr val="A5A5A5"/>
+        <a:srgbClr val="BDE0FB"/>
       </a:folHlink>
     </a:clrScheme>
     <a:fontScheme name="Sala de reuniones Ion">
@@ -19121,17 +18195,17 @@
           <a:gsLst>
             <a:gs pos="0">
               <a:schemeClr val="phClr">
-                <a:tint val="98000"/>
-                <a:hueMod val="124000"/>
-                <a:satMod val="148000"/>
-                <a:lumMod val="124000"/>
+                <a:tint val="92000"/>
+                <a:hueMod val="96000"/>
+                <a:satMod val="128000"/>
+                <a:lumMod val="114000"/>
               </a:schemeClr>
             </a:gs>
             <a:gs pos="100000">
               <a:schemeClr val="phClr">
-                <a:shade val="76000"/>
-                <a:hueMod val="89000"/>
-                <a:satMod val="164000"/>
+                <a:shade val="62000"/>
+                <a:hueMod val="100000"/>
+                <a:satMod val="134000"/>
                 <a:lumMod val="56000"/>
               </a:schemeClr>
             </a:gs>
@@ -19144,15 +18218,16 @@
           <a:blip xmlns:r="http://schemas.openxmlformats.org/officeDocument/2006/relationships" r:embed="rId1">
             <a:duotone>
               <a:schemeClr val="phClr">
-                <a:shade val="69000"/>
-                <a:hueMod val="91000"/>
+                <a:shade val="62000"/>
+                <a:hueMod val="108000"/>
                 <a:satMod val="164000"/>
-                <a:lumMod val="74000"/>
+                <a:lumMod val="69000"/>
               </a:schemeClr>
               <a:schemeClr val="phClr">
-                <a:hueMod val="124000"/>
-                <a:satMod val="140000"/>
-                <a:lumMod val="142000"/>
+                <a:tint val="96000"/>
+                <a:hueMod val="90000"/>
+                <a:satMod val="130000"/>
+                <a:lumMod val="134000"/>
               </a:schemeClr>
             </a:duotone>
           </a:blip>
@@ -19165,7 +18240,7 @@
   <a:extraClrSchemeLst/>
   <a:extLst>
     <a:ext uri="{05A4C25C-085E-4340-85A3-A5531E510DB2}">
-      <thm15:themeFamily xmlns:thm15="http://schemas.microsoft.com/office/thememl/2012/main" name="Ion Boardroom" id="{FC33163D-4339-46B1-8EED-24C834239D99}" vid="{B8502691-933B-45FE-8764-BA278511EF27}"/>
+      <thm15:themeFamily xmlns:thm15="http://schemas.microsoft.com/office/thememl/2012/main" name="Ion Boardroom" id="{FC33163D-4339-46B1-8EED-24C834239D99}" vid="{A3AB87EF-B655-4FFF-8D05-F333AD7F2789}"/>
     </a:ext>
   </a:extLst>
 </a:theme>

--- a/diapositivas CSS.pptx
+++ b/diapositivas CSS.pptx
@@ -2,15 +2,20 @@
 <file path=ppt/presentation.xml><?xml version="1.0" encoding="utf-8"?>
 <p:presentation xmlns:a="http://schemas.openxmlformats.org/drawingml/2006/main" xmlns:r="http://schemas.openxmlformats.org/officeDocument/2006/relationships" xmlns:p="http://schemas.openxmlformats.org/presentationml/2006/main" saveSubsetFonts="1" autoCompressPictures="0">
   <p:sldMasterIdLst>
-    <p:sldMasterId id="2147483714" r:id="rId1"/>
+    <p:sldMasterId id="2147483660" r:id="rId1"/>
   </p:sldMasterIdLst>
   <p:sldIdLst>
     <p:sldId id="256" r:id="rId2"/>
     <p:sldId id="258" r:id="rId3"/>
     <p:sldId id="257" r:id="rId4"/>
-    <p:sldId id="259" r:id="rId5"/>
-    <p:sldId id="260" r:id="rId6"/>
-    <p:sldId id="261" r:id="rId7"/>
+    <p:sldId id="260" r:id="rId5"/>
+    <p:sldId id="261" r:id="rId6"/>
+    <p:sldId id="262" r:id="rId7"/>
+    <p:sldId id="263" r:id="rId8"/>
+    <p:sldId id="264" r:id="rId9"/>
+    <p:sldId id="265" r:id="rId10"/>
+    <p:sldId id="259" r:id="rId11"/>
+    <p:sldId id="266" r:id="rId12"/>
   </p:sldIdLst>
   <p:sldSz cx="12192000" cy="6858000"/>
   <p:notesSz cx="6858000" cy="9144000"/>
@@ -1060,10 +1065,10 @@
         <a:lstStyle/>
         <a:p>
           <a:r>
-            <a:rPr lang="es-ES_tradnl" dirty="0"/>
-            <a:t>No se tienen en cuenta los espacios en blanco y las nuevas líneas</a:t>
+            <a:rPr lang="es-ES_tradnl"/>
+            <a:t>No se tienen en cuenta los espacios en blanco y las nuevas líneas:</a:t>
           </a:r>
-          <a:endParaRPr lang="en-US" dirty="0"/>
+          <a:endParaRPr lang="en-US"/>
         </a:p>
       </dgm:t>
     </dgm:pt>
@@ -1097,10 +1102,10 @@
         <a:lstStyle/>
         <a:p>
           <a:r>
-            <a:rPr lang="es-ES_tradnl" dirty="0"/>
-            <a:t>Se distinguen las mayúsculas y minúsculas</a:t>
+            <a:rPr lang="es-ES_tradnl"/>
+            <a:t>Se distinguen las mayúsculas y minúsculas:</a:t>
           </a:r>
-          <a:endParaRPr lang="en-US" dirty="0"/>
+          <a:endParaRPr lang="en-US"/>
         </a:p>
       </dgm:t>
     </dgm:pt>
@@ -1134,10 +1139,10 @@
         <a:lstStyle/>
         <a:p>
           <a:r>
-            <a:rPr lang="es-ES_tradnl" dirty="0"/>
-            <a:t>No se define el tipo de las variables</a:t>
+            <a:rPr lang="es-ES_tradnl"/>
+            <a:t>No se define el tipo de las variables:</a:t>
           </a:r>
-          <a:endParaRPr lang="en-US" dirty="0"/>
+          <a:endParaRPr lang="en-US"/>
         </a:p>
       </dgm:t>
     </dgm:pt>
@@ -1171,10 +1176,10 @@
         <a:lstStyle/>
         <a:p>
           <a:r>
-            <a:rPr lang="es-ES_tradnl" dirty="0"/>
-            <a:t>No es necesario terminar cada sentencia con el carácter de punto y coma (;)</a:t>
+            <a:rPr lang="es-ES_tradnl"/>
+            <a:t>No es necesario terminar cada sentencia con el carácter de punto y coma (;):</a:t>
           </a:r>
-          <a:endParaRPr lang="en-US" dirty="0"/>
+          <a:endParaRPr lang="en-US"/>
         </a:p>
       </dgm:t>
     </dgm:pt>
@@ -1208,10 +1213,10 @@
         <a:lstStyle/>
         <a:p>
           <a:r>
-            <a:rPr lang="es-ES_tradnl" dirty="0"/>
-            <a:t>Se pueden incluir comentarios</a:t>
+            <a:rPr lang="es-ES_tradnl"/>
+            <a:t>Se pueden incluir comentarios:</a:t>
           </a:r>
-          <a:endParaRPr lang="en-US" dirty="0"/>
+          <a:endParaRPr lang="en-US"/>
         </a:p>
       </dgm:t>
     </dgm:pt>
@@ -1554,7 +1559,7 @@
   <dgm:whole/>
   <dgm:extLst>
     <a:ext uri="http://schemas.microsoft.com/office/drawing/2008/diagram">
-      <dsp:dataModelExt xmlns:dsp="http://schemas.microsoft.com/office/drawing/2008/diagram" relId="rId6" minVer="http://schemas.openxmlformats.org/drawingml/2006/diagram"/>
+      <dsp:dataModelExt xmlns:dsp="http://schemas.microsoft.com/office/drawing/2008/diagram" relId="rId7" minVer="http://schemas.openxmlformats.org/drawingml/2006/diagram"/>
     </a:ext>
   </dgm:extLst>
 </dgm:dataModel>
@@ -1709,10 +1714,10 @@
             <a:buNone/>
           </a:pPr>
           <a:r>
-            <a:rPr lang="es-ES_tradnl" sz="1900" kern="1200" dirty="0"/>
-            <a:t>No se tienen en cuenta los espacios en blanco y las nuevas líneas</a:t>
+            <a:rPr lang="es-ES_tradnl" sz="1900" kern="1200"/>
+            <a:t>No se tienen en cuenta los espacios en blanco y las nuevas líneas:</a:t>
           </a:r>
-          <a:endParaRPr lang="en-US" sz="1900" kern="1200" dirty="0"/>
+          <a:endParaRPr lang="en-US" sz="1900" kern="1200"/>
         </a:p>
       </dsp:txBody>
       <dsp:txXfrm>
@@ -1861,10 +1866,10 @@
             <a:buNone/>
           </a:pPr>
           <a:r>
-            <a:rPr lang="es-ES_tradnl" sz="1900" kern="1200" dirty="0"/>
-            <a:t>Se distinguen las mayúsculas y minúsculas</a:t>
+            <a:rPr lang="es-ES_tradnl" sz="1900" kern="1200"/>
+            <a:t>Se distinguen las mayúsculas y minúsculas:</a:t>
           </a:r>
-          <a:endParaRPr lang="en-US" sz="1900" kern="1200" dirty="0"/>
+          <a:endParaRPr lang="en-US" sz="1900" kern="1200"/>
         </a:p>
       </dsp:txBody>
       <dsp:txXfrm>
@@ -2013,10 +2018,10 @@
             <a:buNone/>
           </a:pPr>
           <a:r>
-            <a:rPr lang="es-ES_tradnl" sz="1900" kern="1200" dirty="0"/>
-            <a:t>No se define el tipo de las variables</a:t>
+            <a:rPr lang="es-ES_tradnl" sz="1900" kern="1200"/>
+            <a:t>No se define el tipo de las variables:</a:t>
           </a:r>
-          <a:endParaRPr lang="en-US" sz="1900" kern="1200" dirty="0"/>
+          <a:endParaRPr lang="en-US" sz="1900" kern="1200"/>
         </a:p>
       </dsp:txBody>
       <dsp:txXfrm>
@@ -2165,10 +2170,10 @@
             <a:buNone/>
           </a:pPr>
           <a:r>
-            <a:rPr lang="es-ES_tradnl" sz="1900" kern="1200" dirty="0"/>
-            <a:t>No es necesario terminar cada sentencia con el carácter de punto y coma (;)</a:t>
+            <a:rPr lang="es-ES_tradnl" sz="1900" kern="1200"/>
+            <a:t>No es necesario terminar cada sentencia con el carácter de punto y coma (;):</a:t>
           </a:r>
-          <a:endParaRPr lang="en-US" sz="1900" kern="1200" dirty="0"/>
+          <a:endParaRPr lang="en-US" sz="1900" kern="1200"/>
         </a:p>
       </dsp:txBody>
       <dsp:txXfrm>
@@ -2317,10 +2322,10 @@
             <a:buNone/>
           </a:pPr>
           <a:r>
-            <a:rPr lang="es-ES_tradnl" sz="1900" kern="1200" dirty="0"/>
-            <a:t>Se pueden incluir comentarios</a:t>
+            <a:rPr lang="es-ES_tradnl" sz="1900" kern="1200"/>
+            <a:t>Se pueden incluir comentarios:</a:t>
           </a:r>
-          <a:endParaRPr lang="en-US" sz="1900" kern="1200" dirty="0"/>
+          <a:endParaRPr lang="en-US" sz="1900" kern="1200"/>
         </a:p>
       </dsp:txBody>
       <dsp:txXfrm>
@@ -3679,21 +3684,21 @@
       </p:grpSpPr>
       <p:grpSp>
         <p:nvGrpSpPr>
-          <p:cNvPr id="16" name="Group 15"/>
+          <p:cNvPr id="7" name="Group 6"/>
           <p:cNvGrpSpPr/>
           <p:nvPr/>
         </p:nvGrpSpPr>
         <p:grpSpPr>
           <a:xfrm>
-            <a:off x="0" y="-2373"/>
-            <a:ext cx="12192000" cy="6867027"/>
-            <a:chOff x="0" y="-2373"/>
-            <a:chExt cx="12192000" cy="6867027"/>
+            <a:off x="0" y="0"/>
+            <a:ext cx="12192000" cy="6858000"/>
+            <a:chOff x="0" y="0"/>
+            <a:chExt cx="12192000" cy="6858000"/>
           </a:xfrm>
         </p:grpSpPr>
         <p:sp>
           <p:nvSpPr>
-            <p:cNvPr id="8" name="Rectangle 7"/>
+            <p:cNvPr id="9" name="Rectangle 8"/>
             <p:cNvSpPr/>
             <p:nvPr/>
           </p:nvSpPr>
@@ -3709,16 +3714,15 @@
               <a:blip r:embed="rId2">
                 <a:duotone>
                   <a:schemeClr val="dk2">
-                    <a:shade val="62000"/>
-                    <a:hueMod val="108000"/>
+                    <a:shade val="69000"/>
+                    <a:hueMod val="91000"/>
                     <a:satMod val="164000"/>
-                    <a:lumMod val="69000"/>
+                    <a:lumMod val="74000"/>
                   </a:schemeClr>
                   <a:schemeClr val="dk2">
-                    <a:tint val="96000"/>
-                    <a:hueMod val="90000"/>
-                    <a:satMod val="130000"/>
-                    <a:lumMod val="134000"/>
+                    <a:hueMod val="124000"/>
+                    <a:satMod val="140000"/>
+                    <a:lumMod val="142000"/>
                   </a:schemeClr>
                 </a:duotone>
               </a:blip>
@@ -3749,322 +3753,7 @@
         </p:sp>
         <p:sp>
           <p:nvSpPr>
-            <p:cNvPr id="11" name="Oval 10"/>
-            <p:cNvSpPr/>
-            <p:nvPr/>
-          </p:nvSpPr>
-          <p:spPr>
-            <a:xfrm>
-              <a:off x="3220" y="2667000"/>
-              <a:ext cx="4191000" cy="4191000"/>
-            </a:xfrm>
-            <a:prstGeom prst="ellipse">
-              <a:avLst/>
-            </a:prstGeom>
-            <a:gradFill flip="none" rotWithShape="1">
-              <a:gsLst>
-                <a:gs pos="0">
-                  <a:schemeClr val="bg2">
-                    <a:lumMod val="40000"/>
-                    <a:lumOff val="60000"/>
-                    <a:alpha val="11000"/>
-                  </a:schemeClr>
-                </a:gs>
-                <a:gs pos="75000">
-                  <a:schemeClr val="bg2">
-                    <a:lumMod val="40000"/>
-                    <a:lumOff val="60000"/>
-                    <a:alpha val="0"/>
-                  </a:schemeClr>
-                </a:gs>
-                <a:gs pos="36000">
-                  <a:schemeClr val="bg2">
-                    <a:lumMod val="40000"/>
-                    <a:lumOff val="60000"/>
-                    <a:alpha val="10000"/>
-                  </a:schemeClr>
-                </a:gs>
-              </a:gsLst>
-              <a:path path="circle">
-                <a:fillToRect l="50000" t="50000" r="50000" b="50000"/>
-              </a:path>
-              <a:tileRect/>
-            </a:gradFill>
-            <a:ln>
-              <a:noFill/>
-            </a:ln>
-            <a:effectLst/>
-          </p:spPr>
-          <p:style>
-            <a:lnRef idx="1">
-              <a:schemeClr val="accent1"/>
-            </a:lnRef>
-            <a:fillRef idx="3">
-              <a:schemeClr val="accent1"/>
-            </a:fillRef>
-            <a:effectRef idx="2">
-              <a:schemeClr val="accent1"/>
-            </a:effectRef>
-            <a:fontRef idx="minor">
-              <a:schemeClr val="lt1"/>
-            </a:fontRef>
-          </p:style>
-        </p:sp>
-        <p:sp>
-          <p:nvSpPr>
-            <p:cNvPr id="12" name="Oval 11"/>
-            <p:cNvSpPr/>
-            <p:nvPr/>
-          </p:nvSpPr>
-          <p:spPr>
-            <a:xfrm>
-              <a:off x="1750" y="2895600"/>
-              <a:ext cx="2362200" cy="2362200"/>
-            </a:xfrm>
-            <a:prstGeom prst="ellipse">
-              <a:avLst/>
-            </a:prstGeom>
-            <a:gradFill flip="none" rotWithShape="1">
-              <a:gsLst>
-                <a:gs pos="0">
-                  <a:schemeClr val="bg2">
-                    <a:lumMod val="40000"/>
-                    <a:lumOff val="60000"/>
-                    <a:alpha val="8000"/>
-                  </a:schemeClr>
-                </a:gs>
-                <a:gs pos="72000">
-                  <a:schemeClr val="bg2">
-                    <a:lumMod val="40000"/>
-                    <a:lumOff val="60000"/>
-                    <a:alpha val="0"/>
-                  </a:schemeClr>
-                </a:gs>
-                <a:gs pos="36000">
-                  <a:schemeClr val="bg2">
-                    <a:lumMod val="40000"/>
-                    <a:lumOff val="60000"/>
-                    <a:alpha val="8000"/>
-                  </a:schemeClr>
-                </a:gs>
-              </a:gsLst>
-              <a:path path="circle">
-                <a:fillToRect l="50000" t="50000" r="50000" b="50000"/>
-              </a:path>
-              <a:tileRect/>
-            </a:gradFill>
-            <a:ln>
-              <a:noFill/>
-            </a:ln>
-            <a:effectLst/>
-          </p:spPr>
-          <p:style>
-            <a:lnRef idx="1">
-              <a:schemeClr val="accent1"/>
-            </a:lnRef>
-            <a:fillRef idx="3">
-              <a:schemeClr val="accent1"/>
-            </a:fillRef>
-            <a:effectRef idx="2">
-              <a:schemeClr val="accent1"/>
-            </a:effectRef>
-            <a:fontRef idx="minor">
-              <a:schemeClr val="lt1"/>
-            </a:fontRef>
-          </p:style>
-        </p:sp>
-        <p:sp>
-          <p:nvSpPr>
-            <p:cNvPr id="13" name="Oval 12"/>
-            <p:cNvSpPr/>
-            <p:nvPr/>
-          </p:nvSpPr>
-          <p:spPr>
-            <a:xfrm>
-              <a:off x="8609012" y="1676400"/>
-              <a:ext cx="2819400" cy="2819400"/>
-            </a:xfrm>
-            <a:prstGeom prst="ellipse">
-              <a:avLst/>
-            </a:prstGeom>
-            <a:gradFill flip="none" rotWithShape="1">
-              <a:gsLst>
-                <a:gs pos="0">
-                  <a:schemeClr val="bg2">
-                    <a:lumMod val="40000"/>
-                    <a:lumOff val="60000"/>
-                    <a:alpha val="7000"/>
-                  </a:schemeClr>
-                </a:gs>
-                <a:gs pos="69000">
-                  <a:schemeClr val="bg2">
-                    <a:lumMod val="40000"/>
-                    <a:lumOff val="60000"/>
-                    <a:alpha val="0"/>
-                  </a:schemeClr>
-                </a:gs>
-                <a:gs pos="36000">
-                  <a:schemeClr val="bg2">
-                    <a:lumMod val="40000"/>
-                    <a:lumOff val="60000"/>
-                    <a:alpha val="6000"/>
-                  </a:schemeClr>
-                </a:gs>
-              </a:gsLst>
-              <a:path path="circle">
-                <a:fillToRect l="50000" t="50000" r="50000" b="50000"/>
-              </a:path>
-              <a:tileRect/>
-            </a:gradFill>
-            <a:ln>
-              <a:noFill/>
-            </a:ln>
-            <a:effectLst/>
-          </p:spPr>
-          <p:style>
-            <a:lnRef idx="1">
-              <a:schemeClr val="accent1"/>
-            </a:lnRef>
-            <a:fillRef idx="3">
-              <a:schemeClr val="accent1"/>
-            </a:fillRef>
-            <a:effectRef idx="2">
-              <a:schemeClr val="accent1"/>
-            </a:effectRef>
-            <a:fontRef idx="minor">
-              <a:schemeClr val="lt1"/>
-            </a:fontRef>
-          </p:style>
-        </p:sp>
-        <p:sp>
-          <p:nvSpPr>
-            <p:cNvPr id="14" name="Oval 13"/>
-            <p:cNvSpPr/>
-            <p:nvPr/>
-          </p:nvSpPr>
-          <p:spPr>
-            <a:xfrm>
-              <a:off x="7999412" y="-2373"/>
-              <a:ext cx="1600200" cy="1600200"/>
-            </a:xfrm>
-            <a:prstGeom prst="ellipse">
-              <a:avLst/>
-            </a:prstGeom>
-            <a:gradFill flip="none" rotWithShape="1">
-              <a:gsLst>
-                <a:gs pos="0">
-                  <a:schemeClr val="bg2">
-                    <a:lumMod val="40000"/>
-                    <a:lumOff val="60000"/>
-                    <a:alpha val="14000"/>
-                  </a:schemeClr>
-                </a:gs>
-                <a:gs pos="73000">
-                  <a:schemeClr val="bg2">
-                    <a:lumMod val="40000"/>
-                    <a:lumOff val="60000"/>
-                    <a:alpha val="0"/>
-                  </a:schemeClr>
-                </a:gs>
-                <a:gs pos="36000">
-                  <a:schemeClr val="bg2">
-                    <a:lumMod val="40000"/>
-                    <a:lumOff val="60000"/>
-                    <a:alpha val="7000"/>
-                  </a:schemeClr>
-                </a:gs>
-              </a:gsLst>
-              <a:path path="circle">
-                <a:fillToRect l="50000" t="50000" r="50000" b="50000"/>
-              </a:path>
-              <a:tileRect/>
-            </a:gradFill>
-            <a:ln>
-              <a:noFill/>
-            </a:ln>
-            <a:effectLst/>
-          </p:spPr>
-          <p:style>
-            <a:lnRef idx="1">
-              <a:schemeClr val="accent1"/>
-            </a:lnRef>
-            <a:fillRef idx="3">
-              <a:schemeClr val="accent1"/>
-            </a:fillRef>
-            <a:effectRef idx="2">
-              <a:schemeClr val="accent1"/>
-            </a:effectRef>
-            <a:fontRef idx="minor">
-              <a:schemeClr val="lt1"/>
-            </a:fontRef>
-          </p:style>
-        </p:sp>
-        <p:sp>
-          <p:nvSpPr>
-            <p:cNvPr id="15" name="Oval 14"/>
-            <p:cNvSpPr/>
-            <p:nvPr/>
-          </p:nvSpPr>
-          <p:spPr>
-            <a:xfrm>
-              <a:off x="8609012" y="5874054"/>
-              <a:ext cx="990600" cy="990600"/>
-            </a:xfrm>
-            <a:prstGeom prst="ellipse">
-              <a:avLst/>
-            </a:prstGeom>
-            <a:gradFill flip="none" rotWithShape="1">
-              <a:gsLst>
-                <a:gs pos="0">
-                  <a:schemeClr val="bg2">
-                    <a:lumMod val="40000"/>
-                    <a:lumOff val="60000"/>
-                    <a:alpha val="14000"/>
-                  </a:schemeClr>
-                </a:gs>
-                <a:gs pos="66000">
-                  <a:schemeClr val="bg2">
-                    <a:lumMod val="40000"/>
-                    <a:lumOff val="60000"/>
-                    <a:alpha val="0"/>
-                  </a:schemeClr>
-                </a:gs>
-                <a:gs pos="36000">
-                  <a:schemeClr val="bg2">
-                    <a:lumMod val="40000"/>
-                    <a:lumOff val="60000"/>
-                    <a:alpha val="7000"/>
-                  </a:schemeClr>
-                </a:gs>
-              </a:gsLst>
-              <a:path path="circle">
-                <a:fillToRect l="50000" t="50000" r="50000" b="50000"/>
-              </a:path>
-              <a:tileRect/>
-            </a:gradFill>
-            <a:ln>
-              <a:noFill/>
-            </a:ln>
-            <a:effectLst/>
-          </p:spPr>
-          <p:style>
-            <a:lnRef idx="1">
-              <a:schemeClr val="accent1"/>
-            </a:lnRef>
-            <a:fillRef idx="3">
-              <a:schemeClr val="accent1"/>
-            </a:fillRef>
-            <a:effectRef idx="2">
-              <a:schemeClr val="accent1"/>
-            </a:effectRef>
-            <a:fontRef idx="minor">
-              <a:schemeClr val="lt1"/>
-            </a:fontRef>
-          </p:style>
-        </p:sp>
-        <p:sp>
-          <p:nvSpPr>
-            <p:cNvPr id="9" name="Freeform 5"/>
+            <p:cNvPr id="10" name="Freeform 5"/>
             <p:cNvSpPr>
               <a:spLocks noEditPoints="1"/>
             </p:cNvSpPr>
@@ -4169,7 +3858,7 @@
             <p:ph type="subTitle" idx="1"/>
           </p:nvPr>
         </p:nvSpPr>
-        <p:spPr>
+        <p:spPr bwMode="gray">
           <a:xfrm>
             <a:off x="1154955" y="4777380"/>
             <a:ext cx="8825658" cy="861420"/>
@@ -4182,7 +3871,10 @@
               <a:buNone/>
               <a:defRPr cap="all">
                 <a:solidFill>
-                  <a:schemeClr val="accent1"/>
+                  <a:schemeClr val="accent1">
+                    <a:lumMod val="60000"/>
+                    <a:lumOff val="40000"/>
+                  </a:schemeClr>
                 </a:solidFill>
               </a:defRPr>
             </a:lvl1pPr>
@@ -4286,9 +3978,9 @@
             <p:ph type="dt" sz="half" idx="10"/>
           </p:nvPr>
         </p:nvSpPr>
-        <p:spPr>
+        <p:spPr bwMode="gray">
           <a:xfrm rot="5400000">
-            <a:off x="10089390" y="1792223"/>
+            <a:off x="10158984" y="1792224"/>
             <a:ext cx="990599" cy="304799"/>
           </a:xfrm>
         </p:spPr>
@@ -4298,7 +3990,9 @@
             <a:lvl1pPr algn="l">
               <a:defRPr b="0" i="0">
                 <a:solidFill>
-                  <a:schemeClr val="bg1"/>
+                  <a:schemeClr val="bg1">
+                    <a:alpha val="60000"/>
+                  </a:schemeClr>
                 </a:solidFill>
               </a:defRPr>
             </a:lvl1pPr>
@@ -4306,7 +4000,7 @@
           <a:p>
             <a:fld id="{71C85FF8-2AF0-6A4B-B786-86E31EDFDAD3}" type="datetimeFigureOut">
               <a:rPr lang="es-EC" smtClean="0"/>
-              <a:t>29/07/2019</a:t>
+              <a:t>29/7/2019</a:t>
             </a:fld>
             <a:endParaRPr lang="es-EC"/>
           </a:p>
@@ -4322,9 +4016,9 @@
             <p:ph type="ftr" sz="quarter" idx="11"/>
           </p:nvPr>
         </p:nvSpPr>
-        <p:spPr>
+        <p:spPr bwMode="gray">
           <a:xfrm rot="5400000">
-            <a:off x="8959592" y="3226820"/>
+            <a:off x="8951976" y="3227832"/>
             <a:ext cx="3859795" cy="304801"/>
           </a:xfrm>
         </p:spPr>
@@ -4334,7 +4028,9 @@
             <a:lvl1pPr>
               <a:defRPr b="0" i="0">
                 <a:solidFill>
-                  <a:schemeClr val="bg1"/>
+                  <a:schemeClr val="bg1">
+                    <a:alpha val="60000"/>
+                  </a:schemeClr>
                 </a:solidFill>
               </a:defRPr>
             </a:lvl1pPr>
@@ -4346,7 +4042,7 @@
       </p:sp>
       <p:sp>
         <p:nvSpPr>
-          <p:cNvPr id="10" name="Rectangle 9"/>
+          <p:cNvPr id="11" name="Rectangle 10"/>
           <p:cNvSpPr/>
           <p:nvPr/>
         </p:nvSpPr>
@@ -4382,7 +4078,7 @@
       </p:sp>
       <p:sp>
         <p:nvSpPr>
-          <p:cNvPr id="6" name="Slide Number Placeholder 5"/>
+          <p:cNvPr id="12" name="Slide Number Placeholder 5"/>
           <p:cNvSpPr>
             <a:spLocks noGrp="1"/>
           </p:cNvSpPr>
@@ -4392,19 +4088,13 @@
         </p:nvSpPr>
         <p:spPr>
           <a:xfrm>
-            <a:off x="10351008" y="292608"/>
+            <a:off x="10352540" y="295729"/>
             <a:ext cx="838199" cy="767687"/>
           </a:xfrm>
         </p:spPr>
         <p:txBody>
           <a:bodyPr/>
-          <a:lstStyle>
-            <a:lvl1pPr>
-              <a:defRPr sz="2800" b="0" i="0">
-                <a:latin typeface="+mj-lt"/>
-              </a:defRPr>
-            </a:lvl1pPr>
-          </a:lstStyle>
+          <a:lstStyle/>
           <a:p>
             <a:fld id="{EE4B2B3C-3F40-AB44-A3C3-A773B6A82868}" type="slidenum">
               <a:rPr lang="es-EC" smtClean="0"/>
@@ -4417,7 +4107,7 @@
     </p:spTree>
     <p:extLst>
       <p:ext uri="{BB962C8B-B14F-4D97-AF65-F5344CB8AC3E}">
-        <p14:creationId xmlns:p14="http://schemas.microsoft.com/office/powerpoint/2010/main" val="736707773"/>
+        <p14:creationId xmlns:p14="http://schemas.microsoft.com/office/powerpoint/2010/main" val="410213034"/>
       </p:ext>
     </p:extLst>
   </p:cSld>
@@ -4446,21 +4136,21 @@
       </p:grpSpPr>
       <p:grpSp>
         <p:nvGrpSpPr>
-          <p:cNvPr id="19" name="Group 18"/>
+          <p:cNvPr id="9" name="Group 8"/>
           <p:cNvGrpSpPr/>
           <p:nvPr/>
         </p:nvGrpSpPr>
         <p:grpSpPr>
           <a:xfrm>
-            <a:off x="0" y="-2373"/>
-            <a:ext cx="12192000" cy="6867027"/>
-            <a:chOff x="0" y="-2373"/>
-            <a:chExt cx="12192000" cy="6867027"/>
+            <a:off x="0" y="0"/>
+            <a:ext cx="12192000" cy="6858000"/>
+            <a:chOff x="0" y="0"/>
+            <a:chExt cx="12192000" cy="6858000"/>
           </a:xfrm>
         </p:grpSpPr>
         <p:sp>
           <p:nvSpPr>
-            <p:cNvPr id="11" name="Rectangle 10"/>
+            <p:cNvPr id="13" name="Rectangle 12"/>
             <p:cNvSpPr/>
             <p:nvPr/>
           </p:nvSpPr>
@@ -4476,16 +4166,15 @@
               <a:blip r:embed="rId2">
                 <a:duotone>
                   <a:schemeClr val="dk2">
-                    <a:shade val="62000"/>
-                    <a:hueMod val="108000"/>
+                    <a:shade val="69000"/>
+                    <a:hueMod val="91000"/>
                     <a:satMod val="164000"/>
-                    <a:lumMod val="69000"/>
+                    <a:lumMod val="74000"/>
                   </a:schemeClr>
                   <a:schemeClr val="dk2">
-                    <a:tint val="96000"/>
-                    <a:hueMod val="90000"/>
-                    <a:satMod val="130000"/>
-                    <a:lumMod val="134000"/>
+                    <a:hueMod val="124000"/>
+                    <a:satMod val="140000"/>
+                    <a:lumMod val="142000"/>
                   </a:schemeClr>
                 </a:duotone>
               </a:blip>
@@ -4516,13 +4205,13 @@
         </p:sp>
         <p:sp>
           <p:nvSpPr>
-            <p:cNvPr id="14" name="Oval 13"/>
+            <p:cNvPr id="17" name="Oval 16"/>
             <p:cNvSpPr/>
             <p:nvPr/>
           </p:nvSpPr>
           <p:spPr>
             <a:xfrm>
-              <a:off x="3220" y="2667000"/>
+              <a:off x="0" y="2667000"/>
               <a:ext cx="4191000" cy="4191000"/>
             </a:xfrm>
             <a:prstGeom prst="ellipse">
@@ -4531,213 +4220,18 @@
             <a:gradFill flip="none" rotWithShape="1">
               <a:gsLst>
                 <a:gs pos="0">
-                  <a:schemeClr val="bg2">
-                    <a:lumMod val="40000"/>
-                    <a:lumOff val="60000"/>
+                  <a:schemeClr val="accent5">
                     <a:alpha val="11000"/>
                   </a:schemeClr>
                 </a:gs>
                 <a:gs pos="75000">
-                  <a:schemeClr val="bg2">
-                    <a:lumMod val="40000"/>
-                    <a:lumOff val="60000"/>
+                  <a:schemeClr val="accent5">
                     <a:alpha val="0"/>
                   </a:schemeClr>
                 </a:gs>
                 <a:gs pos="36000">
-                  <a:schemeClr val="bg2">
-                    <a:lumMod val="40000"/>
-                    <a:lumOff val="60000"/>
+                  <a:schemeClr val="accent5">
                     <a:alpha val="10000"/>
-                  </a:schemeClr>
-                </a:gs>
-              </a:gsLst>
-              <a:path path="circle">
-                <a:fillToRect l="50000" t="50000" r="50000" b="50000"/>
-              </a:path>
-              <a:tileRect/>
-            </a:gradFill>
-            <a:ln>
-              <a:noFill/>
-            </a:ln>
-            <a:effectLst/>
-          </p:spPr>
-          <p:style>
-            <a:lnRef idx="1">
-              <a:schemeClr val="accent1"/>
-            </a:lnRef>
-            <a:fillRef idx="3">
-              <a:schemeClr val="accent1"/>
-            </a:fillRef>
-            <a:effectRef idx="2">
-              <a:schemeClr val="accent1"/>
-            </a:effectRef>
-            <a:fontRef idx="minor">
-              <a:schemeClr val="lt1"/>
-            </a:fontRef>
-          </p:style>
-        </p:sp>
-        <p:sp>
-          <p:nvSpPr>
-            <p:cNvPr id="15" name="Oval 14"/>
-            <p:cNvSpPr/>
-            <p:nvPr/>
-          </p:nvSpPr>
-          <p:spPr>
-            <a:xfrm>
-              <a:off x="1750" y="2895600"/>
-              <a:ext cx="2362200" cy="2362200"/>
-            </a:xfrm>
-            <a:prstGeom prst="ellipse">
-              <a:avLst/>
-            </a:prstGeom>
-            <a:gradFill flip="none" rotWithShape="1">
-              <a:gsLst>
-                <a:gs pos="0">
-                  <a:schemeClr val="bg2">
-                    <a:lumMod val="40000"/>
-                    <a:lumOff val="60000"/>
-                    <a:alpha val="8000"/>
-                  </a:schemeClr>
-                </a:gs>
-                <a:gs pos="72000">
-                  <a:schemeClr val="bg2">
-                    <a:lumMod val="40000"/>
-                    <a:lumOff val="60000"/>
-                    <a:alpha val="0"/>
-                  </a:schemeClr>
-                </a:gs>
-                <a:gs pos="36000">
-                  <a:schemeClr val="bg2">
-                    <a:lumMod val="40000"/>
-                    <a:lumOff val="60000"/>
-                    <a:alpha val="8000"/>
-                  </a:schemeClr>
-                </a:gs>
-              </a:gsLst>
-              <a:path path="circle">
-                <a:fillToRect l="50000" t="50000" r="50000" b="50000"/>
-              </a:path>
-              <a:tileRect/>
-            </a:gradFill>
-            <a:ln>
-              <a:noFill/>
-            </a:ln>
-            <a:effectLst/>
-          </p:spPr>
-          <p:style>
-            <a:lnRef idx="1">
-              <a:schemeClr val="accent1"/>
-            </a:lnRef>
-            <a:fillRef idx="3">
-              <a:schemeClr val="accent1"/>
-            </a:fillRef>
-            <a:effectRef idx="2">
-              <a:schemeClr val="accent1"/>
-            </a:effectRef>
-            <a:fontRef idx="minor">
-              <a:schemeClr val="lt1"/>
-            </a:fontRef>
-          </p:style>
-        </p:sp>
-        <p:sp>
-          <p:nvSpPr>
-            <p:cNvPr id="16" name="Oval 15"/>
-            <p:cNvSpPr/>
-            <p:nvPr/>
-          </p:nvSpPr>
-          <p:spPr>
-            <a:xfrm>
-              <a:off x="8609012" y="1676400"/>
-              <a:ext cx="2819400" cy="2819400"/>
-            </a:xfrm>
-            <a:prstGeom prst="ellipse">
-              <a:avLst/>
-            </a:prstGeom>
-            <a:gradFill flip="none" rotWithShape="1">
-              <a:gsLst>
-                <a:gs pos="0">
-                  <a:schemeClr val="bg2">
-                    <a:lumMod val="40000"/>
-                    <a:lumOff val="60000"/>
-                    <a:alpha val="7000"/>
-                  </a:schemeClr>
-                </a:gs>
-                <a:gs pos="69000">
-                  <a:schemeClr val="bg2">
-                    <a:lumMod val="40000"/>
-                    <a:lumOff val="60000"/>
-                    <a:alpha val="0"/>
-                  </a:schemeClr>
-                </a:gs>
-                <a:gs pos="36000">
-                  <a:schemeClr val="bg2">
-                    <a:lumMod val="40000"/>
-                    <a:lumOff val="60000"/>
-                    <a:alpha val="6000"/>
-                  </a:schemeClr>
-                </a:gs>
-              </a:gsLst>
-              <a:path path="circle">
-                <a:fillToRect l="50000" t="50000" r="50000" b="50000"/>
-              </a:path>
-              <a:tileRect/>
-            </a:gradFill>
-            <a:ln>
-              <a:noFill/>
-            </a:ln>
-            <a:effectLst/>
-          </p:spPr>
-          <p:style>
-            <a:lnRef idx="1">
-              <a:schemeClr val="accent1"/>
-            </a:lnRef>
-            <a:fillRef idx="3">
-              <a:schemeClr val="accent1"/>
-            </a:fillRef>
-            <a:effectRef idx="2">
-              <a:schemeClr val="accent1"/>
-            </a:effectRef>
-            <a:fontRef idx="minor">
-              <a:schemeClr val="lt1"/>
-            </a:fontRef>
-          </p:style>
-        </p:sp>
-        <p:sp>
-          <p:nvSpPr>
-            <p:cNvPr id="17" name="Oval 16"/>
-            <p:cNvSpPr/>
-            <p:nvPr/>
-          </p:nvSpPr>
-          <p:spPr>
-            <a:xfrm>
-              <a:off x="7999412" y="-2373"/>
-              <a:ext cx="1600200" cy="1600200"/>
-            </a:xfrm>
-            <a:prstGeom prst="ellipse">
-              <a:avLst/>
-            </a:prstGeom>
-            <a:gradFill flip="none" rotWithShape="1">
-              <a:gsLst>
-                <a:gs pos="0">
-                  <a:schemeClr val="bg2">
-                    <a:lumMod val="40000"/>
-                    <a:lumOff val="60000"/>
-                    <a:alpha val="14000"/>
-                  </a:schemeClr>
-                </a:gs>
-                <a:gs pos="73000">
-                  <a:schemeClr val="bg2">
-                    <a:lumMod val="40000"/>
-                    <a:lumOff val="60000"/>
-                    <a:alpha val="0"/>
-                  </a:schemeClr>
-                </a:gs>
-                <a:gs pos="36000">
-                  <a:schemeClr val="bg2">
-                    <a:lumMod val="40000"/>
-                    <a:lumOff val="60000"/>
-                    <a:alpha val="7000"/>
                   </a:schemeClr>
                 </a:gs>
               </a:gsLst>
@@ -4774,8 +4268,8 @@
           </p:nvSpPr>
           <p:spPr>
             <a:xfrm>
-              <a:off x="8609012" y="5874054"/>
-              <a:ext cx="990600" cy="990600"/>
+              <a:off x="0" y="2895600"/>
+              <a:ext cx="2362200" cy="2362200"/>
             </a:xfrm>
             <a:prstGeom prst="ellipse">
               <a:avLst/>
@@ -4783,24 +4277,18 @@
             <a:gradFill flip="none" rotWithShape="1">
               <a:gsLst>
                 <a:gs pos="0">
-                  <a:schemeClr val="bg2">
-                    <a:lumMod val="40000"/>
-                    <a:lumOff val="60000"/>
-                    <a:alpha val="14000"/>
+                  <a:schemeClr val="accent5">
+                    <a:alpha val="8000"/>
                   </a:schemeClr>
                 </a:gs>
-                <a:gs pos="66000">
-                  <a:schemeClr val="bg2">
-                    <a:lumMod val="40000"/>
-                    <a:lumOff val="60000"/>
+                <a:gs pos="72000">
+                  <a:schemeClr val="accent5">
                     <a:alpha val="0"/>
                   </a:schemeClr>
                 </a:gs>
                 <a:gs pos="36000">
-                  <a:schemeClr val="bg2">
-                    <a:lumMod val="40000"/>
-                    <a:lumOff val="60000"/>
-                    <a:alpha val="7000"/>
+                  <a:schemeClr val="accent5">
+                    <a:alpha val="8000"/>
                   </a:schemeClr>
                 </a:gs>
               </a:gsLst>
@@ -4831,7 +4319,178 @@
         </p:sp>
         <p:sp>
           <p:nvSpPr>
-            <p:cNvPr id="8" name="Freeform 5"/>
+            <p:cNvPr id="19" name="Oval 18"/>
+            <p:cNvSpPr/>
+            <p:nvPr/>
+          </p:nvSpPr>
+          <p:spPr>
+            <a:xfrm>
+              <a:off x="8609012" y="5867400"/>
+              <a:ext cx="990600" cy="990600"/>
+            </a:xfrm>
+            <a:prstGeom prst="ellipse">
+              <a:avLst/>
+            </a:prstGeom>
+            <a:gradFill flip="none" rotWithShape="1">
+              <a:gsLst>
+                <a:gs pos="0">
+                  <a:schemeClr val="accent5">
+                    <a:alpha val="14000"/>
+                  </a:schemeClr>
+                </a:gs>
+                <a:gs pos="66000">
+                  <a:schemeClr val="accent5">
+                    <a:alpha val="0"/>
+                  </a:schemeClr>
+                </a:gs>
+                <a:gs pos="36000">
+                  <a:schemeClr val="accent5">
+                    <a:alpha val="7000"/>
+                  </a:schemeClr>
+                </a:gs>
+              </a:gsLst>
+              <a:path path="circle">
+                <a:fillToRect l="50000" t="50000" r="50000" b="50000"/>
+              </a:path>
+              <a:tileRect/>
+            </a:gradFill>
+            <a:ln>
+              <a:noFill/>
+            </a:ln>
+            <a:effectLst/>
+          </p:spPr>
+          <p:style>
+            <a:lnRef idx="1">
+              <a:schemeClr val="accent1"/>
+            </a:lnRef>
+            <a:fillRef idx="3">
+              <a:schemeClr val="accent1"/>
+            </a:fillRef>
+            <a:effectRef idx="2">
+              <a:schemeClr val="accent1"/>
+            </a:effectRef>
+            <a:fontRef idx="minor">
+              <a:schemeClr val="lt1"/>
+            </a:fontRef>
+          </p:style>
+        </p:sp>
+        <p:sp>
+          <p:nvSpPr>
+            <p:cNvPr id="20" name="Oval 19"/>
+            <p:cNvSpPr/>
+            <p:nvPr/>
+          </p:nvSpPr>
+          <p:spPr>
+            <a:xfrm>
+              <a:off x="8609012" y="1676400"/>
+              <a:ext cx="2819400" cy="2819400"/>
+            </a:xfrm>
+            <a:prstGeom prst="ellipse">
+              <a:avLst/>
+            </a:prstGeom>
+            <a:gradFill flip="none" rotWithShape="1">
+              <a:gsLst>
+                <a:gs pos="0">
+                  <a:schemeClr val="accent5">
+                    <a:alpha val="7000"/>
+                  </a:schemeClr>
+                </a:gs>
+                <a:gs pos="69000">
+                  <a:schemeClr val="accent5">
+                    <a:alpha val="0"/>
+                  </a:schemeClr>
+                </a:gs>
+                <a:gs pos="36000">
+                  <a:schemeClr val="accent5">
+                    <a:alpha val="6000"/>
+                  </a:schemeClr>
+                </a:gs>
+              </a:gsLst>
+              <a:path path="circle">
+                <a:fillToRect l="50000" t="50000" r="50000" b="50000"/>
+              </a:path>
+              <a:tileRect/>
+            </a:gradFill>
+            <a:ln>
+              <a:noFill/>
+            </a:ln>
+            <a:effectLst/>
+          </p:spPr>
+          <p:style>
+            <a:lnRef idx="1">
+              <a:schemeClr val="accent1"/>
+            </a:lnRef>
+            <a:fillRef idx="3">
+              <a:schemeClr val="accent1"/>
+            </a:fillRef>
+            <a:effectRef idx="2">
+              <a:schemeClr val="accent1"/>
+            </a:effectRef>
+            <a:fontRef idx="minor">
+              <a:schemeClr val="lt1"/>
+            </a:fontRef>
+          </p:style>
+        </p:sp>
+        <p:sp>
+          <p:nvSpPr>
+            <p:cNvPr id="21" name="Oval 20"/>
+            <p:cNvSpPr/>
+            <p:nvPr/>
+          </p:nvSpPr>
+          <p:spPr>
+            <a:xfrm>
+              <a:off x="7999412" y="8464"/>
+              <a:ext cx="1600200" cy="1600200"/>
+            </a:xfrm>
+            <a:prstGeom prst="ellipse">
+              <a:avLst/>
+            </a:prstGeom>
+            <a:gradFill flip="none" rotWithShape="1">
+              <a:gsLst>
+                <a:gs pos="0">
+                  <a:schemeClr val="accent5">
+                    <a:alpha val="14000"/>
+                  </a:schemeClr>
+                </a:gs>
+                <a:gs pos="73000">
+                  <a:schemeClr val="accent5">
+                    <a:alpha val="0"/>
+                  </a:schemeClr>
+                </a:gs>
+                <a:gs pos="36000">
+                  <a:schemeClr val="accent5">
+                    <a:alpha val="7000"/>
+                  </a:schemeClr>
+                </a:gs>
+              </a:gsLst>
+              <a:path path="circle">
+                <a:fillToRect l="50000" t="50000" r="50000" b="50000"/>
+              </a:path>
+              <a:tileRect/>
+            </a:gradFill>
+            <a:ln>
+              <a:noFill/>
+            </a:ln>
+            <a:effectLst/>
+          </p:spPr>
+          <p:style>
+            <a:lnRef idx="1">
+              <a:schemeClr val="accent1"/>
+            </a:lnRef>
+            <a:fillRef idx="3">
+              <a:schemeClr val="accent1"/>
+            </a:fillRef>
+            <a:effectRef idx="2">
+              <a:schemeClr val="accent1"/>
+            </a:effectRef>
+            <a:fontRef idx="minor">
+              <a:schemeClr val="lt1"/>
+            </a:fontRef>
+          </p:style>
+        </p:sp>
+        <p:sp>
+          <p:nvSpPr>
+            <p:cNvPr id="14" name="Freeform 5"/>
             <p:cNvSpPr/>
             <p:nvPr/>
           </p:nvSpPr>
@@ -4978,7 +4637,7 @@
         </p:sp>
         <p:sp>
           <p:nvSpPr>
-            <p:cNvPr id="9" name="Freeform 5"/>
+            <p:cNvPr id="11" name="Freeform 5"/>
             <p:cNvSpPr/>
             <p:nvPr/>
           </p:nvSpPr>
@@ -5162,7 +4821,7 @@
         </p:sp>
         <p:sp>
           <p:nvSpPr>
-            <p:cNvPr id="12" name="Freeform 5"/>
+            <p:cNvPr id="15" name="Freeform 5"/>
             <p:cNvSpPr>
               <a:spLocks noEditPoints="1"/>
             </p:cNvSpPr>
@@ -5237,8 +4896,8 @@
         </p:nvSpPr>
         <p:spPr>
           <a:xfrm>
-            <a:off x="1154956" y="4966674"/>
-            <a:ext cx="8825657" cy="566738"/>
+            <a:off x="1154954" y="4969927"/>
+            <a:ext cx="8825659" cy="566738"/>
           </a:xfrm>
         </p:spPr>
         <p:txBody>
@@ -5271,8 +4930,8 @@
         </p:nvSpPr>
         <p:spPr>
           <a:xfrm>
-            <a:off x="1154955" y="685800"/>
-            <a:ext cx="8825658" cy="3429000"/>
+            <a:off x="1154954" y="685800"/>
+            <a:ext cx="8825659" cy="3429000"/>
           </a:xfrm>
           <a:prstGeom prst="roundRect">
             <a:avLst>
@@ -5348,10 +5007,10 @@
             <p:ph type="body" sz="half" idx="2"/>
           </p:nvPr>
         </p:nvSpPr>
-        <p:spPr bwMode="gray">
+        <p:spPr>
           <a:xfrm>
-            <a:off x="1154956" y="5536665"/>
-            <a:ext cx="8825656" cy="493712"/>
+            <a:off x="1154954" y="5536665"/>
+            <a:ext cx="8825658" cy="493712"/>
           </a:xfrm>
         </p:spPr>
         <p:txBody>
@@ -5363,7 +5022,10 @@
               <a:buNone/>
               <a:defRPr sz="1200">
                 <a:solidFill>
-                  <a:schemeClr val="accent1"/>
+                  <a:schemeClr val="accent1">
+                    <a:lumMod val="60000"/>
+                    <a:lumOff val="40000"/>
+                  </a:schemeClr>
                 </a:solidFill>
               </a:defRPr>
             </a:lvl1pPr>
@@ -5426,7 +5088,7 @@
           <a:p>
             <a:fld id="{71C85FF8-2AF0-6A4B-B786-86E31EDFDAD3}" type="datetimeFigureOut">
               <a:rPr lang="es-EC" smtClean="0"/>
-              <a:t>29/07/2019</a:t>
+              <a:t>29/7/2019</a:t>
             </a:fld>
             <a:endParaRPr lang="es-EC"/>
           </a:p>
@@ -5453,7 +5115,7 @@
       </p:sp>
       <p:sp>
         <p:nvSpPr>
-          <p:cNvPr id="13" name="Rectangle 12"/>
+          <p:cNvPr id="16" name="Rectangle 15"/>
           <p:cNvSpPr/>
           <p:nvPr/>
         </p:nvSpPr>
@@ -5513,7 +5175,7 @@
     </p:spTree>
     <p:extLst>
       <p:ext uri="{BB962C8B-B14F-4D97-AF65-F5344CB8AC3E}">
-        <p14:creationId xmlns:p14="http://schemas.microsoft.com/office/powerpoint/2010/main" val="310074295"/>
+        <p14:creationId xmlns:p14="http://schemas.microsoft.com/office/powerpoint/2010/main" val="3084785261"/>
       </p:ext>
     </p:extLst>
   </p:cSld>
@@ -5542,21 +5204,21 @@
       </p:grpSpPr>
       <p:grpSp>
         <p:nvGrpSpPr>
-          <p:cNvPr id="12" name="Group 11"/>
+          <p:cNvPr id="7" name="Group 6"/>
           <p:cNvGrpSpPr/>
           <p:nvPr/>
         </p:nvGrpSpPr>
         <p:grpSpPr>
           <a:xfrm>
-            <a:off x="0" y="-2373"/>
-            <a:ext cx="12192000" cy="6867027"/>
-            <a:chOff x="0" y="-2373"/>
-            <a:chExt cx="12192000" cy="6867027"/>
+            <a:off x="0" y="0"/>
+            <a:ext cx="12192000" cy="6858000"/>
+            <a:chOff x="0" y="0"/>
+            <a:chExt cx="12192000" cy="6858000"/>
           </a:xfrm>
         </p:grpSpPr>
         <p:sp>
           <p:nvSpPr>
-            <p:cNvPr id="10" name="Rectangle 9"/>
+            <p:cNvPr id="11" name="Rectangle 10"/>
             <p:cNvSpPr/>
             <p:nvPr/>
           </p:nvSpPr>
@@ -5572,16 +5234,15 @@
               <a:blip r:embed="rId2">
                 <a:duotone>
                   <a:schemeClr val="dk2">
-                    <a:shade val="62000"/>
-                    <a:hueMod val="108000"/>
+                    <a:shade val="69000"/>
+                    <a:hueMod val="91000"/>
                     <a:satMod val="164000"/>
-                    <a:lumMod val="69000"/>
+                    <a:lumMod val="74000"/>
                   </a:schemeClr>
                   <a:schemeClr val="dk2">
-                    <a:tint val="96000"/>
-                    <a:hueMod val="90000"/>
-                    <a:satMod val="130000"/>
-                    <a:lumMod val="134000"/>
+                    <a:hueMod val="124000"/>
+                    <a:satMod val="140000"/>
+                    <a:lumMod val="142000"/>
                   </a:schemeClr>
                 </a:duotone>
               </a:blip>
@@ -5618,7 +5279,7 @@
           </p:nvSpPr>
           <p:spPr>
             <a:xfrm>
-              <a:off x="3220" y="2667000"/>
+              <a:off x="0" y="2667000"/>
               <a:ext cx="4191000" cy="4191000"/>
             </a:xfrm>
             <a:prstGeom prst="ellipse">
@@ -5627,23 +5288,17 @@
             <a:gradFill flip="none" rotWithShape="1">
               <a:gsLst>
                 <a:gs pos="0">
-                  <a:schemeClr val="bg2">
-                    <a:lumMod val="40000"/>
-                    <a:lumOff val="60000"/>
+                  <a:schemeClr val="accent5">
                     <a:alpha val="11000"/>
                   </a:schemeClr>
                 </a:gs>
                 <a:gs pos="75000">
-                  <a:schemeClr val="bg2">
-                    <a:lumMod val="40000"/>
-                    <a:lumOff val="60000"/>
+                  <a:schemeClr val="accent5">
                     <a:alpha val="0"/>
                   </a:schemeClr>
                 </a:gs>
                 <a:gs pos="36000">
-                  <a:schemeClr val="bg2">
-                    <a:lumMod val="40000"/>
-                    <a:lumOff val="60000"/>
+                  <a:schemeClr val="accent5">
                     <a:alpha val="10000"/>
                   </a:schemeClr>
                 </a:gs>
@@ -5681,7 +5336,7 @@
           </p:nvSpPr>
           <p:spPr>
             <a:xfrm>
-              <a:off x="1750" y="2895600"/>
+              <a:off x="0" y="2895600"/>
               <a:ext cx="2362200" cy="2362200"/>
             </a:xfrm>
             <a:prstGeom prst="ellipse">
@@ -5690,23 +5345,17 @@
             <a:gradFill flip="none" rotWithShape="1">
               <a:gsLst>
                 <a:gs pos="0">
-                  <a:schemeClr val="bg2">
-                    <a:lumMod val="40000"/>
-                    <a:lumOff val="60000"/>
+                  <a:schemeClr val="accent5">
                     <a:alpha val="8000"/>
                   </a:schemeClr>
                 </a:gs>
                 <a:gs pos="72000">
-                  <a:schemeClr val="bg2">
-                    <a:lumMod val="40000"/>
-                    <a:lumOff val="60000"/>
+                  <a:schemeClr val="accent5">
                     <a:alpha val="0"/>
                   </a:schemeClr>
                 </a:gs>
                 <a:gs pos="36000">
-                  <a:schemeClr val="bg2">
-                    <a:lumMod val="40000"/>
-                    <a:lumOff val="60000"/>
+                  <a:schemeClr val="accent5">
                     <a:alpha val="8000"/>
                   </a:schemeClr>
                 </a:gs>
@@ -5744,8 +5393,8 @@
           </p:nvSpPr>
           <p:spPr>
             <a:xfrm>
-              <a:off x="8609012" y="1676400"/>
-              <a:ext cx="2819400" cy="2819400"/>
+              <a:off x="8609012" y="5867400"/>
+              <a:ext cx="990600" cy="990600"/>
             </a:xfrm>
             <a:prstGeom prst="ellipse">
               <a:avLst/>
@@ -5753,86 +5402,17 @@
             <a:gradFill flip="none" rotWithShape="1">
               <a:gsLst>
                 <a:gs pos="0">
-                  <a:schemeClr val="bg2">
-                    <a:lumMod val="40000"/>
-                    <a:lumOff val="60000"/>
-                    <a:alpha val="7000"/>
+                  <a:schemeClr val="accent5">
+                    <a:alpha val="14000"/>
                   </a:schemeClr>
                 </a:gs>
-                <a:gs pos="69000">
-                  <a:schemeClr val="bg2">
-                    <a:lumMod val="40000"/>
-                    <a:lumOff val="60000"/>
+                <a:gs pos="66000">
+                  <a:schemeClr val="accent5">
                     <a:alpha val="0"/>
                   </a:schemeClr>
                 </a:gs>
                 <a:gs pos="36000">
-                  <a:schemeClr val="bg2">
-                    <a:lumMod val="40000"/>
-                    <a:lumOff val="60000"/>
-                    <a:alpha val="6000"/>
-                  </a:schemeClr>
-                </a:gs>
-              </a:gsLst>
-              <a:path path="circle">
-                <a:fillToRect l="50000" t="50000" r="50000" b="50000"/>
-              </a:path>
-              <a:tileRect/>
-            </a:gradFill>
-            <a:ln>
-              <a:noFill/>
-            </a:ln>
-            <a:effectLst/>
-          </p:spPr>
-          <p:style>
-            <a:lnRef idx="1">
-              <a:schemeClr val="accent1"/>
-            </a:lnRef>
-            <a:fillRef idx="3">
-              <a:schemeClr val="accent1"/>
-            </a:fillRef>
-            <a:effectRef idx="2">
-              <a:schemeClr val="accent1"/>
-            </a:effectRef>
-            <a:fontRef idx="minor">
-              <a:schemeClr val="lt1"/>
-            </a:fontRef>
-          </p:style>
-        </p:sp>
-        <p:sp>
-          <p:nvSpPr>
-            <p:cNvPr id="17" name="Oval 16"/>
-            <p:cNvSpPr/>
-            <p:nvPr/>
-          </p:nvSpPr>
-          <p:spPr>
-            <a:xfrm>
-              <a:off x="7999412" y="-2373"/>
-              <a:ext cx="1600200" cy="1600200"/>
-            </a:xfrm>
-            <a:prstGeom prst="ellipse">
-              <a:avLst/>
-            </a:prstGeom>
-            <a:gradFill flip="none" rotWithShape="1">
-              <a:gsLst>
-                <a:gs pos="0">
-                  <a:schemeClr val="bg2">
-                    <a:lumMod val="40000"/>
-                    <a:lumOff val="60000"/>
-                    <a:alpha val="14000"/>
-                  </a:schemeClr>
-                </a:gs>
-                <a:gs pos="73000">
-                  <a:schemeClr val="bg2">
-                    <a:lumMod val="40000"/>
-                    <a:lumOff val="60000"/>
-                    <a:alpha val="0"/>
-                  </a:schemeClr>
-                </a:gs>
-                <a:gs pos="36000">
-                  <a:schemeClr val="bg2">
-                    <a:lumMod val="40000"/>
-                    <a:lumOff val="60000"/>
+                  <a:schemeClr val="accent5">
                     <a:alpha val="7000"/>
                   </a:schemeClr>
                 </a:gs>
@@ -5870,8 +5450,8 @@
           </p:nvSpPr>
           <p:spPr>
             <a:xfrm>
-              <a:off x="8609012" y="5874054"/>
-              <a:ext cx="990600" cy="990600"/>
+              <a:off x="8609012" y="1676400"/>
+              <a:ext cx="2819400" cy="2819400"/>
             </a:xfrm>
             <a:prstGeom prst="ellipse">
               <a:avLst/>
@@ -5879,24 +5459,18 @@
             <a:gradFill flip="none" rotWithShape="1">
               <a:gsLst>
                 <a:gs pos="0">
-                  <a:schemeClr val="bg2">
-                    <a:lumMod val="40000"/>
-                    <a:lumOff val="60000"/>
-                    <a:alpha val="14000"/>
+                  <a:schemeClr val="accent5">
+                    <a:alpha val="7000"/>
                   </a:schemeClr>
                 </a:gs>
-                <a:gs pos="66000">
-                  <a:schemeClr val="bg2">
-                    <a:lumMod val="40000"/>
-                    <a:lumOff val="60000"/>
+                <a:gs pos="69000">
+                  <a:schemeClr val="accent5">
                     <a:alpha val="0"/>
                   </a:schemeClr>
                 </a:gs>
                 <a:gs pos="36000">
-                  <a:schemeClr val="bg2">
-                    <a:lumMod val="40000"/>
-                    <a:lumOff val="60000"/>
-                    <a:alpha val="7000"/>
+                  <a:schemeClr val="accent5">
+                    <a:alpha val="6000"/>
                   </a:schemeClr>
                 </a:gs>
               </a:gsLst>
@@ -5927,7 +5501,64 @@
         </p:sp>
         <p:sp>
           <p:nvSpPr>
-            <p:cNvPr id="9" name="Freeform 5"/>
+            <p:cNvPr id="19" name="Oval 18"/>
+            <p:cNvSpPr/>
+            <p:nvPr/>
+          </p:nvSpPr>
+          <p:spPr>
+            <a:xfrm>
+              <a:off x="7999412" y="8464"/>
+              <a:ext cx="1600200" cy="1600200"/>
+            </a:xfrm>
+            <a:prstGeom prst="ellipse">
+              <a:avLst/>
+            </a:prstGeom>
+            <a:gradFill flip="none" rotWithShape="1">
+              <a:gsLst>
+                <a:gs pos="0">
+                  <a:schemeClr val="accent5">
+                    <a:alpha val="14000"/>
+                  </a:schemeClr>
+                </a:gs>
+                <a:gs pos="73000">
+                  <a:schemeClr val="accent5">
+                    <a:alpha val="0"/>
+                  </a:schemeClr>
+                </a:gs>
+                <a:gs pos="36000">
+                  <a:schemeClr val="accent5">
+                    <a:alpha val="7000"/>
+                  </a:schemeClr>
+                </a:gs>
+              </a:gsLst>
+              <a:path path="circle">
+                <a:fillToRect l="50000" t="50000" r="50000" b="50000"/>
+              </a:path>
+              <a:tileRect/>
+            </a:gradFill>
+            <a:ln>
+              <a:noFill/>
+            </a:ln>
+            <a:effectLst/>
+          </p:spPr>
+          <p:style>
+            <a:lnRef idx="1">
+              <a:schemeClr val="accent1"/>
+            </a:lnRef>
+            <a:fillRef idx="3">
+              <a:schemeClr val="accent1"/>
+            </a:fillRef>
+            <a:effectRef idx="2">
+              <a:schemeClr val="accent1"/>
+            </a:effectRef>
+            <a:fontRef idx="minor">
+              <a:schemeClr val="lt1"/>
+            </a:fontRef>
+          </p:style>
+        </p:sp>
+        <p:sp>
+          <p:nvSpPr>
+            <p:cNvPr id="25" name="Freeform 5"/>
             <p:cNvSpPr/>
             <p:nvPr/>
           </p:nvSpPr>
@@ -6074,7 +5705,7 @@
         </p:sp>
         <p:sp>
           <p:nvSpPr>
-            <p:cNvPr id="7" name="Freeform 5"/>
+            <p:cNvPr id="17" name="Freeform 5"/>
             <p:cNvSpPr/>
             <p:nvPr/>
           </p:nvSpPr>
@@ -6258,7 +5889,7 @@
         </p:sp>
         <p:sp>
           <p:nvSpPr>
-            <p:cNvPr id="11" name="Freeform 5"/>
+            <p:cNvPr id="12" name="Freeform 5"/>
             <p:cNvSpPr>
               <a:spLocks noEditPoints="1"/>
             </p:cNvSpPr>
@@ -6333,8 +5964,8 @@
         </p:nvSpPr>
         <p:spPr>
           <a:xfrm>
-            <a:off x="1154954" y="1063416"/>
-            <a:ext cx="8825659" cy="1379755"/>
+            <a:off x="1148798" y="1063417"/>
+            <a:ext cx="8831816" cy="1372986"/>
           </a:xfrm>
         </p:spPr>
         <p:txBody>
@@ -6437,7 +6068,7 @@
           <a:p>
             <a:fld id="{71C85FF8-2AF0-6A4B-B786-86E31EDFDAD3}" type="datetimeFigureOut">
               <a:rPr lang="es-EC" smtClean="0"/>
-              <a:t>29/07/2019</a:t>
+              <a:t>29/7/2019</a:t>
             </a:fld>
             <a:endParaRPr lang="es-EC"/>
           </a:p>
@@ -6524,7 +6155,7 @@
     </p:spTree>
     <p:extLst>
       <p:ext uri="{BB962C8B-B14F-4D97-AF65-F5344CB8AC3E}">
-        <p14:creationId xmlns:p14="http://schemas.microsoft.com/office/powerpoint/2010/main" val="4129183214"/>
+        <p14:creationId xmlns:p14="http://schemas.microsoft.com/office/powerpoint/2010/main" val="788153768"/>
       </p:ext>
     </p:extLst>
   </p:cSld>
@@ -6553,21 +6184,21 @@
       </p:grpSpPr>
       <p:grpSp>
         <p:nvGrpSpPr>
-          <p:cNvPr id="7" name="Group 6"/>
+          <p:cNvPr id="3" name="Group 2"/>
           <p:cNvGrpSpPr/>
           <p:nvPr/>
         </p:nvGrpSpPr>
         <p:grpSpPr>
           <a:xfrm>
-            <a:off x="0" y="-2373"/>
-            <a:ext cx="12192000" cy="6867027"/>
-            <a:chOff x="0" y="-2373"/>
-            <a:chExt cx="12192000" cy="6867027"/>
+            <a:off x="0" y="0"/>
+            <a:ext cx="12192000" cy="6858000"/>
+            <a:chOff x="0" y="0"/>
+            <a:chExt cx="12192000" cy="6858000"/>
           </a:xfrm>
         </p:grpSpPr>
         <p:sp>
           <p:nvSpPr>
-            <p:cNvPr id="15" name="Rectangle 14"/>
+            <p:cNvPr id="17" name="Rectangle 16"/>
             <p:cNvSpPr/>
             <p:nvPr/>
           </p:nvSpPr>
@@ -6583,16 +6214,15 @@
               <a:blip r:embed="rId2">
                 <a:duotone>
                   <a:schemeClr val="dk2">
-                    <a:shade val="62000"/>
-                    <a:hueMod val="108000"/>
+                    <a:shade val="69000"/>
+                    <a:hueMod val="91000"/>
                     <a:satMod val="164000"/>
-                    <a:lumMod val="69000"/>
+                    <a:lumMod val="74000"/>
                   </a:schemeClr>
                   <a:schemeClr val="dk2">
-                    <a:tint val="96000"/>
-                    <a:hueMod val="90000"/>
-                    <a:satMod val="130000"/>
-                    <a:lumMod val="134000"/>
+                    <a:hueMod val="124000"/>
+                    <a:satMod val="140000"/>
+                    <a:lumMod val="142000"/>
                   </a:schemeClr>
                 </a:duotone>
               </a:blip>
@@ -6623,13 +6253,13 @@
         </p:sp>
         <p:sp>
           <p:nvSpPr>
-            <p:cNvPr id="17" name="Oval 16"/>
+            <p:cNvPr id="20" name="Oval 19"/>
             <p:cNvSpPr/>
             <p:nvPr/>
           </p:nvSpPr>
           <p:spPr>
             <a:xfrm>
-              <a:off x="3220" y="2667000"/>
+              <a:off x="0" y="2667000"/>
               <a:ext cx="4191000" cy="4191000"/>
             </a:xfrm>
             <a:prstGeom prst="ellipse">
@@ -6638,23 +6268,17 @@
             <a:gradFill flip="none" rotWithShape="1">
               <a:gsLst>
                 <a:gs pos="0">
-                  <a:schemeClr val="bg2">
-                    <a:lumMod val="40000"/>
-                    <a:lumOff val="60000"/>
+                  <a:schemeClr val="accent5">
                     <a:alpha val="11000"/>
                   </a:schemeClr>
                 </a:gs>
                 <a:gs pos="75000">
-                  <a:schemeClr val="bg2">
-                    <a:lumMod val="40000"/>
-                    <a:lumOff val="60000"/>
+                  <a:schemeClr val="accent5">
                     <a:alpha val="0"/>
                   </a:schemeClr>
                 </a:gs>
                 <a:gs pos="36000">
-                  <a:schemeClr val="bg2">
-                    <a:lumMod val="40000"/>
-                    <a:lumOff val="60000"/>
+                  <a:schemeClr val="accent5">
                     <a:alpha val="10000"/>
                   </a:schemeClr>
                 </a:gs>
@@ -6686,13 +6310,13 @@
         </p:sp>
         <p:sp>
           <p:nvSpPr>
-            <p:cNvPr id="18" name="Oval 17"/>
+            <p:cNvPr id="22" name="Oval 21"/>
             <p:cNvSpPr/>
             <p:nvPr/>
           </p:nvSpPr>
           <p:spPr>
             <a:xfrm>
-              <a:off x="1750" y="2895600"/>
+              <a:off x="0" y="2895600"/>
               <a:ext cx="2362200" cy="2362200"/>
             </a:xfrm>
             <a:prstGeom prst="ellipse">
@@ -6701,23 +6325,17 @@
             <a:gradFill flip="none" rotWithShape="1">
               <a:gsLst>
                 <a:gs pos="0">
-                  <a:schemeClr val="bg2">
-                    <a:lumMod val="40000"/>
-                    <a:lumOff val="60000"/>
+                  <a:schemeClr val="accent5">
                     <a:alpha val="8000"/>
                   </a:schemeClr>
                 </a:gs>
                 <a:gs pos="72000">
-                  <a:schemeClr val="bg2">
-                    <a:lumMod val="40000"/>
-                    <a:lumOff val="60000"/>
+                  <a:schemeClr val="accent5">
                     <a:alpha val="0"/>
                   </a:schemeClr>
                 </a:gs>
                 <a:gs pos="36000">
-                  <a:schemeClr val="bg2">
-                    <a:lumMod val="40000"/>
-                    <a:lumOff val="60000"/>
+                  <a:schemeClr val="accent5">
                     <a:alpha val="8000"/>
                   </a:schemeClr>
                 </a:gs>
@@ -6749,14 +6367,14 @@
         </p:sp>
         <p:sp>
           <p:nvSpPr>
-            <p:cNvPr id="19" name="Oval 18"/>
+            <p:cNvPr id="23" name="Oval 22"/>
             <p:cNvSpPr/>
             <p:nvPr/>
           </p:nvSpPr>
           <p:spPr>
             <a:xfrm>
-              <a:off x="8609012" y="1676400"/>
-              <a:ext cx="2819400" cy="2819400"/>
+              <a:off x="8609012" y="5867400"/>
+              <a:ext cx="990600" cy="990600"/>
             </a:xfrm>
             <a:prstGeom prst="ellipse">
               <a:avLst/>
@@ -6764,24 +6382,18 @@
             <a:gradFill flip="none" rotWithShape="1">
               <a:gsLst>
                 <a:gs pos="0">
-                  <a:schemeClr val="bg2">
-                    <a:lumMod val="40000"/>
-                    <a:lumOff val="60000"/>
-                    <a:alpha val="7000"/>
+                  <a:schemeClr val="accent5">
+                    <a:alpha val="14000"/>
                   </a:schemeClr>
                 </a:gs>
-                <a:gs pos="69000">
-                  <a:schemeClr val="bg2">
-                    <a:lumMod val="40000"/>
-                    <a:lumOff val="60000"/>
+                <a:gs pos="66000">
+                  <a:schemeClr val="accent5">
                     <a:alpha val="0"/>
                   </a:schemeClr>
                 </a:gs>
                 <a:gs pos="36000">
-                  <a:schemeClr val="bg2">
-                    <a:lumMod val="40000"/>
-                    <a:lumOff val="60000"/>
-                    <a:alpha val="6000"/>
+                  <a:schemeClr val="accent5">
+                    <a:alpha val="7000"/>
                   </a:schemeClr>
                 </a:gs>
               </a:gsLst>
@@ -6812,14 +6424,14 @@
         </p:sp>
         <p:sp>
           <p:nvSpPr>
-            <p:cNvPr id="20" name="Oval 19"/>
+            <p:cNvPr id="24" name="Oval 23"/>
             <p:cNvSpPr/>
             <p:nvPr/>
           </p:nvSpPr>
           <p:spPr>
             <a:xfrm>
-              <a:off x="7999412" y="-2373"/>
-              <a:ext cx="1600200" cy="1600200"/>
+              <a:off x="8609012" y="1676400"/>
+              <a:ext cx="2819400" cy="2819400"/>
             </a:xfrm>
             <a:prstGeom prst="ellipse">
               <a:avLst/>
@@ -6827,24 +6439,18 @@
             <a:gradFill flip="none" rotWithShape="1">
               <a:gsLst>
                 <a:gs pos="0">
-                  <a:schemeClr val="bg2">
-                    <a:lumMod val="40000"/>
-                    <a:lumOff val="60000"/>
-                    <a:alpha val="14000"/>
+                  <a:schemeClr val="accent5">
+                    <a:alpha val="7000"/>
                   </a:schemeClr>
                 </a:gs>
-                <a:gs pos="73000">
-                  <a:schemeClr val="bg2">
-                    <a:lumMod val="40000"/>
-                    <a:lumOff val="60000"/>
+                <a:gs pos="69000">
+                  <a:schemeClr val="accent5">
                     <a:alpha val="0"/>
                   </a:schemeClr>
                 </a:gs>
                 <a:gs pos="36000">
-                  <a:schemeClr val="bg2">
-                    <a:lumMod val="40000"/>
-                    <a:lumOff val="60000"/>
-                    <a:alpha val="7000"/>
+                  <a:schemeClr val="accent5">
+                    <a:alpha val="6000"/>
                   </a:schemeClr>
                 </a:gs>
               </a:gsLst>
@@ -6875,14 +6481,14 @@
         </p:sp>
         <p:sp>
           <p:nvSpPr>
-            <p:cNvPr id="21" name="Oval 20"/>
+            <p:cNvPr id="25" name="Oval 24"/>
             <p:cNvSpPr/>
             <p:nvPr/>
           </p:nvSpPr>
           <p:spPr>
             <a:xfrm>
-              <a:off x="8609012" y="5874054"/>
-              <a:ext cx="990600" cy="990600"/>
+              <a:off x="7999412" y="8464"/>
+              <a:ext cx="1600200" cy="1600200"/>
             </a:xfrm>
             <a:prstGeom prst="ellipse">
               <a:avLst/>
@@ -6890,23 +6496,17 @@
             <a:gradFill flip="none" rotWithShape="1">
               <a:gsLst>
                 <a:gs pos="0">
-                  <a:schemeClr val="bg2">
-                    <a:lumMod val="40000"/>
-                    <a:lumOff val="60000"/>
+                  <a:schemeClr val="accent5">
                     <a:alpha val="14000"/>
                   </a:schemeClr>
                 </a:gs>
-                <a:gs pos="66000">
-                  <a:schemeClr val="bg2">
-                    <a:lumMod val="40000"/>
-                    <a:lumOff val="60000"/>
+                <a:gs pos="73000">
+                  <a:schemeClr val="accent5">
                     <a:alpha val="0"/>
                   </a:schemeClr>
                 </a:gs>
                 <a:gs pos="36000">
-                  <a:schemeClr val="bg2">
-                    <a:lumMod val="40000"/>
-                    <a:lumOff val="60000"/>
+                  <a:schemeClr val="accent5">
                     <a:alpha val="7000"/>
                   </a:schemeClr>
                 </a:gs>
@@ -6938,7 +6538,7 @@
         </p:sp>
         <p:sp>
           <p:nvSpPr>
-            <p:cNvPr id="23" name="Freeform 5"/>
+            <p:cNvPr id="21" name="Freeform 5"/>
             <p:cNvSpPr/>
             <p:nvPr/>
           </p:nvSpPr>
@@ -7085,7 +6685,7 @@
         </p:sp>
         <p:sp>
           <p:nvSpPr>
-            <p:cNvPr id="24" name="Freeform 5"/>
+            <p:cNvPr id="12" name="Freeform 5"/>
             <p:cNvSpPr/>
             <p:nvPr/>
           </p:nvSpPr>
@@ -7269,7 +6869,7 @@
         </p:sp>
         <p:sp>
           <p:nvSpPr>
-            <p:cNvPr id="16" name="Freeform 5"/>
+            <p:cNvPr id="18" name="Freeform 5"/>
             <p:cNvSpPr>
               <a:spLocks noEditPoints="1"/>
             </p:cNvSpPr>
@@ -7334,13 +6934,13 @@
       </p:grpSp>
       <p:sp>
         <p:nvSpPr>
-          <p:cNvPr id="13" name="TextBox 12"/>
+          <p:cNvPr id="16" name="TextBox 15"/>
           <p:cNvSpPr txBox="1"/>
           <p:nvPr/>
         </p:nvSpPr>
-        <p:spPr>
+        <p:spPr bwMode="gray">
           <a:xfrm>
-            <a:off x="9719438" y="2631815"/>
+            <a:off x="881566" y="607336"/>
             <a:ext cx="801912" cy="1569660"/>
           </a:xfrm>
           <a:prstGeom prst="rect">
@@ -7352,39 +6952,35 @@
           <a:bodyPr wrap="square" rtlCol="0">
             <a:spAutoFit/>
           </a:bodyPr>
-          <a:lstStyle>
-            <a:defPPr>
-              <a:defRPr lang="en-US"/>
-            </a:defPPr>
-            <a:lvl1pPr algn="r">
-              <a:defRPr sz="12200" b="0" i="0">
+          <a:lstStyle/>
+          <a:p>
+            <a:pPr algn="r"/>
+            <a:r>
+              <a:rPr lang="en-US" sz="9600" b="0" i="0" dirty="0">
                 <a:solidFill>
-                  <a:schemeClr val="accent1"/>
+                  <a:schemeClr val="accent1">
+                    <a:lumMod val="60000"/>
+                    <a:lumOff val="40000"/>
+                  </a:schemeClr>
                 </a:solidFill>
                 <a:latin typeface="Arial"/>
                 <a:cs typeface="Arial"/>
-              </a:defRPr>
-            </a:lvl1pPr>
-          </a:lstStyle>
-          <a:p>
-            <a:pPr lvl="0"/>
-            <a:r>
-              <a:rPr lang="en-US" sz="9600" dirty="0"/>
-              <a:t>”</a:t>
+              </a:rPr>
+              <a:t>“</a:t>
             </a:r>
           </a:p>
         </p:txBody>
       </p:sp>
       <p:sp>
         <p:nvSpPr>
-          <p:cNvPr id="9" name="TextBox 8"/>
+          <p:cNvPr id="13" name="TextBox 12"/>
           <p:cNvSpPr txBox="1"/>
           <p:nvPr/>
         </p:nvSpPr>
-        <p:spPr>
+        <p:spPr bwMode="gray">
           <a:xfrm>
-            <a:off x="898295" y="591093"/>
-            <a:ext cx="801912" cy="1569660"/>
+            <a:off x="9884458" y="2613787"/>
+            <a:ext cx="652763" cy="1569660"/>
           </a:xfrm>
           <a:prstGeom prst="rect">
             <a:avLst/>
@@ -7395,25 +6991,21 @@
           <a:bodyPr wrap="square" rtlCol="0">
             <a:spAutoFit/>
           </a:bodyPr>
-          <a:lstStyle>
-            <a:defPPr>
-              <a:defRPr lang="en-US"/>
-            </a:defPPr>
-            <a:lvl1pPr algn="r">
-              <a:defRPr sz="12200" b="0" i="0">
+          <a:lstStyle/>
+          <a:p>
+            <a:pPr algn="r"/>
+            <a:r>
+              <a:rPr lang="en-US" sz="9600" b="0" i="0" dirty="0">
                 <a:solidFill>
-                  <a:schemeClr val="accent1"/>
+                  <a:schemeClr val="accent1">
+                    <a:lumMod val="60000"/>
+                    <a:lumOff val="40000"/>
+                  </a:schemeClr>
                 </a:solidFill>
                 <a:latin typeface="Arial"/>
                 <a:cs typeface="Arial"/>
-              </a:defRPr>
-            </a:lvl1pPr>
-          </a:lstStyle>
-          <a:p>
-            <a:pPr lvl="0"/>
-            <a:r>
-              <a:rPr lang="en-US" sz="9600" dirty="0"/>
-              <a:t>“</a:t>
+              </a:rPr>
+              <a:t>”</a:t>
             </a:r>
           </a:p>
         </p:txBody>
@@ -7430,8 +7022,8 @@
         </p:nvSpPr>
         <p:spPr>
           <a:xfrm>
-            <a:off x="1581878" y="980517"/>
-            <a:ext cx="8453906" cy="2698249"/>
+            <a:off x="1581878" y="982134"/>
+            <a:ext cx="8453906" cy="2696632"/>
           </a:xfrm>
         </p:spPr>
         <p:txBody>
@@ -7463,7 +7055,7 @@
         <p:spPr bwMode="gray">
           <a:xfrm>
             <a:off x="1945945" y="3678766"/>
-            <a:ext cx="7725772" cy="342174"/>
+            <a:ext cx="7731219" cy="342174"/>
           </a:xfrm>
         </p:spPr>
         <p:txBody>
@@ -7475,7 +7067,10 @@
               <a:buNone/>
               <a:defRPr lang="en-US" sz="1400" b="0" i="0" kern="1200" cap="small" dirty="0">
                 <a:solidFill>
-                  <a:schemeClr val="accent1"/>
+                  <a:schemeClr val="accent1">
+                    <a:lumMod val="60000"/>
+                    <a:lumOff val="40000"/>
+                  </a:schemeClr>
                 </a:solidFill>
                 <a:latin typeface="+mn-lt"/>
                 <a:ea typeface="+mn-ea"/>
@@ -7535,8 +7130,8 @@
         </p:nvSpPr>
         <p:spPr>
           <a:xfrm>
-            <a:off x="1154954" y="4350657"/>
-            <a:ext cx="8825659" cy="1676400"/>
+            <a:off x="1154954" y="5029199"/>
+            <a:ext cx="9244897" cy="997857"/>
           </a:xfrm>
         </p:spPr>
         <p:txBody>
@@ -7546,7 +7141,7 @@
           <a:lstStyle>
             <a:lvl1pPr marL="0" indent="0">
               <a:buNone/>
-              <a:defRPr sz="1800"/>
+              <a:defRPr sz="1400"/>
             </a:lvl1pPr>
             <a:lvl2pPr marL="457200" indent="0">
               <a:buNone/>
@@ -7607,7 +7202,7 @@
           <a:p>
             <a:fld id="{71C85FF8-2AF0-6A4B-B786-86E31EDFDAD3}" type="datetimeFigureOut">
               <a:rPr lang="es-EC" smtClean="0"/>
-              <a:t>29/07/2019</a:t>
+              <a:t>29/7/2019</a:t>
             </a:fld>
             <a:endParaRPr lang="es-EC"/>
           </a:p>
@@ -7634,7 +7229,7 @@
       </p:sp>
       <p:sp>
         <p:nvSpPr>
-          <p:cNvPr id="32" name="Rectangle 31"/>
+          <p:cNvPr id="19" name="Rectangle 18"/>
           <p:cNvSpPr/>
           <p:nvPr/>
         </p:nvSpPr>
@@ -7694,7 +7289,7 @@
     </p:spTree>
     <p:extLst>
       <p:ext uri="{BB962C8B-B14F-4D97-AF65-F5344CB8AC3E}">
-        <p14:creationId xmlns:p14="http://schemas.microsoft.com/office/powerpoint/2010/main" val="1812469223"/>
+        <p14:creationId xmlns:p14="http://schemas.microsoft.com/office/powerpoint/2010/main" val="253420684"/>
       </p:ext>
     </p:extLst>
   </p:cSld>
@@ -7723,21 +7318,21 @@
       </p:grpSpPr>
       <p:grpSp>
         <p:nvGrpSpPr>
-          <p:cNvPr id="18" name="Group 17"/>
+          <p:cNvPr id="9" name="Group 8"/>
           <p:cNvGrpSpPr/>
           <p:nvPr/>
         </p:nvGrpSpPr>
         <p:grpSpPr>
           <a:xfrm>
-            <a:off x="0" y="-2373"/>
-            <a:ext cx="12192000" cy="6867027"/>
-            <a:chOff x="0" y="-2373"/>
-            <a:chExt cx="12192000" cy="6867027"/>
+            <a:off x="0" y="0"/>
+            <a:ext cx="12192000" cy="6858000"/>
+            <a:chOff x="0" y="0"/>
+            <a:chExt cx="12192000" cy="6858000"/>
           </a:xfrm>
         </p:grpSpPr>
         <p:sp>
           <p:nvSpPr>
-            <p:cNvPr id="10" name="Rectangle 9"/>
+            <p:cNvPr id="11" name="Rectangle 10"/>
             <p:cNvSpPr/>
             <p:nvPr/>
           </p:nvSpPr>
@@ -7753,16 +7348,15 @@
               <a:blip r:embed="rId2">
                 <a:duotone>
                   <a:schemeClr val="dk2">
-                    <a:shade val="62000"/>
-                    <a:hueMod val="108000"/>
+                    <a:shade val="69000"/>
+                    <a:hueMod val="91000"/>
                     <a:satMod val="164000"/>
-                    <a:lumMod val="69000"/>
+                    <a:lumMod val="74000"/>
                   </a:schemeClr>
                   <a:schemeClr val="dk2">
-                    <a:tint val="96000"/>
-                    <a:hueMod val="90000"/>
-                    <a:satMod val="130000"/>
-                    <a:lumMod val="134000"/>
+                    <a:hueMod val="124000"/>
+                    <a:satMod val="140000"/>
+                    <a:lumMod val="142000"/>
                   </a:schemeClr>
                 </a:duotone>
               </a:blip>
@@ -7793,13 +7387,13 @@
         </p:sp>
         <p:sp>
           <p:nvSpPr>
-            <p:cNvPr id="13" name="Oval 12"/>
+            <p:cNvPr id="15" name="Oval 14"/>
             <p:cNvSpPr/>
             <p:nvPr/>
           </p:nvSpPr>
           <p:spPr>
             <a:xfrm>
-              <a:off x="3220" y="2667000"/>
+              <a:off x="0" y="2667000"/>
               <a:ext cx="4191000" cy="4191000"/>
             </a:xfrm>
             <a:prstGeom prst="ellipse">
@@ -7808,150 +7402,18 @@
             <a:gradFill flip="none" rotWithShape="1">
               <a:gsLst>
                 <a:gs pos="0">
-                  <a:schemeClr val="bg2">
-                    <a:lumMod val="40000"/>
-                    <a:lumOff val="60000"/>
+                  <a:schemeClr val="accent5">
                     <a:alpha val="11000"/>
                   </a:schemeClr>
                 </a:gs>
                 <a:gs pos="75000">
-                  <a:schemeClr val="bg2">
-                    <a:lumMod val="40000"/>
-                    <a:lumOff val="60000"/>
+                  <a:schemeClr val="accent5">
                     <a:alpha val="0"/>
                   </a:schemeClr>
                 </a:gs>
                 <a:gs pos="36000">
-                  <a:schemeClr val="bg2">
-                    <a:lumMod val="40000"/>
-                    <a:lumOff val="60000"/>
+                  <a:schemeClr val="accent5">
                     <a:alpha val="10000"/>
-                  </a:schemeClr>
-                </a:gs>
-              </a:gsLst>
-              <a:path path="circle">
-                <a:fillToRect l="50000" t="50000" r="50000" b="50000"/>
-              </a:path>
-              <a:tileRect/>
-            </a:gradFill>
-            <a:ln>
-              <a:noFill/>
-            </a:ln>
-            <a:effectLst/>
-          </p:spPr>
-          <p:style>
-            <a:lnRef idx="1">
-              <a:schemeClr val="accent1"/>
-            </a:lnRef>
-            <a:fillRef idx="3">
-              <a:schemeClr val="accent1"/>
-            </a:fillRef>
-            <a:effectRef idx="2">
-              <a:schemeClr val="accent1"/>
-            </a:effectRef>
-            <a:fontRef idx="minor">
-              <a:schemeClr val="lt1"/>
-            </a:fontRef>
-          </p:style>
-        </p:sp>
-        <p:sp>
-          <p:nvSpPr>
-            <p:cNvPr id="14" name="Oval 13"/>
-            <p:cNvSpPr/>
-            <p:nvPr/>
-          </p:nvSpPr>
-          <p:spPr>
-            <a:xfrm>
-              <a:off x="1750" y="2895600"/>
-              <a:ext cx="2362200" cy="2362200"/>
-            </a:xfrm>
-            <a:prstGeom prst="ellipse">
-              <a:avLst/>
-            </a:prstGeom>
-            <a:gradFill flip="none" rotWithShape="1">
-              <a:gsLst>
-                <a:gs pos="0">
-                  <a:schemeClr val="bg2">
-                    <a:lumMod val="40000"/>
-                    <a:lumOff val="60000"/>
-                    <a:alpha val="8000"/>
-                  </a:schemeClr>
-                </a:gs>
-                <a:gs pos="72000">
-                  <a:schemeClr val="bg2">
-                    <a:lumMod val="40000"/>
-                    <a:lumOff val="60000"/>
-                    <a:alpha val="0"/>
-                  </a:schemeClr>
-                </a:gs>
-                <a:gs pos="36000">
-                  <a:schemeClr val="bg2">
-                    <a:lumMod val="40000"/>
-                    <a:lumOff val="60000"/>
-                    <a:alpha val="8000"/>
-                  </a:schemeClr>
-                </a:gs>
-              </a:gsLst>
-              <a:path path="circle">
-                <a:fillToRect l="50000" t="50000" r="50000" b="50000"/>
-              </a:path>
-              <a:tileRect/>
-            </a:gradFill>
-            <a:ln>
-              <a:noFill/>
-            </a:ln>
-            <a:effectLst/>
-          </p:spPr>
-          <p:style>
-            <a:lnRef idx="1">
-              <a:schemeClr val="accent1"/>
-            </a:lnRef>
-            <a:fillRef idx="3">
-              <a:schemeClr val="accent1"/>
-            </a:fillRef>
-            <a:effectRef idx="2">
-              <a:schemeClr val="accent1"/>
-            </a:effectRef>
-            <a:fontRef idx="minor">
-              <a:schemeClr val="lt1"/>
-            </a:fontRef>
-          </p:style>
-        </p:sp>
-        <p:sp>
-          <p:nvSpPr>
-            <p:cNvPr id="15" name="Oval 14"/>
-            <p:cNvSpPr/>
-            <p:nvPr/>
-          </p:nvSpPr>
-          <p:spPr>
-            <a:xfrm>
-              <a:off x="8609012" y="1676400"/>
-              <a:ext cx="2819400" cy="2819400"/>
-            </a:xfrm>
-            <a:prstGeom prst="ellipse">
-              <a:avLst/>
-            </a:prstGeom>
-            <a:gradFill flip="none" rotWithShape="1">
-              <a:gsLst>
-                <a:gs pos="0">
-                  <a:schemeClr val="bg2">
-                    <a:lumMod val="40000"/>
-                    <a:lumOff val="60000"/>
-                    <a:alpha val="7000"/>
-                  </a:schemeClr>
-                </a:gs>
-                <a:gs pos="69000">
-                  <a:schemeClr val="bg2">
-                    <a:lumMod val="40000"/>
-                    <a:lumOff val="60000"/>
-                    <a:alpha val="0"/>
-                  </a:schemeClr>
-                </a:gs>
-                <a:gs pos="36000">
-                  <a:schemeClr val="bg2">
-                    <a:lumMod val="40000"/>
-                    <a:lumOff val="60000"/>
-                    <a:alpha val="6000"/>
                   </a:schemeClr>
                 </a:gs>
               </a:gsLst>
@@ -7988,8 +7450,8 @@
           </p:nvSpPr>
           <p:spPr>
             <a:xfrm>
-              <a:off x="7999412" y="-2373"/>
-              <a:ext cx="1600200" cy="1600200"/>
+              <a:off x="0" y="2895600"/>
+              <a:ext cx="2362200" cy="2362200"/>
             </a:xfrm>
             <a:prstGeom prst="ellipse">
               <a:avLst/>
@@ -7997,24 +7459,18 @@
             <a:gradFill flip="none" rotWithShape="1">
               <a:gsLst>
                 <a:gs pos="0">
-                  <a:schemeClr val="bg2">
-                    <a:lumMod val="40000"/>
-                    <a:lumOff val="60000"/>
-                    <a:alpha val="14000"/>
+                  <a:schemeClr val="accent5">
+                    <a:alpha val="8000"/>
                   </a:schemeClr>
                 </a:gs>
-                <a:gs pos="73000">
-                  <a:schemeClr val="bg2">
-                    <a:lumMod val="40000"/>
-                    <a:lumOff val="60000"/>
+                <a:gs pos="72000">
+                  <a:schemeClr val="accent5">
                     <a:alpha val="0"/>
                   </a:schemeClr>
                 </a:gs>
                 <a:gs pos="36000">
-                  <a:schemeClr val="bg2">
-                    <a:lumMod val="40000"/>
-                    <a:lumOff val="60000"/>
-                    <a:alpha val="7000"/>
+                  <a:schemeClr val="accent5">
+                    <a:alpha val="8000"/>
                   </a:schemeClr>
                 </a:gs>
               </a:gsLst>
@@ -8051,7 +7507,7 @@
           </p:nvSpPr>
           <p:spPr>
             <a:xfrm>
-              <a:off x="8609012" y="5874054"/>
+              <a:off x="8609012" y="5867400"/>
               <a:ext cx="990600" cy="990600"/>
             </a:xfrm>
             <a:prstGeom prst="ellipse">
@@ -8060,23 +7516,17 @@
             <a:gradFill flip="none" rotWithShape="1">
               <a:gsLst>
                 <a:gs pos="0">
-                  <a:schemeClr val="bg2">
-                    <a:lumMod val="40000"/>
-                    <a:lumOff val="60000"/>
+                  <a:schemeClr val="accent5">
                     <a:alpha val="14000"/>
                   </a:schemeClr>
                 </a:gs>
                 <a:gs pos="66000">
-                  <a:schemeClr val="bg2">
-                    <a:lumMod val="40000"/>
-                    <a:lumOff val="60000"/>
+                  <a:schemeClr val="accent5">
                     <a:alpha val="0"/>
                   </a:schemeClr>
                 </a:gs>
                 <a:gs pos="36000">
-                  <a:schemeClr val="bg2">
-                    <a:lumMod val="40000"/>
-                    <a:lumOff val="60000"/>
+                  <a:schemeClr val="accent5">
                     <a:alpha val="7000"/>
                   </a:schemeClr>
                 </a:gs>
@@ -8108,7 +7558,121 @@
         </p:sp>
         <p:sp>
           <p:nvSpPr>
-            <p:cNvPr id="7" name="Freeform 5"/>
+            <p:cNvPr id="18" name="Oval 17"/>
+            <p:cNvSpPr/>
+            <p:nvPr/>
+          </p:nvSpPr>
+          <p:spPr>
+            <a:xfrm>
+              <a:off x="8609012" y="1676400"/>
+              <a:ext cx="2819400" cy="2819400"/>
+            </a:xfrm>
+            <a:prstGeom prst="ellipse">
+              <a:avLst/>
+            </a:prstGeom>
+            <a:gradFill flip="none" rotWithShape="1">
+              <a:gsLst>
+                <a:gs pos="0">
+                  <a:schemeClr val="accent5">
+                    <a:alpha val="7000"/>
+                  </a:schemeClr>
+                </a:gs>
+                <a:gs pos="69000">
+                  <a:schemeClr val="accent5">
+                    <a:alpha val="0"/>
+                  </a:schemeClr>
+                </a:gs>
+                <a:gs pos="36000">
+                  <a:schemeClr val="accent5">
+                    <a:alpha val="6000"/>
+                  </a:schemeClr>
+                </a:gs>
+              </a:gsLst>
+              <a:path path="circle">
+                <a:fillToRect l="50000" t="50000" r="50000" b="50000"/>
+              </a:path>
+              <a:tileRect/>
+            </a:gradFill>
+            <a:ln>
+              <a:noFill/>
+            </a:ln>
+            <a:effectLst/>
+          </p:spPr>
+          <p:style>
+            <a:lnRef idx="1">
+              <a:schemeClr val="accent1"/>
+            </a:lnRef>
+            <a:fillRef idx="3">
+              <a:schemeClr val="accent1"/>
+            </a:fillRef>
+            <a:effectRef idx="2">
+              <a:schemeClr val="accent1"/>
+            </a:effectRef>
+            <a:fontRef idx="minor">
+              <a:schemeClr val="lt1"/>
+            </a:fontRef>
+          </p:style>
+        </p:sp>
+        <p:sp>
+          <p:nvSpPr>
+            <p:cNvPr id="19" name="Oval 18"/>
+            <p:cNvSpPr/>
+            <p:nvPr/>
+          </p:nvSpPr>
+          <p:spPr>
+            <a:xfrm>
+              <a:off x="7999412" y="8464"/>
+              <a:ext cx="1600200" cy="1600200"/>
+            </a:xfrm>
+            <a:prstGeom prst="ellipse">
+              <a:avLst/>
+            </a:prstGeom>
+            <a:gradFill flip="none" rotWithShape="1">
+              <a:gsLst>
+                <a:gs pos="0">
+                  <a:schemeClr val="accent5">
+                    <a:alpha val="14000"/>
+                  </a:schemeClr>
+                </a:gs>
+                <a:gs pos="73000">
+                  <a:schemeClr val="accent5">
+                    <a:alpha val="0"/>
+                  </a:schemeClr>
+                </a:gs>
+                <a:gs pos="36000">
+                  <a:schemeClr val="accent5">
+                    <a:alpha val="7000"/>
+                  </a:schemeClr>
+                </a:gs>
+              </a:gsLst>
+              <a:path path="circle">
+                <a:fillToRect l="50000" t="50000" r="50000" b="50000"/>
+              </a:path>
+              <a:tileRect/>
+            </a:gradFill>
+            <a:ln>
+              <a:noFill/>
+            </a:ln>
+            <a:effectLst/>
+          </p:spPr>
+          <p:style>
+            <a:lnRef idx="1">
+              <a:schemeClr val="accent1"/>
+            </a:lnRef>
+            <a:fillRef idx="3">
+              <a:schemeClr val="accent1"/>
+            </a:fillRef>
+            <a:effectRef idx="2">
+              <a:schemeClr val="accent1"/>
+            </a:effectRef>
+            <a:fontRef idx="minor">
+              <a:schemeClr val="lt1"/>
+            </a:fontRef>
+          </p:style>
+        </p:sp>
+        <p:sp>
+          <p:nvSpPr>
+            <p:cNvPr id="13" name="Freeform 5"/>
             <p:cNvSpPr/>
             <p:nvPr/>
           </p:nvSpPr>
@@ -8439,7 +8003,7 @@
         </p:sp>
         <p:sp>
           <p:nvSpPr>
-            <p:cNvPr id="11" name="Freeform 5"/>
+            <p:cNvPr id="12" name="Freeform 5"/>
             <p:cNvSpPr>
               <a:spLocks noEditPoints="1"/>
             </p:cNvSpPr>
@@ -8546,7 +8110,7 @@
         </p:nvSpPr>
         <p:spPr>
           <a:xfrm>
-            <a:off x="1154954" y="5033068"/>
+            <a:off x="1154954" y="5024967"/>
             <a:ext cx="8825659" cy="860400"/>
           </a:xfrm>
         </p:spPr>
@@ -8557,7 +8121,10 @@
               <a:buNone/>
               <a:defRPr sz="2000" cap="none">
                 <a:solidFill>
-                  <a:schemeClr val="accent1"/>
+                  <a:schemeClr val="accent1">
+                    <a:lumMod val="60000"/>
+                    <a:lumOff val="40000"/>
+                  </a:schemeClr>
                 </a:solidFill>
               </a:defRPr>
             </a:lvl1pPr>
@@ -8668,7 +8235,7 @@
           <a:p>
             <a:fld id="{71C85FF8-2AF0-6A4B-B786-86E31EDFDAD3}" type="datetimeFigureOut">
               <a:rPr lang="es-EC" smtClean="0"/>
-              <a:t>29/07/2019</a:t>
+              <a:t>29/7/2019</a:t>
             </a:fld>
             <a:endParaRPr lang="es-EC"/>
           </a:p>
@@ -8695,7 +8262,7 @@
       </p:sp>
       <p:sp>
         <p:nvSpPr>
-          <p:cNvPr id="12" name="Rectangle 11"/>
+          <p:cNvPr id="14" name="Rectangle 13"/>
           <p:cNvSpPr/>
           <p:nvPr/>
         </p:nvSpPr>
@@ -8755,7 +8322,7 @@
     </p:spTree>
     <p:extLst>
       <p:ext uri="{BB962C8B-B14F-4D97-AF65-F5344CB8AC3E}">
-        <p14:creationId xmlns:p14="http://schemas.microsoft.com/office/powerpoint/2010/main" val="3997464464"/>
+        <p14:creationId xmlns:p14="http://schemas.microsoft.com/office/powerpoint/2010/main" val="4054702313"/>
       </p:ext>
     </p:extLst>
   </p:cSld>
@@ -8792,7 +8359,12 @@
             <p:ph type="title"/>
           </p:nvPr>
         </p:nvSpPr>
-        <p:spPr/>
+        <p:spPr>
+          <a:xfrm>
+            <a:off x="1154954" y="973668"/>
+            <a:ext cx="8825659" cy="706964"/>
+          </a:xfrm>
+        </p:spPr>
         <p:txBody>
           <a:bodyPr/>
           <a:lstStyle>
@@ -8821,8 +8393,8 @@
         </p:nvSpPr>
         <p:spPr>
           <a:xfrm>
-            <a:off x="1154954" y="2617299"/>
-            <a:ext cx="3129168" cy="576262"/>
+            <a:off x="1154954" y="2603502"/>
+            <a:ext cx="3141878" cy="576262"/>
           </a:xfrm>
         </p:spPr>
         <p:txBody>
@@ -8834,7 +8406,10 @@
               <a:buNone/>
               <a:defRPr sz="2400" b="0">
                 <a:solidFill>
-                  <a:schemeClr val="accent1"/>
+                  <a:schemeClr val="accent1">
+                    <a:lumMod val="60000"/>
+                    <a:lumOff val="40000"/>
+                  </a:schemeClr>
                 </a:solidFill>
               </a:defRPr>
             </a:lvl1pPr>
@@ -8892,8 +8467,8 @@
         </p:nvSpPr>
         <p:spPr>
           <a:xfrm>
-            <a:off x="1154954" y="3193561"/>
-            <a:ext cx="3129168" cy="2833496"/>
+            <a:off x="1154953" y="3179764"/>
+            <a:ext cx="3141879" cy="2847293"/>
           </a:xfrm>
         </p:spPr>
         <p:txBody>
@@ -8959,8 +8534,8 @@
         </p:nvSpPr>
         <p:spPr>
           <a:xfrm>
-            <a:off x="4512721" y="2603502"/>
-            <a:ext cx="3145380" cy="576262"/>
+            <a:off x="4512721" y="2603500"/>
+            <a:ext cx="3147009" cy="576262"/>
           </a:xfrm>
         </p:spPr>
         <p:txBody>
@@ -8972,7 +8547,10 @@
               <a:buNone/>
               <a:defRPr sz="2400" b="0">
                 <a:solidFill>
-                  <a:schemeClr val="accent1"/>
+                  <a:schemeClr val="accent1">
+                    <a:lumMod val="60000"/>
+                    <a:lumOff val="40000"/>
+                  </a:schemeClr>
                 </a:solidFill>
               </a:defRPr>
             </a:lvl1pPr>
@@ -9030,8 +8608,8 @@
         </p:nvSpPr>
         <p:spPr>
           <a:xfrm>
-            <a:off x="4512721" y="3193561"/>
-            <a:ext cx="3145380" cy="2833495"/>
+            <a:off x="4512721" y="3179763"/>
+            <a:ext cx="3147009" cy="2847293"/>
           </a:xfrm>
         </p:spPr>
         <p:txBody>
@@ -9097,8 +8675,8 @@
         </p:nvSpPr>
         <p:spPr>
           <a:xfrm>
-            <a:off x="7886700" y="2617299"/>
-            <a:ext cx="3161029" cy="576261"/>
+            <a:off x="7888135" y="2603501"/>
+            <a:ext cx="3145730" cy="576262"/>
           </a:xfrm>
         </p:spPr>
         <p:txBody>
@@ -9110,7 +8688,10 @@
               <a:buNone/>
               <a:defRPr sz="2400" b="0">
                 <a:solidFill>
-                  <a:schemeClr val="accent1"/>
+                  <a:schemeClr val="accent1">
+                    <a:lumMod val="60000"/>
+                    <a:lumOff val="40000"/>
+                  </a:schemeClr>
                 </a:solidFill>
               </a:defRPr>
             </a:lvl1pPr>
@@ -9168,8 +8749,8 @@
         </p:nvSpPr>
         <p:spPr>
           <a:xfrm>
-            <a:off x="7886700" y="3193561"/>
-            <a:ext cx="3164719" cy="2833493"/>
+            <a:off x="7888329" y="3179762"/>
+            <a:ext cx="3145536" cy="2847293"/>
           </a:xfrm>
         </p:spPr>
         <p:txBody>
@@ -9225,7 +8806,7 @@
       </p:sp>
       <p:cxnSp>
         <p:nvCxnSpPr>
-          <p:cNvPr id="22" name="Straight Connector 21"/>
+          <p:cNvPr id="17" name="Straight Connector 16"/>
           <p:cNvCxnSpPr/>
           <p:nvPr/>
         </p:nvCxnSpPr>
@@ -9240,7 +8821,7 @@
           <a:ln w="12700" cmpd="sng">
             <a:solidFill>
               <a:schemeClr val="accent1">
-                <a:alpha val="41000"/>
+                <a:alpha val="40000"/>
               </a:schemeClr>
             </a:solidFill>
           </a:ln>
@@ -9262,7 +8843,7 @@
       </p:cxnSp>
       <p:cxnSp>
         <p:nvCxnSpPr>
-          <p:cNvPr id="23" name="Straight Connector 22"/>
+          <p:cNvPr id="18" name="Straight Connector 17"/>
           <p:cNvCxnSpPr/>
           <p:nvPr/>
         </p:nvCxnSpPr>
@@ -9277,7 +8858,7 @@
           <a:ln w="12700" cmpd="sng">
             <a:solidFill>
               <a:schemeClr val="accent1">
-                <a:alpha val="41000"/>
+                <a:alpha val="40000"/>
               </a:schemeClr>
             </a:solidFill>
           </a:ln>
@@ -9314,7 +8895,7 @@
           <a:p>
             <a:fld id="{71C85FF8-2AF0-6A4B-B786-86E31EDFDAD3}" type="datetimeFigureOut">
               <a:rPr lang="es-EC" smtClean="0"/>
-              <a:t>29/07/2019</a:t>
+              <a:t>29/7/2019</a:t>
             </a:fld>
             <a:endParaRPr lang="es-EC"/>
           </a:p>
@@ -9365,7 +8946,7 @@
     </p:spTree>
     <p:extLst>
       <p:ext uri="{BB962C8B-B14F-4D97-AF65-F5344CB8AC3E}">
-        <p14:creationId xmlns:p14="http://schemas.microsoft.com/office/powerpoint/2010/main" val="3842553538"/>
+        <p14:creationId xmlns:p14="http://schemas.microsoft.com/office/powerpoint/2010/main" val="2570497941"/>
       </p:ext>
     </p:extLst>
   </p:cSld>
@@ -9402,7 +8983,12 @@
             <p:ph type="title"/>
           </p:nvPr>
         </p:nvSpPr>
-        <p:spPr/>
+        <p:spPr>
+          <a:xfrm>
+            <a:off x="1154954" y="973668"/>
+            <a:ext cx="8825659" cy="706964"/>
+          </a:xfrm>
+        </p:spPr>
         <p:txBody>
           <a:bodyPr/>
           <a:lstStyle>
@@ -9431,8 +9017,8 @@
         </p:nvSpPr>
         <p:spPr>
           <a:xfrm>
-            <a:off x="1154952" y="4532845"/>
-            <a:ext cx="3050439" cy="576262"/>
+            <a:off x="1154954" y="4532844"/>
+            <a:ext cx="3050438" cy="576262"/>
           </a:xfrm>
         </p:spPr>
         <p:txBody>
@@ -9444,7 +9030,10 @@
               <a:buNone/>
               <a:defRPr sz="2400" b="0">
                 <a:solidFill>
-                  <a:schemeClr val="accent1"/>
+                  <a:schemeClr val="accent1">
+                    <a:lumMod val="60000"/>
+                    <a:lumOff val="40000"/>
+                  </a:schemeClr>
                 </a:solidFill>
               </a:defRPr>
             </a:lvl1pPr>
@@ -9492,7 +9081,7 @@
       </p:sp>
       <p:sp>
         <p:nvSpPr>
-          <p:cNvPr id="29" name="Picture Placeholder 2"/>
+          <p:cNvPr id="19" name="Picture Placeholder 2"/>
           <p:cNvSpPr>
             <a:spLocks noGrp="1" noChangeAspect="1"/>
           </p:cNvSpPr>
@@ -9502,7 +9091,7 @@
         </p:nvSpPr>
         <p:spPr>
           <a:xfrm>
-            <a:off x="1334552" y="2603500"/>
+            <a:off x="1334553" y="2603500"/>
             <a:ext cx="2691242" cy="1591510"/>
           </a:xfrm>
           <a:prstGeom prst="roundRect">
@@ -9581,8 +9170,8 @@
         </p:nvSpPr>
         <p:spPr>
           <a:xfrm>
-            <a:off x="1154953" y="5109107"/>
-            <a:ext cx="3050437" cy="917949"/>
+            <a:off x="1154954" y="5109106"/>
+            <a:ext cx="3050438" cy="917952"/>
           </a:xfrm>
         </p:spPr>
         <p:txBody>
@@ -9648,8 +9237,8 @@
         </p:nvSpPr>
         <p:spPr>
           <a:xfrm>
-            <a:off x="4572537" y="4532846"/>
-            <a:ext cx="3046766" cy="651156"/>
+            <a:off x="4568865" y="4532844"/>
+            <a:ext cx="3050438" cy="576263"/>
           </a:xfrm>
         </p:spPr>
         <p:txBody>
@@ -9661,7 +9250,10 @@
               <a:buNone/>
               <a:defRPr sz="2400" b="0">
                 <a:solidFill>
-                  <a:schemeClr val="accent1"/>
+                  <a:schemeClr val="accent1">
+                    <a:lumMod val="60000"/>
+                    <a:lumOff val="40000"/>
+                  </a:schemeClr>
                 </a:solidFill>
               </a:defRPr>
             </a:lvl1pPr>
@@ -9709,7 +9301,7 @@
       </p:sp>
       <p:sp>
         <p:nvSpPr>
-          <p:cNvPr id="30" name="Picture Placeholder 2"/>
+          <p:cNvPr id="41" name="Picture Placeholder 2"/>
           <p:cNvSpPr>
             <a:spLocks noGrp="1" noChangeAspect="1"/>
           </p:cNvSpPr>
@@ -9719,8 +9311,8 @@
         </p:nvSpPr>
         <p:spPr>
           <a:xfrm>
-            <a:off x="4748463" y="2603500"/>
-            <a:ext cx="2691241" cy="1591510"/>
+            <a:off x="4748462" y="2603500"/>
+            <a:ext cx="2691243" cy="1591510"/>
           </a:xfrm>
           <a:prstGeom prst="roundRect">
             <a:avLst>
@@ -9798,8 +9390,8 @@
         </p:nvSpPr>
         <p:spPr>
           <a:xfrm>
-            <a:off x="4568865" y="5184002"/>
-            <a:ext cx="3050438" cy="843056"/>
+            <a:off x="4570172" y="5109105"/>
+            <a:ext cx="3050438" cy="917952"/>
           </a:xfrm>
         </p:spPr>
         <p:txBody>
@@ -9865,8 +9457,8 @@
         </p:nvSpPr>
         <p:spPr>
           <a:xfrm>
-            <a:off x="7983434" y="4532847"/>
-            <a:ext cx="3050438" cy="651154"/>
+            <a:off x="7982775" y="4532845"/>
+            <a:ext cx="3051095" cy="576262"/>
           </a:xfrm>
         </p:spPr>
         <p:txBody>
@@ -9878,7 +9470,10 @@
               <a:buNone/>
               <a:defRPr sz="2400" b="0">
                 <a:solidFill>
-                  <a:schemeClr val="accent1"/>
+                  <a:schemeClr val="accent1">
+                    <a:lumMod val="60000"/>
+                    <a:lumOff val="40000"/>
+                  </a:schemeClr>
                 </a:solidFill>
               </a:defRPr>
             </a:lvl1pPr>
@@ -9926,7 +9521,7 @@
       </p:sp>
       <p:sp>
         <p:nvSpPr>
-          <p:cNvPr id="31" name="Picture Placeholder 2"/>
+          <p:cNvPr id="42" name="Picture Placeholder 2"/>
           <p:cNvSpPr>
             <a:spLocks noGrp="1" noChangeAspect="1"/>
           </p:cNvSpPr>
@@ -10015,8 +9610,8 @@
         </p:nvSpPr>
         <p:spPr>
           <a:xfrm>
-            <a:off x="7983434" y="5184001"/>
-            <a:ext cx="3050437" cy="843054"/>
+            <a:off x="7982775" y="5109104"/>
+            <a:ext cx="3051096" cy="917952"/>
           </a:xfrm>
         </p:spPr>
         <p:txBody>
@@ -10072,14 +9667,14 @@
       </p:sp>
       <p:cxnSp>
         <p:nvCxnSpPr>
-          <p:cNvPr id="17" name="Straight Connector 16"/>
+          <p:cNvPr id="43" name="Straight Connector 42"/>
           <p:cNvCxnSpPr/>
           <p:nvPr/>
         </p:nvCxnSpPr>
         <p:spPr>
           <a:xfrm>
-            <a:off x="4388153" y="2603500"/>
-            <a:ext cx="0" cy="3517594"/>
+            <a:off x="4405831" y="2569633"/>
+            <a:ext cx="0" cy="3492499"/>
           </a:xfrm>
           <a:prstGeom prst="line">
             <a:avLst/>
@@ -10109,14 +9704,14 @@
       </p:cxnSp>
       <p:cxnSp>
         <p:nvCxnSpPr>
-          <p:cNvPr id="18" name="Straight Connector 17"/>
+          <p:cNvPr id="44" name="Straight Connector 43"/>
           <p:cNvCxnSpPr/>
           <p:nvPr/>
         </p:nvCxnSpPr>
         <p:spPr>
           <a:xfrm>
-            <a:off x="7801905" y="2603500"/>
-            <a:ext cx="0" cy="3492500"/>
+            <a:off x="7797802" y="2569633"/>
+            <a:ext cx="0" cy="3492499"/>
           </a:xfrm>
           <a:prstGeom prst="line">
             <a:avLst/>
@@ -10161,7 +9756,7 @@
           <a:p>
             <a:fld id="{71C85FF8-2AF0-6A4B-B786-86E31EDFDAD3}" type="datetimeFigureOut">
               <a:rPr lang="es-EC" smtClean="0"/>
-              <a:t>29/07/2019</a:t>
+              <a:t>29/7/2019</a:t>
             </a:fld>
             <a:endParaRPr lang="es-EC"/>
           </a:p>
@@ -10177,7 +9772,12 @@
             <p:ph type="ftr" sz="quarter" idx="11"/>
           </p:nvPr>
         </p:nvSpPr>
-        <p:spPr/>
+        <p:spPr>
+          <a:xfrm>
+            <a:off x="561111" y="6391838"/>
+            <a:ext cx="3644282" cy="304801"/>
+          </a:xfrm>
+        </p:spPr>
         <p:txBody>
           <a:bodyPr/>
           <a:lstStyle/>
@@ -10212,7 +9812,7 @@
     </p:spTree>
     <p:extLst>
       <p:ext uri="{BB962C8B-B14F-4D97-AF65-F5344CB8AC3E}">
-        <p14:creationId xmlns:p14="http://schemas.microsoft.com/office/powerpoint/2010/main" val="1782142827"/>
+        <p14:creationId xmlns:p14="http://schemas.microsoft.com/office/powerpoint/2010/main" val="2717416749"/>
       </p:ext>
     </p:extLst>
   </p:cSld>
@@ -10251,8 +9851,8 @@
         </p:nvSpPr>
         <p:spPr>
           <a:xfrm>
-            <a:off x="1154953" y="973668"/>
-            <a:ext cx="8825660" cy="706964"/>
+            <a:off x="1154954" y="973668"/>
+            <a:ext cx="8825659" cy="706964"/>
           </a:xfrm>
         </p:spPr>
         <p:txBody>
@@ -10277,7 +9877,12 @@
             <p:ph type="body" orient="vert" idx="1"/>
           </p:nvPr>
         </p:nvSpPr>
-        <p:spPr/>
+        <p:spPr>
+          <a:xfrm>
+            <a:off x="1154954" y="2603500"/>
+            <a:ext cx="8825659" cy="3416300"/>
+          </a:xfrm>
+        </p:spPr>
         <p:txBody>
           <a:bodyPr vert="eaVert" anchor="t" anchorCtr="0"/>
           <a:lstStyle/>
@@ -10329,14 +9934,19 @@
             <p:ph type="dt" sz="half" idx="10"/>
           </p:nvPr>
         </p:nvSpPr>
-        <p:spPr/>
+        <p:spPr>
+          <a:xfrm>
+            <a:off x="10695439" y="6391838"/>
+            <a:ext cx="990599" cy="304799"/>
+          </a:xfrm>
+        </p:spPr>
         <p:txBody>
           <a:bodyPr/>
           <a:lstStyle/>
           <a:p>
             <a:fld id="{71C85FF8-2AF0-6A4B-B786-86E31EDFDAD3}" type="datetimeFigureOut">
               <a:rPr lang="es-EC" smtClean="0"/>
-              <a:t>29/07/2019</a:t>
+              <a:t>29/7/2019</a:t>
             </a:fld>
             <a:endParaRPr lang="es-EC"/>
           </a:p>
@@ -10387,7 +9997,7 @@
     </p:spTree>
     <p:extLst>
       <p:ext uri="{BB962C8B-B14F-4D97-AF65-F5344CB8AC3E}">
-        <p14:creationId xmlns:p14="http://schemas.microsoft.com/office/powerpoint/2010/main" val="1294045248"/>
+        <p14:creationId xmlns:p14="http://schemas.microsoft.com/office/powerpoint/2010/main" val="3354157157"/>
       </p:ext>
     </p:extLst>
   </p:cSld>
@@ -10416,21 +10026,21 @@
       </p:grpSpPr>
       <p:grpSp>
         <p:nvGrpSpPr>
-          <p:cNvPr id="19" name="Group 18"/>
+          <p:cNvPr id="9" name="Group 8"/>
           <p:cNvGrpSpPr/>
           <p:nvPr/>
         </p:nvGrpSpPr>
         <p:grpSpPr>
           <a:xfrm>
-            <a:off x="0" y="-2373"/>
-            <a:ext cx="12192000" cy="6867027"/>
-            <a:chOff x="0" y="-2373"/>
-            <a:chExt cx="12192000" cy="6867027"/>
+            <a:off x="0" y="0"/>
+            <a:ext cx="12192000" cy="6858000"/>
+            <a:chOff x="0" y="0"/>
+            <a:chExt cx="12192000" cy="6858000"/>
           </a:xfrm>
         </p:grpSpPr>
         <p:sp>
           <p:nvSpPr>
-            <p:cNvPr id="11" name="Rectangle 10"/>
+            <p:cNvPr id="12" name="Rectangle 11"/>
             <p:cNvSpPr/>
             <p:nvPr/>
           </p:nvSpPr>
@@ -10446,16 +10056,15 @@
               <a:blip r:embed="rId2">
                 <a:duotone>
                   <a:schemeClr val="dk2">
-                    <a:shade val="62000"/>
-                    <a:hueMod val="108000"/>
+                    <a:shade val="69000"/>
+                    <a:hueMod val="91000"/>
                     <a:satMod val="164000"/>
-                    <a:lumMod val="69000"/>
+                    <a:lumMod val="74000"/>
                   </a:schemeClr>
                   <a:schemeClr val="dk2">
-                    <a:tint val="96000"/>
-                    <a:hueMod val="90000"/>
-                    <a:satMod val="130000"/>
-                    <a:lumMod val="134000"/>
+                    <a:hueMod val="124000"/>
+                    <a:satMod val="140000"/>
+                    <a:lumMod val="142000"/>
                   </a:schemeClr>
                 </a:duotone>
               </a:blip>
@@ -10486,13 +10095,13 @@
         </p:sp>
         <p:sp>
           <p:nvSpPr>
-            <p:cNvPr id="14" name="Oval 13"/>
+            <p:cNvPr id="15" name="Oval 14"/>
             <p:cNvSpPr/>
             <p:nvPr/>
           </p:nvSpPr>
           <p:spPr>
             <a:xfrm>
-              <a:off x="3220" y="2667000"/>
+              <a:off x="0" y="2667000"/>
               <a:ext cx="4191000" cy="4191000"/>
             </a:xfrm>
             <a:prstGeom prst="ellipse">
@@ -10501,87 +10110,18 @@
             <a:gradFill flip="none" rotWithShape="1">
               <a:gsLst>
                 <a:gs pos="0">
-                  <a:schemeClr val="bg2">
-                    <a:lumMod val="40000"/>
-                    <a:lumOff val="60000"/>
+                  <a:schemeClr val="accent5">
                     <a:alpha val="11000"/>
                   </a:schemeClr>
                 </a:gs>
                 <a:gs pos="75000">
-                  <a:schemeClr val="bg2">
-                    <a:lumMod val="40000"/>
-                    <a:lumOff val="60000"/>
+                  <a:schemeClr val="accent5">
                     <a:alpha val="0"/>
                   </a:schemeClr>
                 </a:gs>
                 <a:gs pos="36000">
-                  <a:schemeClr val="bg2">
-                    <a:lumMod val="40000"/>
-                    <a:lumOff val="60000"/>
+                  <a:schemeClr val="accent5">
                     <a:alpha val="10000"/>
-                  </a:schemeClr>
-                </a:gs>
-              </a:gsLst>
-              <a:path path="circle">
-                <a:fillToRect l="50000" t="50000" r="50000" b="50000"/>
-              </a:path>
-              <a:tileRect/>
-            </a:gradFill>
-            <a:ln>
-              <a:noFill/>
-            </a:ln>
-            <a:effectLst/>
-          </p:spPr>
-          <p:style>
-            <a:lnRef idx="1">
-              <a:schemeClr val="accent1"/>
-            </a:lnRef>
-            <a:fillRef idx="3">
-              <a:schemeClr val="accent1"/>
-            </a:fillRef>
-            <a:effectRef idx="2">
-              <a:schemeClr val="accent1"/>
-            </a:effectRef>
-            <a:fontRef idx="minor">
-              <a:schemeClr val="lt1"/>
-            </a:fontRef>
-          </p:style>
-        </p:sp>
-        <p:sp>
-          <p:nvSpPr>
-            <p:cNvPr id="15" name="Oval 14"/>
-            <p:cNvSpPr/>
-            <p:nvPr/>
-          </p:nvSpPr>
-          <p:spPr>
-            <a:xfrm>
-              <a:off x="1750" y="2895600"/>
-              <a:ext cx="2362200" cy="2362200"/>
-            </a:xfrm>
-            <a:prstGeom prst="ellipse">
-              <a:avLst/>
-            </a:prstGeom>
-            <a:gradFill flip="none" rotWithShape="1">
-              <a:gsLst>
-                <a:gs pos="0">
-                  <a:schemeClr val="bg2">
-                    <a:lumMod val="40000"/>
-                    <a:lumOff val="60000"/>
-                    <a:alpha val="8000"/>
-                  </a:schemeClr>
-                </a:gs>
-                <a:gs pos="72000">
-                  <a:schemeClr val="bg2">
-                    <a:lumMod val="40000"/>
-                    <a:lumOff val="60000"/>
-                    <a:alpha val="0"/>
-                  </a:schemeClr>
-                </a:gs>
-                <a:gs pos="36000">
-                  <a:schemeClr val="bg2">
-                    <a:lumMod val="40000"/>
-                    <a:lumOff val="60000"/>
-                    <a:alpha val="8000"/>
                   </a:schemeClr>
                 </a:gs>
               </a:gsLst>
@@ -10618,8 +10158,8 @@
           </p:nvSpPr>
           <p:spPr>
             <a:xfrm>
-              <a:off x="8609012" y="1676400"/>
-              <a:ext cx="2819400" cy="2819400"/>
+              <a:off x="0" y="2895600"/>
+              <a:ext cx="2362200" cy="2362200"/>
             </a:xfrm>
             <a:prstGeom prst="ellipse">
               <a:avLst/>
@@ -10627,87 +10167,18 @@
             <a:gradFill flip="none" rotWithShape="1">
               <a:gsLst>
                 <a:gs pos="0">
-                  <a:schemeClr val="bg2">
-                    <a:lumMod val="40000"/>
-                    <a:lumOff val="60000"/>
-                    <a:alpha val="7000"/>
+                  <a:schemeClr val="accent5">
+                    <a:alpha val="8000"/>
                   </a:schemeClr>
                 </a:gs>
-                <a:gs pos="69000">
-                  <a:schemeClr val="bg2">
-                    <a:lumMod val="40000"/>
-                    <a:lumOff val="60000"/>
+                <a:gs pos="72000">
+                  <a:schemeClr val="accent5">
                     <a:alpha val="0"/>
                   </a:schemeClr>
                 </a:gs>
                 <a:gs pos="36000">
-                  <a:schemeClr val="bg2">
-                    <a:lumMod val="40000"/>
-                    <a:lumOff val="60000"/>
-                    <a:alpha val="6000"/>
-                  </a:schemeClr>
-                </a:gs>
-              </a:gsLst>
-              <a:path path="circle">
-                <a:fillToRect l="50000" t="50000" r="50000" b="50000"/>
-              </a:path>
-              <a:tileRect/>
-            </a:gradFill>
-            <a:ln>
-              <a:noFill/>
-            </a:ln>
-            <a:effectLst/>
-          </p:spPr>
-          <p:style>
-            <a:lnRef idx="1">
-              <a:schemeClr val="accent1"/>
-            </a:lnRef>
-            <a:fillRef idx="3">
-              <a:schemeClr val="accent1"/>
-            </a:fillRef>
-            <a:effectRef idx="2">
-              <a:schemeClr val="accent1"/>
-            </a:effectRef>
-            <a:fontRef idx="minor">
-              <a:schemeClr val="lt1"/>
-            </a:fontRef>
-          </p:style>
-        </p:sp>
-        <p:sp>
-          <p:nvSpPr>
-            <p:cNvPr id="17" name="Oval 16"/>
-            <p:cNvSpPr/>
-            <p:nvPr/>
-          </p:nvSpPr>
-          <p:spPr>
-            <a:xfrm>
-              <a:off x="7999412" y="-2373"/>
-              <a:ext cx="1600200" cy="1600200"/>
-            </a:xfrm>
-            <a:prstGeom prst="ellipse">
-              <a:avLst/>
-            </a:prstGeom>
-            <a:gradFill flip="none" rotWithShape="1">
-              <a:gsLst>
-                <a:gs pos="0">
-                  <a:schemeClr val="bg2">
-                    <a:lumMod val="40000"/>
-                    <a:lumOff val="60000"/>
-                    <a:alpha val="14000"/>
-                  </a:schemeClr>
-                </a:gs>
-                <a:gs pos="73000">
-                  <a:schemeClr val="bg2">
-                    <a:lumMod val="40000"/>
-                    <a:lumOff val="60000"/>
-                    <a:alpha val="0"/>
-                  </a:schemeClr>
-                </a:gs>
-                <a:gs pos="36000">
-                  <a:schemeClr val="bg2">
-                    <a:lumMod val="40000"/>
-                    <a:lumOff val="60000"/>
-                    <a:alpha val="7000"/>
+                  <a:schemeClr val="accent5">
+                    <a:alpha val="8000"/>
                   </a:schemeClr>
                 </a:gs>
               </a:gsLst>
@@ -10744,7 +10215,7 @@
           </p:nvSpPr>
           <p:spPr>
             <a:xfrm>
-              <a:off x="8609012" y="5874054"/>
+              <a:off x="8609012" y="5867400"/>
               <a:ext cx="990600" cy="990600"/>
             </a:xfrm>
             <a:prstGeom prst="ellipse">
@@ -10753,23 +10224,17 @@
             <a:gradFill flip="none" rotWithShape="1">
               <a:gsLst>
                 <a:gs pos="0">
-                  <a:schemeClr val="bg2">
-                    <a:lumMod val="40000"/>
-                    <a:lumOff val="60000"/>
+                  <a:schemeClr val="accent5">
                     <a:alpha val="14000"/>
                   </a:schemeClr>
                 </a:gs>
                 <a:gs pos="66000">
-                  <a:schemeClr val="bg2">
-                    <a:lumMod val="40000"/>
-                    <a:lumOff val="60000"/>
+                  <a:schemeClr val="accent5">
                     <a:alpha val="0"/>
                   </a:schemeClr>
                 </a:gs>
                 <a:gs pos="36000">
-                  <a:schemeClr val="bg2">
-                    <a:lumMod val="40000"/>
-                    <a:lumOff val="60000"/>
+                  <a:schemeClr val="accent5">
                     <a:alpha val="7000"/>
                   </a:schemeClr>
                 </a:gs>
@@ -10801,158 +10266,125 @@
         </p:sp>
         <p:sp>
           <p:nvSpPr>
-            <p:cNvPr id="7" name="Freeform 5"/>
+            <p:cNvPr id="19" name="Oval 18"/>
+            <p:cNvSpPr/>
+            <p:nvPr/>
+          </p:nvSpPr>
+          <p:spPr>
+            <a:xfrm>
+              <a:off x="8609012" y="1676400"/>
+              <a:ext cx="2819400" cy="2819400"/>
+            </a:xfrm>
+            <a:prstGeom prst="ellipse">
+              <a:avLst/>
+            </a:prstGeom>
+            <a:gradFill flip="none" rotWithShape="1">
+              <a:gsLst>
+                <a:gs pos="0">
+                  <a:schemeClr val="accent5">
+                    <a:alpha val="7000"/>
+                  </a:schemeClr>
+                </a:gs>
+                <a:gs pos="69000">
+                  <a:schemeClr val="accent5">
+                    <a:alpha val="0"/>
+                  </a:schemeClr>
+                </a:gs>
+                <a:gs pos="36000">
+                  <a:schemeClr val="accent5">
+                    <a:alpha val="6000"/>
+                  </a:schemeClr>
+                </a:gs>
+              </a:gsLst>
+              <a:path path="circle">
+                <a:fillToRect l="50000" t="50000" r="50000" b="50000"/>
+              </a:path>
+              <a:tileRect/>
+            </a:gradFill>
+            <a:ln>
+              <a:noFill/>
+            </a:ln>
+            <a:effectLst/>
+          </p:spPr>
+          <p:style>
+            <a:lnRef idx="1">
+              <a:schemeClr val="accent1"/>
+            </a:lnRef>
+            <a:fillRef idx="3">
+              <a:schemeClr val="accent1"/>
+            </a:fillRef>
+            <a:effectRef idx="2">
+              <a:schemeClr val="accent1"/>
+            </a:effectRef>
+            <a:fontRef idx="minor">
+              <a:schemeClr val="lt1"/>
+            </a:fontRef>
+          </p:style>
+        </p:sp>
+        <p:sp>
+          <p:nvSpPr>
+            <p:cNvPr id="20" name="Oval 19"/>
+            <p:cNvSpPr/>
+            <p:nvPr/>
+          </p:nvSpPr>
+          <p:spPr>
+            <a:xfrm>
+              <a:off x="7999412" y="8464"/>
+              <a:ext cx="1600200" cy="1600200"/>
+            </a:xfrm>
+            <a:prstGeom prst="ellipse">
+              <a:avLst/>
+            </a:prstGeom>
+            <a:gradFill flip="none" rotWithShape="1">
+              <a:gsLst>
+                <a:gs pos="0">
+                  <a:schemeClr val="accent5">
+                    <a:alpha val="14000"/>
+                  </a:schemeClr>
+                </a:gs>
+                <a:gs pos="73000">
+                  <a:schemeClr val="accent5">
+                    <a:alpha val="0"/>
+                  </a:schemeClr>
+                </a:gs>
+                <a:gs pos="36000">
+                  <a:schemeClr val="accent5">
+                    <a:alpha val="7000"/>
+                  </a:schemeClr>
+                </a:gs>
+              </a:gsLst>
+              <a:path path="circle">
+                <a:fillToRect l="50000" t="50000" r="50000" b="50000"/>
+              </a:path>
+              <a:tileRect/>
+            </a:gradFill>
+            <a:ln>
+              <a:noFill/>
+            </a:ln>
+            <a:effectLst/>
+          </p:spPr>
+          <p:style>
+            <a:lnRef idx="1">
+              <a:schemeClr val="accent1"/>
+            </a:lnRef>
+            <a:fillRef idx="3">
+              <a:schemeClr val="accent1"/>
+            </a:fillRef>
+            <a:effectRef idx="2">
+              <a:schemeClr val="accent1"/>
+            </a:effectRef>
+            <a:fontRef idx="minor">
+              <a:schemeClr val="lt1"/>
+            </a:fontRef>
+          </p:style>
+        </p:sp>
+        <p:sp>
+          <p:nvSpPr>
+            <p:cNvPr id="7" name="Rectangle 6"/>
             <p:cNvSpPr/>
             <p:nvPr/>
           </p:nvSpPr>
           <p:spPr bwMode="gray">
-            <a:xfrm rot="5101749">
-              <a:off x="6294738" y="4577737"/>
-              <a:ext cx="3299407" cy="440924"/>
-            </a:xfrm>
-            <a:custGeom>
-              <a:avLst/>
-              <a:gdLst/>
-              <a:ahLst/>
-              <a:cxnLst/>
-              <a:rect l="l" t="t" r="r" b="b"/>
-              <a:pathLst>
-                <a:path w="10000" h="5291">
-                  <a:moveTo>
-                    <a:pt x="85" y="2532"/>
-                  </a:moveTo>
-                  <a:cubicBezTo>
-                    <a:pt x="1736" y="3911"/>
-                    <a:pt x="7524" y="5298"/>
-                    <a:pt x="9958" y="5291"/>
-                  </a:cubicBezTo>
-                  <a:cubicBezTo>
-                    <a:pt x="9989" y="1958"/>
-                    <a:pt x="9969" y="3333"/>
-                    <a:pt x="10000" y="0"/>
-                  </a:cubicBezTo>
-                  <a:lnTo>
-                    <a:pt x="10000" y="0"/>
-                  </a:lnTo>
-                  <a:lnTo>
-                    <a:pt x="9667" y="204"/>
-                  </a:lnTo>
-                  <a:lnTo>
-                    <a:pt x="9334" y="400"/>
-                  </a:lnTo>
-                  <a:lnTo>
-                    <a:pt x="9001" y="590"/>
-                  </a:lnTo>
-                  <a:lnTo>
-                    <a:pt x="8667" y="753"/>
-                  </a:lnTo>
-                  <a:lnTo>
-                    <a:pt x="8333" y="917"/>
-                  </a:lnTo>
-                  <a:lnTo>
-                    <a:pt x="7999" y="1071"/>
-                  </a:lnTo>
-                  <a:lnTo>
-                    <a:pt x="7669" y="1202"/>
-                  </a:lnTo>
-                  <a:lnTo>
-                    <a:pt x="7333" y="1325"/>
-                  </a:lnTo>
-                  <a:lnTo>
-                    <a:pt x="7000" y="1440"/>
-                  </a:lnTo>
-                  <a:lnTo>
-                    <a:pt x="6673" y="1538"/>
-                  </a:lnTo>
-                  <a:lnTo>
-                    <a:pt x="6340" y="1636"/>
-                  </a:lnTo>
-                  <a:lnTo>
-                    <a:pt x="6013" y="1719"/>
-                  </a:lnTo>
-                  <a:lnTo>
-                    <a:pt x="5686" y="1784"/>
-                  </a:lnTo>
-                  <a:lnTo>
-                    <a:pt x="5359" y="1850"/>
-                  </a:lnTo>
-                  <a:lnTo>
-                    <a:pt x="5036" y="1906"/>
-                  </a:lnTo>
-                  <a:lnTo>
-                    <a:pt x="4717" y="1948"/>
-                  </a:lnTo>
-                  <a:lnTo>
-                    <a:pt x="4396" y="1980"/>
-                  </a:lnTo>
-                  <a:lnTo>
-                    <a:pt x="4079" y="2013"/>
-                  </a:lnTo>
-                  <a:lnTo>
-                    <a:pt x="3766" y="2029"/>
-                  </a:lnTo>
-                  <a:lnTo>
-                    <a:pt x="3454" y="2046"/>
-                  </a:lnTo>
-                  <a:lnTo>
-                    <a:pt x="3145" y="2053"/>
-                  </a:lnTo>
-                  <a:lnTo>
-                    <a:pt x="2839" y="2046"/>
-                  </a:lnTo>
-                  <a:lnTo>
-                    <a:pt x="2537" y="2046"/>
-                  </a:lnTo>
-                  <a:lnTo>
-                    <a:pt x="2238" y="2029"/>
-                  </a:lnTo>
-                  <a:lnTo>
-                    <a:pt x="1943" y="2004"/>
-                  </a:lnTo>
-                  <a:lnTo>
-                    <a:pt x="1653" y="1980"/>
-                  </a:lnTo>
-                  <a:lnTo>
-                    <a:pt x="1368" y="1955"/>
-                  </a:lnTo>
-                  <a:lnTo>
-                    <a:pt x="1085" y="1915"/>
-                  </a:lnTo>
-                  <a:lnTo>
-                    <a:pt x="806" y="1873"/>
-                  </a:lnTo>
-                  <a:lnTo>
-                    <a:pt x="533" y="1833"/>
-                  </a:lnTo>
-                  <a:lnTo>
-                    <a:pt x="0" y="1726"/>
-                  </a:lnTo>
-                  <a:cubicBezTo>
-                    <a:pt x="28" y="1995"/>
-                    <a:pt x="57" y="2263"/>
-                    <a:pt x="85" y="2532"/>
-                  </a:cubicBezTo>
-                  <a:close/>
-                </a:path>
-              </a:pathLst>
-            </a:custGeom>
-            <a:solidFill>
-              <a:schemeClr val="bg1">
-                <a:alpha val="20000"/>
-              </a:schemeClr>
-            </a:solidFill>
-            <a:ln>
-              <a:noFill/>
-            </a:ln>
-          </p:spPr>
-        </p:sp>
-        <p:sp>
-          <p:nvSpPr>
-            <p:cNvPr id="8" name="Rectangle 7"/>
-            <p:cNvSpPr/>
-            <p:nvPr/>
-          </p:nvSpPr>
-          <p:spPr>
             <a:xfrm>
               <a:off x="414867" y="402165"/>
               <a:ext cx="6510866" cy="6053670"/>
@@ -10985,7 +10417,154 @@
         </p:sp>
         <p:sp>
           <p:nvSpPr>
-            <p:cNvPr id="9" name="Freeform 5"/>
+            <p:cNvPr id="17" name="Freeform 5"/>
+            <p:cNvSpPr/>
+            <p:nvPr/>
+          </p:nvSpPr>
+          <p:spPr bwMode="gray">
+            <a:xfrm rot="5101749">
+              <a:off x="6294738" y="4577737"/>
+              <a:ext cx="3299407" cy="440924"/>
+            </a:xfrm>
+            <a:custGeom>
+              <a:avLst/>
+              <a:gdLst/>
+              <a:ahLst/>
+              <a:cxnLst/>
+              <a:rect l="l" t="t" r="r" b="b"/>
+              <a:pathLst>
+                <a:path w="10000" h="5291">
+                  <a:moveTo>
+                    <a:pt x="85" y="2532"/>
+                  </a:moveTo>
+                  <a:cubicBezTo>
+                    <a:pt x="1736" y="3911"/>
+                    <a:pt x="7524" y="5298"/>
+                    <a:pt x="9958" y="5291"/>
+                  </a:cubicBezTo>
+                  <a:cubicBezTo>
+                    <a:pt x="9989" y="1958"/>
+                    <a:pt x="9969" y="3333"/>
+                    <a:pt x="10000" y="0"/>
+                  </a:cubicBezTo>
+                  <a:lnTo>
+                    <a:pt x="10000" y="0"/>
+                  </a:lnTo>
+                  <a:lnTo>
+                    <a:pt x="9667" y="204"/>
+                  </a:lnTo>
+                  <a:lnTo>
+                    <a:pt x="9334" y="400"/>
+                  </a:lnTo>
+                  <a:lnTo>
+                    <a:pt x="9001" y="590"/>
+                  </a:lnTo>
+                  <a:lnTo>
+                    <a:pt x="8667" y="753"/>
+                  </a:lnTo>
+                  <a:lnTo>
+                    <a:pt x="8333" y="917"/>
+                  </a:lnTo>
+                  <a:lnTo>
+                    <a:pt x="7999" y="1071"/>
+                  </a:lnTo>
+                  <a:lnTo>
+                    <a:pt x="7669" y="1202"/>
+                  </a:lnTo>
+                  <a:lnTo>
+                    <a:pt x="7333" y="1325"/>
+                  </a:lnTo>
+                  <a:lnTo>
+                    <a:pt x="7000" y="1440"/>
+                  </a:lnTo>
+                  <a:lnTo>
+                    <a:pt x="6673" y="1538"/>
+                  </a:lnTo>
+                  <a:lnTo>
+                    <a:pt x="6340" y="1636"/>
+                  </a:lnTo>
+                  <a:lnTo>
+                    <a:pt x="6013" y="1719"/>
+                  </a:lnTo>
+                  <a:lnTo>
+                    <a:pt x="5686" y="1784"/>
+                  </a:lnTo>
+                  <a:lnTo>
+                    <a:pt x="5359" y="1850"/>
+                  </a:lnTo>
+                  <a:lnTo>
+                    <a:pt x="5036" y="1906"/>
+                  </a:lnTo>
+                  <a:lnTo>
+                    <a:pt x="4717" y="1948"/>
+                  </a:lnTo>
+                  <a:lnTo>
+                    <a:pt x="4396" y="1980"/>
+                  </a:lnTo>
+                  <a:lnTo>
+                    <a:pt x="4079" y="2013"/>
+                  </a:lnTo>
+                  <a:lnTo>
+                    <a:pt x="3766" y="2029"/>
+                  </a:lnTo>
+                  <a:lnTo>
+                    <a:pt x="3454" y="2046"/>
+                  </a:lnTo>
+                  <a:lnTo>
+                    <a:pt x="3145" y="2053"/>
+                  </a:lnTo>
+                  <a:lnTo>
+                    <a:pt x="2839" y="2046"/>
+                  </a:lnTo>
+                  <a:lnTo>
+                    <a:pt x="2537" y="2046"/>
+                  </a:lnTo>
+                  <a:lnTo>
+                    <a:pt x="2238" y="2029"/>
+                  </a:lnTo>
+                  <a:lnTo>
+                    <a:pt x="1943" y="2004"/>
+                  </a:lnTo>
+                  <a:lnTo>
+                    <a:pt x="1653" y="1980"/>
+                  </a:lnTo>
+                  <a:lnTo>
+                    <a:pt x="1368" y="1955"/>
+                  </a:lnTo>
+                  <a:lnTo>
+                    <a:pt x="1085" y="1915"/>
+                  </a:lnTo>
+                  <a:lnTo>
+                    <a:pt x="806" y="1873"/>
+                  </a:lnTo>
+                  <a:lnTo>
+                    <a:pt x="533" y="1833"/>
+                  </a:lnTo>
+                  <a:lnTo>
+                    <a:pt x="0" y="1726"/>
+                  </a:lnTo>
+                  <a:cubicBezTo>
+                    <a:pt x="28" y="1995"/>
+                    <a:pt x="57" y="2263"/>
+                    <a:pt x="85" y="2532"/>
+                  </a:cubicBezTo>
+                  <a:close/>
+                </a:path>
+              </a:pathLst>
+            </a:custGeom>
+            <a:solidFill>
+              <a:schemeClr val="bg1">
+                <a:alpha val="20000"/>
+              </a:schemeClr>
+            </a:solidFill>
+            <a:ln>
+              <a:noFill/>
+            </a:ln>
+          </p:spPr>
+        </p:sp>
+        <p:sp>
+          <p:nvSpPr>
+            <p:cNvPr id="10" name="Freeform 5"/>
             <p:cNvSpPr/>
             <p:nvPr/>
           </p:nvSpPr>
@@ -11169,7 +10748,7 @@
         </p:sp>
         <p:sp>
           <p:nvSpPr>
-            <p:cNvPr id="12" name="Freeform 5"/>
+            <p:cNvPr id="13" name="Freeform 5"/>
             <p:cNvSpPr>
               <a:spLocks noEditPoints="1"/>
             </p:cNvSpPr>
@@ -11244,8 +10823,8 @@
         </p:nvSpPr>
         <p:spPr>
           <a:xfrm>
-            <a:off x="8576756" y="1278468"/>
-            <a:ext cx="1413933" cy="4748589"/>
+            <a:off x="8585235" y="1278467"/>
+            <a:ext cx="1409965" cy="4748590"/>
           </a:xfrm>
         </p:spPr>
         <p:txBody>
@@ -11272,8 +10851,8 @@
         </p:nvSpPr>
         <p:spPr>
           <a:xfrm>
-            <a:off x="1154954" y="1278468"/>
-            <a:ext cx="6247546" cy="4748590"/>
+            <a:off x="1154954" y="1278467"/>
+            <a:ext cx="6256025" cy="4748590"/>
           </a:xfrm>
         </p:spPr>
         <p:txBody>
@@ -11327,14 +10906,19 @@
             <p:ph type="dt" sz="half" idx="10"/>
           </p:nvPr>
         </p:nvSpPr>
-        <p:spPr/>
+        <p:spPr>
+          <a:xfrm>
+            <a:off x="10653104" y="6391838"/>
+            <a:ext cx="992135" cy="304799"/>
+          </a:xfrm>
+        </p:spPr>
         <p:txBody>
           <a:bodyPr/>
           <a:lstStyle/>
           <a:p>
             <a:fld id="{71C85FF8-2AF0-6A4B-B786-86E31EDFDAD3}" type="datetimeFigureOut">
               <a:rPr lang="es-EC" smtClean="0"/>
-              <a:t>29/07/2019</a:t>
+              <a:t>29/7/2019</a:t>
             </a:fld>
             <a:endParaRPr lang="es-EC"/>
           </a:p>
@@ -11361,7 +10945,7 @@
       </p:sp>
       <p:sp>
         <p:nvSpPr>
-          <p:cNvPr id="13" name="Rectangle 12"/>
+          <p:cNvPr id="14" name="Rectangle 13"/>
           <p:cNvSpPr/>
           <p:nvPr/>
         </p:nvSpPr>
@@ -11421,7 +11005,7 @@
     </p:spTree>
     <p:extLst>
       <p:ext uri="{BB962C8B-B14F-4D97-AF65-F5344CB8AC3E}">
-        <p14:creationId xmlns:p14="http://schemas.microsoft.com/office/powerpoint/2010/main" val="1568113193"/>
+        <p14:creationId xmlns:p14="http://schemas.microsoft.com/office/powerpoint/2010/main" val="4192786931"/>
       </p:ext>
     </p:extLst>
   </p:cSld>
@@ -11481,7 +11065,12 @@
             <p:ph idx="1"/>
           </p:nvPr>
         </p:nvSpPr>
-        <p:spPr/>
+        <p:spPr>
+          <a:xfrm>
+            <a:off x="1154954" y="2603500"/>
+            <a:ext cx="8825659" cy="3416300"/>
+          </a:xfrm>
+        </p:spPr>
         <p:txBody>
           <a:bodyPr/>
           <a:lstStyle/>
@@ -11540,7 +11129,7 @@
           <a:p>
             <a:fld id="{71C85FF8-2AF0-6A4B-B786-86E31EDFDAD3}" type="datetimeFigureOut">
               <a:rPr lang="es-EC" smtClean="0"/>
-              <a:t>29/07/2019</a:t>
+              <a:t>29/7/2019</a:t>
             </a:fld>
             <a:endParaRPr lang="es-EC"/>
           </a:p>
@@ -11591,7 +11180,7 @@
     </p:spTree>
     <p:extLst>
       <p:ext uri="{BB962C8B-B14F-4D97-AF65-F5344CB8AC3E}">
-        <p14:creationId xmlns:p14="http://schemas.microsoft.com/office/powerpoint/2010/main" val="980839008"/>
+        <p14:creationId xmlns:p14="http://schemas.microsoft.com/office/powerpoint/2010/main" val="1711661883"/>
       </p:ext>
     </p:extLst>
   </p:cSld>
@@ -11620,21 +11209,21 @@
       </p:grpSpPr>
       <p:grpSp>
         <p:nvGrpSpPr>
-          <p:cNvPr id="13" name="Group 12"/>
+          <p:cNvPr id="8" name="Group 7"/>
           <p:cNvGrpSpPr/>
           <p:nvPr/>
         </p:nvGrpSpPr>
         <p:grpSpPr>
           <a:xfrm>
-            <a:off x="0" y="-2373"/>
-            <a:ext cx="12192000" cy="6867027"/>
-            <a:chOff x="0" y="-2373"/>
-            <a:chExt cx="12192000" cy="6867027"/>
+            <a:off x="0" y="0"/>
+            <a:ext cx="12192000" cy="6858000"/>
+            <a:chOff x="0" y="0"/>
+            <a:chExt cx="12192000" cy="6858000"/>
           </a:xfrm>
         </p:grpSpPr>
         <p:sp>
           <p:nvSpPr>
-            <p:cNvPr id="11" name="Rectangle 10"/>
+            <p:cNvPr id="14" name="Rectangle 13"/>
             <p:cNvSpPr/>
             <p:nvPr/>
           </p:nvSpPr>
@@ -11650,16 +11239,15 @@
               <a:blip r:embed="rId2">
                 <a:duotone>
                   <a:schemeClr val="dk2">
-                    <a:shade val="62000"/>
-                    <a:hueMod val="108000"/>
+                    <a:shade val="69000"/>
+                    <a:hueMod val="91000"/>
                     <a:satMod val="164000"/>
-                    <a:lumMod val="69000"/>
+                    <a:lumMod val="74000"/>
                   </a:schemeClr>
                   <a:schemeClr val="dk2">
-                    <a:tint val="96000"/>
-                    <a:hueMod val="90000"/>
-                    <a:satMod val="130000"/>
-                    <a:lumMod val="134000"/>
+                    <a:hueMod val="124000"/>
+                    <a:satMod val="140000"/>
+                    <a:lumMod val="142000"/>
                   </a:schemeClr>
                 </a:duotone>
               </a:blip>
@@ -11690,13 +11278,13 @@
         </p:sp>
         <p:sp>
           <p:nvSpPr>
-            <p:cNvPr id="14" name="Oval 13"/>
+            <p:cNvPr id="17" name="Oval 16"/>
             <p:cNvSpPr/>
             <p:nvPr/>
           </p:nvSpPr>
           <p:spPr>
             <a:xfrm>
-              <a:off x="3220" y="2667000"/>
+              <a:off x="0" y="2667000"/>
               <a:ext cx="4191000" cy="4191000"/>
             </a:xfrm>
             <a:prstGeom prst="ellipse">
@@ -11705,150 +11293,18 @@
             <a:gradFill flip="none" rotWithShape="1">
               <a:gsLst>
                 <a:gs pos="0">
-                  <a:schemeClr val="bg2">
-                    <a:lumMod val="40000"/>
-                    <a:lumOff val="60000"/>
+                  <a:schemeClr val="accent5">
                     <a:alpha val="11000"/>
                   </a:schemeClr>
                 </a:gs>
                 <a:gs pos="75000">
-                  <a:schemeClr val="bg2">
-                    <a:lumMod val="40000"/>
-                    <a:lumOff val="60000"/>
+                  <a:schemeClr val="accent5">
                     <a:alpha val="0"/>
                   </a:schemeClr>
                 </a:gs>
                 <a:gs pos="36000">
-                  <a:schemeClr val="bg2">
-                    <a:lumMod val="40000"/>
-                    <a:lumOff val="60000"/>
+                  <a:schemeClr val="accent5">
                     <a:alpha val="10000"/>
-                  </a:schemeClr>
-                </a:gs>
-              </a:gsLst>
-              <a:path path="circle">
-                <a:fillToRect l="50000" t="50000" r="50000" b="50000"/>
-              </a:path>
-              <a:tileRect/>
-            </a:gradFill>
-            <a:ln>
-              <a:noFill/>
-            </a:ln>
-            <a:effectLst/>
-          </p:spPr>
-          <p:style>
-            <a:lnRef idx="1">
-              <a:schemeClr val="accent1"/>
-            </a:lnRef>
-            <a:fillRef idx="3">
-              <a:schemeClr val="accent1"/>
-            </a:fillRef>
-            <a:effectRef idx="2">
-              <a:schemeClr val="accent1"/>
-            </a:effectRef>
-            <a:fontRef idx="minor">
-              <a:schemeClr val="lt1"/>
-            </a:fontRef>
-          </p:style>
-        </p:sp>
-        <p:sp>
-          <p:nvSpPr>
-            <p:cNvPr id="16" name="Oval 15"/>
-            <p:cNvSpPr/>
-            <p:nvPr/>
-          </p:nvSpPr>
-          <p:spPr>
-            <a:xfrm>
-              <a:off x="1750" y="2895600"/>
-              <a:ext cx="2362200" cy="2362200"/>
-            </a:xfrm>
-            <a:prstGeom prst="ellipse">
-              <a:avLst/>
-            </a:prstGeom>
-            <a:gradFill flip="none" rotWithShape="1">
-              <a:gsLst>
-                <a:gs pos="0">
-                  <a:schemeClr val="bg2">
-                    <a:lumMod val="40000"/>
-                    <a:lumOff val="60000"/>
-                    <a:alpha val="8000"/>
-                  </a:schemeClr>
-                </a:gs>
-                <a:gs pos="72000">
-                  <a:schemeClr val="bg2">
-                    <a:lumMod val="40000"/>
-                    <a:lumOff val="60000"/>
-                    <a:alpha val="0"/>
-                  </a:schemeClr>
-                </a:gs>
-                <a:gs pos="36000">
-                  <a:schemeClr val="bg2">
-                    <a:lumMod val="40000"/>
-                    <a:lumOff val="60000"/>
-                    <a:alpha val="8000"/>
-                  </a:schemeClr>
-                </a:gs>
-              </a:gsLst>
-              <a:path path="circle">
-                <a:fillToRect l="50000" t="50000" r="50000" b="50000"/>
-              </a:path>
-              <a:tileRect/>
-            </a:gradFill>
-            <a:ln>
-              <a:noFill/>
-            </a:ln>
-            <a:effectLst/>
-          </p:spPr>
-          <p:style>
-            <a:lnRef idx="1">
-              <a:schemeClr val="accent1"/>
-            </a:lnRef>
-            <a:fillRef idx="3">
-              <a:schemeClr val="accent1"/>
-            </a:fillRef>
-            <a:effectRef idx="2">
-              <a:schemeClr val="accent1"/>
-            </a:effectRef>
-            <a:fontRef idx="minor">
-              <a:schemeClr val="lt1"/>
-            </a:fontRef>
-          </p:style>
-        </p:sp>
-        <p:sp>
-          <p:nvSpPr>
-            <p:cNvPr id="17" name="Oval 16"/>
-            <p:cNvSpPr/>
-            <p:nvPr/>
-          </p:nvSpPr>
-          <p:spPr>
-            <a:xfrm>
-              <a:off x="8609012" y="1676400"/>
-              <a:ext cx="2819400" cy="2819400"/>
-            </a:xfrm>
-            <a:prstGeom prst="ellipse">
-              <a:avLst/>
-            </a:prstGeom>
-            <a:gradFill flip="none" rotWithShape="1">
-              <a:gsLst>
-                <a:gs pos="0">
-                  <a:schemeClr val="bg2">
-                    <a:lumMod val="40000"/>
-                    <a:lumOff val="60000"/>
-                    <a:alpha val="7000"/>
-                  </a:schemeClr>
-                </a:gs>
-                <a:gs pos="69000">
-                  <a:schemeClr val="bg2">
-                    <a:lumMod val="40000"/>
-                    <a:lumOff val="60000"/>
-                    <a:alpha val="0"/>
-                  </a:schemeClr>
-                </a:gs>
-                <a:gs pos="36000">
-                  <a:schemeClr val="bg2">
-                    <a:lumMod val="40000"/>
-                    <a:lumOff val="60000"/>
-                    <a:alpha val="6000"/>
                   </a:schemeClr>
                 </a:gs>
               </a:gsLst>
@@ -11885,8 +11341,8 @@
           </p:nvSpPr>
           <p:spPr>
             <a:xfrm>
-              <a:off x="7999412" y="-2373"/>
-              <a:ext cx="1600200" cy="1600200"/>
+              <a:off x="0" y="2895600"/>
+              <a:ext cx="2362200" cy="2362200"/>
             </a:xfrm>
             <a:prstGeom prst="ellipse">
               <a:avLst/>
@@ -11894,24 +11350,18 @@
             <a:gradFill flip="none" rotWithShape="1">
               <a:gsLst>
                 <a:gs pos="0">
-                  <a:schemeClr val="bg2">
-                    <a:lumMod val="40000"/>
-                    <a:lumOff val="60000"/>
-                    <a:alpha val="14000"/>
+                  <a:schemeClr val="accent5">
+                    <a:alpha val="8000"/>
                   </a:schemeClr>
                 </a:gs>
-                <a:gs pos="73000">
-                  <a:schemeClr val="bg2">
-                    <a:lumMod val="40000"/>
-                    <a:lumOff val="60000"/>
+                <a:gs pos="72000">
+                  <a:schemeClr val="accent5">
                     <a:alpha val="0"/>
                   </a:schemeClr>
                 </a:gs>
                 <a:gs pos="36000">
-                  <a:schemeClr val="bg2">
-                    <a:lumMod val="40000"/>
-                    <a:lumOff val="60000"/>
-                    <a:alpha val="7000"/>
+                  <a:schemeClr val="accent5">
+                    <a:alpha val="8000"/>
                   </a:schemeClr>
                 </a:gs>
               </a:gsLst>
@@ -11948,7 +11398,7 @@
           </p:nvSpPr>
           <p:spPr>
             <a:xfrm>
-              <a:off x="8609012" y="5874054"/>
+              <a:off x="8609012" y="5867400"/>
               <a:ext cx="990600" cy="990600"/>
             </a:xfrm>
             <a:prstGeom prst="ellipse">
@@ -11957,23 +11407,17 @@
             <a:gradFill flip="none" rotWithShape="1">
               <a:gsLst>
                 <a:gs pos="0">
-                  <a:schemeClr val="bg2">
-                    <a:lumMod val="40000"/>
-                    <a:lumOff val="60000"/>
+                  <a:schemeClr val="accent5">
                     <a:alpha val="14000"/>
                   </a:schemeClr>
                 </a:gs>
                 <a:gs pos="66000">
-                  <a:schemeClr val="bg2">
-                    <a:lumMod val="40000"/>
-                    <a:lumOff val="60000"/>
+                  <a:schemeClr val="accent5">
                     <a:alpha val="0"/>
                   </a:schemeClr>
                 </a:gs>
                 <a:gs pos="36000">
-                  <a:schemeClr val="bg2">
-                    <a:lumMod val="40000"/>
-                    <a:lumOff val="60000"/>
+                  <a:schemeClr val="accent5">
                     <a:alpha val="7000"/>
                   </a:schemeClr>
                 </a:gs>
@@ -12005,11 +11449,125 @@
         </p:sp>
         <p:sp>
           <p:nvSpPr>
-            <p:cNvPr id="7" name="Rectangle 6"/>
+            <p:cNvPr id="20" name="Oval 19"/>
             <p:cNvSpPr/>
             <p:nvPr/>
           </p:nvSpPr>
           <p:spPr>
+            <a:xfrm>
+              <a:off x="8609012" y="1676400"/>
+              <a:ext cx="2819400" cy="2819400"/>
+            </a:xfrm>
+            <a:prstGeom prst="ellipse">
+              <a:avLst/>
+            </a:prstGeom>
+            <a:gradFill flip="none" rotWithShape="1">
+              <a:gsLst>
+                <a:gs pos="0">
+                  <a:schemeClr val="accent5">
+                    <a:alpha val="7000"/>
+                  </a:schemeClr>
+                </a:gs>
+                <a:gs pos="69000">
+                  <a:schemeClr val="accent5">
+                    <a:alpha val="0"/>
+                  </a:schemeClr>
+                </a:gs>
+                <a:gs pos="36000">
+                  <a:schemeClr val="accent5">
+                    <a:alpha val="6000"/>
+                  </a:schemeClr>
+                </a:gs>
+              </a:gsLst>
+              <a:path path="circle">
+                <a:fillToRect l="50000" t="50000" r="50000" b="50000"/>
+              </a:path>
+              <a:tileRect/>
+            </a:gradFill>
+            <a:ln>
+              <a:noFill/>
+            </a:ln>
+            <a:effectLst/>
+          </p:spPr>
+          <p:style>
+            <a:lnRef idx="1">
+              <a:schemeClr val="accent1"/>
+            </a:lnRef>
+            <a:fillRef idx="3">
+              <a:schemeClr val="accent1"/>
+            </a:fillRef>
+            <a:effectRef idx="2">
+              <a:schemeClr val="accent1"/>
+            </a:effectRef>
+            <a:fontRef idx="minor">
+              <a:schemeClr val="lt1"/>
+            </a:fontRef>
+          </p:style>
+        </p:sp>
+        <p:sp>
+          <p:nvSpPr>
+            <p:cNvPr id="21" name="Oval 20"/>
+            <p:cNvSpPr/>
+            <p:nvPr/>
+          </p:nvSpPr>
+          <p:spPr>
+            <a:xfrm>
+              <a:off x="7999412" y="8464"/>
+              <a:ext cx="1600200" cy="1600200"/>
+            </a:xfrm>
+            <a:prstGeom prst="ellipse">
+              <a:avLst/>
+            </a:prstGeom>
+            <a:gradFill flip="none" rotWithShape="1">
+              <a:gsLst>
+                <a:gs pos="0">
+                  <a:schemeClr val="accent5">
+                    <a:alpha val="14000"/>
+                  </a:schemeClr>
+                </a:gs>
+                <a:gs pos="73000">
+                  <a:schemeClr val="accent5">
+                    <a:alpha val="0"/>
+                  </a:schemeClr>
+                </a:gs>
+                <a:gs pos="36000">
+                  <a:schemeClr val="accent5">
+                    <a:alpha val="7000"/>
+                  </a:schemeClr>
+                </a:gs>
+              </a:gsLst>
+              <a:path path="circle">
+                <a:fillToRect l="50000" t="50000" r="50000" b="50000"/>
+              </a:path>
+              <a:tileRect/>
+            </a:gradFill>
+            <a:ln>
+              <a:noFill/>
+            </a:ln>
+            <a:effectLst/>
+          </p:spPr>
+          <p:style>
+            <a:lnRef idx="1">
+              <a:schemeClr val="accent1"/>
+            </a:lnRef>
+            <a:fillRef idx="3">
+              <a:schemeClr val="accent1"/>
+            </a:fillRef>
+            <a:effectRef idx="2">
+              <a:schemeClr val="accent1"/>
+            </a:effectRef>
+            <a:fontRef idx="minor">
+              <a:schemeClr val="lt1"/>
+            </a:fontRef>
+          </p:style>
+        </p:sp>
+        <p:sp>
+          <p:nvSpPr>
+            <p:cNvPr id="10" name="Rectangle 9"/>
+            <p:cNvSpPr/>
+            <p:nvPr/>
+          </p:nvSpPr>
+          <p:spPr bwMode="gray">
             <a:xfrm>
               <a:off x="7289800" y="402165"/>
               <a:ext cx="4478865" cy="6053670"/>
@@ -12042,7 +11600,191 @@
         </p:sp>
         <p:sp>
           <p:nvSpPr>
-            <p:cNvPr id="9" name="Freeform 5"/>
+            <p:cNvPr id="11" name="Freeform 5"/>
+            <p:cNvSpPr/>
+            <p:nvPr/>
+          </p:nvSpPr>
+          <p:spPr bwMode="gray">
+            <a:xfrm rot="16200000">
+              <a:off x="3787244" y="2801721"/>
+              <a:ext cx="6053670" cy="1254558"/>
+            </a:xfrm>
+            <a:custGeom>
+              <a:avLst/>
+              <a:gdLst/>
+              <a:ahLst/>
+              <a:cxnLst/>
+              <a:rect l="l" t="t" r="r" b="b"/>
+              <a:pathLst>
+                <a:path w="10000" h="8000">
+                  <a:moveTo>
+                    <a:pt x="0" y="0"/>
+                  </a:moveTo>
+                  <a:lnTo>
+                    <a:pt x="0" y="7970"/>
+                  </a:lnTo>
+                  <a:lnTo>
+                    <a:pt x="10000" y="8000"/>
+                  </a:lnTo>
+                  <a:lnTo>
+                    <a:pt x="10000" y="7"/>
+                  </a:lnTo>
+                  <a:lnTo>
+                    <a:pt x="10000" y="7"/>
+                  </a:lnTo>
+                  <a:lnTo>
+                    <a:pt x="9773" y="156"/>
+                  </a:lnTo>
+                  <a:lnTo>
+                    <a:pt x="9547" y="298"/>
+                  </a:lnTo>
+                  <a:lnTo>
+                    <a:pt x="9320" y="437"/>
+                  </a:lnTo>
+                  <a:lnTo>
+                    <a:pt x="9092" y="556"/>
+                  </a:lnTo>
+                  <a:lnTo>
+                    <a:pt x="8865" y="676"/>
+                  </a:lnTo>
+                  <a:lnTo>
+                    <a:pt x="8637" y="788"/>
+                  </a:lnTo>
+                  <a:lnTo>
+                    <a:pt x="8412" y="884"/>
+                  </a:lnTo>
+                  <a:lnTo>
+                    <a:pt x="8184" y="975"/>
+                  </a:lnTo>
+                  <a:lnTo>
+                    <a:pt x="7957" y="1058"/>
+                  </a:lnTo>
+                  <a:lnTo>
+                    <a:pt x="7734" y="1130"/>
+                  </a:lnTo>
+                  <a:lnTo>
+                    <a:pt x="7508" y="1202"/>
+                  </a:lnTo>
+                  <a:lnTo>
+                    <a:pt x="7285" y="1262"/>
+                  </a:lnTo>
+                  <a:lnTo>
+                    <a:pt x="7062" y="1309"/>
+                  </a:lnTo>
+                  <a:lnTo>
+                    <a:pt x="6840" y="1358"/>
+                  </a:lnTo>
+                  <a:lnTo>
+                    <a:pt x="6620" y="1399"/>
+                  </a:lnTo>
+                  <a:lnTo>
+                    <a:pt x="6402" y="1428"/>
+                  </a:lnTo>
+                  <a:lnTo>
+                    <a:pt x="6184" y="1453"/>
+                  </a:lnTo>
+                  <a:lnTo>
+                    <a:pt x="5968" y="1477"/>
+                  </a:lnTo>
+                  <a:lnTo>
+                    <a:pt x="5755" y="1488"/>
+                  </a:lnTo>
+                  <a:lnTo>
+                    <a:pt x="5542" y="1500"/>
+                  </a:lnTo>
+                  <a:lnTo>
+                    <a:pt x="5332" y="1506"/>
+                  </a:lnTo>
+                  <a:lnTo>
+                    <a:pt x="5124" y="1500"/>
+                  </a:lnTo>
+                  <a:lnTo>
+                    <a:pt x="4918" y="1500"/>
+                  </a:lnTo>
+                  <a:lnTo>
+                    <a:pt x="4714" y="1488"/>
+                  </a:lnTo>
+                  <a:lnTo>
+                    <a:pt x="4514" y="1470"/>
+                  </a:lnTo>
+                  <a:lnTo>
+                    <a:pt x="4316" y="1453"/>
+                  </a:lnTo>
+                  <a:lnTo>
+                    <a:pt x="4122" y="1434"/>
+                  </a:lnTo>
+                  <a:lnTo>
+                    <a:pt x="3929" y="1405"/>
+                  </a:lnTo>
+                  <a:lnTo>
+                    <a:pt x="3739" y="1374"/>
+                  </a:lnTo>
+                  <a:lnTo>
+                    <a:pt x="3553" y="1346"/>
+                  </a:lnTo>
+                  <a:lnTo>
+                    <a:pt x="3190" y="1267"/>
+                  </a:lnTo>
+                  <a:lnTo>
+                    <a:pt x="2842" y="1183"/>
+                  </a:lnTo>
+                  <a:lnTo>
+                    <a:pt x="2508" y="1095"/>
+                  </a:lnTo>
+                  <a:lnTo>
+                    <a:pt x="2192" y="998"/>
+                  </a:lnTo>
+                  <a:lnTo>
+                    <a:pt x="1890" y="897"/>
+                  </a:lnTo>
+                  <a:lnTo>
+                    <a:pt x="1610" y="788"/>
+                  </a:lnTo>
+                  <a:lnTo>
+                    <a:pt x="1347" y="681"/>
+                  </a:lnTo>
+                  <a:lnTo>
+                    <a:pt x="1105" y="574"/>
+                  </a:lnTo>
+                  <a:lnTo>
+                    <a:pt x="883" y="473"/>
+                  </a:lnTo>
+                  <a:lnTo>
+                    <a:pt x="686" y="377"/>
+                  </a:lnTo>
+                  <a:lnTo>
+                    <a:pt x="508" y="286"/>
+                  </a:lnTo>
+                  <a:lnTo>
+                    <a:pt x="358" y="210"/>
+                  </a:lnTo>
+                  <a:lnTo>
+                    <a:pt x="232" y="138"/>
+                  </a:lnTo>
+                  <a:lnTo>
+                    <a:pt x="59" y="35"/>
+                  </a:lnTo>
+                  <a:lnTo>
+                    <a:pt x="0" y="0"/>
+                  </a:lnTo>
+                  <a:lnTo>
+                    <a:pt x="0" y="0"/>
+                  </a:lnTo>
+                  <a:close/>
+                </a:path>
+              </a:pathLst>
+            </a:custGeom>
+            <a:solidFill>
+              <a:schemeClr val="bg1"/>
+            </a:solidFill>
+            <a:ln>
+              <a:noFill/>
+            </a:ln>
+          </p:spPr>
+        </p:sp>
+        <p:sp>
+          <p:nvSpPr>
+            <p:cNvPr id="12" name="Freeform 5"/>
             <p:cNvSpPr/>
             <p:nvPr/>
           </p:nvSpPr>
@@ -12189,191 +11931,7 @@
         </p:sp>
         <p:sp>
           <p:nvSpPr>
-            <p:cNvPr id="8" name="Freeform 5"/>
-            <p:cNvSpPr/>
-            <p:nvPr/>
-          </p:nvSpPr>
-          <p:spPr bwMode="gray">
-            <a:xfrm rot="16200000">
-              <a:off x="3787244" y="2801721"/>
-              <a:ext cx="6053670" cy="1254558"/>
-            </a:xfrm>
-            <a:custGeom>
-              <a:avLst/>
-              <a:gdLst/>
-              <a:ahLst/>
-              <a:cxnLst/>
-              <a:rect l="l" t="t" r="r" b="b"/>
-              <a:pathLst>
-                <a:path w="10000" h="8000">
-                  <a:moveTo>
-                    <a:pt x="0" y="0"/>
-                  </a:moveTo>
-                  <a:lnTo>
-                    <a:pt x="0" y="7970"/>
-                  </a:lnTo>
-                  <a:lnTo>
-                    <a:pt x="10000" y="8000"/>
-                  </a:lnTo>
-                  <a:lnTo>
-                    <a:pt x="10000" y="7"/>
-                  </a:lnTo>
-                  <a:lnTo>
-                    <a:pt x="10000" y="7"/>
-                  </a:lnTo>
-                  <a:lnTo>
-                    <a:pt x="9773" y="156"/>
-                  </a:lnTo>
-                  <a:lnTo>
-                    <a:pt x="9547" y="298"/>
-                  </a:lnTo>
-                  <a:lnTo>
-                    <a:pt x="9320" y="437"/>
-                  </a:lnTo>
-                  <a:lnTo>
-                    <a:pt x="9092" y="556"/>
-                  </a:lnTo>
-                  <a:lnTo>
-                    <a:pt x="8865" y="676"/>
-                  </a:lnTo>
-                  <a:lnTo>
-                    <a:pt x="8637" y="788"/>
-                  </a:lnTo>
-                  <a:lnTo>
-                    <a:pt x="8412" y="884"/>
-                  </a:lnTo>
-                  <a:lnTo>
-                    <a:pt x="8184" y="975"/>
-                  </a:lnTo>
-                  <a:lnTo>
-                    <a:pt x="7957" y="1058"/>
-                  </a:lnTo>
-                  <a:lnTo>
-                    <a:pt x="7734" y="1130"/>
-                  </a:lnTo>
-                  <a:lnTo>
-                    <a:pt x="7508" y="1202"/>
-                  </a:lnTo>
-                  <a:lnTo>
-                    <a:pt x="7285" y="1262"/>
-                  </a:lnTo>
-                  <a:lnTo>
-                    <a:pt x="7062" y="1309"/>
-                  </a:lnTo>
-                  <a:lnTo>
-                    <a:pt x="6840" y="1358"/>
-                  </a:lnTo>
-                  <a:lnTo>
-                    <a:pt x="6620" y="1399"/>
-                  </a:lnTo>
-                  <a:lnTo>
-                    <a:pt x="6402" y="1428"/>
-                  </a:lnTo>
-                  <a:lnTo>
-                    <a:pt x="6184" y="1453"/>
-                  </a:lnTo>
-                  <a:lnTo>
-                    <a:pt x="5968" y="1477"/>
-                  </a:lnTo>
-                  <a:lnTo>
-                    <a:pt x="5755" y="1488"/>
-                  </a:lnTo>
-                  <a:lnTo>
-                    <a:pt x="5542" y="1500"/>
-                  </a:lnTo>
-                  <a:lnTo>
-                    <a:pt x="5332" y="1506"/>
-                  </a:lnTo>
-                  <a:lnTo>
-                    <a:pt x="5124" y="1500"/>
-                  </a:lnTo>
-                  <a:lnTo>
-                    <a:pt x="4918" y="1500"/>
-                  </a:lnTo>
-                  <a:lnTo>
-                    <a:pt x="4714" y="1488"/>
-                  </a:lnTo>
-                  <a:lnTo>
-                    <a:pt x="4514" y="1470"/>
-                  </a:lnTo>
-                  <a:lnTo>
-                    <a:pt x="4316" y="1453"/>
-                  </a:lnTo>
-                  <a:lnTo>
-                    <a:pt x="4122" y="1434"/>
-                  </a:lnTo>
-                  <a:lnTo>
-                    <a:pt x="3929" y="1405"/>
-                  </a:lnTo>
-                  <a:lnTo>
-                    <a:pt x="3739" y="1374"/>
-                  </a:lnTo>
-                  <a:lnTo>
-                    <a:pt x="3553" y="1346"/>
-                  </a:lnTo>
-                  <a:lnTo>
-                    <a:pt x="3190" y="1267"/>
-                  </a:lnTo>
-                  <a:lnTo>
-                    <a:pt x="2842" y="1183"/>
-                  </a:lnTo>
-                  <a:lnTo>
-                    <a:pt x="2508" y="1095"/>
-                  </a:lnTo>
-                  <a:lnTo>
-                    <a:pt x="2192" y="998"/>
-                  </a:lnTo>
-                  <a:lnTo>
-                    <a:pt x="1890" y="897"/>
-                  </a:lnTo>
-                  <a:lnTo>
-                    <a:pt x="1610" y="788"/>
-                  </a:lnTo>
-                  <a:lnTo>
-                    <a:pt x="1347" y="681"/>
-                  </a:lnTo>
-                  <a:lnTo>
-                    <a:pt x="1105" y="574"/>
-                  </a:lnTo>
-                  <a:lnTo>
-                    <a:pt x="883" y="473"/>
-                  </a:lnTo>
-                  <a:lnTo>
-                    <a:pt x="686" y="377"/>
-                  </a:lnTo>
-                  <a:lnTo>
-                    <a:pt x="508" y="286"/>
-                  </a:lnTo>
-                  <a:lnTo>
-                    <a:pt x="358" y="210"/>
-                  </a:lnTo>
-                  <a:lnTo>
-                    <a:pt x="232" y="138"/>
-                  </a:lnTo>
-                  <a:lnTo>
-                    <a:pt x="59" y="35"/>
-                  </a:lnTo>
-                  <a:lnTo>
-                    <a:pt x="0" y="0"/>
-                  </a:lnTo>
-                  <a:lnTo>
-                    <a:pt x="0" y="0"/>
-                  </a:lnTo>
-                  <a:close/>
-                </a:path>
-              </a:pathLst>
-            </a:custGeom>
-            <a:solidFill>
-              <a:schemeClr val="bg1"/>
-            </a:solidFill>
-            <a:ln>
-              <a:noFill/>
-            </a:ln>
-          </p:spPr>
-        </p:sp>
-        <p:sp>
-          <p:nvSpPr>
-            <p:cNvPr id="12" name="Freeform 5"/>
+            <p:cNvPr id="15" name="Freeform 5"/>
             <p:cNvSpPr>
               <a:spLocks noEditPoints="1"/>
             </p:cNvSpPr>
@@ -12448,8 +12006,8 @@
         </p:nvSpPr>
         <p:spPr>
           <a:xfrm>
-            <a:off x="1154956" y="2677645"/>
-            <a:ext cx="4351023" cy="2283824"/>
+            <a:off x="1154954" y="2677645"/>
+            <a:ext cx="4351025" cy="2283824"/>
           </a:xfrm>
         </p:spPr>
         <p:txBody>
@@ -12480,8 +12038,8 @@
         </p:nvSpPr>
         <p:spPr>
           <a:xfrm>
-            <a:off x="6895558" y="2677644"/>
-            <a:ext cx="3755379" cy="2283823"/>
+            <a:off x="6895559" y="2677644"/>
+            <a:ext cx="3757545" cy="2283824"/>
           </a:xfrm>
         </p:spPr>
         <p:txBody>
@@ -12491,7 +12049,10 @@
               <a:buNone/>
               <a:defRPr sz="2000" cap="all">
                 <a:solidFill>
-                  <a:schemeClr val="accent1"/>
+                  <a:schemeClr val="accent1">
+                    <a:lumMod val="60000"/>
+                    <a:lumOff val="40000"/>
+                  </a:schemeClr>
                 </a:solidFill>
               </a:defRPr>
             </a:lvl1pPr>
@@ -12602,7 +12163,7 @@
           <a:p>
             <a:fld id="{71C85FF8-2AF0-6A4B-B786-86E31EDFDAD3}" type="datetimeFigureOut">
               <a:rPr lang="es-EC" smtClean="0"/>
-              <a:t>29/07/2019</a:t>
+              <a:t>29/7/2019</a:t>
             </a:fld>
             <a:endParaRPr lang="es-EC"/>
           </a:p>
@@ -12629,7 +12190,7 @@
       </p:sp>
       <p:sp>
         <p:nvSpPr>
-          <p:cNvPr id="15" name="Rectangle 14"/>
+          <p:cNvPr id="16" name="Rectangle 15"/>
           <p:cNvSpPr/>
           <p:nvPr/>
         </p:nvSpPr>
@@ -12689,7 +12250,7 @@
     </p:spTree>
     <p:extLst>
       <p:ext uri="{BB962C8B-B14F-4D97-AF65-F5344CB8AC3E}">
-        <p14:creationId xmlns:p14="http://schemas.microsoft.com/office/powerpoint/2010/main" val="313464323"/>
+        <p14:creationId xmlns:p14="http://schemas.microsoft.com/office/powerpoint/2010/main" val="4039181957"/>
       </p:ext>
     </p:extLst>
   </p:cSld>
@@ -12874,7 +12435,7 @@
           <a:p>
             <a:fld id="{71C85FF8-2AF0-6A4B-B786-86E31EDFDAD3}" type="datetimeFigureOut">
               <a:rPr lang="es-EC" smtClean="0"/>
-              <a:t>29/07/2019</a:t>
+              <a:t>29/7/2019</a:t>
             </a:fld>
             <a:endParaRPr lang="es-EC"/>
           </a:p>
@@ -12925,7 +12486,7 @@
     </p:spTree>
     <p:extLst>
       <p:ext uri="{BB962C8B-B14F-4D97-AF65-F5344CB8AC3E}">
-        <p14:creationId xmlns:p14="http://schemas.microsoft.com/office/powerpoint/2010/main" val="4160067421"/>
+        <p14:creationId xmlns:p14="http://schemas.microsoft.com/office/powerpoint/2010/main" val="2506292701"/>
       </p:ext>
     </p:extLst>
   </p:cSld>
@@ -13192,7 +12753,7 @@
         </p:nvSpPr>
         <p:spPr>
           <a:xfrm>
-            <a:off x="6208710" y="3179762"/>
+            <a:off x="6208712" y="3179762"/>
             <a:ext cx="4825159" cy="2840039"/>
           </a:xfrm>
         </p:spPr>
@@ -13200,7 +12761,35 @@
           <a:bodyPr>
             <a:normAutofit/>
           </a:bodyPr>
-          <a:lstStyle/>
+          <a:lstStyle>
+            <a:lvl1pPr>
+              <a:defRPr sz="1800"/>
+            </a:lvl1pPr>
+            <a:lvl2pPr>
+              <a:defRPr sz="1600"/>
+            </a:lvl2pPr>
+            <a:lvl3pPr>
+              <a:defRPr sz="1400"/>
+            </a:lvl3pPr>
+            <a:lvl4pPr>
+              <a:defRPr sz="1200"/>
+            </a:lvl4pPr>
+            <a:lvl5pPr>
+              <a:defRPr sz="1200"/>
+            </a:lvl5pPr>
+            <a:lvl6pPr>
+              <a:defRPr sz="1200"/>
+            </a:lvl6pPr>
+            <a:lvl7pPr>
+              <a:defRPr sz="1200"/>
+            </a:lvl7pPr>
+            <a:lvl8pPr>
+              <a:defRPr sz="1200"/>
+            </a:lvl8pPr>
+            <a:lvl9pPr>
+              <a:defRPr sz="1200"/>
+            </a:lvl9pPr>
+          </a:lstStyle>
           <a:p>
             <a:pPr lvl="0"/>
             <a:r>
@@ -13256,7 +12845,7 @@
           <a:p>
             <a:fld id="{71C85FF8-2AF0-6A4B-B786-86E31EDFDAD3}" type="datetimeFigureOut">
               <a:rPr lang="es-EC" smtClean="0"/>
-              <a:t>29/07/2019</a:t>
+              <a:t>29/7/2019</a:t>
             </a:fld>
             <a:endParaRPr lang="es-EC"/>
           </a:p>
@@ -13307,7 +12896,7 @@
     </p:spTree>
     <p:extLst>
       <p:ext uri="{BB962C8B-B14F-4D97-AF65-F5344CB8AC3E}">
-        <p14:creationId xmlns:p14="http://schemas.microsoft.com/office/powerpoint/2010/main" val="948929309"/>
+        <p14:creationId xmlns:p14="http://schemas.microsoft.com/office/powerpoint/2010/main" val="1945042883"/>
       </p:ext>
     </p:extLst>
   </p:cSld>
@@ -13336,7 +12925,7 @@
       </p:grpSpPr>
       <p:sp>
         <p:nvSpPr>
-          <p:cNvPr id="2" name="Title 1"/>
+          <p:cNvPr id="9" name="Title 1"/>
           <p:cNvSpPr>
             <a:spLocks noGrp="1"/>
           </p:cNvSpPr>
@@ -13344,10 +12933,19 @@
             <p:ph type="title"/>
           </p:nvPr>
         </p:nvSpPr>
-        <p:spPr/>
+        <p:spPr>
+          <a:xfrm>
+            <a:off x="1154954" y="973668"/>
+            <a:ext cx="8761413" cy="706964"/>
+          </a:xfrm>
+        </p:spPr>
         <p:txBody>
           <a:bodyPr/>
-          <a:lstStyle/>
+          <a:lstStyle>
+            <a:lvl1pPr>
+              <a:defRPr/>
+            </a:lvl1pPr>
+          </a:lstStyle>
           <a:p>
             <a:r>
               <a:rPr lang="es-ES"/>
@@ -13374,7 +12972,7 @@
           <a:p>
             <a:fld id="{71C85FF8-2AF0-6A4B-B786-86E31EDFDAD3}" type="datetimeFigureOut">
               <a:rPr lang="es-EC" smtClean="0"/>
-              <a:t>29/07/2019</a:t>
+              <a:t>29/7/2019</a:t>
             </a:fld>
             <a:endParaRPr lang="es-EC"/>
           </a:p>
@@ -13425,7 +13023,7 @@
     </p:spTree>
     <p:extLst>
       <p:ext uri="{BB962C8B-B14F-4D97-AF65-F5344CB8AC3E}">
-        <p14:creationId xmlns:p14="http://schemas.microsoft.com/office/powerpoint/2010/main" val="469626289"/>
+        <p14:creationId xmlns:p14="http://schemas.microsoft.com/office/powerpoint/2010/main" val="2733358590"/>
       </p:ext>
     </p:extLst>
   </p:cSld>
@@ -13469,7 +13067,7 @@
           <a:p>
             <a:fld id="{71C85FF8-2AF0-6A4B-B786-86E31EDFDAD3}" type="datetimeFigureOut">
               <a:rPr lang="es-EC" smtClean="0"/>
-              <a:t>29/07/2019</a:t>
+              <a:t>29/7/2019</a:t>
             </a:fld>
             <a:endParaRPr lang="es-EC"/>
           </a:p>
@@ -13556,7 +13154,7 @@
     </p:spTree>
     <p:extLst>
       <p:ext uri="{BB962C8B-B14F-4D97-AF65-F5344CB8AC3E}">
-        <p14:creationId xmlns:p14="http://schemas.microsoft.com/office/powerpoint/2010/main" val="3716026539"/>
+        <p14:creationId xmlns:p14="http://schemas.microsoft.com/office/powerpoint/2010/main" val="4108857434"/>
       </p:ext>
     </p:extLst>
   </p:cSld>
@@ -13585,21 +13183,21 @@
       </p:grpSpPr>
       <p:grpSp>
         <p:nvGrpSpPr>
-          <p:cNvPr id="14" name="Group 13"/>
+          <p:cNvPr id="9" name="Group 8"/>
           <p:cNvGrpSpPr/>
           <p:nvPr/>
         </p:nvGrpSpPr>
         <p:grpSpPr>
           <a:xfrm>
-            <a:off x="0" y="-2373"/>
-            <a:ext cx="12192000" cy="6867027"/>
-            <a:chOff x="0" y="-2373"/>
-            <a:chExt cx="12192000" cy="6867027"/>
+            <a:off x="0" y="0"/>
+            <a:ext cx="12192000" cy="6858000"/>
+            <a:chOff x="0" y="0"/>
+            <a:chExt cx="12192000" cy="6858000"/>
           </a:xfrm>
         </p:grpSpPr>
         <p:sp>
           <p:nvSpPr>
-            <p:cNvPr id="12" name="Rectangle 11"/>
+            <p:cNvPr id="14" name="Rectangle 13"/>
             <p:cNvSpPr/>
             <p:nvPr/>
           </p:nvSpPr>
@@ -13615,16 +13213,15 @@
               <a:blip r:embed="rId2">
                 <a:duotone>
                   <a:schemeClr val="dk2">
-                    <a:shade val="62000"/>
-                    <a:hueMod val="108000"/>
+                    <a:shade val="69000"/>
+                    <a:hueMod val="91000"/>
                     <a:satMod val="164000"/>
-                    <a:lumMod val="69000"/>
+                    <a:lumMod val="74000"/>
                   </a:schemeClr>
                   <a:schemeClr val="dk2">
-                    <a:tint val="96000"/>
-                    <a:hueMod val="90000"/>
-                    <a:satMod val="130000"/>
-                    <a:lumMod val="134000"/>
+                    <a:hueMod val="124000"/>
+                    <a:satMod val="140000"/>
+                    <a:lumMod val="142000"/>
                   </a:schemeClr>
                 </a:duotone>
               </a:blip>
@@ -13655,13 +13252,13 @@
         </p:sp>
         <p:sp>
           <p:nvSpPr>
-            <p:cNvPr id="16" name="Oval 15"/>
+            <p:cNvPr id="17" name="Oval 16"/>
             <p:cNvSpPr/>
             <p:nvPr/>
           </p:nvSpPr>
           <p:spPr>
             <a:xfrm>
-              <a:off x="3220" y="2667000"/>
+              <a:off x="0" y="2667000"/>
               <a:ext cx="4191000" cy="4191000"/>
             </a:xfrm>
             <a:prstGeom prst="ellipse">
@@ -13670,150 +13267,18 @@
             <a:gradFill flip="none" rotWithShape="1">
               <a:gsLst>
                 <a:gs pos="0">
-                  <a:schemeClr val="bg2">
-                    <a:lumMod val="40000"/>
-                    <a:lumOff val="60000"/>
+                  <a:schemeClr val="accent5">
                     <a:alpha val="11000"/>
                   </a:schemeClr>
                 </a:gs>
                 <a:gs pos="75000">
-                  <a:schemeClr val="bg2">
-                    <a:lumMod val="40000"/>
-                    <a:lumOff val="60000"/>
+                  <a:schemeClr val="accent5">
                     <a:alpha val="0"/>
                   </a:schemeClr>
                 </a:gs>
                 <a:gs pos="36000">
-                  <a:schemeClr val="bg2">
-                    <a:lumMod val="40000"/>
-                    <a:lumOff val="60000"/>
+                  <a:schemeClr val="accent5">
                     <a:alpha val="10000"/>
-                  </a:schemeClr>
-                </a:gs>
-              </a:gsLst>
-              <a:path path="circle">
-                <a:fillToRect l="50000" t="50000" r="50000" b="50000"/>
-              </a:path>
-              <a:tileRect/>
-            </a:gradFill>
-            <a:ln>
-              <a:noFill/>
-            </a:ln>
-            <a:effectLst/>
-          </p:spPr>
-          <p:style>
-            <a:lnRef idx="1">
-              <a:schemeClr val="accent1"/>
-            </a:lnRef>
-            <a:fillRef idx="3">
-              <a:schemeClr val="accent1"/>
-            </a:fillRef>
-            <a:effectRef idx="2">
-              <a:schemeClr val="accent1"/>
-            </a:effectRef>
-            <a:fontRef idx="minor">
-              <a:schemeClr val="lt1"/>
-            </a:fontRef>
-          </p:style>
-        </p:sp>
-        <p:sp>
-          <p:nvSpPr>
-            <p:cNvPr id="17" name="Oval 16"/>
-            <p:cNvSpPr/>
-            <p:nvPr/>
-          </p:nvSpPr>
-          <p:spPr>
-            <a:xfrm>
-              <a:off x="1750" y="2895600"/>
-              <a:ext cx="2362200" cy="2362200"/>
-            </a:xfrm>
-            <a:prstGeom prst="ellipse">
-              <a:avLst/>
-            </a:prstGeom>
-            <a:gradFill flip="none" rotWithShape="1">
-              <a:gsLst>
-                <a:gs pos="0">
-                  <a:schemeClr val="bg2">
-                    <a:lumMod val="40000"/>
-                    <a:lumOff val="60000"/>
-                    <a:alpha val="8000"/>
-                  </a:schemeClr>
-                </a:gs>
-                <a:gs pos="72000">
-                  <a:schemeClr val="bg2">
-                    <a:lumMod val="40000"/>
-                    <a:lumOff val="60000"/>
-                    <a:alpha val="0"/>
-                  </a:schemeClr>
-                </a:gs>
-                <a:gs pos="36000">
-                  <a:schemeClr val="bg2">
-                    <a:lumMod val="40000"/>
-                    <a:lumOff val="60000"/>
-                    <a:alpha val="8000"/>
-                  </a:schemeClr>
-                </a:gs>
-              </a:gsLst>
-              <a:path path="circle">
-                <a:fillToRect l="50000" t="50000" r="50000" b="50000"/>
-              </a:path>
-              <a:tileRect/>
-            </a:gradFill>
-            <a:ln>
-              <a:noFill/>
-            </a:ln>
-            <a:effectLst/>
-          </p:spPr>
-          <p:style>
-            <a:lnRef idx="1">
-              <a:schemeClr val="accent1"/>
-            </a:lnRef>
-            <a:fillRef idx="3">
-              <a:schemeClr val="accent1"/>
-            </a:fillRef>
-            <a:effectRef idx="2">
-              <a:schemeClr val="accent1"/>
-            </a:effectRef>
-            <a:fontRef idx="minor">
-              <a:schemeClr val="lt1"/>
-            </a:fontRef>
-          </p:style>
-        </p:sp>
-        <p:sp>
-          <p:nvSpPr>
-            <p:cNvPr id="18" name="Oval 17"/>
-            <p:cNvSpPr/>
-            <p:nvPr/>
-          </p:nvSpPr>
-          <p:spPr>
-            <a:xfrm>
-              <a:off x="8609012" y="1676400"/>
-              <a:ext cx="2819400" cy="2819400"/>
-            </a:xfrm>
-            <a:prstGeom prst="ellipse">
-              <a:avLst/>
-            </a:prstGeom>
-            <a:gradFill flip="none" rotWithShape="1">
-              <a:gsLst>
-                <a:gs pos="0">
-                  <a:schemeClr val="bg2">
-                    <a:lumMod val="40000"/>
-                    <a:lumOff val="60000"/>
-                    <a:alpha val="7000"/>
-                  </a:schemeClr>
-                </a:gs>
-                <a:gs pos="69000">
-                  <a:schemeClr val="bg2">
-                    <a:lumMod val="40000"/>
-                    <a:lumOff val="60000"/>
-                    <a:alpha val="0"/>
-                  </a:schemeClr>
-                </a:gs>
-                <a:gs pos="36000">
-                  <a:schemeClr val="bg2">
-                    <a:lumMod val="40000"/>
-                    <a:lumOff val="60000"/>
-                    <a:alpha val="6000"/>
                   </a:schemeClr>
                 </a:gs>
               </a:gsLst>
@@ -13850,8 +13315,8 @@
           </p:nvSpPr>
           <p:spPr>
             <a:xfrm>
-              <a:off x="7999412" y="-2373"/>
-              <a:ext cx="1600200" cy="1600200"/>
+              <a:off x="0" y="2895600"/>
+              <a:ext cx="2362200" cy="2362200"/>
             </a:xfrm>
             <a:prstGeom prst="ellipse">
               <a:avLst/>
@@ -13859,24 +13324,18 @@
             <a:gradFill flip="none" rotWithShape="1">
               <a:gsLst>
                 <a:gs pos="0">
-                  <a:schemeClr val="bg2">
-                    <a:lumMod val="40000"/>
-                    <a:lumOff val="60000"/>
-                    <a:alpha val="14000"/>
+                  <a:schemeClr val="accent5">
+                    <a:alpha val="8000"/>
                   </a:schemeClr>
                 </a:gs>
-                <a:gs pos="73000">
-                  <a:schemeClr val="bg2">
-                    <a:lumMod val="40000"/>
-                    <a:lumOff val="60000"/>
+                <a:gs pos="72000">
+                  <a:schemeClr val="accent5">
                     <a:alpha val="0"/>
                   </a:schemeClr>
                 </a:gs>
                 <a:gs pos="36000">
-                  <a:schemeClr val="bg2">
-                    <a:lumMod val="40000"/>
-                    <a:lumOff val="60000"/>
-                    <a:alpha val="7000"/>
+                  <a:schemeClr val="accent5">
+                    <a:alpha val="8000"/>
                   </a:schemeClr>
                 </a:gs>
               </a:gsLst>
@@ -13913,7 +13372,7 @@
           </p:nvSpPr>
           <p:spPr>
             <a:xfrm>
-              <a:off x="8609012" y="5874054"/>
+              <a:off x="8609012" y="5867400"/>
               <a:ext cx="990600" cy="990600"/>
             </a:xfrm>
             <a:prstGeom prst="ellipse">
@@ -13922,23 +13381,17 @@
             <a:gradFill flip="none" rotWithShape="1">
               <a:gsLst>
                 <a:gs pos="0">
-                  <a:schemeClr val="bg2">
-                    <a:lumMod val="40000"/>
-                    <a:lumOff val="60000"/>
+                  <a:schemeClr val="accent5">
                     <a:alpha val="14000"/>
                   </a:schemeClr>
                 </a:gs>
                 <a:gs pos="66000">
-                  <a:schemeClr val="bg2">
-                    <a:lumMod val="40000"/>
-                    <a:lumOff val="60000"/>
+                  <a:schemeClr val="accent5">
                     <a:alpha val="0"/>
                   </a:schemeClr>
                 </a:gs>
                 <a:gs pos="36000">
-                  <a:schemeClr val="bg2">
-                    <a:lumMod val="40000"/>
-                    <a:lumOff val="60000"/>
+                  <a:schemeClr val="accent5">
                     <a:alpha val="7000"/>
                   </a:schemeClr>
                 </a:gs>
@@ -13970,11 +13423,125 @@
         </p:sp>
         <p:sp>
           <p:nvSpPr>
-            <p:cNvPr id="8" name="Rectangle 7"/>
+            <p:cNvPr id="21" name="Oval 20"/>
             <p:cNvSpPr/>
             <p:nvPr/>
           </p:nvSpPr>
           <p:spPr>
+            <a:xfrm>
+              <a:off x="8609012" y="1676400"/>
+              <a:ext cx="2819400" cy="2819400"/>
+            </a:xfrm>
+            <a:prstGeom prst="ellipse">
+              <a:avLst/>
+            </a:prstGeom>
+            <a:gradFill flip="none" rotWithShape="1">
+              <a:gsLst>
+                <a:gs pos="0">
+                  <a:schemeClr val="accent5">
+                    <a:alpha val="7000"/>
+                  </a:schemeClr>
+                </a:gs>
+                <a:gs pos="69000">
+                  <a:schemeClr val="accent5">
+                    <a:alpha val="0"/>
+                  </a:schemeClr>
+                </a:gs>
+                <a:gs pos="36000">
+                  <a:schemeClr val="accent5">
+                    <a:alpha val="6000"/>
+                  </a:schemeClr>
+                </a:gs>
+              </a:gsLst>
+              <a:path path="circle">
+                <a:fillToRect l="50000" t="50000" r="50000" b="50000"/>
+              </a:path>
+              <a:tileRect/>
+            </a:gradFill>
+            <a:ln>
+              <a:noFill/>
+            </a:ln>
+            <a:effectLst/>
+          </p:spPr>
+          <p:style>
+            <a:lnRef idx="1">
+              <a:schemeClr val="accent1"/>
+            </a:lnRef>
+            <a:fillRef idx="3">
+              <a:schemeClr val="accent1"/>
+            </a:fillRef>
+            <a:effectRef idx="2">
+              <a:schemeClr val="accent1"/>
+            </a:effectRef>
+            <a:fontRef idx="minor">
+              <a:schemeClr val="lt1"/>
+            </a:fontRef>
+          </p:style>
+        </p:sp>
+        <p:sp>
+          <p:nvSpPr>
+            <p:cNvPr id="22" name="Oval 21"/>
+            <p:cNvSpPr/>
+            <p:nvPr/>
+          </p:nvSpPr>
+          <p:spPr>
+            <a:xfrm>
+              <a:off x="7999412" y="8464"/>
+              <a:ext cx="1600200" cy="1600200"/>
+            </a:xfrm>
+            <a:prstGeom prst="ellipse">
+              <a:avLst/>
+            </a:prstGeom>
+            <a:gradFill flip="none" rotWithShape="1">
+              <a:gsLst>
+                <a:gs pos="0">
+                  <a:schemeClr val="accent5">
+                    <a:alpha val="14000"/>
+                  </a:schemeClr>
+                </a:gs>
+                <a:gs pos="73000">
+                  <a:schemeClr val="accent5">
+                    <a:alpha val="0"/>
+                  </a:schemeClr>
+                </a:gs>
+                <a:gs pos="36000">
+                  <a:schemeClr val="accent5">
+                    <a:alpha val="7000"/>
+                  </a:schemeClr>
+                </a:gs>
+              </a:gsLst>
+              <a:path path="circle">
+                <a:fillToRect l="50000" t="50000" r="50000" b="50000"/>
+              </a:path>
+              <a:tileRect/>
+            </a:gradFill>
+            <a:ln>
+              <a:noFill/>
+            </a:ln>
+            <a:effectLst/>
+          </p:spPr>
+          <p:style>
+            <a:lnRef idx="1">
+              <a:schemeClr val="accent1"/>
+            </a:lnRef>
+            <a:fillRef idx="3">
+              <a:schemeClr val="accent1"/>
+            </a:fillRef>
+            <a:effectRef idx="2">
+              <a:schemeClr val="accent1"/>
+            </a:effectRef>
+            <a:fontRef idx="minor">
+              <a:schemeClr val="lt1"/>
+            </a:fontRef>
+          </p:style>
+        </p:sp>
+        <p:sp>
+          <p:nvSpPr>
+            <p:cNvPr id="11" name="Rectangle 10"/>
+            <p:cNvSpPr/>
+            <p:nvPr/>
+          </p:nvSpPr>
+          <p:spPr bwMode="gray">
             <a:xfrm>
               <a:off x="5713412" y="402165"/>
               <a:ext cx="6055253" cy="6053670"/>
@@ -14007,7 +13574,7 @@
         </p:sp>
         <p:sp>
           <p:nvSpPr>
-            <p:cNvPr id="10" name="Freeform 5"/>
+            <p:cNvPr id="18" name="Freeform 5"/>
             <p:cNvSpPr/>
             <p:nvPr/>
           </p:nvSpPr>
@@ -14154,7 +13721,7 @@
         </p:sp>
         <p:sp>
           <p:nvSpPr>
-            <p:cNvPr id="9" name="Freeform 5"/>
+            <p:cNvPr id="12" name="Freeform 5"/>
             <p:cNvSpPr/>
             <p:nvPr/>
           </p:nvSpPr>
@@ -14338,7 +13905,7 @@
         </p:sp>
         <p:sp>
           <p:nvSpPr>
-            <p:cNvPr id="13" name="Freeform 5"/>
+            <p:cNvPr id="15" name="Freeform 5"/>
             <p:cNvSpPr>
               <a:spLocks noEditPoints="1"/>
             </p:cNvSpPr>
@@ -14413,8 +13980,8 @@
         </p:nvSpPr>
         <p:spPr>
           <a:xfrm>
-            <a:off x="1154954" y="1295400"/>
-            <a:ext cx="2793159" cy="1600200"/>
+            <a:off x="1154955" y="1295400"/>
+            <a:ext cx="2793158" cy="1600200"/>
           </a:xfrm>
         </p:spPr>
         <p:txBody>
@@ -14446,7 +14013,7 @@
         <p:spPr>
           <a:xfrm>
             <a:off x="5781146" y="1447800"/>
-            <a:ext cx="5190065" cy="4572000"/>
+            <a:ext cx="5190066" cy="4572000"/>
           </a:xfrm>
         </p:spPr>
         <p:txBody>
@@ -14504,8 +14071,8 @@
         </p:nvSpPr>
         <p:spPr bwMode="gray">
           <a:xfrm>
-            <a:off x="1154955" y="2895600"/>
-            <a:ext cx="2793158" cy="3129279"/>
+            <a:off x="1154954" y="3129280"/>
+            <a:ext cx="2793158" cy="2895599"/>
           </a:xfrm>
         </p:spPr>
         <p:txBody>
@@ -14515,7 +14082,10 @@
               <a:buNone/>
               <a:defRPr sz="1400">
                 <a:solidFill>
-                  <a:schemeClr val="accent1"/>
+                  <a:schemeClr val="accent1">
+                    <a:lumMod val="60000"/>
+                    <a:lumOff val="40000"/>
+                  </a:schemeClr>
                 </a:solidFill>
               </a:defRPr>
             </a:lvl1pPr>
@@ -14578,7 +14148,7 @@
           <a:p>
             <a:fld id="{71C85FF8-2AF0-6A4B-B786-86E31EDFDAD3}" type="datetimeFigureOut">
               <a:rPr lang="es-EC" smtClean="0"/>
-              <a:t>29/07/2019</a:t>
+              <a:t>29/7/2019</a:t>
             </a:fld>
             <a:endParaRPr lang="es-EC"/>
           </a:p>
@@ -14605,7 +14175,7 @@
       </p:sp>
       <p:sp>
         <p:nvSpPr>
-          <p:cNvPr id="15" name="Rectangle 14"/>
+          <p:cNvPr id="16" name="Rectangle 15"/>
           <p:cNvSpPr/>
           <p:nvPr/>
         </p:nvSpPr>
@@ -14665,7 +14235,7 @@
     </p:spTree>
     <p:extLst>
       <p:ext uri="{BB962C8B-B14F-4D97-AF65-F5344CB8AC3E}">
-        <p14:creationId xmlns:p14="http://schemas.microsoft.com/office/powerpoint/2010/main" val="2894269739"/>
+        <p14:creationId xmlns:p14="http://schemas.microsoft.com/office/powerpoint/2010/main" val="977192851"/>
       </p:ext>
     </p:extLst>
   </p:cSld>
@@ -14694,21 +14264,21 @@
       </p:grpSpPr>
       <p:grpSp>
         <p:nvGrpSpPr>
-          <p:cNvPr id="20" name="Group 19"/>
+          <p:cNvPr id="9" name="Group 8"/>
           <p:cNvGrpSpPr/>
           <p:nvPr/>
         </p:nvGrpSpPr>
         <p:grpSpPr>
           <a:xfrm>
-            <a:off x="0" y="-2373"/>
-            <a:ext cx="12192000" cy="6867027"/>
-            <a:chOff x="0" y="-2373"/>
-            <a:chExt cx="12192000" cy="6867027"/>
+            <a:off x="0" y="0"/>
+            <a:ext cx="12192000" cy="6858000"/>
+            <a:chOff x="0" y="0"/>
+            <a:chExt cx="12192000" cy="6858000"/>
           </a:xfrm>
         </p:grpSpPr>
         <p:sp>
           <p:nvSpPr>
-            <p:cNvPr id="12" name="Rectangle 11"/>
+            <p:cNvPr id="14" name="Rectangle 13"/>
             <p:cNvSpPr/>
             <p:nvPr/>
           </p:nvSpPr>
@@ -14724,16 +14294,15 @@
               <a:blip r:embed="rId2">
                 <a:duotone>
                   <a:schemeClr val="dk2">
-                    <a:shade val="62000"/>
-                    <a:hueMod val="108000"/>
+                    <a:shade val="69000"/>
+                    <a:hueMod val="91000"/>
                     <a:satMod val="164000"/>
-                    <a:lumMod val="69000"/>
+                    <a:lumMod val="74000"/>
                   </a:schemeClr>
                   <a:schemeClr val="dk2">
-                    <a:tint val="96000"/>
-                    <a:hueMod val="90000"/>
-                    <a:satMod val="130000"/>
-                    <a:lumMod val="134000"/>
+                    <a:hueMod val="124000"/>
+                    <a:satMod val="140000"/>
+                    <a:lumMod val="142000"/>
                   </a:schemeClr>
                 </a:duotone>
               </a:blip>
@@ -14764,13 +14333,13 @@
         </p:sp>
         <p:sp>
           <p:nvSpPr>
-            <p:cNvPr id="15" name="Oval 14"/>
+            <p:cNvPr id="17" name="Oval 16"/>
             <p:cNvSpPr/>
             <p:nvPr/>
           </p:nvSpPr>
           <p:spPr>
             <a:xfrm>
-              <a:off x="3220" y="2667000"/>
+              <a:off x="0" y="2667000"/>
               <a:ext cx="4191000" cy="4191000"/>
             </a:xfrm>
             <a:prstGeom prst="ellipse">
@@ -14779,150 +14348,18 @@
             <a:gradFill flip="none" rotWithShape="1">
               <a:gsLst>
                 <a:gs pos="0">
-                  <a:schemeClr val="bg2">
-                    <a:lumMod val="40000"/>
-                    <a:lumOff val="60000"/>
+                  <a:schemeClr val="accent5">
                     <a:alpha val="11000"/>
                   </a:schemeClr>
                 </a:gs>
                 <a:gs pos="75000">
-                  <a:schemeClr val="bg2">
-                    <a:lumMod val="40000"/>
-                    <a:lumOff val="60000"/>
+                  <a:schemeClr val="accent5">
                     <a:alpha val="0"/>
                   </a:schemeClr>
                 </a:gs>
                 <a:gs pos="36000">
-                  <a:schemeClr val="bg2">
-                    <a:lumMod val="40000"/>
-                    <a:lumOff val="60000"/>
+                  <a:schemeClr val="accent5">
                     <a:alpha val="10000"/>
-                  </a:schemeClr>
-                </a:gs>
-              </a:gsLst>
-              <a:path path="circle">
-                <a:fillToRect l="50000" t="50000" r="50000" b="50000"/>
-              </a:path>
-              <a:tileRect/>
-            </a:gradFill>
-            <a:ln>
-              <a:noFill/>
-            </a:ln>
-            <a:effectLst/>
-          </p:spPr>
-          <p:style>
-            <a:lnRef idx="1">
-              <a:schemeClr val="accent1"/>
-            </a:lnRef>
-            <a:fillRef idx="3">
-              <a:schemeClr val="accent1"/>
-            </a:fillRef>
-            <a:effectRef idx="2">
-              <a:schemeClr val="accent1"/>
-            </a:effectRef>
-            <a:fontRef idx="minor">
-              <a:schemeClr val="lt1"/>
-            </a:fontRef>
-          </p:style>
-        </p:sp>
-        <p:sp>
-          <p:nvSpPr>
-            <p:cNvPr id="16" name="Oval 15"/>
-            <p:cNvSpPr/>
-            <p:nvPr/>
-          </p:nvSpPr>
-          <p:spPr>
-            <a:xfrm>
-              <a:off x="1750" y="2895600"/>
-              <a:ext cx="2362200" cy="2362200"/>
-            </a:xfrm>
-            <a:prstGeom prst="ellipse">
-              <a:avLst/>
-            </a:prstGeom>
-            <a:gradFill flip="none" rotWithShape="1">
-              <a:gsLst>
-                <a:gs pos="0">
-                  <a:schemeClr val="bg2">
-                    <a:lumMod val="40000"/>
-                    <a:lumOff val="60000"/>
-                    <a:alpha val="8000"/>
-                  </a:schemeClr>
-                </a:gs>
-                <a:gs pos="72000">
-                  <a:schemeClr val="bg2">
-                    <a:lumMod val="40000"/>
-                    <a:lumOff val="60000"/>
-                    <a:alpha val="0"/>
-                  </a:schemeClr>
-                </a:gs>
-                <a:gs pos="36000">
-                  <a:schemeClr val="bg2">
-                    <a:lumMod val="40000"/>
-                    <a:lumOff val="60000"/>
-                    <a:alpha val="8000"/>
-                  </a:schemeClr>
-                </a:gs>
-              </a:gsLst>
-              <a:path path="circle">
-                <a:fillToRect l="50000" t="50000" r="50000" b="50000"/>
-              </a:path>
-              <a:tileRect/>
-            </a:gradFill>
-            <a:ln>
-              <a:noFill/>
-            </a:ln>
-            <a:effectLst/>
-          </p:spPr>
-          <p:style>
-            <a:lnRef idx="1">
-              <a:schemeClr val="accent1"/>
-            </a:lnRef>
-            <a:fillRef idx="3">
-              <a:schemeClr val="accent1"/>
-            </a:fillRef>
-            <a:effectRef idx="2">
-              <a:schemeClr val="accent1"/>
-            </a:effectRef>
-            <a:fontRef idx="minor">
-              <a:schemeClr val="lt1"/>
-            </a:fontRef>
-          </p:style>
-        </p:sp>
-        <p:sp>
-          <p:nvSpPr>
-            <p:cNvPr id="17" name="Oval 16"/>
-            <p:cNvSpPr/>
-            <p:nvPr/>
-          </p:nvSpPr>
-          <p:spPr>
-            <a:xfrm>
-              <a:off x="8609012" y="1676400"/>
-              <a:ext cx="2819400" cy="2819400"/>
-            </a:xfrm>
-            <a:prstGeom prst="ellipse">
-              <a:avLst/>
-            </a:prstGeom>
-            <a:gradFill flip="none" rotWithShape="1">
-              <a:gsLst>
-                <a:gs pos="0">
-                  <a:schemeClr val="bg2">
-                    <a:lumMod val="40000"/>
-                    <a:lumOff val="60000"/>
-                    <a:alpha val="7000"/>
-                  </a:schemeClr>
-                </a:gs>
-                <a:gs pos="69000">
-                  <a:schemeClr val="bg2">
-                    <a:lumMod val="40000"/>
-                    <a:lumOff val="60000"/>
-                    <a:alpha val="0"/>
-                  </a:schemeClr>
-                </a:gs>
-                <a:gs pos="36000">
-                  <a:schemeClr val="bg2">
-                    <a:lumMod val="40000"/>
-                    <a:lumOff val="60000"/>
-                    <a:alpha val="6000"/>
                   </a:schemeClr>
                 </a:gs>
               </a:gsLst>
@@ -14959,8 +14396,8 @@
           </p:nvSpPr>
           <p:spPr>
             <a:xfrm>
-              <a:off x="7999412" y="-2373"/>
-              <a:ext cx="1600200" cy="1600200"/>
+              <a:off x="0" y="2895600"/>
+              <a:ext cx="2362200" cy="2362200"/>
             </a:xfrm>
             <a:prstGeom prst="ellipse">
               <a:avLst/>
@@ -14968,24 +14405,18 @@
             <a:gradFill flip="none" rotWithShape="1">
               <a:gsLst>
                 <a:gs pos="0">
-                  <a:schemeClr val="bg2">
-                    <a:lumMod val="40000"/>
-                    <a:lumOff val="60000"/>
-                    <a:alpha val="14000"/>
+                  <a:schemeClr val="accent5">
+                    <a:alpha val="8000"/>
                   </a:schemeClr>
                 </a:gs>
-                <a:gs pos="73000">
-                  <a:schemeClr val="bg2">
-                    <a:lumMod val="40000"/>
-                    <a:lumOff val="60000"/>
+                <a:gs pos="72000">
+                  <a:schemeClr val="accent5">
                     <a:alpha val="0"/>
                   </a:schemeClr>
                 </a:gs>
                 <a:gs pos="36000">
-                  <a:schemeClr val="bg2">
-                    <a:lumMod val="40000"/>
-                    <a:lumOff val="60000"/>
-                    <a:alpha val="7000"/>
+                  <a:schemeClr val="accent5">
+                    <a:alpha val="8000"/>
                   </a:schemeClr>
                 </a:gs>
               </a:gsLst>
@@ -15022,7 +14453,7 @@
           </p:nvSpPr>
           <p:spPr>
             <a:xfrm>
-              <a:off x="8609012" y="5874054"/>
+              <a:off x="8609012" y="5867400"/>
               <a:ext cx="990600" cy="990600"/>
             </a:xfrm>
             <a:prstGeom prst="ellipse">
@@ -15031,23 +14462,17 @@
             <a:gradFill flip="none" rotWithShape="1">
               <a:gsLst>
                 <a:gs pos="0">
-                  <a:schemeClr val="bg2">
-                    <a:lumMod val="40000"/>
-                    <a:lumOff val="60000"/>
+                  <a:schemeClr val="accent5">
                     <a:alpha val="14000"/>
                   </a:schemeClr>
                 </a:gs>
                 <a:gs pos="66000">
-                  <a:schemeClr val="bg2">
-                    <a:lumMod val="40000"/>
-                    <a:lumOff val="60000"/>
+                  <a:schemeClr val="accent5">
                     <a:alpha val="0"/>
                   </a:schemeClr>
                 </a:gs>
                 <a:gs pos="36000">
-                  <a:schemeClr val="bg2">
-                    <a:lumMod val="40000"/>
-                    <a:lumOff val="60000"/>
+                  <a:schemeClr val="accent5">
                     <a:alpha val="7000"/>
                   </a:schemeClr>
                 </a:gs>
@@ -15079,11 +14504,125 @@
         </p:sp>
         <p:sp>
           <p:nvSpPr>
-            <p:cNvPr id="8" name="Rectangle 7"/>
+            <p:cNvPr id="20" name="Oval 19"/>
             <p:cNvSpPr/>
             <p:nvPr/>
           </p:nvSpPr>
           <p:spPr>
+            <a:xfrm>
+              <a:off x="8609012" y="1676400"/>
+              <a:ext cx="2819400" cy="2819400"/>
+            </a:xfrm>
+            <a:prstGeom prst="ellipse">
+              <a:avLst/>
+            </a:prstGeom>
+            <a:gradFill flip="none" rotWithShape="1">
+              <a:gsLst>
+                <a:gs pos="0">
+                  <a:schemeClr val="accent5">
+                    <a:alpha val="7000"/>
+                  </a:schemeClr>
+                </a:gs>
+                <a:gs pos="69000">
+                  <a:schemeClr val="accent5">
+                    <a:alpha val="0"/>
+                  </a:schemeClr>
+                </a:gs>
+                <a:gs pos="36000">
+                  <a:schemeClr val="accent5">
+                    <a:alpha val="6000"/>
+                  </a:schemeClr>
+                </a:gs>
+              </a:gsLst>
+              <a:path path="circle">
+                <a:fillToRect l="50000" t="50000" r="50000" b="50000"/>
+              </a:path>
+              <a:tileRect/>
+            </a:gradFill>
+            <a:ln>
+              <a:noFill/>
+            </a:ln>
+            <a:effectLst/>
+          </p:spPr>
+          <p:style>
+            <a:lnRef idx="1">
+              <a:schemeClr val="accent1"/>
+            </a:lnRef>
+            <a:fillRef idx="3">
+              <a:schemeClr val="accent1"/>
+            </a:fillRef>
+            <a:effectRef idx="2">
+              <a:schemeClr val="accent1"/>
+            </a:effectRef>
+            <a:fontRef idx="minor">
+              <a:schemeClr val="lt1"/>
+            </a:fontRef>
+          </p:style>
+        </p:sp>
+        <p:sp>
+          <p:nvSpPr>
+            <p:cNvPr id="21" name="Oval 20"/>
+            <p:cNvSpPr/>
+            <p:nvPr/>
+          </p:nvSpPr>
+          <p:spPr>
+            <a:xfrm>
+              <a:off x="7999412" y="8464"/>
+              <a:ext cx="1600200" cy="1600200"/>
+            </a:xfrm>
+            <a:prstGeom prst="ellipse">
+              <a:avLst/>
+            </a:prstGeom>
+            <a:gradFill flip="none" rotWithShape="1">
+              <a:gsLst>
+                <a:gs pos="0">
+                  <a:schemeClr val="accent5">
+                    <a:alpha val="14000"/>
+                  </a:schemeClr>
+                </a:gs>
+                <a:gs pos="73000">
+                  <a:schemeClr val="accent5">
+                    <a:alpha val="0"/>
+                  </a:schemeClr>
+                </a:gs>
+                <a:gs pos="36000">
+                  <a:schemeClr val="accent5">
+                    <a:alpha val="7000"/>
+                  </a:schemeClr>
+                </a:gs>
+              </a:gsLst>
+              <a:path path="circle">
+                <a:fillToRect l="50000" t="50000" r="50000" b="50000"/>
+              </a:path>
+              <a:tileRect/>
+            </a:gradFill>
+            <a:ln>
+              <a:noFill/>
+            </a:ln>
+            <a:effectLst/>
+          </p:spPr>
+          <p:style>
+            <a:lnRef idx="1">
+              <a:schemeClr val="accent1"/>
+            </a:lnRef>
+            <a:fillRef idx="3">
+              <a:schemeClr val="accent1"/>
+            </a:fillRef>
+            <a:effectRef idx="2">
+              <a:schemeClr val="accent1"/>
+            </a:effectRef>
+            <a:fontRef idx="minor">
+              <a:schemeClr val="lt1"/>
+            </a:fontRef>
+          </p:style>
+        </p:sp>
+        <p:sp>
+          <p:nvSpPr>
+            <p:cNvPr id="11" name="Rectangle 10"/>
+            <p:cNvSpPr/>
+            <p:nvPr/>
+          </p:nvSpPr>
+          <p:spPr bwMode="gray">
             <a:xfrm>
               <a:off x="6172200" y="402165"/>
               <a:ext cx="5596465" cy="6053670"/>
@@ -15116,191 +14655,7 @@
         </p:sp>
         <p:sp>
           <p:nvSpPr>
-            <p:cNvPr id="9" name="Freeform 5"/>
-            <p:cNvSpPr/>
-            <p:nvPr/>
-          </p:nvSpPr>
-          <p:spPr bwMode="gray">
-            <a:xfrm rot="16200000">
-              <a:off x="3295432" y="2801721"/>
-              <a:ext cx="6053670" cy="1254558"/>
-            </a:xfrm>
-            <a:custGeom>
-              <a:avLst/>
-              <a:gdLst/>
-              <a:ahLst/>
-              <a:cxnLst/>
-              <a:rect l="l" t="t" r="r" b="b"/>
-              <a:pathLst>
-                <a:path w="10000" h="8000">
-                  <a:moveTo>
-                    <a:pt x="0" y="0"/>
-                  </a:moveTo>
-                  <a:lnTo>
-                    <a:pt x="0" y="7970"/>
-                  </a:lnTo>
-                  <a:lnTo>
-                    <a:pt x="10000" y="8000"/>
-                  </a:lnTo>
-                  <a:lnTo>
-                    <a:pt x="10000" y="7"/>
-                  </a:lnTo>
-                  <a:lnTo>
-                    <a:pt x="10000" y="7"/>
-                  </a:lnTo>
-                  <a:lnTo>
-                    <a:pt x="9773" y="156"/>
-                  </a:lnTo>
-                  <a:lnTo>
-                    <a:pt x="9547" y="298"/>
-                  </a:lnTo>
-                  <a:lnTo>
-                    <a:pt x="9320" y="437"/>
-                  </a:lnTo>
-                  <a:lnTo>
-                    <a:pt x="9092" y="556"/>
-                  </a:lnTo>
-                  <a:lnTo>
-                    <a:pt x="8865" y="676"/>
-                  </a:lnTo>
-                  <a:lnTo>
-                    <a:pt x="8637" y="788"/>
-                  </a:lnTo>
-                  <a:lnTo>
-                    <a:pt x="8412" y="884"/>
-                  </a:lnTo>
-                  <a:lnTo>
-                    <a:pt x="8184" y="975"/>
-                  </a:lnTo>
-                  <a:lnTo>
-                    <a:pt x="7957" y="1058"/>
-                  </a:lnTo>
-                  <a:lnTo>
-                    <a:pt x="7734" y="1130"/>
-                  </a:lnTo>
-                  <a:lnTo>
-                    <a:pt x="7508" y="1202"/>
-                  </a:lnTo>
-                  <a:lnTo>
-                    <a:pt x="7285" y="1262"/>
-                  </a:lnTo>
-                  <a:lnTo>
-                    <a:pt x="7062" y="1309"/>
-                  </a:lnTo>
-                  <a:lnTo>
-                    <a:pt x="6840" y="1358"/>
-                  </a:lnTo>
-                  <a:lnTo>
-                    <a:pt x="6620" y="1399"/>
-                  </a:lnTo>
-                  <a:lnTo>
-                    <a:pt x="6402" y="1428"/>
-                  </a:lnTo>
-                  <a:lnTo>
-                    <a:pt x="6184" y="1453"/>
-                  </a:lnTo>
-                  <a:lnTo>
-                    <a:pt x="5968" y="1477"/>
-                  </a:lnTo>
-                  <a:lnTo>
-                    <a:pt x="5755" y="1488"/>
-                  </a:lnTo>
-                  <a:lnTo>
-                    <a:pt x="5542" y="1500"/>
-                  </a:lnTo>
-                  <a:lnTo>
-                    <a:pt x="5332" y="1506"/>
-                  </a:lnTo>
-                  <a:lnTo>
-                    <a:pt x="5124" y="1500"/>
-                  </a:lnTo>
-                  <a:lnTo>
-                    <a:pt x="4918" y="1500"/>
-                  </a:lnTo>
-                  <a:lnTo>
-                    <a:pt x="4714" y="1488"/>
-                  </a:lnTo>
-                  <a:lnTo>
-                    <a:pt x="4514" y="1470"/>
-                  </a:lnTo>
-                  <a:lnTo>
-                    <a:pt x="4316" y="1453"/>
-                  </a:lnTo>
-                  <a:lnTo>
-                    <a:pt x="4122" y="1434"/>
-                  </a:lnTo>
-                  <a:lnTo>
-                    <a:pt x="3929" y="1405"/>
-                  </a:lnTo>
-                  <a:lnTo>
-                    <a:pt x="3739" y="1374"/>
-                  </a:lnTo>
-                  <a:lnTo>
-                    <a:pt x="3553" y="1346"/>
-                  </a:lnTo>
-                  <a:lnTo>
-                    <a:pt x="3190" y="1267"/>
-                  </a:lnTo>
-                  <a:lnTo>
-                    <a:pt x="2842" y="1183"/>
-                  </a:lnTo>
-                  <a:lnTo>
-                    <a:pt x="2508" y="1095"/>
-                  </a:lnTo>
-                  <a:lnTo>
-                    <a:pt x="2192" y="998"/>
-                  </a:lnTo>
-                  <a:lnTo>
-                    <a:pt x="1890" y="897"/>
-                  </a:lnTo>
-                  <a:lnTo>
-                    <a:pt x="1610" y="788"/>
-                  </a:lnTo>
-                  <a:lnTo>
-                    <a:pt x="1347" y="681"/>
-                  </a:lnTo>
-                  <a:lnTo>
-                    <a:pt x="1105" y="574"/>
-                  </a:lnTo>
-                  <a:lnTo>
-                    <a:pt x="883" y="473"/>
-                  </a:lnTo>
-                  <a:lnTo>
-                    <a:pt x="686" y="377"/>
-                  </a:lnTo>
-                  <a:lnTo>
-                    <a:pt x="508" y="286"/>
-                  </a:lnTo>
-                  <a:lnTo>
-                    <a:pt x="358" y="210"/>
-                  </a:lnTo>
-                  <a:lnTo>
-                    <a:pt x="232" y="138"/>
-                  </a:lnTo>
-                  <a:lnTo>
-                    <a:pt x="59" y="35"/>
-                  </a:lnTo>
-                  <a:lnTo>
-                    <a:pt x="0" y="0"/>
-                  </a:lnTo>
-                  <a:lnTo>
-                    <a:pt x="0" y="0"/>
-                  </a:lnTo>
-                  <a:close/>
-                </a:path>
-              </a:pathLst>
-            </a:custGeom>
-            <a:solidFill>
-              <a:schemeClr val="bg1"/>
-            </a:solidFill>
-            <a:ln>
-              <a:noFill/>
-            </a:ln>
-          </p:spPr>
-        </p:sp>
-        <p:sp>
-          <p:nvSpPr>
-            <p:cNvPr id="10" name="Freeform 5"/>
+            <p:cNvPr id="22" name="Freeform 5"/>
             <p:cNvSpPr/>
             <p:nvPr/>
           </p:nvSpPr>
@@ -15447,7 +14802,191 @@
         </p:sp>
         <p:sp>
           <p:nvSpPr>
-            <p:cNvPr id="13" name="Freeform 5"/>
+            <p:cNvPr id="12" name="Freeform 5"/>
+            <p:cNvSpPr/>
+            <p:nvPr/>
+          </p:nvSpPr>
+          <p:spPr bwMode="gray">
+            <a:xfrm rot="16200000">
+              <a:off x="3295432" y="2801721"/>
+              <a:ext cx="6053670" cy="1254558"/>
+            </a:xfrm>
+            <a:custGeom>
+              <a:avLst/>
+              <a:gdLst/>
+              <a:ahLst/>
+              <a:cxnLst/>
+              <a:rect l="l" t="t" r="r" b="b"/>
+              <a:pathLst>
+                <a:path w="10000" h="8000">
+                  <a:moveTo>
+                    <a:pt x="0" y="0"/>
+                  </a:moveTo>
+                  <a:lnTo>
+                    <a:pt x="0" y="7970"/>
+                  </a:lnTo>
+                  <a:lnTo>
+                    <a:pt x="10000" y="8000"/>
+                  </a:lnTo>
+                  <a:lnTo>
+                    <a:pt x="10000" y="7"/>
+                  </a:lnTo>
+                  <a:lnTo>
+                    <a:pt x="10000" y="7"/>
+                  </a:lnTo>
+                  <a:lnTo>
+                    <a:pt x="9773" y="156"/>
+                  </a:lnTo>
+                  <a:lnTo>
+                    <a:pt x="9547" y="298"/>
+                  </a:lnTo>
+                  <a:lnTo>
+                    <a:pt x="9320" y="437"/>
+                  </a:lnTo>
+                  <a:lnTo>
+                    <a:pt x="9092" y="556"/>
+                  </a:lnTo>
+                  <a:lnTo>
+                    <a:pt x="8865" y="676"/>
+                  </a:lnTo>
+                  <a:lnTo>
+                    <a:pt x="8637" y="788"/>
+                  </a:lnTo>
+                  <a:lnTo>
+                    <a:pt x="8412" y="884"/>
+                  </a:lnTo>
+                  <a:lnTo>
+                    <a:pt x="8184" y="975"/>
+                  </a:lnTo>
+                  <a:lnTo>
+                    <a:pt x="7957" y="1058"/>
+                  </a:lnTo>
+                  <a:lnTo>
+                    <a:pt x="7734" y="1130"/>
+                  </a:lnTo>
+                  <a:lnTo>
+                    <a:pt x="7508" y="1202"/>
+                  </a:lnTo>
+                  <a:lnTo>
+                    <a:pt x="7285" y="1262"/>
+                  </a:lnTo>
+                  <a:lnTo>
+                    <a:pt x="7062" y="1309"/>
+                  </a:lnTo>
+                  <a:lnTo>
+                    <a:pt x="6840" y="1358"/>
+                  </a:lnTo>
+                  <a:lnTo>
+                    <a:pt x="6620" y="1399"/>
+                  </a:lnTo>
+                  <a:lnTo>
+                    <a:pt x="6402" y="1428"/>
+                  </a:lnTo>
+                  <a:lnTo>
+                    <a:pt x="6184" y="1453"/>
+                  </a:lnTo>
+                  <a:lnTo>
+                    <a:pt x="5968" y="1477"/>
+                  </a:lnTo>
+                  <a:lnTo>
+                    <a:pt x="5755" y="1488"/>
+                  </a:lnTo>
+                  <a:lnTo>
+                    <a:pt x="5542" y="1500"/>
+                  </a:lnTo>
+                  <a:lnTo>
+                    <a:pt x="5332" y="1506"/>
+                  </a:lnTo>
+                  <a:lnTo>
+                    <a:pt x="5124" y="1500"/>
+                  </a:lnTo>
+                  <a:lnTo>
+                    <a:pt x="4918" y="1500"/>
+                  </a:lnTo>
+                  <a:lnTo>
+                    <a:pt x="4714" y="1488"/>
+                  </a:lnTo>
+                  <a:lnTo>
+                    <a:pt x="4514" y="1470"/>
+                  </a:lnTo>
+                  <a:lnTo>
+                    <a:pt x="4316" y="1453"/>
+                  </a:lnTo>
+                  <a:lnTo>
+                    <a:pt x="4122" y="1434"/>
+                  </a:lnTo>
+                  <a:lnTo>
+                    <a:pt x="3929" y="1405"/>
+                  </a:lnTo>
+                  <a:lnTo>
+                    <a:pt x="3739" y="1374"/>
+                  </a:lnTo>
+                  <a:lnTo>
+                    <a:pt x="3553" y="1346"/>
+                  </a:lnTo>
+                  <a:lnTo>
+                    <a:pt x="3190" y="1267"/>
+                  </a:lnTo>
+                  <a:lnTo>
+                    <a:pt x="2842" y="1183"/>
+                  </a:lnTo>
+                  <a:lnTo>
+                    <a:pt x="2508" y="1095"/>
+                  </a:lnTo>
+                  <a:lnTo>
+                    <a:pt x="2192" y="998"/>
+                  </a:lnTo>
+                  <a:lnTo>
+                    <a:pt x="1890" y="897"/>
+                  </a:lnTo>
+                  <a:lnTo>
+                    <a:pt x="1610" y="788"/>
+                  </a:lnTo>
+                  <a:lnTo>
+                    <a:pt x="1347" y="681"/>
+                  </a:lnTo>
+                  <a:lnTo>
+                    <a:pt x="1105" y="574"/>
+                  </a:lnTo>
+                  <a:lnTo>
+                    <a:pt x="883" y="473"/>
+                  </a:lnTo>
+                  <a:lnTo>
+                    <a:pt x="686" y="377"/>
+                  </a:lnTo>
+                  <a:lnTo>
+                    <a:pt x="508" y="286"/>
+                  </a:lnTo>
+                  <a:lnTo>
+                    <a:pt x="358" y="210"/>
+                  </a:lnTo>
+                  <a:lnTo>
+                    <a:pt x="232" y="138"/>
+                  </a:lnTo>
+                  <a:lnTo>
+                    <a:pt x="59" y="35"/>
+                  </a:lnTo>
+                  <a:lnTo>
+                    <a:pt x="0" y="0"/>
+                  </a:lnTo>
+                  <a:lnTo>
+                    <a:pt x="0" y="0"/>
+                  </a:lnTo>
+                  <a:close/>
+                </a:path>
+              </a:pathLst>
+            </a:custGeom>
+            <a:solidFill>
+              <a:schemeClr val="bg1"/>
+            </a:solidFill>
+            <a:ln>
+              <a:noFill/>
+            </a:ln>
+          </p:spPr>
+        </p:sp>
+        <p:sp>
+          <p:nvSpPr>
+            <p:cNvPr id="15" name="Freeform 5"/>
             <p:cNvSpPr>
               <a:spLocks noEditPoints="1"/>
             </p:cNvSpPr>
@@ -15522,8 +15061,8 @@
         </p:nvSpPr>
         <p:spPr>
           <a:xfrm>
-            <a:off x="1153907" y="1693332"/>
-            <a:ext cx="3860260" cy="1735668"/>
+            <a:off x="1154955" y="1693333"/>
+            <a:ext cx="3865134" cy="1735667"/>
           </a:xfrm>
         </p:spPr>
         <p:txBody>
@@ -15615,6 +15154,9 @@
             </a:lvl9pPr>
           </a:lstStyle>
           <a:p>
+            <a:pPr marL="0" lvl="0" indent="0" algn="ctr">
+              <a:buNone/>
+            </a:pPr>
             <a:r>
               <a:rPr lang="es-ES"/>
               <a:t>Haga clic en el icono para agregar una imagen</a:t>
@@ -15635,7 +15177,7 @@
         </p:nvSpPr>
         <p:spPr bwMode="gray">
           <a:xfrm>
-            <a:off x="1154955" y="3657600"/>
+            <a:off x="1154954" y="3657600"/>
             <a:ext cx="3859212" cy="1371600"/>
           </a:xfrm>
         </p:spPr>
@@ -15648,7 +15190,10 @@
               <a:buNone/>
               <a:defRPr sz="1400">
                 <a:solidFill>
-                  <a:schemeClr val="accent1"/>
+                  <a:schemeClr val="accent1">
+                    <a:lumMod val="60000"/>
+                    <a:lumOff val="40000"/>
+                  </a:schemeClr>
                 </a:solidFill>
               </a:defRPr>
             </a:lvl1pPr>
@@ -15711,7 +15256,7 @@
           <a:p>
             <a:fld id="{71C85FF8-2AF0-6A4B-B786-86E31EDFDAD3}" type="datetimeFigureOut">
               <a:rPr lang="es-EC" smtClean="0"/>
-              <a:t>29/07/2019</a:t>
+              <a:t>29/7/2019</a:t>
             </a:fld>
             <a:endParaRPr lang="es-EC"/>
           </a:p>
@@ -15738,7 +15283,7 @@
       </p:sp>
       <p:sp>
         <p:nvSpPr>
-          <p:cNvPr id="14" name="Rectangle 13"/>
+          <p:cNvPr id="16" name="Rectangle 15"/>
           <p:cNvSpPr/>
           <p:nvPr/>
         </p:nvSpPr>
@@ -15798,7 +15343,7 @@
     </p:spTree>
     <p:extLst>
       <p:ext uri="{BB962C8B-B14F-4D97-AF65-F5344CB8AC3E}">
-        <p14:creationId xmlns:p14="http://schemas.microsoft.com/office/powerpoint/2010/main" val="628598580"/>
+        <p14:creationId xmlns:p14="http://schemas.microsoft.com/office/powerpoint/2010/main" val="2587975047"/>
       </p:ext>
     </p:extLst>
   </p:cSld>
@@ -15832,21 +15377,21 @@
       </p:grpSpPr>
       <p:grpSp>
         <p:nvGrpSpPr>
-          <p:cNvPr id="9" name="Group 8"/>
+          <p:cNvPr id="8" name="Group 7"/>
           <p:cNvGrpSpPr/>
           <p:nvPr/>
         </p:nvGrpSpPr>
         <p:grpSpPr>
           <a:xfrm>
-            <a:off x="0" y="-2373"/>
-            <a:ext cx="12192000" cy="6867027"/>
-            <a:chOff x="0" y="-2373"/>
-            <a:chExt cx="12192000" cy="6867027"/>
+            <a:off x="0" y="0"/>
+            <a:ext cx="12192000" cy="6858000"/>
+            <a:chOff x="0" y="0"/>
+            <a:chExt cx="12192000" cy="6858000"/>
           </a:xfrm>
         </p:grpSpPr>
         <p:sp>
           <p:nvSpPr>
-            <p:cNvPr id="26" name="Rectangle 25"/>
+            <p:cNvPr id="7" name="Rectangle 6"/>
             <p:cNvSpPr/>
             <p:nvPr/>
           </p:nvSpPr>
@@ -15862,16 +15407,15 @@
               <a:blip r:embed="rId19">
                 <a:duotone>
                   <a:schemeClr val="dk2">
-                    <a:shade val="62000"/>
-                    <a:hueMod val="108000"/>
+                    <a:shade val="69000"/>
+                    <a:hueMod val="91000"/>
                     <a:satMod val="164000"/>
-                    <a:lumMod val="69000"/>
+                    <a:lumMod val="74000"/>
                   </a:schemeClr>
                   <a:schemeClr val="dk2">
-                    <a:tint val="96000"/>
-                    <a:hueMod val="90000"/>
-                    <a:satMod val="130000"/>
-                    <a:lumMod val="134000"/>
+                    <a:hueMod val="124000"/>
+                    <a:satMod val="140000"/>
+                    <a:lumMod val="142000"/>
                   </a:schemeClr>
                 </a:duotone>
               </a:blip>
@@ -15902,13 +15446,13 @@
         </p:sp>
         <p:sp>
           <p:nvSpPr>
-            <p:cNvPr id="15" name="Oval 14"/>
+            <p:cNvPr id="13" name="Oval 12"/>
             <p:cNvSpPr/>
             <p:nvPr/>
           </p:nvSpPr>
           <p:spPr>
             <a:xfrm>
-              <a:off x="3220" y="2667000"/>
+              <a:off x="0" y="2667000"/>
               <a:ext cx="4191000" cy="4191000"/>
             </a:xfrm>
             <a:prstGeom prst="ellipse">
@@ -15917,24 +15461,132 @@
             <a:gradFill flip="none" rotWithShape="1">
               <a:gsLst>
                 <a:gs pos="0">
-                  <a:schemeClr val="bg2">
-                    <a:lumMod val="40000"/>
-                    <a:lumOff val="60000"/>
+                  <a:schemeClr val="accent5">
                     <a:alpha val="11000"/>
                   </a:schemeClr>
                 </a:gs>
                 <a:gs pos="75000">
-                  <a:schemeClr val="bg2">
-                    <a:lumMod val="40000"/>
-                    <a:lumOff val="60000"/>
+                  <a:schemeClr val="accent5">
                     <a:alpha val="0"/>
                   </a:schemeClr>
                 </a:gs>
                 <a:gs pos="36000">
-                  <a:schemeClr val="bg2">
-                    <a:lumMod val="40000"/>
-                    <a:lumOff val="60000"/>
+                  <a:schemeClr val="accent5">
                     <a:alpha val="10000"/>
+                  </a:schemeClr>
+                </a:gs>
+              </a:gsLst>
+              <a:path path="circle">
+                <a:fillToRect l="50000" t="50000" r="50000" b="50000"/>
+              </a:path>
+              <a:tileRect/>
+            </a:gradFill>
+            <a:ln>
+              <a:noFill/>
+            </a:ln>
+            <a:effectLst/>
+          </p:spPr>
+          <p:style>
+            <a:lnRef idx="1">
+              <a:schemeClr val="accent1"/>
+            </a:lnRef>
+            <a:fillRef idx="3">
+              <a:schemeClr val="accent1"/>
+            </a:fillRef>
+            <a:effectRef idx="2">
+              <a:schemeClr val="accent1"/>
+            </a:effectRef>
+            <a:fontRef idx="minor">
+              <a:schemeClr val="lt1"/>
+            </a:fontRef>
+          </p:style>
+        </p:sp>
+        <p:sp>
+          <p:nvSpPr>
+            <p:cNvPr id="15" name="Oval 14"/>
+            <p:cNvSpPr/>
+            <p:nvPr/>
+          </p:nvSpPr>
+          <p:spPr>
+            <a:xfrm>
+              <a:off x="0" y="2895600"/>
+              <a:ext cx="2362200" cy="2362200"/>
+            </a:xfrm>
+            <a:prstGeom prst="ellipse">
+              <a:avLst/>
+            </a:prstGeom>
+            <a:gradFill flip="none" rotWithShape="1">
+              <a:gsLst>
+                <a:gs pos="0">
+                  <a:schemeClr val="accent5">
+                    <a:alpha val="8000"/>
+                  </a:schemeClr>
+                </a:gs>
+                <a:gs pos="72000">
+                  <a:schemeClr val="accent5">
+                    <a:alpha val="0"/>
+                  </a:schemeClr>
+                </a:gs>
+                <a:gs pos="36000">
+                  <a:schemeClr val="accent5">
+                    <a:alpha val="8000"/>
+                  </a:schemeClr>
+                </a:gs>
+              </a:gsLst>
+              <a:path path="circle">
+                <a:fillToRect l="50000" t="50000" r="50000" b="50000"/>
+              </a:path>
+              <a:tileRect/>
+            </a:gradFill>
+            <a:ln>
+              <a:noFill/>
+            </a:ln>
+            <a:effectLst/>
+          </p:spPr>
+          <p:style>
+            <a:lnRef idx="1">
+              <a:schemeClr val="accent1"/>
+            </a:lnRef>
+            <a:fillRef idx="3">
+              <a:schemeClr val="accent1"/>
+            </a:fillRef>
+            <a:effectRef idx="2">
+              <a:schemeClr val="accent1"/>
+            </a:effectRef>
+            <a:fontRef idx="minor">
+              <a:schemeClr val="lt1"/>
+            </a:fontRef>
+          </p:style>
+        </p:sp>
+        <p:sp>
+          <p:nvSpPr>
+            <p:cNvPr id="18" name="Oval 17"/>
+            <p:cNvSpPr/>
+            <p:nvPr/>
+          </p:nvSpPr>
+          <p:spPr>
+            <a:xfrm>
+              <a:off x="8609012" y="5867400"/>
+              <a:ext cx="990600" cy="990600"/>
+            </a:xfrm>
+            <a:prstGeom prst="ellipse">
+              <a:avLst/>
+            </a:prstGeom>
+            <a:gradFill flip="none" rotWithShape="1">
+              <a:gsLst>
+                <a:gs pos="0">
+                  <a:schemeClr val="accent5">
+                    <a:alpha val="14000"/>
+                  </a:schemeClr>
+                </a:gs>
+                <a:gs pos="66000">
+                  <a:schemeClr val="accent5">
+                    <a:alpha val="0"/>
+                  </a:schemeClr>
+                </a:gs>
+                <a:gs pos="36000">
+                  <a:schemeClr val="accent5">
+                    <a:alpha val="7000"/>
                   </a:schemeClr>
                 </a:gs>
               </a:gsLst>
@@ -15971,8 +15623,8 @@
           </p:nvSpPr>
           <p:spPr>
             <a:xfrm>
-              <a:off x="1750" y="2895600"/>
-              <a:ext cx="2362200" cy="2362200"/>
+              <a:off x="8609012" y="1676400"/>
+              <a:ext cx="2819400" cy="2819400"/>
             </a:xfrm>
             <a:prstGeom prst="ellipse">
               <a:avLst/>
@@ -15980,24 +15632,18 @@
             <a:gradFill flip="none" rotWithShape="1">
               <a:gsLst>
                 <a:gs pos="0">
-                  <a:schemeClr val="bg2">
-                    <a:lumMod val="40000"/>
-                    <a:lumOff val="60000"/>
-                    <a:alpha val="8000"/>
+                  <a:schemeClr val="accent5">
+                    <a:alpha val="7000"/>
                   </a:schemeClr>
                 </a:gs>
-                <a:gs pos="72000">
-                  <a:schemeClr val="bg2">
-                    <a:lumMod val="40000"/>
-                    <a:lumOff val="60000"/>
+                <a:gs pos="69000">
+                  <a:schemeClr val="accent5">
                     <a:alpha val="0"/>
                   </a:schemeClr>
                 </a:gs>
                 <a:gs pos="36000">
-                  <a:schemeClr val="bg2">
-                    <a:lumMod val="40000"/>
-                    <a:lumOff val="60000"/>
-                    <a:alpha val="8000"/>
+                  <a:schemeClr val="accent5">
+                    <a:alpha val="6000"/>
                   </a:schemeClr>
                 </a:gs>
               </a:gsLst>
@@ -16034,8 +15680,8 @@
           </p:nvSpPr>
           <p:spPr>
             <a:xfrm>
-              <a:off x="8609012" y="1676400"/>
-              <a:ext cx="2819400" cy="2819400"/>
+              <a:off x="7999412" y="8464"/>
+              <a:ext cx="1600200" cy="1600200"/>
             </a:xfrm>
             <a:prstGeom prst="ellipse">
               <a:avLst/>
@@ -16043,24 +15689,18 @@
             <a:gradFill flip="none" rotWithShape="1">
               <a:gsLst>
                 <a:gs pos="0">
-                  <a:schemeClr val="bg2">
-                    <a:lumMod val="40000"/>
-                    <a:lumOff val="60000"/>
-                    <a:alpha val="7000"/>
+                  <a:schemeClr val="accent5">
+                    <a:alpha val="14000"/>
                   </a:schemeClr>
                 </a:gs>
-                <a:gs pos="69000">
-                  <a:schemeClr val="bg2">
-                    <a:lumMod val="40000"/>
-                    <a:lumOff val="60000"/>
+                <a:gs pos="73000">
+                  <a:schemeClr val="accent5">
                     <a:alpha val="0"/>
                   </a:schemeClr>
                 </a:gs>
                 <a:gs pos="36000">
-                  <a:schemeClr val="bg2">
-                    <a:lumMod val="40000"/>
-                    <a:lumOff val="60000"/>
-                    <a:alpha val="6000"/>
+                  <a:schemeClr val="accent5">
+                    <a:alpha val="7000"/>
                   </a:schemeClr>
                 </a:gs>
               </a:gsLst>
@@ -16091,133 +15731,7 @@
         </p:sp>
         <p:sp>
           <p:nvSpPr>
-            <p:cNvPr id="18" name="Oval 17"/>
-            <p:cNvSpPr/>
-            <p:nvPr/>
-          </p:nvSpPr>
-          <p:spPr>
-            <a:xfrm>
-              <a:off x="7999412" y="-2373"/>
-              <a:ext cx="1600200" cy="1600200"/>
-            </a:xfrm>
-            <a:prstGeom prst="ellipse">
-              <a:avLst/>
-            </a:prstGeom>
-            <a:gradFill flip="none" rotWithShape="1">
-              <a:gsLst>
-                <a:gs pos="0">
-                  <a:schemeClr val="bg2">
-                    <a:lumMod val="40000"/>
-                    <a:lumOff val="60000"/>
-                    <a:alpha val="14000"/>
-                  </a:schemeClr>
-                </a:gs>
-                <a:gs pos="73000">
-                  <a:schemeClr val="bg2">
-                    <a:lumMod val="40000"/>
-                    <a:lumOff val="60000"/>
-                    <a:alpha val="0"/>
-                  </a:schemeClr>
-                </a:gs>
-                <a:gs pos="36000">
-                  <a:schemeClr val="bg2">
-                    <a:lumMod val="40000"/>
-                    <a:lumOff val="60000"/>
-                    <a:alpha val="7000"/>
-                  </a:schemeClr>
-                </a:gs>
-              </a:gsLst>
-              <a:path path="circle">
-                <a:fillToRect l="50000" t="50000" r="50000" b="50000"/>
-              </a:path>
-              <a:tileRect/>
-            </a:gradFill>
-            <a:ln>
-              <a:noFill/>
-            </a:ln>
-            <a:effectLst/>
-          </p:spPr>
-          <p:style>
-            <a:lnRef idx="1">
-              <a:schemeClr val="accent1"/>
-            </a:lnRef>
-            <a:fillRef idx="3">
-              <a:schemeClr val="accent1"/>
-            </a:fillRef>
-            <a:effectRef idx="2">
-              <a:schemeClr val="accent1"/>
-            </a:effectRef>
-            <a:fontRef idx="minor">
-              <a:schemeClr val="lt1"/>
-            </a:fontRef>
-          </p:style>
-        </p:sp>
-        <p:sp>
-          <p:nvSpPr>
-            <p:cNvPr id="19" name="Oval 18"/>
-            <p:cNvSpPr/>
-            <p:nvPr/>
-          </p:nvSpPr>
-          <p:spPr>
-            <a:xfrm>
-              <a:off x="8609012" y="5874054"/>
-              <a:ext cx="990600" cy="990600"/>
-            </a:xfrm>
-            <a:prstGeom prst="ellipse">
-              <a:avLst/>
-            </a:prstGeom>
-            <a:gradFill flip="none" rotWithShape="1">
-              <a:gsLst>
-                <a:gs pos="0">
-                  <a:schemeClr val="bg2">
-                    <a:lumMod val="40000"/>
-                    <a:lumOff val="60000"/>
-                    <a:alpha val="14000"/>
-                  </a:schemeClr>
-                </a:gs>
-                <a:gs pos="66000">
-                  <a:schemeClr val="bg2">
-                    <a:lumMod val="40000"/>
-                    <a:lumOff val="60000"/>
-                    <a:alpha val="0"/>
-                  </a:schemeClr>
-                </a:gs>
-                <a:gs pos="36000">
-                  <a:schemeClr val="bg2">
-                    <a:lumMod val="40000"/>
-                    <a:lumOff val="60000"/>
-                    <a:alpha val="7000"/>
-                  </a:schemeClr>
-                </a:gs>
-              </a:gsLst>
-              <a:path path="circle">
-                <a:fillToRect l="50000" t="50000" r="50000" b="50000"/>
-              </a:path>
-              <a:tileRect/>
-            </a:gradFill>
-            <a:ln>
-              <a:noFill/>
-            </a:ln>
-            <a:effectLst/>
-          </p:spPr>
-          <p:style>
-            <a:lnRef idx="1">
-              <a:schemeClr val="accent1"/>
-            </a:lnRef>
-            <a:fillRef idx="3">
-              <a:schemeClr val="accent1"/>
-            </a:fillRef>
-            <a:effectRef idx="2">
-              <a:schemeClr val="accent1"/>
-            </a:effectRef>
-            <a:fontRef idx="minor">
-              <a:schemeClr val="lt1"/>
-            </a:fontRef>
-          </p:style>
-        </p:sp>
-        <p:sp>
-          <p:nvSpPr>
-            <p:cNvPr id="23" name="Freeform 5"/>
+            <p:cNvPr id="20" name="Freeform 5"/>
             <p:cNvSpPr/>
             <p:nvPr/>
           </p:nvSpPr>
@@ -16364,7 +15878,7 @@
         </p:sp>
         <p:sp>
           <p:nvSpPr>
-            <p:cNvPr id="20" name="Freeform 5"/>
+            <p:cNvPr id="19" name="Freeform 5"/>
             <p:cNvSpPr/>
             <p:nvPr/>
           </p:nvSpPr>
@@ -16548,7 +16062,7 @@
         </p:sp>
         <p:sp>
           <p:nvSpPr>
-            <p:cNvPr id="21" name="Freeform 5"/>
+            <p:cNvPr id="14" name="Freeform 5"/>
             <p:cNvSpPr>
               <a:spLocks noEditPoints="1"/>
             </p:cNvSpPr>
@@ -16623,7 +16137,7 @@
         </p:nvSpPr>
         <p:spPr bwMode="gray">
           <a:xfrm>
-            <a:off x="1154953" y="973668"/>
+            <a:off x="1154954" y="973668"/>
             <a:ext cx="8761413" cy="706964"/>
           </a:xfrm>
           <a:prstGeom prst="rect">
@@ -16656,8 +16170,8 @@
         </p:nvSpPr>
         <p:spPr>
           <a:xfrm>
-            <a:off x="1154955" y="2603500"/>
-            <a:ext cx="8761412" cy="3416300"/>
+            <a:off x="1154954" y="2603500"/>
+            <a:ext cx="8761413" cy="3416300"/>
           </a:xfrm>
           <a:prstGeom prst="rect">
             <a:avLst/>
@@ -16718,7 +16232,7 @@
         </p:nvSpPr>
         <p:spPr>
           <a:xfrm>
-            <a:off x="10650938" y="6394061"/>
+            <a:off x="10653104" y="6391838"/>
             <a:ext cx="990599" cy="304799"/>
           </a:xfrm>
           <a:prstGeom prst="rect">
@@ -16726,7 +16240,7 @@
           </a:prstGeom>
         </p:spPr>
         <p:txBody>
-          <a:bodyPr vert="horz" lIns="91440" tIns="45720" rIns="91440" bIns="45720" rtlCol="0" anchor="t"/>
+          <a:bodyPr vert="horz" lIns="91440" tIns="45720" rIns="91440" bIns="45720" rtlCol="0" anchor="ctr"/>
           <a:lstStyle>
             <a:lvl1pPr algn="r">
               <a:defRPr sz="1000" b="1" i="0">
@@ -16739,7 +16253,7 @@
           <a:p>
             <a:fld id="{71C85FF8-2AF0-6A4B-B786-86E31EDFDAD3}" type="datetimeFigureOut">
               <a:rPr lang="es-EC" smtClean="0"/>
-              <a:t>29/07/2019</a:t>
+              <a:t>29/7/2019</a:t>
             </a:fld>
             <a:endParaRPr lang="es-EC"/>
           </a:p>
@@ -16757,7 +16271,7 @@
         </p:nvSpPr>
         <p:spPr>
           <a:xfrm>
-            <a:off x="528358" y="6391838"/>
+            <a:off x="561110" y="6391838"/>
             <a:ext cx="3859795" cy="304801"/>
           </a:xfrm>
           <a:prstGeom prst="rect">
@@ -16765,14 +16279,13 @@
           </a:prstGeom>
         </p:spPr>
         <p:txBody>
-          <a:bodyPr vert="horz" lIns="91440" tIns="45720" rIns="91440" bIns="45720" rtlCol="0" anchor="b"/>
+          <a:bodyPr vert="horz" lIns="91440" tIns="45720" rIns="91440" bIns="45720" rtlCol="0" anchor="ctr"/>
           <a:lstStyle>
             <a:lvl1pPr algn="l">
               <a:defRPr sz="1000" b="1" i="0">
                 <a:solidFill>
                   <a:schemeClr val="accent1"/>
                 </a:solidFill>
-                <a:latin typeface="+mn-lt"/>
               </a:defRPr>
             </a:lvl1pPr>
           </a:lstStyle>
@@ -16783,7 +16296,7 @@
       </p:sp>
       <p:sp>
         <p:nvSpPr>
-          <p:cNvPr id="22" name="Rectangle 21"/>
+          <p:cNvPr id="21" name="Rectangle 20"/>
           <p:cNvSpPr/>
           <p:nvPr/>
         </p:nvSpPr>
@@ -16827,7 +16340,7 @@
             <p:ph type="sldNum" sz="quarter" idx="4"/>
           </p:nvPr>
         </p:nvSpPr>
-        <p:spPr>
+        <p:spPr bwMode="gray">
           <a:xfrm>
             <a:off x="10352540" y="295729"/>
             <a:ext cx="838199" cy="767687"/>
@@ -16844,7 +16357,6 @@
                 <a:solidFill>
                   <a:schemeClr val="bg1"/>
                 </a:solidFill>
-                <a:latin typeface="+mn-lt"/>
               </a:defRPr>
             </a:lvl1pPr>
           </a:lstStyle>
@@ -16860,29 +16372,29 @@
     </p:spTree>
     <p:extLst>
       <p:ext uri="{BB962C8B-B14F-4D97-AF65-F5344CB8AC3E}">
-        <p14:creationId xmlns:p14="http://schemas.microsoft.com/office/powerpoint/2010/main" val="4214536728"/>
+        <p14:creationId xmlns:p14="http://schemas.microsoft.com/office/powerpoint/2010/main" val="3026738178"/>
       </p:ext>
     </p:extLst>
   </p:cSld>
   <p:clrMap bg1="lt1" tx1="dk1" bg2="lt2" tx2="dk2" accent1="accent1" accent2="accent2" accent3="accent3" accent4="accent4" accent5="accent5" accent6="accent6" hlink="hlink" folHlink="folHlink"/>
   <p:sldLayoutIdLst>
-    <p:sldLayoutId id="2147483715" r:id="rId1"/>
-    <p:sldLayoutId id="2147483716" r:id="rId2"/>
-    <p:sldLayoutId id="2147483717" r:id="rId3"/>
-    <p:sldLayoutId id="2147483718" r:id="rId4"/>
-    <p:sldLayoutId id="2147483719" r:id="rId5"/>
-    <p:sldLayoutId id="2147483720" r:id="rId6"/>
-    <p:sldLayoutId id="2147483721" r:id="rId7"/>
-    <p:sldLayoutId id="2147483722" r:id="rId8"/>
-    <p:sldLayoutId id="2147483723" r:id="rId9"/>
-    <p:sldLayoutId id="2147483724" r:id="rId10"/>
-    <p:sldLayoutId id="2147483725" r:id="rId11"/>
-    <p:sldLayoutId id="2147483726" r:id="rId12"/>
-    <p:sldLayoutId id="2147483727" r:id="rId13"/>
-    <p:sldLayoutId id="2147483728" r:id="rId14"/>
-    <p:sldLayoutId id="2147483729" r:id="rId15"/>
-    <p:sldLayoutId id="2147483730" r:id="rId16"/>
-    <p:sldLayoutId id="2147483731" r:id="rId17"/>
+    <p:sldLayoutId id="2147483661" r:id="rId1"/>
+    <p:sldLayoutId id="2147483662" r:id="rId2"/>
+    <p:sldLayoutId id="2147483663" r:id="rId3"/>
+    <p:sldLayoutId id="2147483664" r:id="rId4"/>
+    <p:sldLayoutId id="2147483665" r:id="rId5"/>
+    <p:sldLayoutId id="2147483666" r:id="rId6"/>
+    <p:sldLayoutId id="2147483667" r:id="rId7"/>
+    <p:sldLayoutId id="2147483668" r:id="rId8"/>
+    <p:sldLayoutId id="2147483669" r:id="rId9"/>
+    <p:sldLayoutId id="2147483670" r:id="rId10"/>
+    <p:sldLayoutId id="2147483671" r:id="rId11"/>
+    <p:sldLayoutId id="2147483672" r:id="rId12"/>
+    <p:sldLayoutId id="2147483673" r:id="rId13"/>
+    <p:sldLayoutId id="2147483674" r:id="rId14"/>
+    <p:sldLayoutId id="2147483675" r:id="rId15"/>
+    <p:sldLayoutId id="2147483676" r:id="rId16"/>
+    <p:sldLayoutId id="2147483677" r:id="rId17"/>
   </p:sldLayoutIdLst>
   <p:txStyles>
     <p:titleStyle>
@@ -17318,8 +16830,8 @@
         </p:nvSpPr>
         <p:spPr>
           <a:xfrm>
-            <a:off x="1524000" y="1674055"/>
-            <a:ext cx="8825658" cy="1430810"/>
+            <a:off x="1154955" y="769067"/>
+            <a:ext cx="8825658" cy="2677648"/>
           </a:xfrm>
         </p:spPr>
         <p:txBody>
@@ -17380,8 +16892,12 @@
           </a:p>
           <a:p>
             <a:r>
+              <a:rPr lang="es-EC"/>
+              <a:t>Cristian </a:t>
+            </a:r>
+            <a:r>
               <a:rPr lang="es-EC" dirty="0"/>
-              <a:t>Christian Guamba</a:t>
+              <a:t>Guamba</a:t>
             </a:r>
           </a:p>
           <a:p>
@@ -17399,6 +16915,1042 @@
     <p:extLst>
       <p:ext uri="{BB962C8B-B14F-4D97-AF65-F5344CB8AC3E}">
         <p14:creationId xmlns:p14="http://schemas.microsoft.com/office/powerpoint/2010/main" val="2767270824"/>
+      </p:ext>
+    </p:extLst>
+  </p:cSld>
+  <p:clrMapOvr>
+    <a:masterClrMapping/>
+  </p:clrMapOvr>
+</p:sld>
+</file>
+
+<file path=ppt/slides/slide10.xml><?xml version="1.0" encoding="utf-8"?>
+<p:sld xmlns:a="http://schemas.openxmlformats.org/drawingml/2006/main" xmlns:r="http://schemas.openxmlformats.org/officeDocument/2006/relationships" xmlns:p="http://schemas.openxmlformats.org/presentationml/2006/main">
+  <p:cSld>
+    <p:bg>
+      <p:bgPr>
+        <a:solidFill>
+          <a:schemeClr val="bg1"/>
+        </a:solidFill>
+        <a:effectLst/>
+      </p:bgPr>
+    </p:bg>
+    <p:spTree>
+      <p:nvGrpSpPr>
+        <p:cNvPr id="1" name=""/>
+        <p:cNvGrpSpPr/>
+        <p:nvPr/>
+      </p:nvGrpSpPr>
+      <p:grpSpPr>
+        <a:xfrm>
+          <a:off x="0" y="0"/>
+          <a:ext cx="0" cy="0"/>
+          <a:chOff x="0" y="0"/>
+          <a:chExt cx="0" cy="0"/>
+        </a:xfrm>
+      </p:grpSpPr>
+      <p:grpSp>
+        <p:nvGrpSpPr>
+          <p:cNvPr id="10" name="Group 9">
+            <a:extLst>
+              <a:ext uri="{FF2B5EF4-FFF2-40B4-BE49-F238E27FC236}">
+                <a16:creationId xmlns:a16="http://schemas.microsoft.com/office/drawing/2014/main" id="{08BCF048-8940-4354-B9EC-5AD74E283CE3}"/>
+              </a:ext>
+              <a:ext uri="{C183D7F6-B498-43B3-948B-1728B52AA6E4}">
+                <adec:decorative xmlns:adec="http://schemas.microsoft.com/office/drawing/2017/decorative" val="1"/>
+              </a:ext>
+            </a:extLst>
+          </p:cNvPr>
+          <p:cNvGrpSpPr>
+            <a:grpSpLocks noGrp="1" noUngrp="1" noRot="1" noChangeAspect="1" noMove="1" noResize="1"/>
+          </p:cNvGrpSpPr>
+          <p:nvPr>
+            <p:extLst>
+              <p:ext uri="{386F3935-93C4-4BCD-93E2-E3B085C9AB24}">
+                <p16:designElem xmlns:p16="http://schemas.microsoft.com/office/powerpoint/2015/main" val="1"/>
+              </p:ext>
+            </p:extLst>
+          </p:nvPr>
+        </p:nvGrpSpPr>
+        <p:grpSpPr>
+          <a:xfrm>
+            <a:off x="0" y="0"/>
+            <a:ext cx="12192000" cy="6858000"/>
+            <a:chOff x="0" y="0"/>
+            <a:chExt cx="12192000" cy="6858000"/>
+          </a:xfrm>
+        </p:grpSpPr>
+        <p:sp>
+          <p:nvSpPr>
+            <p:cNvPr id="11" name="Rectangle 10">
+              <a:extLst>
+                <a:ext uri="{FF2B5EF4-FFF2-40B4-BE49-F238E27FC236}">
+                  <a16:creationId xmlns:a16="http://schemas.microsoft.com/office/drawing/2014/main" id="{D024C14A-78BD-44B0-82BE-6A0D0A27063A}"/>
+                </a:ext>
+                <a:ext uri="{C183D7F6-B498-43B3-948B-1728B52AA6E4}">
+                  <adec:decorative xmlns:adec="http://schemas.microsoft.com/office/drawing/2017/decorative" val="1"/>
+                </a:ext>
+              </a:extLst>
+            </p:cNvPr>
+            <p:cNvSpPr/>
+            <p:nvPr>
+              <p:extLst>
+                <p:ext uri="{386F3935-93C4-4BCD-93E2-E3B085C9AB24}">
+                  <p16:designElem xmlns:p16="http://schemas.microsoft.com/office/powerpoint/2015/main" val="1"/>
+                </p:ext>
+              </p:extLst>
+            </p:nvPr>
+          </p:nvSpPr>
+          <p:spPr>
+            <a:xfrm>
+              <a:off x="0" y="0"/>
+              <a:ext cx="12192000" cy="6858000"/>
+            </a:xfrm>
+            <a:prstGeom prst="rect">
+              <a:avLst/>
+            </a:prstGeom>
+            <a:blipFill>
+              <a:blip r:embed="rId2">
+                <a:duotone>
+                  <a:schemeClr val="dk2">
+                    <a:shade val="69000"/>
+                    <a:hueMod val="91000"/>
+                    <a:satMod val="164000"/>
+                    <a:lumMod val="74000"/>
+                  </a:schemeClr>
+                  <a:schemeClr val="dk2">
+                    <a:hueMod val="124000"/>
+                    <a:satMod val="140000"/>
+                    <a:lumMod val="142000"/>
+                  </a:schemeClr>
+                </a:duotone>
+              </a:blip>
+              <a:stretch>
+                <a:fillRect/>
+              </a:stretch>
+            </a:blipFill>
+            <a:ln>
+              <a:noFill/>
+            </a:ln>
+          </p:spPr>
+          <p:style>
+            <a:lnRef idx="2">
+              <a:schemeClr val="accent1">
+                <a:shade val="50000"/>
+              </a:schemeClr>
+            </a:lnRef>
+            <a:fillRef idx="1">
+              <a:schemeClr val="accent1"/>
+            </a:fillRef>
+            <a:effectRef idx="0">
+              <a:schemeClr val="accent1"/>
+            </a:effectRef>
+            <a:fontRef idx="minor">
+              <a:schemeClr val="lt1"/>
+            </a:fontRef>
+          </p:style>
+        </p:sp>
+        <p:sp>
+          <p:nvSpPr>
+            <p:cNvPr id="12" name="Oval 11">
+              <a:extLst>
+                <a:ext uri="{FF2B5EF4-FFF2-40B4-BE49-F238E27FC236}">
+                  <a16:creationId xmlns:a16="http://schemas.microsoft.com/office/drawing/2014/main" id="{809F3D29-EDB1-4F1C-A0E0-36F28CE17188}"/>
+                </a:ext>
+                <a:ext uri="{C183D7F6-B498-43B3-948B-1728B52AA6E4}">
+                  <adec:decorative xmlns:adec="http://schemas.microsoft.com/office/drawing/2017/decorative" val="1"/>
+                </a:ext>
+              </a:extLst>
+            </p:cNvPr>
+            <p:cNvSpPr/>
+            <p:nvPr>
+              <p:extLst>
+                <p:ext uri="{386F3935-93C4-4BCD-93E2-E3B085C9AB24}">
+                  <p16:designElem xmlns:p16="http://schemas.microsoft.com/office/powerpoint/2015/main" val="1"/>
+                </p:ext>
+              </p:extLst>
+            </p:nvPr>
+          </p:nvSpPr>
+          <p:spPr>
+            <a:xfrm>
+              <a:off x="0" y="2667000"/>
+              <a:ext cx="4191000" cy="4191000"/>
+            </a:xfrm>
+            <a:prstGeom prst="ellipse">
+              <a:avLst/>
+            </a:prstGeom>
+            <a:gradFill flip="none" rotWithShape="1">
+              <a:gsLst>
+                <a:gs pos="0">
+                  <a:schemeClr val="accent5">
+                    <a:alpha val="11000"/>
+                  </a:schemeClr>
+                </a:gs>
+                <a:gs pos="75000">
+                  <a:schemeClr val="accent5">
+                    <a:alpha val="0"/>
+                  </a:schemeClr>
+                </a:gs>
+                <a:gs pos="36000">
+                  <a:schemeClr val="accent5">
+                    <a:alpha val="10000"/>
+                  </a:schemeClr>
+                </a:gs>
+              </a:gsLst>
+              <a:path path="circle">
+                <a:fillToRect l="50000" t="50000" r="50000" b="50000"/>
+              </a:path>
+              <a:tileRect/>
+            </a:gradFill>
+            <a:ln>
+              <a:noFill/>
+            </a:ln>
+            <a:effectLst/>
+          </p:spPr>
+          <p:style>
+            <a:lnRef idx="1">
+              <a:schemeClr val="accent1"/>
+            </a:lnRef>
+            <a:fillRef idx="3">
+              <a:schemeClr val="accent1"/>
+            </a:fillRef>
+            <a:effectRef idx="2">
+              <a:schemeClr val="accent1"/>
+            </a:effectRef>
+            <a:fontRef idx="minor">
+              <a:schemeClr val="lt1"/>
+            </a:fontRef>
+          </p:style>
+        </p:sp>
+        <p:sp>
+          <p:nvSpPr>
+            <p:cNvPr id="13" name="Oval 12">
+              <a:extLst>
+                <a:ext uri="{FF2B5EF4-FFF2-40B4-BE49-F238E27FC236}">
+                  <a16:creationId xmlns:a16="http://schemas.microsoft.com/office/drawing/2014/main" id="{5282F4AB-C7B8-4A86-9927-AA106AA27B41}"/>
+                </a:ext>
+                <a:ext uri="{C183D7F6-B498-43B3-948B-1728B52AA6E4}">
+                  <adec:decorative xmlns:adec="http://schemas.microsoft.com/office/drawing/2017/decorative" val="1"/>
+                </a:ext>
+              </a:extLst>
+            </p:cNvPr>
+            <p:cNvSpPr/>
+            <p:nvPr>
+              <p:extLst>
+                <p:ext uri="{386F3935-93C4-4BCD-93E2-E3B085C9AB24}">
+                  <p16:designElem xmlns:p16="http://schemas.microsoft.com/office/powerpoint/2015/main" val="1"/>
+                </p:ext>
+              </p:extLst>
+            </p:nvPr>
+          </p:nvSpPr>
+          <p:spPr>
+            <a:xfrm>
+              <a:off x="0" y="2895600"/>
+              <a:ext cx="2362200" cy="2362200"/>
+            </a:xfrm>
+            <a:prstGeom prst="ellipse">
+              <a:avLst/>
+            </a:prstGeom>
+            <a:gradFill flip="none" rotWithShape="1">
+              <a:gsLst>
+                <a:gs pos="0">
+                  <a:schemeClr val="accent5">
+                    <a:alpha val="8000"/>
+                  </a:schemeClr>
+                </a:gs>
+                <a:gs pos="72000">
+                  <a:schemeClr val="accent5">
+                    <a:alpha val="0"/>
+                  </a:schemeClr>
+                </a:gs>
+                <a:gs pos="36000">
+                  <a:schemeClr val="accent5">
+                    <a:alpha val="8000"/>
+                  </a:schemeClr>
+                </a:gs>
+              </a:gsLst>
+              <a:path path="circle">
+                <a:fillToRect l="50000" t="50000" r="50000" b="50000"/>
+              </a:path>
+              <a:tileRect/>
+            </a:gradFill>
+            <a:ln>
+              <a:noFill/>
+            </a:ln>
+            <a:effectLst/>
+          </p:spPr>
+          <p:style>
+            <a:lnRef idx="1">
+              <a:schemeClr val="accent1"/>
+            </a:lnRef>
+            <a:fillRef idx="3">
+              <a:schemeClr val="accent1"/>
+            </a:fillRef>
+            <a:effectRef idx="2">
+              <a:schemeClr val="accent1"/>
+            </a:effectRef>
+            <a:fontRef idx="minor">
+              <a:schemeClr val="lt1"/>
+            </a:fontRef>
+          </p:style>
+        </p:sp>
+        <p:sp>
+          <p:nvSpPr>
+            <p:cNvPr id="14" name="Rectangle 13">
+              <a:extLst>
+                <a:ext uri="{FF2B5EF4-FFF2-40B4-BE49-F238E27FC236}">
+                  <a16:creationId xmlns:a16="http://schemas.microsoft.com/office/drawing/2014/main" id="{60B26874-5AFA-4D1E-94A9-53AF9790D702}"/>
+                </a:ext>
+                <a:ext uri="{C183D7F6-B498-43B3-948B-1728B52AA6E4}">
+                  <adec:decorative xmlns:adec="http://schemas.microsoft.com/office/drawing/2017/decorative" val="1"/>
+                </a:ext>
+              </a:extLst>
+            </p:cNvPr>
+            <p:cNvSpPr/>
+            <p:nvPr>
+              <p:extLst>
+                <p:ext uri="{386F3935-93C4-4BCD-93E2-E3B085C9AB24}">
+                  <p16:designElem xmlns:p16="http://schemas.microsoft.com/office/powerpoint/2015/main" val="1"/>
+                </p:ext>
+              </p:extLst>
+            </p:nvPr>
+          </p:nvSpPr>
+          <p:spPr bwMode="gray">
+            <a:xfrm>
+              <a:off x="5713412" y="402165"/>
+              <a:ext cx="6055253" cy="6053670"/>
+            </a:xfrm>
+            <a:prstGeom prst="rect">
+              <a:avLst/>
+            </a:prstGeom>
+            <a:solidFill>
+              <a:schemeClr val="bg1"/>
+            </a:solidFill>
+            <a:ln>
+              <a:noFill/>
+            </a:ln>
+            <a:effectLst/>
+          </p:spPr>
+          <p:style>
+            <a:lnRef idx="1">
+              <a:schemeClr val="accent1"/>
+            </a:lnRef>
+            <a:fillRef idx="3">
+              <a:schemeClr val="accent1"/>
+            </a:fillRef>
+            <a:effectRef idx="2">
+              <a:schemeClr val="accent1"/>
+            </a:effectRef>
+            <a:fontRef idx="minor">
+              <a:schemeClr val="lt1"/>
+            </a:fontRef>
+          </p:style>
+        </p:sp>
+        <p:sp>
+          <p:nvSpPr>
+            <p:cNvPr id="15" name="Freeform 5">
+              <a:extLst>
+                <a:ext uri="{FF2B5EF4-FFF2-40B4-BE49-F238E27FC236}">
+                  <a16:creationId xmlns:a16="http://schemas.microsoft.com/office/drawing/2014/main" id="{A1DA6C95-40F8-4305-89F6-17F6167C0BF2}"/>
+                </a:ext>
+                <a:ext uri="{C183D7F6-B498-43B3-948B-1728B52AA6E4}">
+                  <adec:decorative xmlns:adec="http://schemas.microsoft.com/office/drawing/2017/decorative" val="1"/>
+                </a:ext>
+              </a:extLst>
+            </p:cNvPr>
+            <p:cNvSpPr/>
+            <p:nvPr>
+              <p:extLst>
+                <p:ext uri="{386F3935-93C4-4BCD-93E2-E3B085C9AB24}">
+                  <p16:designElem xmlns:p16="http://schemas.microsoft.com/office/powerpoint/2015/main" val="1"/>
+                </p:ext>
+              </p:extLst>
+            </p:nvPr>
+          </p:nvSpPr>
+          <p:spPr bwMode="gray">
+            <a:xfrm rot="15922489">
+              <a:off x="3140485" y="1826078"/>
+              <a:ext cx="3299407" cy="440924"/>
+            </a:xfrm>
+            <a:custGeom>
+              <a:avLst/>
+              <a:gdLst/>
+              <a:ahLst/>
+              <a:cxnLst/>
+              <a:rect l="l" t="t" r="r" b="b"/>
+              <a:pathLst>
+                <a:path w="10000" h="5291">
+                  <a:moveTo>
+                    <a:pt x="85" y="2532"/>
+                  </a:moveTo>
+                  <a:cubicBezTo>
+                    <a:pt x="1736" y="3911"/>
+                    <a:pt x="7524" y="5298"/>
+                    <a:pt x="9958" y="5291"/>
+                  </a:cubicBezTo>
+                  <a:cubicBezTo>
+                    <a:pt x="9989" y="1958"/>
+                    <a:pt x="9969" y="3333"/>
+                    <a:pt x="10000" y="0"/>
+                  </a:cubicBezTo>
+                  <a:lnTo>
+                    <a:pt x="10000" y="0"/>
+                  </a:lnTo>
+                  <a:lnTo>
+                    <a:pt x="9667" y="204"/>
+                  </a:lnTo>
+                  <a:lnTo>
+                    <a:pt x="9334" y="400"/>
+                  </a:lnTo>
+                  <a:lnTo>
+                    <a:pt x="9001" y="590"/>
+                  </a:lnTo>
+                  <a:lnTo>
+                    <a:pt x="8667" y="753"/>
+                  </a:lnTo>
+                  <a:lnTo>
+                    <a:pt x="8333" y="917"/>
+                  </a:lnTo>
+                  <a:lnTo>
+                    <a:pt x="7999" y="1071"/>
+                  </a:lnTo>
+                  <a:lnTo>
+                    <a:pt x="7669" y="1202"/>
+                  </a:lnTo>
+                  <a:lnTo>
+                    <a:pt x="7333" y="1325"/>
+                  </a:lnTo>
+                  <a:lnTo>
+                    <a:pt x="7000" y="1440"/>
+                  </a:lnTo>
+                  <a:lnTo>
+                    <a:pt x="6673" y="1538"/>
+                  </a:lnTo>
+                  <a:lnTo>
+                    <a:pt x="6340" y="1636"/>
+                  </a:lnTo>
+                  <a:lnTo>
+                    <a:pt x="6013" y="1719"/>
+                  </a:lnTo>
+                  <a:lnTo>
+                    <a:pt x="5686" y="1784"/>
+                  </a:lnTo>
+                  <a:lnTo>
+                    <a:pt x="5359" y="1850"/>
+                  </a:lnTo>
+                  <a:lnTo>
+                    <a:pt x="5036" y="1906"/>
+                  </a:lnTo>
+                  <a:lnTo>
+                    <a:pt x="4717" y="1948"/>
+                  </a:lnTo>
+                  <a:lnTo>
+                    <a:pt x="4396" y="1980"/>
+                  </a:lnTo>
+                  <a:lnTo>
+                    <a:pt x="4079" y="2013"/>
+                  </a:lnTo>
+                  <a:lnTo>
+                    <a:pt x="3766" y="2029"/>
+                  </a:lnTo>
+                  <a:lnTo>
+                    <a:pt x="3454" y="2046"/>
+                  </a:lnTo>
+                  <a:lnTo>
+                    <a:pt x="3145" y="2053"/>
+                  </a:lnTo>
+                  <a:lnTo>
+                    <a:pt x="2839" y="2046"/>
+                  </a:lnTo>
+                  <a:lnTo>
+                    <a:pt x="2537" y="2046"/>
+                  </a:lnTo>
+                  <a:lnTo>
+                    <a:pt x="2238" y="2029"/>
+                  </a:lnTo>
+                  <a:lnTo>
+                    <a:pt x="1943" y="2004"/>
+                  </a:lnTo>
+                  <a:lnTo>
+                    <a:pt x="1653" y="1980"/>
+                  </a:lnTo>
+                  <a:lnTo>
+                    <a:pt x="1368" y="1955"/>
+                  </a:lnTo>
+                  <a:lnTo>
+                    <a:pt x="1085" y="1915"/>
+                  </a:lnTo>
+                  <a:lnTo>
+                    <a:pt x="806" y="1873"/>
+                  </a:lnTo>
+                  <a:lnTo>
+                    <a:pt x="533" y="1833"/>
+                  </a:lnTo>
+                  <a:lnTo>
+                    <a:pt x="0" y="1726"/>
+                  </a:lnTo>
+                  <a:cubicBezTo>
+                    <a:pt x="28" y="1995"/>
+                    <a:pt x="57" y="2263"/>
+                    <a:pt x="85" y="2532"/>
+                  </a:cubicBezTo>
+                  <a:close/>
+                </a:path>
+              </a:pathLst>
+            </a:custGeom>
+            <a:solidFill>
+              <a:schemeClr val="bg1">
+                <a:alpha val="20000"/>
+              </a:schemeClr>
+            </a:solidFill>
+            <a:ln>
+              <a:noFill/>
+            </a:ln>
+          </p:spPr>
+        </p:sp>
+        <p:sp>
+          <p:nvSpPr>
+            <p:cNvPr id="16" name="Freeform 5">
+              <a:extLst>
+                <a:ext uri="{FF2B5EF4-FFF2-40B4-BE49-F238E27FC236}">
+                  <a16:creationId xmlns:a16="http://schemas.microsoft.com/office/drawing/2014/main" id="{A2FA2D29-AEEE-4FFA-B233-94FBE84C9B41}"/>
+                </a:ext>
+                <a:ext uri="{C183D7F6-B498-43B3-948B-1728B52AA6E4}">
+                  <adec:decorative xmlns:adec="http://schemas.microsoft.com/office/drawing/2017/decorative" val="1"/>
+                </a:ext>
+              </a:extLst>
+            </p:cNvPr>
+            <p:cNvSpPr/>
+            <p:nvPr>
+              <p:extLst>
+                <p:ext uri="{386F3935-93C4-4BCD-93E2-E3B085C9AB24}">
+                  <p16:designElem xmlns:p16="http://schemas.microsoft.com/office/powerpoint/2015/main" val="1"/>
+                </p:ext>
+              </p:extLst>
+            </p:nvPr>
+          </p:nvSpPr>
+          <p:spPr bwMode="gray">
+            <a:xfrm rot="16200000">
+              <a:off x="2229377" y="2801721"/>
+              <a:ext cx="6053670" cy="1254558"/>
+            </a:xfrm>
+            <a:custGeom>
+              <a:avLst/>
+              <a:gdLst/>
+              <a:ahLst/>
+              <a:cxnLst/>
+              <a:rect l="l" t="t" r="r" b="b"/>
+              <a:pathLst>
+                <a:path w="10000" h="8000">
+                  <a:moveTo>
+                    <a:pt x="0" y="0"/>
+                  </a:moveTo>
+                  <a:lnTo>
+                    <a:pt x="0" y="7970"/>
+                  </a:lnTo>
+                  <a:lnTo>
+                    <a:pt x="10000" y="8000"/>
+                  </a:lnTo>
+                  <a:lnTo>
+                    <a:pt x="10000" y="7"/>
+                  </a:lnTo>
+                  <a:lnTo>
+                    <a:pt x="10000" y="7"/>
+                  </a:lnTo>
+                  <a:lnTo>
+                    <a:pt x="9773" y="156"/>
+                  </a:lnTo>
+                  <a:lnTo>
+                    <a:pt x="9547" y="298"/>
+                  </a:lnTo>
+                  <a:lnTo>
+                    <a:pt x="9320" y="437"/>
+                  </a:lnTo>
+                  <a:lnTo>
+                    <a:pt x="9092" y="556"/>
+                  </a:lnTo>
+                  <a:lnTo>
+                    <a:pt x="8865" y="676"/>
+                  </a:lnTo>
+                  <a:lnTo>
+                    <a:pt x="8637" y="788"/>
+                  </a:lnTo>
+                  <a:lnTo>
+                    <a:pt x="8412" y="884"/>
+                  </a:lnTo>
+                  <a:lnTo>
+                    <a:pt x="8184" y="975"/>
+                  </a:lnTo>
+                  <a:lnTo>
+                    <a:pt x="7957" y="1058"/>
+                  </a:lnTo>
+                  <a:lnTo>
+                    <a:pt x="7734" y="1130"/>
+                  </a:lnTo>
+                  <a:lnTo>
+                    <a:pt x="7508" y="1202"/>
+                  </a:lnTo>
+                  <a:lnTo>
+                    <a:pt x="7285" y="1262"/>
+                  </a:lnTo>
+                  <a:lnTo>
+                    <a:pt x="7062" y="1309"/>
+                  </a:lnTo>
+                  <a:lnTo>
+                    <a:pt x="6840" y="1358"/>
+                  </a:lnTo>
+                  <a:lnTo>
+                    <a:pt x="6620" y="1399"/>
+                  </a:lnTo>
+                  <a:lnTo>
+                    <a:pt x="6402" y="1428"/>
+                  </a:lnTo>
+                  <a:lnTo>
+                    <a:pt x="6184" y="1453"/>
+                  </a:lnTo>
+                  <a:lnTo>
+                    <a:pt x="5968" y="1477"/>
+                  </a:lnTo>
+                  <a:lnTo>
+                    <a:pt x="5755" y="1488"/>
+                  </a:lnTo>
+                  <a:lnTo>
+                    <a:pt x="5542" y="1500"/>
+                  </a:lnTo>
+                  <a:lnTo>
+                    <a:pt x="5332" y="1506"/>
+                  </a:lnTo>
+                  <a:lnTo>
+                    <a:pt x="5124" y="1500"/>
+                  </a:lnTo>
+                  <a:lnTo>
+                    <a:pt x="4918" y="1500"/>
+                  </a:lnTo>
+                  <a:lnTo>
+                    <a:pt x="4714" y="1488"/>
+                  </a:lnTo>
+                  <a:lnTo>
+                    <a:pt x="4514" y="1470"/>
+                  </a:lnTo>
+                  <a:lnTo>
+                    <a:pt x="4316" y="1453"/>
+                  </a:lnTo>
+                  <a:lnTo>
+                    <a:pt x="4122" y="1434"/>
+                  </a:lnTo>
+                  <a:lnTo>
+                    <a:pt x="3929" y="1405"/>
+                  </a:lnTo>
+                  <a:lnTo>
+                    <a:pt x="3739" y="1374"/>
+                  </a:lnTo>
+                  <a:lnTo>
+                    <a:pt x="3553" y="1346"/>
+                  </a:lnTo>
+                  <a:lnTo>
+                    <a:pt x="3190" y="1267"/>
+                  </a:lnTo>
+                  <a:lnTo>
+                    <a:pt x="2842" y="1183"/>
+                  </a:lnTo>
+                  <a:lnTo>
+                    <a:pt x="2508" y="1095"/>
+                  </a:lnTo>
+                  <a:lnTo>
+                    <a:pt x="2192" y="998"/>
+                  </a:lnTo>
+                  <a:lnTo>
+                    <a:pt x="1890" y="897"/>
+                  </a:lnTo>
+                  <a:lnTo>
+                    <a:pt x="1610" y="788"/>
+                  </a:lnTo>
+                  <a:lnTo>
+                    <a:pt x="1347" y="681"/>
+                  </a:lnTo>
+                  <a:lnTo>
+                    <a:pt x="1105" y="574"/>
+                  </a:lnTo>
+                  <a:lnTo>
+                    <a:pt x="883" y="473"/>
+                  </a:lnTo>
+                  <a:lnTo>
+                    <a:pt x="686" y="377"/>
+                  </a:lnTo>
+                  <a:lnTo>
+                    <a:pt x="508" y="286"/>
+                  </a:lnTo>
+                  <a:lnTo>
+                    <a:pt x="358" y="210"/>
+                  </a:lnTo>
+                  <a:lnTo>
+                    <a:pt x="232" y="138"/>
+                  </a:lnTo>
+                  <a:lnTo>
+                    <a:pt x="59" y="35"/>
+                  </a:lnTo>
+                  <a:lnTo>
+                    <a:pt x="0" y="0"/>
+                  </a:lnTo>
+                  <a:lnTo>
+                    <a:pt x="0" y="0"/>
+                  </a:lnTo>
+                  <a:close/>
+                </a:path>
+              </a:pathLst>
+            </a:custGeom>
+            <a:solidFill>
+              <a:schemeClr val="bg1"/>
+            </a:solidFill>
+            <a:ln>
+              <a:noFill/>
+            </a:ln>
+          </p:spPr>
+        </p:sp>
+        <p:sp>
+          <p:nvSpPr>
+            <p:cNvPr id="17" name="Freeform 5">
+              <a:extLst>
+                <a:ext uri="{FF2B5EF4-FFF2-40B4-BE49-F238E27FC236}">
+                  <a16:creationId xmlns:a16="http://schemas.microsoft.com/office/drawing/2014/main" id="{6DA5143E-FA8E-4EC1-99F7-35AE5AD4E377}"/>
+                </a:ext>
+                <a:ext uri="{C183D7F6-B498-43B3-948B-1728B52AA6E4}">
+                  <adec:decorative xmlns:adec="http://schemas.microsoft.com/office/drawing/2017/decorative" val="1"/>
+                </a:ext>
+              </a:extLst>
+            </p:cNvPr>
+            <p:cNvSpPr>
+              <a:spLocks noEditPoints="1"/>
+            </p:cNvSpPr>
+            <p:nvPr>
+              <p:extLst>
+                <p:ext uri="{386F3935-93C4-4BCD-93E2-E3B085C9AB24}">
+                  <p16:designElem xmlns:p16="http://schemas.microsoft.com/office/powerpoint/2015/main" val="1"/>
+                </p:ext>
+              </p:extLst>
+            </p:nvPr>
+          </p:nvSpPr>
+          <p:spPr bwMode="gray">
+            <a:xfrm>
+              <a:off x="0" y="1587"/>
+              <a:ext cx="12192000" cy="6856413"/>
+            </a:xfrm>
+            <a:custGeom>
+              <a:avLst/>
+              <a:gdLst/>
+              <a:ahLst/>
+              <a:cxnLst/>
+              <a:rect l="0" t="0" r="r" b="b"/>
+              <a:pathLst>
+                <a:path w="15356" h="8638">
+                  <a:moveTo>
+                    <a:pt x="0" y="0"/>
+                  </a:moveTo>
+                  <a:lnTo>
+                    <a:pt x="0" y="8638"/>
+                  </a:lnTo>
+                  <a:lnTo>
+                    <a:pt x="15356" y="8638"/>
+                  </a:lnTo>
+                  <a:lnTo>
+                    <a:pt x="15356" y="0"/>
+                  </a:lnTo>
+                  <a:lnTo>
+                    <a:pt x="0" y="0"/>
+                  </a:lnTo>
+                  <a:close/>
+                  <a:moveTo>
+                    <a:pt x="14748" y="8038"/>
+                  </a:moveTo>
+                  <a:lnTo>
+                    <a:pt x="600" y="8038"/>
+                  </a:lnTo>
+                  <a:lnTo>
+                    <a:pt x="600" y="592"/>
+                  </a:lnTo>
+                  <a:lnTo>
+                    <a:pt x="14748" y="592"/>
+                  </a:lnTo>
+                  <a:lnTo>
+                    <a:pt x="14748" y="8038"/>
+                  </a:lnTo>
+                  <a:close/>
+                </a:path>
+              </a:pathLst>
+            </a:custGeom>
+            <a:solidFill>
+              <a:schemeClr val="bg1"/>
+            </a:solidFill>
+            <a:ln>
+              <a:noFill/>
+            </a:ln>
+          </p:spPr>
+        </p:sp>
+      </p:grpSp>
+      <p:sp>
+        <p:nvSpPr>
+          <p:cNvPr id="2" name="Título 1">
+            <a:extLst>
+              <a:ext uri="{FF2B5EF4-FFF2-40B4-BE49-F238E27FC236}">
+                <a16:creationId xmlns:a16="http://schemas.microsoft.com/office/drawing/2014/main" id="{A2D8E587-F82E-44C9-9361-A57B12C7DA5E}"/>
+              </a:ext>
+            </a:extLst>
+          </p:cNvPr>
+          <p:cNvSpPr>
+            <a:spLocks noGrp="1"/>
+          </p:cNvSpPr>
+          <p:nvPr>
+            <p:ph type="title"/>
+          </p:nvPr>
+        </p:nvSpPr>
+        <p:spPr>
+          <a:xfrm>
+            <a:off x="1154955" y="973667"/>
+            <a:ext cx="2942210" cy="4833745"/>
+          </a:xfrm>
+        </p:spPr>
+        <p:txBody>
+          <a:bodyPr>
+            <a:normAutofit/>
+          </a:bodyPr>
+          <a:lstStyle/>
+          <a:p>
+            <a:r>
+              <a:rPr lang="es-ES_tradnl" b="1">
+                <a:solidFill>
+                  <a:srgbClr val="EBEBEB"/>
+                </a:solidFill>
+              </a:rPr>
+              <a:t>sintaxis de JavaScript</a:t>
+            </a:r>
+            <a:r>
+              <a:rPr lang="es-ES_tradnl">
+                <a:solidFill>
+                  <a:srgbClr val="EBEBEB"/>
+                </a:solidFill>
+              </a:rPr>
+              <a:t> </a:t>
+            </a:r>
+            <a:endParaRPr lang="es-EC">
+              <a:solidFill>
+                <a:srgbClr val="EBEBEB"/>
+              </a:solidFill>
+            </a:endParaRPr>
+          </a:p>
+        </p:txBody>
+      </p:sp>
+      <p:sp>
+        <p:nvSpPr>
+          <p:cNvPr id="19" name="Rectangle 18">
+            <a:extLst>
+              <a:ext uri="{FF2B5EF4-FFF2-40B4-BE49-F238E27FC236}">
+                <a16:creationId xmlns:a16="http://schemas.microsoft.com/office/drawing/2014/main" id="{CC28BCC9-4093-4FD5-83EB-7EC297F51396}"/>
+              </a:ext>
+              <a:ext uri="{C183D7F6-B498-43B3-948B-1728B52AA6E4}">
+                <adec:decorative xmlns:adec="http://schemas.microsoft.com/office/drawing/2017/decorative" val="1"/>
+              </a:ext>
+            </a:extLst>
+          </p:cNvPr>
+          <p:cNvSpPr>
+            <a:spLocks noGrp="1" noRot="1" noChangeAspect="1" noMove="1" noResize="1" noEditPoints="1" noAdjustHandles="1" noChangeArrowheads="1" noChangeShapeType="1" noTextEdit="1"/>
+          </p:cNvSpPr>
+          <p:nvPr>
+            <p:extLst>
+              <p:ext uri="{386F3935-93C4-4BCD-93E2-E3B085C9AB24}">
+                <p16:designElem xmlns:p16="http://schemas.microsoft.com/office/powerpoint/2015/main" val="1"/>
+              </p:ext>
+            </p:extLst>
+          </p:nvPr>
+        </p:nvSpPr>
+        <p:spPr>
+          <a:xfrm>
+            <a:off x="10437812" y="0"/>
+            <a:ext cx="685800" cy="1143000"/>
+          </a:xfrm>
+          <a:prstGeom prst="rect">
+            <a:avLst/>
+          </a:prstGeom>
+          <a:solidFill>
+            <a:schemeClr val="accent1"/>
+          </a:solidFill>
+          <a:ln>
+            <a:noFill/>
+          </a:ln>
+        </p:spPr>
+        <p:style>
+          <a:lnRef idx="1">
+            <a:schemeClr val="accent1"/>
+          </a:lnRef>
+          <a:fillRef idx="3">
+            <a:schemeClr val="accent1"/>
+          </a:fillRef>
+          <a:effectRef idx="2">
+            <a:schemeClr val="accent1"/>
+          </a:effectRef>
+          <a:fontRef idx="minor">
+            <a:schemeClr val="lt1"/>
+          </a:fontRef>
+        </p:style>
+      </p:sp>
+      <p:graphicFrame>
+        <p:nvGraphicFramePr>
+          <p:cNvPr id="5" name="Marcador de contenido 2">
+            <a:extLst>
+              <a:ext uri="{FF2B5EF4-FFF2-40B4-BE49-F238E27FC236}">
+                <a16:creationId xmlns:a16="http://schemas.microsoft.com/office/drawing/2014/main" id="{63FBC071-B888-487D-BF9D-82396C576F81}"/>
+              </a:ext>
+            </a:extLst>
+          </p:cNvPr>
+          <p:cNvGraphicFramePr>
+            <a:graphicFrameLocks noGrp="1"/>
+          </p:cNvGraphicFramePr>
+          <p:nvPr>
+            <p:ph idx="1"/>
+            <p:extLst>
+              <p:ext uri="{D42A27DB-BD31-4B8C-83A1-F6EECF244321}">
+                <p14:modId xmlns:p14="http://schemas.microsoft.com/office/powerpoint/2010/main" val="1515532322"/>
+              </p:ext>
+            </p:extLst>
+          </p:nvPr>
+        </p:nvGraphicFramePr>
+        <p:xfrm>
+          <a:off x="5194300" y="808038"/>
+          <a:ext cx="6391275" cy="5246687"/>
+        </p:xfrm>
+        <a:graphic>
+          <a:graphicData uri="http://schemas.openxmlformats.org/drawingml/2006/diagram">
+            <dgm:relIds xmlns:dgm="http://schemas.openxmlformats.org/drawingml/2006/diagram" xmlns:r="http://schemas.openxmlformats.org/officeDocument/2006/relationships" r:dm="rId3" r:lo="rId4" r:qs="rId5" r:cs="rId6"/>
+          </a:graphicData>
+        </a:graphic>
+      </p:graphicFrame>
+    </p:spTree>
+    <p:extLst>
+      <p:ext uri="{BB962C8B-B14F-4D97-AF65-F5344CB8AC3E}">
+        <p14:creationId xmlns:p14="http://schemas.microsoft.com/office/powerpoint/2010/main" val="3216552065"/>
+      </p:ext>
+    </p:extLst>
+  </p:cSld>
+  <p:clrMapOvr>
+    <a:masterClrMapping/>
+  </p:clrMapOvr>
+</p:sld>
+</file>
+
+<file path=ppt/slides/slide11.xml><?xml version="1.0" encoding="utf-8"?>
+<p:sld xmlns:a="http://schemas.openxmlformats.org/drawingml/2006/main" xmlns:r="http://schemas.openxmlformats.org/officeDocument/2006/relationships" xmlns:p="http://schemas.openxmlformats.org/presentationml/2006/main">
+  <p:cSld>
+    <p:spTree>
+      <p:nvGrpSpPr>
+        <p:cNvPr id="1" name=""/>
+        <p:cNvGrpSpPr/>
+        <p:nvPr/>
+      </p:nvGrpSpPr>
+      <p:grpSpPr>
+        <a:xfrm>
+          <a:off x="0" y="0"/>
+          <a:ext cx="0" cy="0"/>
+          <a:chOff x="0" y="0"/>
+          <a:chExt cx="0" cy="0"/>
+        </a:xfrm>
+      </p:grpSpPr>
+      <p:sp>
+        <p:nvSpPr>
+          <p:cNvPr id="2" name="Título 1">
+            <a:extLst>
+              <a:ext uri="{FF2B5EF4-FFF2-40B4-BE49-F238E27FC236}">
+                <a16:creationId xmlns:a16="http://schemas.microsoft.com/office/drawing/2014/main" id="{B09D658D-350C-4BE6-A415-2315F995D619}"/>
+              </a:ext>
+            </a:extLst>
+          </p:cNvPr>
+          <p:cNvSpPr>
+            <a:spLocks noGrp="1"/>
+          </p:cNvSpPr>
+          <p:nvPr>
+            <p:ph type="title"/>
+          </p:nvPr>
+        </p:nvSpPr>
+        <p:spPr>
+          <a:xfrm>
+            <a:off x="1323765" y="678246"/>
+            <a:ext cx="8761413" cy="1094283"/>
+          </a:xfrm>
+        </p:spPr>
+        <p:txBody>
+          <a:bodyPr/>
+          <a:lstStyle/>
+          <a:p>
+            <a:pPr algn="ctr"/>
+            <a:r>
+              <a:rPr lang="es-EC" dirty="0"/>
+              <a:t>Ejemplo de variables, arreglos, funciones y bucles en JavaScript</a:t>
+            </a:r>
+          </a:p>
+        </p:txBody>
+      </p:sp>
+      <p:pic>
+        <p:nvPicPr>
+          <p:cNvPr id="7" name="Imagen 6">
+            <a:extLst>
+              <a:ext uri="{FF2B5EF4-FFF2-40B4-BE49-F238E27FC236}">
+                <a16:creationId xmlns:a16="http://schemas.microsoft.com/office/drawing/2014/main" id="{00C06ED5-E687-4342-8417-CA57E17A46FB}"/>
+              </a:ext>
+            </a:extLst>
+          </p:cNvPr>
+          <p:cNvPicPr>
+            <a:picLocks noChangeAspect="1"/>
+          </p:cNvPicPr>
+          <p:nvPr/>
+        </p:nvPicPr>
+        <p:blipFill>
+          <a:blip r:embed="rId2"/>
+          <a:stretch>
+            <a:fillRect/>
+          </a:stretch>
+        </p:blipFill>
+        <p:spPr>
+          <a:xfrm>
+            <a:off x="6350701" y="2421176"/>
+            <a:ext cx="5399027" cy="4436824"/>
+          </a:xfrm>
+          <a:prstGeom prst="rect">
+            <a:avLst/>
+          </a:prstGeom>
+        </p:spPr>
+      </p:pic>
+      <p:pic>
+        <p:nvPicPr>
+          <p:cNvPr id="8" name="Imagen 7">
+            <a:extLst>
+              <a:ext uri="{FF2B5EF4-FFF2-40B4-BE49-F238E27FC236}">
+                <a16:creationId xmlns:a16="http://schemas.microsoft.com/office/drawing/2014/main" id="{AD4906D5-4F08-4637-AD94-F57AD8FC9504}"/>
+              </a:ext>
+            </a:extLst>
+          </p:cNvPr>
+          <p:cNvPicPr>
+            <a:picLocks noChangeAspect="1"/>
+          </p:cNvPicPr>
+          <p:nvPr/>
+        </p:nvPicPr>
+        <p:blipFill>
+          <a:blip r:embed="rId3"/>
+          <a:stretch>
+            <a:fillRect/>
+          </a:stretch>
+        </p:blipFill>
+        <p:spPr>
+          <a:xfrm>
+            <a:off x="976845" y="2421176"/>
+            <a:ext cx="4531628" cy="4436824"/>
+          </a:xfrm>
+          <a:prstGeom prst="rect">
+            <a:avLst/>
+          </a:prstGeom>
+        </p:spPr>
+      </p:pic>
+    </p:spTree>
+    <p:extLst>
+      <p:ext uri="{BB962C8B-B14F-4D97-AF65-F5344CB8AC3E}">
+        <p14:creationId xmlns:p14="http://schemas.microsoft.com/office/powerpoint/2010/main" val="537713242"/>
       </p:ext>
     </p:extLst>
   </p:cSld>
@@ -17624,14 +18176,6 @@
 <file path=ppt/slides/slide4.xml><?xml version="1.0" encoding="utf-8"?>
 <p:sld xmlns:a="http://schemas.openxmlformats.org/drawingml/2006/main" xmlns:r="http://schemas.openxmlformats.org/officeDocument/2006/relationships" xmlns:p="http://schemas.openxmlformats.org/presentationml/2006/main">
   <p:cSld>
-    <p:bg>
-      <p:bgPr>
-        <a:solidFill>
-          <a:schemeClr val="bg1"/>
-        </a:solidFill>
-        <a:effectLst/>
-      </p:bgPr>
-    </p:bg>
     <p:spTree>
       <p:nvGrpSpPr>
         <p:cNvPr id="1" name=""/>
@@ -17651,7 +18195,7 @@
           <p:cNvPr id="2" name="Título 1">
             <a:extLst>
               <a:ext uri="{FF2B5EF4-FFF2-40B4-BE49-F238E27FC236}">
-                <a16:creationId xmlns:a16="http://schemas.microsoft.com/office/drawing/2014/main" id="{A2D8E587-F82E-44C9-9361-A57B12C7DA5E}"/>
+                <a16:creationId xmlns:a16="http://schemas.microsoft.com/office/drawing/2014/main" id="{628A7DE5-A1BF-4947-BBF5-2EFBB01E29F2}"/>
               </a:ext>
             </a:extLst>
           </p:cNvPr>
@@ -17659,115 +18203,51 @@
             <a:spLocks noGrp="1"/>
           </p:cNvSpPr>
           <p:nvPr>
-            <p:ph type="title"/>
+            <p:ph type="ctrTitle"/>
           </p:nvPr>
         </p:nvSpPr>
-        <p:spPr>
-          <a:xfrm>
-            <a:off x="1154955" y="973667"/>
-            <a:ext cx="2942210" cy="4833745"/>
-          </a:xfrm>
-        </p:spPr>
+        <p:spPr/>
         <p:txBody>
-          <a:bodyPr>
-            <a:normAutofit/>
-          </a:bodyPr>
+          <a:bodyPr/>
           <a:lstStyle/>
           <a:p>
-            <a:pPr algn="ctr"/>
             <a:r>
-              <a:rPr lang="es-ES_tradnl" b="1" dirty="0">
-                <a:solidFill>
-                  <a:schemeClr val="accent6">
-                    <a:lumMod val="50000"/>
-                  </a:schemeClr>
-                </a:solidFill>
-              </a:rPr>
-              <a:t>Sintaxis de JavaScript</a:t>
+              <a:rPr lang="es-ES" dirty="0"/>
+              <a:t>JAVASCRIPT</a:t>
             </a:r>
-            <a:br>
-              <a:rPr lang="es-ES_tradnl" b="1" dirty="0">
-                <a:solidFill>
-                  <a:schemeClr val="accent6">
-                    <a:lumMod val="50000"/>
-                  </a:schemeClr>
-                </a:solidFill>
-              </a:rPr>
-            </a:br>
-            <a:br>
-              <a:rPr lang="es-ES_tradnl" b="1" dirty="0">
-                <a:solidFill>
-                  <a:schemeClr val="accent6">
-                    <a:lumMod val="50000"/>
-                  </a:schemeClr>
-                </a:solidFill>
-              </a:rPr>
-            </a:br>
-            <a:r>
-              <a:rPr lang="es-ES_tradnl" sz="2800" b="1" dirty="0">
-                <a:solidFill>
-                  <a:schemeClr val="accent4">
-                    <a:lumMod val="50000"/>
-                  </a:schemeClr>
-                </a:solidFill>
-              </a:rPr>
-              <a:t>Normas</a:t>
-            </a:r>
-            <a:r>
-              <a:rPr lang="es-ES_tradnl" dirty="0">
-                <a:solidFill>
-                  <a:schemeClr val="accent6">
-                    <a:lumMod val="50000"/>
-                  </a:schemeClr>
-                </a:solidFill>
-              </a:rPr>
-              <a:t> </a:t>
-            </a:r>
-            <a:endParaRPr lang="es-EC" dirty="0">
-              <a:solidFill>
-                <a:schemeClr val="accent6">
-                  <a:lumMod val="50000"/>
-                </a:schemeClr>
-              </a:solidFill>
-            </a:endParaRPr>
+            <a:endParaRPr lang="es-EC" dirty="0"/>
           </a:p>
         </p:txBody>
       </p:sp>
-      <p:graphicFrame>
-        <p:nvGraphicFramePr>
-          <p:cNvPr id="5" name="Marcador de contenido 2">
+      <p:sp>
+        <p:nvSpPr>
+          <p:cNvPr id="3" name="Subtítulo 2">
             <a:extLst>
               <a:ext uri="{FF2B5EF4-FFF2-40B4-BE49-F238E27FC236}">
-                <a16:creationId xmlns:a16="http://schemas.microsoft.com/office/drawing/2014/main" id="{63FBC071-B888-487D-BF9D-82396C576F81}"/>
+                <a16:creationId xmlns:a16="http://schemas.microsoft.com/office/drawing/2014/main" id="{20349A7E-4E16-43AD-AE9E-D67211348513}"/>
               </a:ext>
             </a:extLst>
           </p:cNvPr>
-          <p:cNvGraphicFramePr>
-            <a:graphicFrameLocks noGrp="1"/>
-          </p:cNvGraphicFramePr>
+          <p:cNvSpPr>
+            <a:spLocks noGrp="1"/>
+          </p:cNvSpPr>
           <p:nvPr>
-            <p:ph idx="1"/>
-            <p:extLst>
-              <p:ext uri="{D42A27DB-BD31-4B8C-83A1-F6EECF244321}">
-                <p14:modId xmlns:p14="http://schemas.microsoft.com/office/powerpoint/2010/main" val="2494739659"/>
-              </p:ext>
-            </p:extLst>
+            <p:ph type="subTitle" idx="1"/>
           </p:nvPr>
-        </p:nvGraphicFramePr>
-        <p:xfrm>
-          <a:off x="5194300" y="808038"/>
-          <a:ext cx="6391275" cy="5246687"/>
-        </p:xfrm>
-        <a:graphic>
-          <a:graphicData uri="http://schemas.openxmlformats.org/drawingml/2006/diagram">
-            <dgm:relIds xmlns:dgm="http://schemas.openxmlformats.org/drawingml/2006/diagram" xmlns:r="http://schemas.openxmlformats.org/officeDocument/2006/relationships" r:dm="rId2" r:lo="rId3" r:qs="rId4" r:cs="rId5"/>
-          </a:graphicData>
-        </a:graphic>
-      </p:graphicFrame>
+        </p:nvSpPr>
+        <p:spPr/>
+        <p:txBody>
+          <a:bodyPr/>
+          <a:lstStyle/>
+          <a:p>
+            <a:endParaRPr lang="es-EC"/>
+          </a:p>
+        </p:txBody>
+      </p:sp>
     </p:spTree>
     <p:extLst>
       <p:ext uri="{BB962C8B-B14F-4D97-AF65-F5344CB8AC3E}">
-        <p14:creationId xmlns:p14="http://schemas.microsoft.com/office/powerpoint/2010/main" val="3216552065"/>
+        <p14:creationId xmlns:p14="http://schemas.microsoft.com/office/powerpoint/2010/main" val="2307621685"/>
       </p:ext>
     </p:extLst>
   </p:cSld>
@@ -17799,7 +18279,7 @@
           <p:cNvPr id="2" name="Título 1">
             <a:extLst>
               <a:ext uri="{FF2B5EF4-FFF2-40B4-BE49-F238E27FC236}">
-                <a16:creationId xmlns:a16="http://schemas.microsoft.com/office/drawing/2014/main" id="{B09D658D-350C-4BE6-A415-2315F995D619}"/>
+                <a16:creationId xmlns:a16="http://schemas.microsoft.com/office/drawing/2014/main" id="{5506DDE3-C986-478F-ABC1-DD0D7F5C887E}"/>
               </a:ext>
             </a:extLst>
           </p:cNvPr>
@@ -17810,88 +18290,60 @@
             <p:ph type="title"/>
           </p:nvPr>
         </p:nvSpPr>
-        <p:spPr>
-          <a:xfrm>
-            <a:off x="1323765" y="678246"/>
-            <a:ext cx="8761413" cy="1094283"/>
-          </a:xfrm>
-        </p:spPr>
+        <p:spPr/>
         <p:txBody>
           <a:bodyPr/>
           <a:lstStyle/>
           <a:p>
-            <a:pPr algn="ctr"/>
             <a:r>
-              <a:rPr lang="es-EC" dirty="0"/>
-              <a:t>Ejemplo de variables, arreglos, funciones y bucles en JavaScript</a:t>
+              <a:rPr lang="es-ES" dirty="0"/>
+              <a:t>¿Qué es JavaScript?</a:t>
             </a:r>
+            <a:endParaRPr lang="es-EC" dirty="0"/>
           </a:p>
         </p:txBody>
       </p:sp>
-      <p:pic>
-        <p:nvPicPr>
-          <p:cNvPr id="7" name="Imagen 6">
+      <p:sp>
+        <p:nvSpPr>
+          <p:cNvPr id="3" name="Marcador de contenido 2">
             <a:extLst>
               <a:ext uri="{FF2B5EF4-FFF2-40B4-BE49-F238E27FC236}">
-                <a16:creationId xmlns:a16="http://schemas.microsoft.com/office/drawing/2014/main" id="{00C06ED5-E687-4342-8417-CA57E17A46FB}"/>
+                <a16:creationId xmlns:a16="http://schemas.microsoft.com/office/drawing/2014/main" id="{08761DA5-8E2E-4FFC-B9DD-37A2953E2932}"/>
               </a:ext>
             </a:extLst>
           </p:cNvPr>
-          <p:cNvPicPr>
-            <a:picLocks noChangeAspect="1"/>
-          </p:cNvPicPr>
-          <p:nvPr/>
-        </p:nvPicPr>
-        <p:blipFill>
-          <a:blip r:embed="rId2"/>
-          <a:stretch>
-            <a:fillRect/>
-          </a:stretch>
-        </p:blipFill>
-        <p:spPr>
-          <a:xfrm>
-            <a:off x="6350701" y="2421176"/>
-            <a:ext cx="5399027" cy="4436824"/>
-          </a:xfrm>
-          <a:prstGeom prst="rect">
-            <a:avLst/>
-          </a:prstGeom>
-        </p:spPr>
-      </p:pic>
-      <p:pic>
-        <p:nvPicPr>
-          <p:cNvPr id="8" name="Imagen 7">
-            <a:extLst>
-              <a:ext uri="{FF2B5EF4-FFF2-40B4-BE49-F238E27FC236}">
-                <a16:creationId xmlns:a16="http://schemas.microsoft.com/office/drawing/2014/main" id="{AD4906D5-4F08-4637-AD94-F57AD8FC9504}"/>
-              </a:ext>
-            </a:extLst>
-          </p:cNvPr>
-          <p:cNvPicPr>
-            <a:picLocks noChangeAspect="1"/>
-          </p:cNvPicPr>
-          <p:nvPr/>
-        </p:nvPicPr>
-        <p:blipFill>
-          <a:blip r:embed="rId3"/>
-          <a:stretch>
-            <a:fillRect/>
-          </a:stretch>
-        </p:blipFill>
-        <p:spPr>
-          <a:xfrm>
-            <a:off x="976845" y="2421176"/>
-            <a:ext cx="4531628" cy="4436824"/>
-          </a:xfrm>
-          <a:prstGeom prst="rect">
-            <a:avLst/>
-          </a:prstGeom>
-        </p:spPr>
-      </p:pic>
+          <p:cNvSpPr>
+            <a:spLocks noGrp="1"/>
+          </p:cNvSpPr>
+          <p:nvPr>
+            <p:ph idx="1"/>
+          </p:nvPr>
+        </p:nvSpPr>
+        <p:spPr/>
+        <p:txBody>
+          <a:bodyPr>
+            <a:normAutofit fontScale="92500" lnSpcReduction="10000"/>
+          </a:bodyPr>
+          <a:lstStyle/>
+          <a:p>
+            <a:r>
+              <a:rPr lang="es-ES_tradnl" sz="2400" dirty="0"/>
+              <a:t>JavaScript es un lenguaje de programación que te permite realizar actividades complejas en una página web, cada vez más una página web hace más cosas que sólo mostrar información estática, como mostrar actualizaciones de contenido en el momento, interactuar con mapas, animaciones gráficas 2D/3D etc. puedes estar seguro de que JavaScript está involucrado. Es la tercera capa del conjunto de los estándares en las tecnologías para la web, dos de las cuales son (HTML y CSS), de los cuales ya hablamos anteriormente.</a:t>
+            </a:r>
+            <a:endParaRPr lang="es-EC" sz="2400" dirty="0"/>
+          </a:p>
+          <a:p>
+            <a:pPr marL="0" indent="0">
+              <a:buNone/>
+            </a:pPr>
+            <a:endParaRPr lang="es-EC" dirty="0"/>
+          </a:p>
+        </p:txBody>
+      </p:sp>
     </p:spTree>
     <p:extLst>
       <p:ext uri="{BB962C8B-B14F-4D97-AF65-F5344CB8AC3E}">
-        <p14:creationId xmlns:p14="http://schemas.microsoft.com/office/powerpoint/2010/main" val="537713242"/>
+        <p14:creationId xmlns:p14="http://schemas.microsoft.com/office/powerpoint/2010/main" val="2791146760"/>
       </p:ext>
     </p:extLst>
   </p:cSld>
@@ -17923,7 +18375,7 @@
           <p:cNvPr id="2" name="Título 1">
             <a:extLst>
               <a:ext uri="{FF2B5EF4-FFF2-40B4-BE49-F238E27FC236}">
-                <a16:creationId xmlns:a16="http://schemas.microsoft.com/office/drawing/2014/main" id="{9F01200F-3936-466B-B23F-E0E87C1F3BAA}"/>
+                <a16:creationId xmlns:a16="http://schemas.microsoft.com/office/drawing/2014/main" id="{E62FE9F8-ABDC-4DB3-BAC7-1ADF46330842}"/>
               </a:ext>
             </a:extLst>
           </p:cNvPr>
@@ -17948,7 +18400,219 @@
           <p:cNvPr id="3" name="Marcador de contenido 2">
             <a:extLst>
               <a:ext uri="{FF2B5EF4-FFF2-40B4-BE49-F238E27FC236}">
-                <a16:creationId xmlns:a16="http://schemas.microsoft.com/office/drawing/2014/main" id="{3FC5823E-66C0-47FD-8A13-CA83FD041A86}"/>
+                <a16:creationId xmlns:a16="http://schemas.microsoft.com/office/drawing/2014/main" id="{C6035F72-2004-4C3E-9B38-0C450BC612D0}"/>
+              </a:ext>
+            </a:extLst>
+          </p:cNvPr>
+          <p:cNvSpPr>
+            <a:spLocks noGrp="1"/>
+          </p:cNvSpPr>
+          <p:nvPr>
+            <p:ph idx="1"/>
+          </p:nvPr>
+        </p:nvSpPr>
+        <p:spPr/>
+        <p:txBody>
+          <a:bodyPr>
+            <a:normAutofit fontScale="92500"/>
+          </a:bodyPr>
+          <a:lstStyle/>
+          <a:p>
+            <a:r>
+              <a:rPr lang="es-ES_tradnl" sz="2400" dirty="0"/>
+              <a:t>Es un lenguaje de programación que te permite crear contenido nuevo y dinámico, controlar archivos de multimedia, crear imágenes animadas y muchas otras cosas más. En definitiva, realizar la programación necesaria en el sitio web.  </a:t>
+            </a:r>
+          </a:p>
+          <a:p>
+            <a:r>
+              <a:rPr lang="es-ES_tradnl" sz="2400" dirty="0"/>
+              <a:t>Hay algo incluso más emocionante, sin embargo, es la funcionalidad construida por encima del núcleo del lenguaje de JavaScript. Llamada Interfaz de programación en aplicaciones - </a:t>
+            </a:r>
+            <a:r>
+              <a:rPr lang="es-ES_tradnl" sz="2400" dirty="0" err="1"/>
+              <a:t>Application</a:t>
+            </a:r>
+            <a:r>
+              <a:rPr lang="es-ES_tradnl" sz="2400" dirty="0"/>
+              <a:t> </a:t>
+            </a:r>
+            <a:r>
+              <a:rPr lang="es-ES_tradnl" sz="2400" dirty="0" err="1"/>
+              <a:t>Programming</a:t>
+            </a:r>
+            <a:r>
+              <a:rPr lang="es-ES_tradnl" sz="2400" dirty="0"/>
+              <a:t> Interfaces (</a:t>
+            </a:r>
+            <a:r>
+              <a:rPr lang="es-ES_tradnl" sz="2400" dirty="0" err="1"/>
+              <a:t>API's</a:t>
+            </a:r>
+            <a:r>
+              <a:rPr lang="es-ES_tradnl" sz="2400" dirty="0"/>
+              <a:t> )</a:t>
+            </a:r>
+            <a:endParaRPr lang="es-EC" sz="2400" dirty="0"/>
+          </a:p>
+          <a:p>
+            <a:endParaRPr lang="es-EC" dirty="0"/>
+          </a:p>
+        </p:txBody>
+      </p:sp>
+    </p:spTree>
+    <p:extLst>
+      <p:ext uri="{BB962C8B-B14F-4D97-AF65-F5344CB8AC3E}">
+        <p14:creationId xmlns:p14="http://schemas.microsoft.com/office/powerpoint/2010/main" val="2412616079"/>
+      </p:ext>
+    </p:extLst>
+  </p:cSld>
+  <p:clrMapOvr>
+    <a:masterClrMapping/>
+  </p:clrMapOvr>
+</p:sld>
+</file>
+
+<file path=ppt/slides/slide7.xml><?xml version="1.0" encoding="utf-8"?>
+<p:sld xmlns:a="http://schemas.openxmlformats.org/drawingml/2006/main" xmlns:r="http://schemas.openxmlformats.org/officeDocument/2006/relationships" xmlns:p="http://schemas.openxmlformats.org/presentationml/2006/main">
+  <p:cSld>
+    <p:spTree>
+      <p:nvGrpSpPr>
+        <p:cNvPr id="1" name=""/>
+        <p:cNvGrpSpPr/>
+        <p:nvPr/>
+      </p:nvGrpSpPr>
+      <p:grpSpPr>
+        <a:xfrm>
+          <a:off x="0" y="0"/>
+          <a:ext cx="0" cy="0"/>
+          <a:chOff x="0" y="0"/>
+          <a:chExt cx="0" cy="0"/>
+        </a:xfrm>
+      </p:grpSpPr>
+      <p:sp>
+        <p:nvSpPr>
+          <p:cNvPr id="2" name="Título 1">
+            <a:extLst>
+              <a:ext uri="{FF2B5EF4-FFF2-40B4-BE49-F238E27FC236}">
+                <a16:creationId xmlns:a16="http://schemas.microsoft.com/office/drawing/2014/main" id="{644AA276-F321-48A7-B528-8BB88409E723}"/>
+              </a:ext>
+            </a:extLst>
+          </p:cNvPr>
+          <p:cNvSpPr>
+            <a:spLocks noGrp="1"/>
+          </p:cNvSpPr>
+          <p:nvPr>
+            <p:ph type="title"/>
+          </p:nvPr>
+        </p:nvSpPr>
+        <p:spPr/>
+        <p:txBody>
+          <a:bodyPr/>
+          <a:lstStyle/>
+          <a:p>
+            <a:endParaRPr lang="es-EC"/>
+          </a:p>
+        </p:txBody>
+      </p:sp>
+      <p:sp>
+        <p:nvSpPr>
+          <p:cNvPr id="3" name="Marcador de contenido 2">
+            <a:extLst>
+              <a:ext uri="{FF2B5EF4-FFF2-40B4-BE49-F238E27FC236}">
+                <a16:creationId xmlns:a16="http://schemas.microsoft.com/office/drawing/2014/main" id="{EE0FA15B-FE26-438A-9549-B9B3B3207806}"/>
+              </a:ext>
+            </a:extLst>
+          </p:cNvPr>
+          <p:cNvSpPr>
+            <a:spLocks noGrp="1"/>
+          </p:cNvSpPr>
+          <p:nvPr>
+            <p:ph idx="1"/>
+          </p:nvPr>
+        </p:nvSpPr>
+        <p:spPr/>
+        <p:txBody>
+          <a:bodyPr>
+            <a:normAutofit lnSpcReduction="10000"/>
+          </a:bodyPr>
+          <a:lstStyle/>
+          <a:p>
+            <a:r>
+              <a:rPr lang="es-ES_tradnl" sz="2000" dirty="0"/>
+              <a:t>Los APIS son inserciones de líneas, incluso bloques gigantes de código listos para usar que permiten a un desarrollador implementarlo a programas que de cualquier otra forma podría ser difícil o incluso imposible de terminar. Así como las herramientas para construir una casa, es lo mismo para las cosas de programación – Es mucho más fácil tomar los paneles que ya estén cortados y atornillarlos para hacer un estante de libros, ya que es más trabajoso diseñarlo por ti mismo, ir y encontrar la madera correcta, cortarla del tamaño correcto y lijarla, buscar los tornillos del tamaño correcto y ensamblarla para hacer un estante de libros.</a:t>
+            </a:r>
+            <a:endParaRPr lang="es-EC" sz="2000" dirty="0"/>
+          </a:p>
+          <a:p>
+            <a:endParaRPr lang="es-EC" dirty="0"/>
+          </a:p>
+        </p:txBody>
+      </p:sp>
+    </p:spTree>
+    <p:extLst>
+      <p:ext uri="{BB962C8B-B14F-4D97-AF65-F5344CB8AC3E}">
+        <p14:creationId xmlns:p14="http://schemas.microsoft.com/office/powerpoint/2010/main" val="3501334443"/>
+      </p:ext>
+    </p:extLst>
+  </p:cSld>
+  <p:clrMapOvr>
+    <a:masterClrMapping/>
+  </p:clrMapOvr>
+</p:sld>
+</file>
+
+<file path=ppt/slides/slide8.xml><?xml version="1.0" encoding="utf-8"?>
+<p:sld xmlns:a="http://schemas.openxmlformats.org/drawingml/2006/main" xmlns:r="http://schemas.openxmlformats.org/officeDocument/2006/relationships" xmlns:p="http://schemas.openxmlformats.org/presentationml/2006/main">
+  <p:cSld>
+    <p:spTree>
+      <p:nvGrpSpPr>
+        <p:cNvPr id="1" name=""/>
+        <p:cNvGrpSpPr/>
+        <p:nvPr/>
+      </p:nvGrpSpPr>
+      <p:grpSpPr>
+        <a:xfrm>
+          <a:off x="0" y="0"/>
+          <a:ext cx="0" cy="0"/>
+          <a:chOff x="0" y="0"/>
+          <a:chExt cx="0" cy="0"/>
+        </a:xfrm>
+      </p:grpSpPr>
+      <p:sp>
+        <p:nvSpPr>
+          <p:cNvPr id="2" name="Título 1">
+            <a:extLst>
+              <a:ext uri="{FF2B5EF4-FFF2-40B4-BE49-F238E27FC236}">
+                <a16:creationId xmlns:a16="http://schemas.microsoft.com/office/drawing/2014/main" id="{1AAFEAC0-FF8C-4984-8797-87AFD540DDC7}"/>
+              </a:ext>
+            </a:extLst>
+          </p:cNvPr>
+          <p:cNvSpPr>
+            <a:spLocks noGrp="1"/>
+          </p:cNvSpPr>
+          <p:nvPr>
+            <p:ph type="title"/>
+          </p:nvPr>
+        </p:nvSpPr>
+        <p:spPr/>
+        <p:txBody>
+          <a:bodyPr/>
+          <a:lstStyle/>
+          <a:p>
+            <a:r>
+              <a:rPr lang="es-ES" dirty="0"/>
+              <a:t>¿Qué hace JavaScript en tu página web? </a:t>
+            </a:r>
+            <a:endParaRPr lang="es-EC" dirty="0"/>
+          </a:p>
+        </p:txBody>
+      </p:sp>
+      <p:sp>
+        <p:nvSpPr>
+          <p:cNvPr id="3" name="Marcador de contenido 2">
+            <a:extLst>
+              <a:ext uri="{FF2B5EF4-FFF2-40B4-BE49-F238E27FC236}">
+                <a16:creationId xmlns:a16="http://schemas.microsoft.com/office/drawing/2014/main" id="{E8B647AB-BF93-441A-9BB9-C64223EF26FE}"/>
               </a:ext>
             </a:extLst>
           </p:cNvPr>
@@ -17964,14 +18628,401 @@
           <a:bodyPr/>
           <a:lstStyle/>
           <a:p>
-            <a:endParaRPr lang="es-EC"/>
+            <a:r>
+              <a:rPr lang="es-ES_tradnl" sz="2000" dirty="0"/>
+              <a:t>Cuando cargas una página Web en tu navegador, tu código (HTML, CSS y JavaScript) es leído dentro de un ambiente de ejecución (pestaña del navegador). Esto es como una fábrica que coge la materia prima (Las líneas de código) y lo presenta como el producto final (la página Web).</a:t>
+            </a:r>
+            <a:endParaRPr lang="es-EC" sz="2000" dirty="0"/>
+          </a:p>
+          <a:p>
+            <a:r>
+              <a:rPr lang="es-ES_tradnl" sz="2000" dirty="0"/>
+              <a:t>El lenguaje JavaScript es ejecutado por el motor del navegador de JavaScript, luego que el código HTML y CSS han sido juntados y congregados dentro de la página Web. Esto asegura que el estilo y la estructura de la página están en su lugar en el momento en que JavaScript comienza a ejecutarse.</a:t>
+            </a:r>
+            <a:endParaRPr lang="es-EC" sz="2000" dirty="0"/>
+          </a:p>
+          <a:p>
+            <a:endParaRPr lang="es-EC" dirty="0"/>
           </a:p>
         </p:txBody>
       </p:sp>
     </p:spTree>
     <p:extLst>
       <p:ext uri="{BB962C8B-B14F-4D97-AF65-F5344CB8AC3E}">
-        <p14:creationId xmlns:p14="http://schemas.microsoft.com/office/powerpoint/2010/main" val="1676188960"/>
+        <p14:creationId xmlns:p14="http://schemas.microsoft.com/office/powerpoint/2010/main" val="1926558029"/>
+      </p:ext>
+    </p:extLst>
+  </p:cSld>
+  <p:clrMapOvr>
+    <a:masterClrMapping/>
+  </p:clrMapOvr>
+</p:sld>
+</file>
+
+<file path=ppt/slides/slide9.xml><?xml version="1.0" encoding="utf-8"?>
+<p:sld xmlns:a="http://schemas.openxmlformats.org/drawingml/2006/main" xmlns:r="http://schemas.openxmlformats.org/officeDocument/2006/relationships" xmlns:p="http://schemas.openxmlformats.org/presentationml/2006/main">
+  <p:cSld>
+    <p:spTree>
+      <p:nvGrpSpPr>
+        <p:cNvPr id="1" name=""/>
+        <p:cNvGrpSpPr/>
+        <p:nvPr/>
+      </p:nvGrpSpPr>
+      <p:grpSpPr>
+        <a:xfrm>
+          <a:off x="0" y="0"/>
+          <a:ext cx="0" cy="0"/>
+          <a:chOff x="0" y="0"/>
+          <a:chExt cx="0" cy="0"/>
+        </a:xfrm>
+      </p:grpSpPr>
+      <p:sp>
+        <p:nvSpPr>
+          <p:cNvPr id="2" name="Título 1">
+            <a:extLst>
+              <a:ext uri="{FF2B5EF4-FFF2-40B4-BE49-F238E27FC236}">
+                <a16:creationId xmlns:a16="http://schemas.microsoft.com/office/drawing/2014/main" id="{95F49695-9578-4477-9CE0-BE95AD260D23}"/>
+              </a:ext>
+            </a:extLst>
+          </p:cNvPr>
+          <p:cNvSpPr>
+            <a:spLocks noGrp="1"/>
+          </p:cNvSpPr>
+          <p:nvPr>
+            <p:ph type="title"/>
+          </p:nvPr>
+        </p:nvSpPr>
+        <p:spPr/>
+        <p:txBody>
+          <a:bodyPr/>
+          <a:lstStyle/>
+          <a:p>
+            <a:r>
+              <a:rPr lang="es-ES" dirty="0"/>
+              <a:t>Orden de ejecución</a:t>
+            </a:r>
+            <a:endParaRPr lang="es-EC" dirty="0"/>
+          </a:p>
+        </p:txBody>
+      </p:sp>
+      <p:sp>
+        <p:nvSpPr>
+          <p:cNvPr id="3" name="Marcador de contenido 2">
+            <a:extLst>
+              <a:ext uri="{FF2B5EF4-FFF2-40B4-BE49-F238E27FC236}">
+                <a16:creationId xmlns:a16="http://schemas.microsoft.com/office/drawing/2014/main" id="{E3C86FB4-5AFE-47A5-8D1F-6E8794207BC0}"/>
+              </a:ext>
+            </a:extLst>
+          </p:cNvPr>
+          <p:cNvSpPr>
+            <a:spLocks noGrp="1"/>
+          </p:cNvSpPr>
+          <p:nvPr>
+            <p:ph idx="1"/>
+          </p:nvPr>
+        </p:nvSpPr>
+        <p:spPr>
+          <a:xfrm>
+            <a:off x="830580" y="2548767"/>
+            <a:ext cx="10515600" cy="1252853"/>
+          </a:xfrm>
+        </p:spPr>
+        <p:txBody>
+          <a:bodyPr/>
+          <a:lstStyle/>
+          <a:p>
+            <a:r>
+              <a:rPr lang="es-ES_tradnl" sz="2000" dirty="0"/>
+              <a:t>Cuando el navegador encuentra un bloque de JavaScript, generalmente lo corre en orden, de arriba hacia abajo. Esto significa que tienes que tener cuidado en qué orden pones las cosas.</a:t>
+            </a:r>
+            <a:endParaRPr lang="es-EC" sz="2000" dirty="0"/>
+          </a:p>
+          <a:p>
+            <a:endParaRPr lang="es-EC" dirty="0"/>
+          </a:p>
+        </p:txBody>
+      </p:sp>
+      <p:sp>
+        <p:nvSpPr>
+          <p:cNvPr id="4" name="Título 1">
+            <a:extLst>
+              <a:ext uri="{FF2B5EF4-FFF2-40B4-BE49-F238E27FC236}">
+                <a16:creationId xmlns:a16="http://schemas.microsoft.com/office/drawing/2014/main" id="{F57FC3CF-FE4A-41A8-BABE-83A69A54CFE3}"/>
+              </a:ext>
+            </a:extLst>
+          </p:cNvPr>
+          <p:cNvSpPr txBox="1">
+            <a:spLocks/>
+          </p:cNvSpPr>
+          <p:nvPr/>
+        </p:nvSpPr>
+        <p:spPr>
+          <a:xfrm>
+            <a:off x="830580" y="3995882"/>
+            <a:ext cx="10515600" cy="759997"/>
+          </a:xfrm>
+          <a:prstGeom prst="rect">
+            <a:avLst/>
+          </a:prstGeom>
+        </p:spPr>
+        <p:txBody>
+          <a:bodyPr vert="horz" lIns="91440" tIns="45720" rIns="91440" bIns="45720" rtlCol="0" anchor="ctr">
+            <a:normAutofit/>
+          </a:bodyPr>
+          <a:lstStyle>
+            <a:lvl1pPr algn="l" defTabSz="914400" rtl="0" eaLnBrk="1" latinLnBrk="0" hangingPunct="1">
+              <a:lnSpc>
+                <a:spcPct val="90000"/>
+              </a:lnSpc>
+              <a:spcBef>
+                <a:spcPct val="0"/>
+              </a:spcBef>
+              <a:buNone/>
+              <a:defRPr sz="4400" kern="1200">
+                <a:solidFill>
+                  <a:schemeClr val="tx1"/>
+                </a:solidFill>
+                <a:latin typeface="+mj-lt"/>
+                <a:ea typeface="+mj-ea"/>
+                <a:cs typeface="+mj-cs"/>
+              </a:defRPr>
+            </a:lvl1pPr>
+          </a:lstStyle>
+          <a:p>
+            <a:r>
+              <a:rPr lang="es-ES" sz="3600" dirty="0"/>
+              <a:t>El Interpretador entre el código compilado</a:t>
+            </a:r>
+            <a:endParaRPr lang="es-EC" sz="3600" dirty="0"/>
+          </a:p>
+        </p:txBody>
+      </p:sp>
+      <p:sp>
+        <p:nvSpPr>
+          <p:cNvPr id="5" name="Marcador de contenido 2">
+            <a:extLst>
+              <a:ext uri="{FF2B5EF4-FFF2-40B4-BE49-F238E27FC236}">
+                <a16:creationId xmlns:a16="http://schemas.microsoft.com/office/drawing/2014/main" id="{74627494-C1B6-46F4-A974-BBBA592E128D}"/>
+              </a:ext>
+            </a:extLst>
+          </p:cNvPr>
+          <p:cNvSpPr txBox="1">
+            <a:spLocks/>
+          </p:cNvSpPr>
+          <p:nvPr/>
+        </p:nvSpPr>
+        <p:spPr>
+          <a:xfrm>
+            <a:off x="845820" y="4950141"/>
+            <a:ext cx="10515600" cy="1907858"/>
+          </a:xfrm>
+          <a:prstGeom prst="rect">
+            <a:avLst/>
+          </a:prstGeom>
+        </p:spPr>
+        <p:txBody>
+          <a:bodyPr vert="horz" lIns="91440" tIns="45720" rIns="91440" bIns="45720" rtlCol="0">
+            <a:normAutofit/>
+          </a:bodyPr>
+          <a:lstStyle>
+            <a:lvl1pPr marL="228600" indent="-228600" algn="l" defTabSz="914400" rtl="0" eaLnBrk="1" latinLnBrk="0" hangingPunct="1">
+              <a:lnSpc>
+                <a:spcPct val="90000"/>
+              </a:lnSpc>
+              <a:spcBef>
+                <a:spcPts val="1000"/>
+              </a:spcBef>
+              <a:buFont typeface="Arial" panose="020B0604020202020204" pitchFamily="34" charset="0"/>
+              <a:buChar char="•"/>
+              <a:defRPr sz="2800" kern="1200">
+                <a:solidFill>
+                  <a:schemeClr val="tx1"/>
+                </a:solidFill>
+                <a:latin typeface="+mn-lt"/>
+                <a:ea typeface="+mn-ea"/>
+                <a:cs typeface="+mn-cs"/>
+              </a:defRPr>
+            </a:lvl1pPr>
+            <a:lvl2pPr marL="685800" indent="-228600" algn="l" defTabSz="914400" rtl="0" eaLnBrk="1" latinLnBrk="0" hangingPunct="1">
+              <a:lnSpc>
+                <a:spcPct val="90000"/>
+              </a:lnSpc>
+              <a:spcBef>
+                <a:spcPts val="500"/>
+              </a:spcBef>
+              <a:buFont typeface="Arial" panose="020B0604020202020204" pitchFamily="34" charset="0"/>
+              <a:buChar char="•"/>
+              <a:defRPr sz="2400" kern="1200">
+                <a:solidFill>
+                  <a:schemeClr val="tx1"/>
+                </a:solidFill>
+                <a:latin typeface="+mn-lt"/>
+                <a:ea typeface="+mn-ea"/>
+                <a:cs typeface="+mn-cs"/>
+              </a:defRPr>
+            </a:lvl2pPr>
+            <a:lvl3pPr marL="1143000" indent="-228600" algn="l" defTabSz="914400" rtl="0" eaLnBrk="1" latinLnBrk="0" hangingPunct="1">
+              <a:lnSpc>
+                <a:spcPct val="90000"/>
+              </a:lnSpc>
+              <a:spcBef>
+                <a:spcPts val="500"/>
+              </a:spcBef>
+              <a:buFont typeface="Arial" panose="020B0604020202020204" pitchFamily="34" charset="0"/>
+              <a:buChar char="•"/>
+              <a:defRPr sz="2000" kern="1200">
+                <a:solidFill>
+                  <a:schemeClr val="tx1"/>
+                </a:solidFill>
+                <a:latin typeface="+mn-lt"/>
+                <a:ea typeface="+mn-ea"/>
+                <a:cs typeface="+mn-cs"/>
+              </a:defRPr>
+            </a:lvl3pPr>
+            <a:lvl4pPr marL="1600200" indent="-228600" algn="l" defTabSz="914400" rtl="0" eaLnBrk="1" latinLnBrk="0" hangingPunct="1">
+              <a:lnSpc>
+                <a:spcPct val="90000"/>
+              </a:lnSpc>
+              <a:spcBef>
+                <a:spcPts val="500"/>
+              </a:spcBef>
+              <a:buFont typeface="Arial" panose="020B0604020202020204" pitchFamily="34" charset="0"/>
+              <a:buChar char="•"/>
+              <a:defRPr sz="1800" kern="1200">
+                <a:solidFill>
+                  <a:schemeClr val="tx1"/>
+                </a:solidFill>
+                <a:latin typeface="+mn-lt"/>
+                <a:ea typeface="+mn-ea"/>
+                <a:cs typeface="+mn-cs"/>
+              </a:defRPr>
+            </a:lvl4pPr>
+            <a:lvl5pPr marL="2057400" indent="-228600" algn="l" defTabSz="914400" rtl="0" eaLnBrk="1" latinLnBrk="0" hangingPunct="1">
+              <a:lnSpc>
+                <a:spcPct val="90000"/>
+              </a:lnSpc>
+              <a:spcBef>
+                <a:spcPts val="500"/>
+              </a:spcBef>
+              <a:buFont typeface="Arial" panose="020B0604020202020204" pitchFamily="34" charset="0"/>
+              <a:buChar char="•"/>
+              <a:defRPr sz="1800" kern="1200">
+                <a:solidFill>
+                  <a:schemeClr val="tx1"/>
+                </a:solidFill>
+                <a:latin typeface="+mn-lt"/>
+                <a:ea typeface="+mn-ea"/>
+                <a:cs typeface="+mn-cs"/>
+              </a:defRPr>
+            </a:lvl5pPr>
+            <a:lvl6pPr marL="2514600" indent="-228600" algn="l" defTabSz="914400" rtl="0" eaLnBrk="1" latinLnBrk="0" hangingPunct="1">
+              <a:lnSpc>
+                <a:spcPct val="90000"/>
+              </a:lnSpc>
+              <a:spcBef>
+                <a:spcPts val="500"/>
+              </a:spcBef>
+              <a:buFont typeface="Arial" panose="020B0604020202020204" pitchFamily="34" charset="0"/>
+              <a:buChar char="•"/>
+              <a:defRPr sz="1800" kern="1200">
+                <a:solidFill>
+                  <a:schemeClr val="tx1"/>
+                </a:solidFill>
+                <a:latin typeface="+mn-lt"/>
+                <a:ea typeface="+mn-ea"/>
+                <a:cs typeface="+mn-cs"/>
+              </a:defRPr>
+            </a:lvl6pPr>
+            <a:lvl7pPr marL="2971800" indent="-228600" algn="l" defTabSz="914400" rtl="0" eaLnBrk="1" latinLnBrk="0" hangingPunct="1">
+              <a:lnSpc>
+                <a:spcPct val="90000"/>
+              </a:lnSpc>
+              <a:spcBef>
+                <a:spcPts val="500"/>
+              </a:spcBef>
+              <a:buFont typeface="Arial" panose="020B0604020202020204" pitchFamily="34" charset="0"/>
+              <a:buChar char="•"/>
+              <a:defRPr sz="1800" kern="1200">
+                <a:solidFill>
+                  <a:schemeClr val="tx1"/>
+                </a:solidFill>
+                <a:latin typeface="+mn-lt"/>
+                <a:ea typeface="+mn-ea"/>
+                <a:cs typeface="+mn-cs"/>
+              </a:defRPr>
+            </a:lvl7pPr>
+            <a:lvl8pPr marL="3429000" indent="-228600" algn="l" defTabSz="914400" rtl="0" eaLnBrk="1" latinLnBrk="0" hangingPunct="1">
+              <a:lnSpc>
+                <a:spcPct val="90000"/>
+              </a:lnSpc>
+              <a:spcBef>
+                <a:spcPts val="500"/>
+              </a:spcBef>
+              <a:buFont typeface="Arial" panose="020B0604020202020204" pitchFamily="34" charset="0"/>
+              <a:buChar char="•"/>
+              <a:defRPr sz="1800" kern="1200">
+                <a:solidFill>
+                  <a:schemeClr val="tx1"/>
+                </a:solidFill>
+                <a:latin typeface="+mn-lt"/>
+                <a:ea typeface="+mn-ea"/>
+                <a:cs typeface="+mn-cs"/>
+              </a:defRPr>
+            </a:lvl8pPr>
+            <a:lvl9pPr marL="3886200" indent="-228600" algn="l" defTabSz="914400" rtl="0" eaLnBrk="1" latinLnBrk="0" hangingPunct="1">
+              <a:lnSpc>
+                <a:spcPct val="90000"/>
+              </a:lnSpc>
+              <a:spcBef>
+                <a:spcPts val="500"/>
+              </a:spcBef>
+              <a:buFont typeface="Arial" panose="020B0604020202020204" pitchFamily="34" charset="0"/>
+              <a:buChar char="•"/>
+              <a:defRPr sz="1800" kern="1200">
+                <a:solidFill>
+                  <a:schemeClr val="tx1"/>
+                </a:solidFill>
+                <a:latin typeface="+mn-lt"/>
+                <a:ea typeface="+mn-ea"/>
+                <a:cs typeface="+mn-cs"/>
+              </a:defRPr>
+            </a:lvl9pPr>
+          </a:lstStyle>
+          <a:p>
+            <a:pPr marL="342900" indent="-342900" defTabSz="457200">
+              <a:buClr>
+                <a:schemeClr val="accent1"/>
+              </a:buClr>
+              <a:buSzPct val="80000"/>
+              <a:buFont typeface="Wingdings 3" charset="2"/>
+              <a:buChar char=""/>
+            </a:pPr>
+            <a:r>
+              <a:rPr lang="es-ES_tradnl" sz="2000" dirty="0">
+                <a:solidFill>
+                  <a:schemeClr val="tx1">
+                    <a:lumMod val="75000"/>
+                    <a:lumOff val="25000"/>
+                  </a:schemeClr>
+                </a:solidFill>
+              </a:rPr>
+              <a:t>Quizás debiste escuchar sobre los términos interpretador y el compilador en contexto de programación, JavaScript es un lenguaje de interpretación – el código se hace funcionar de arriba hacia abajo y el resultado de leerlo de esta manera hace que inmediatamente responda. No tienes que transformar tu código en algo diferente antes de que el navegador lo haga por ti.</a:t>
+            </a:r>
+            <a:endParaRPr lang="es-EC" sz="2000" dirty="0">
+              <a:solidFill>
+                <a:schemeClr val="tx1">
+                  <a:lumMod val="75000"/>
+                  <a:lumOff val="25000"/>
+                </a:schemeClr>
+              </a:solidFill>
+            </a:endParaRPr>
+          </a:p>
+        </p:txBody>
+      </p:sp>
+    </p:spTree>
+    <p:extLst>
+      <p:ext uri="{BB962C8B-B14F-4D97-AF65-F5344CB8AC3E}">
+        <p14:creationId xmlns:p14="http://schemas.microsoft.com/office/powerpoint/2010/main" val="58460103"/>
       </p:ext>
     </p:extLst>
   </p:cSld>
@@ -17992,34 +19043,34 @@
         <a:sysClr val="window" lastClr="FFFFFF"/>
       </a:lt1>
       <a:dk2>
-        <a:srgbClr val="0E5580"/>
+        <a:srgbClr val="3B3059"/>
       </a:dk2>
       <a:lt2>
         <a:srgbClr val="EBEBEB"/>
       </a:lt2>
       <a:accent1>
-        <a:srgbClr val="ACD433"/>
+        <a:srgbClr val="B31166"/>
       </a:accent1>
       <a:accent2>
-        <a:srgbClr val="E6C133"/>
+        <a:srgbClr val="E33D6F"/>
       </a:accent2>
       <a:accent3>
-        <a:srgbClr val="EF7A24"/>
+        <a:srgbClr val="E45F3C"/>
       </a:accent3>
       <a:accent4>
-        <a:srgbClr val="5AA0F5"/>
+        <a:srgbClr val="E9943A"/>
       </a:accent4>
       <a:accent5>
-        <a:srgbClr val="75CEEC"/>
+        <a:srgbClr val="9B6BF2"/>
       </a:accent5>
       <a:accent6>
-        <a:srgbClr val="65D6A0"/>
+        <a:srgbClr val="D53DD0"/>
       </a:accent6>
       <a:hlink>
-        <a:srgbClr val="C4E46E"/>
+        <a:srgbClr val="8F8F8F"/>
       </a:hlink>
       <a:folHlink>
-        <a:srgbClr val="BDE0FB"/>
+        <a:srgbClr val="A5A5A5"/>
       </a:folHlink>
     </a:clrScheme>
     <a:fontScheme name="Sala de reuniones Ion">
@@ -18195,17 +19246,17 @@
           <a:gsLst>
             <a:gs pos="0">
               <a:schemeClr val="phClr">
-                <a:tint val="92000"/>
-                <a:hueMod val="96000"/>
-                <a:satMod val="128000"/>
-                <a:lumMod val="114000"/>
+                <a:tint val="98000"/>
+                <a:hueMod val="124000"/>
+                <a:satMod val="148000"/>
+                <a:lumMod val="124000"/>
               </a:schemeClr>
             </a:gs>
             <a:gs pos="100000">
               <a:schemeClr val="phClr">
-                <a:shade val="62000"/>
-                <a:hueMod val="100000"/>
-                <a:satMod val="134000"/>
+                <a:shade val="76000"/>
+                <a:hueMod val="89000"/>
+                <a:satMod val="164000"/>
                 <a:lumMod val="56000"/>
               </a:schemeClr>
             </a:gs>
@@ -18218,16 +19269,15 @@
           <a:blip xmlns:r="http://schemas.openxmlformats.org/officeDocument/2006/relationships" r:embed="rId1">
             <a:duotone>
               <a:schemeClr val="phClr">
-                <a:shade val="62000"/>
-                <a:hueMod val="108000"/>
+                <a:shade val="69000"/>
+                <a:hueMod val="91000"/>
                 <a:satMod val="164000"/>
-                <a:lumMod val="69000"/>
+                <a:lumMod val="74000"/>
               </a:schemeClr>
               <a:schemeClr val="phClr">
-                <a:tint val="96000"/>
-                <a:hueMod val="90000"/>
-                <a:satMod val="130000"/>
-                <a:lumMod val="134000"/>
+                <a:hueMod val="124000"/>
+                <a:satMod val="140000"/>
+                <a:lumMod val="142000"/>
               </a:schemeClr>
             </a:duotone>
           </a:blip>
@@ -18240,7 +19290,7 @@
   <a:extraClrSchemeLst/>
   <a:extLst>
     <a:ext uri="{05A4C25C-085E-4340-85A3-A5531E510DB2}">
-      <thm15:themeFamily xmlns:thm15="http://schemas.microsoft.com/office/thememl/2012/main" name="Ion Boardroom" id="{FC33163D-4339-46B1-8EED-24C834239D99}" vid="{A3AB87EF-B655-4FFF-8D05-F333AD7F2789}"/>
+      <thm15:themeFamily xmlns:thm15="http://schemas.microsoft.com/office/thememl/2012/main" name="Ion Boardroom" id="{FC33163D-4339-46B1-8EED-24C834239D99}" vid="{B8502691-933B-45FE-8764-BA278511EF27}"/>
     </a:ext>
   </a:extLst>
 </a:theme>

--- a/diapositivas CSS.pptx
+++ b/diapositivas CSS.pptx
@@ -4306,7 +4306,7 @@
           <a:p>
             <a:fld id="{71C85FF8-2AF0-6A4B-B786-86E31EDFDAD3}" type="datetimeFigureOut">
               <a:rPr lang="es-EC" smtClean="0"/>
-              <a:t>29/07/2019</a:t>
+              <a:t>29/7/19</a:t>
             </a:fld>
             <a:endParaRPr lang="es-EC"/>
           </a:p>
@@ -5426,7 +5426,7 @@
           <a:p>
             <a:fld id="{71C85FF8-2AF0-6A4B-B786-86E31EDFDAD3}" type="datetimeFigureOut">
               <a:rPr lang="es-EC" smtClean="0"/>
-              <a:t>29/07/2019</a:t>
+              <a:t>29/7/19</a:t>
             </a:fld>
             <a:endParaRPr lang="es-EC"/>
           </a:p>
@@ -6437,7 +6437,7 @@
           <a:p>
             <a:fld id="{71C85FF8-2AF0-6A4B-B786-86E31EDFDAD3}" type="datetimeFigureOut">
               <a:rPr lang="es-EC" smtClean="0"/>
-              <a:t>29/07/2019</a:t>
+              <a:t>29/7/19</a:t>
             </a:fld>
             <a:endParaRPr lang="es-EC"/>
           </a:p>
@@ -7607,7 +7607,7 @@
           <a:p>
             <a:fld id="{71C85FF8-2AF0-6A4B-B786-86E31EDFDAD3}" type="datetimeFigureOut">
               <a:rPr lang="es-EC" smtClean="0"/>
-              <a:t>29/07/2019</a:t>
+              <a:t>29/7/19</a:t>
             </a:fld>
             <a:endParaRPr lang="es-EC"/>
           </a:p>
@@ -8668,7 +8668,7 @@
           <a:p>
             <a:fld id="{71C85FF8-2AF0-6A4B-B786-86E31EDFDAD3}" type="datetimeFigureOut">
               <a:rPr lang="es-EC" smtClean="0"/>
-              <a:t>29/07/2019</a:t>
+              <a:t>29/7/19</a:t>
             </a:fld>
             <a:endParaRPr lang="es-EC"/>
           </a:p>
@@ -9314,7 +9314,7 @@
           <a:p>
             <a:fld id="{71C85FF8-2AF0-6A4B-B786-86E31EDFDAD3}" type="datetimeFigureOut">
               <a:rPr lang="es-EC" smtClean="0"/>
-              <a:t>29/07/2019</a:t>
+              <a:t>29/7/19</a:t>
             </a:fld>
             <a:endParaRPr lang="es-EC"/>
           </a:p>
@@ -10161,7 +10161,7 @@
           <a:p>
             <a:fld id="{71C85FF8-2AF0-6A4B-B786-86E31EDFDAD3}" type="datetimeFigureOut">
               <a:rPr lang="es-EC" smtClean="0"/>
-              <a:t>29/07/2019</a:t>
+              <a:t>29/7/19</a:t>
             </a:fld>
             <a:endParaRPr lang="es-EC"/>
           </a:p>
@@ -10336,7 +10336,7 @@
           <a:p>
             <a:fld id="{71C85FF8-2AF0-6A4B-B786-86E31EDFDAD3}" type="datetimeFigureOut">
               <a:rPr lang="es-EC" smtClean="0"/>
-              <a:t>29/07/2019</a:t>
+              <a:t>29/7/19</a:t>
             </a:fld>
             <a:endParaRPr lang="es-EC"/>
           </a:p>
@@ -11334,7 +11334,7 @@
           <a:p>
             <a:fld id="{71C85FF8-2AF0-6A4B-B786-86E31EDFDAD3}" type="datetimeFigureOut">
               <a:rPr lang="es-EC" smtClean="0"/>
-              <a:t>29/07/2019</a:t>
+              <a:t>29/7/19</a:t>
             </a:fld>
             <a:endParaRPr lang="es-EC"/>
           </a:p>
@@ -11540,7 +11540,7 @@
           <a:p>
             <a:fld id="{71C85FF8-2AF0-6A4B-B786-86E31EDFDAD3}" type="datetimeFigureOut">
               <a:rPr lang="es-EC" smtClean="0"/>
-              <a:t>29/07/2019</a:t>
+              <a:t>29/7/19</a:t>
             </a:fld>
             <a:endParaRPr lang="es-EC"/>
           </a:p>
@@ -12602,7 +12602,7 @@
           <a:p>
             <a:fld id="{71C85FF8-2AF0-6A4B-B786-86E31EDFDAD3}" type="datetimeFigureOut">
               <a:rPr lang="es-EC" smtClean="0"/>
-              <a:t>29/07/2019</a:t>
+              <a:t>29/7/19</a:t>
             </a:fld>
             <a:endParaRPr lang="es-EC"/>
           </a:p>
@@ -12874,7 +12874,7 @@
           <a:p>
             <a:fld id="{71C85FF8-2AF0-6A4B-B786-86E31EDFDAD3}" type="datetimeFigureOut">
               <a:rPr lang="es-EC" smtClean="0"/>
-              <a:t>29/07/2019</a:t>
+              <a:t>29/7/19</a:t>
             </a:fld>
             <a:endParaRPr lang="es-EC"/>
           </a:p>
@@ -13256,7 +13256,7 @@
           <a:p>
             <a:fld id="{71C85FF8-2AF0-6A4B-B786-86E31EDFDAD3}" type="datetimeFigureOut">
               <a:rPr lang="es-EC" smtClean="0"/>
-              <a:t>29/07/2019</a:t>
+              <a:t>29/7/19</a:t>
             </a:fld>
             <a:endParaRPr lang="es-EC"/>
           </a:p>
@@ -13374,7 +13374,7 @@
           <a:p>
             <a:fld id="{71C85FF8-2AF0-6A4B-B786-86E31EDFDAD3}" type="datetimeFigureOut">
               <a:rPr lang="es-EC" smtClean="0"/>
-              <a:t>29/07/2019</a:t>
+              <a:t>29/7/19</a:t>
             </a:fld>
             <a:endParaRPr lang="es-EC"/>
           </a:p>
@@ -13469,7 +13469,7 @@
           <a:p>
             <a:fld id="{71C85FF8-2AF0-6A4B-B786-86E31EDFDAD3}" type="datetimeFigureOut">
               <a:rPr lang="es-EC" smtClean="0"/>
-              <a:t>29/07/2019</a:t>
+              <a:t>29/7/19</a:t>
             </a:fld>
             <a:endParaRPr lang="es-EC"/>
           </a:p>
@@ -14578,7 +14578,7 @@
           <a:p>
             <a:fld id="{71C85FF8-2AF0-6A4B-B786-86E31EDFDAD3}" type="datetimeFigureOut">
               <a:rPr lang="es-EC" smtClean="0"/>
-              <a:t>29/07/2019</a:t>
+              <a:t>29/7/19</a:t>
             </a:fld>
             <a:endParaRPr lang="es-EC"/>
           </a:p>
@@ -15711,7 +15711,7 @@
           <a:p>
             <a:fld id="{71C85FF8-2AF0-6A4B-B786-86E31EDFDAD3}" type="datetimeFigureOut">
               <a:rPr lang="es-EC" smtClean="0"/>
-              <a:t>29/07/2019</a:t>
+              <a:t>29/7/19</a:t>
             </a:fld>
             <a:endParaRPr lang="es-EC"/>
           </a:p>
@@ -16739,7 +16739,7 @@
           <a:p>
             <a:fld id="{71C85FF8-2AF0-6A4B-B786-86E31EDFDAD3}" type="datetimeFigureOut">
               <a:rPr lang="es-EC" smtClean="0"/>
-              <a:t>29/07/2019</a:t>
+              <a:t>29/7/19</a:t>
             </a:fld>
             <a:endParaRPr lang="es-EC"/>
           </a:p>
@@ -17606,6 +17606,45 @@
               <a:t>Hojas de estilo en cascada .</a:t>
             </a:r>
           </a:p>
+          <a:p>
+            <a:r>
+              <a:rPr lang="es-ES_tradnl" b="1" dirty="0"/>
+              <a:t>Ventajas </a:t>
+            </a:r>
+          </a:p>
+          <a:p>
+            <a:r>
+              <a:rPr lang="es-ES_tradnl" dirty="0"/>
+              <a:t>Mejora la consistencia visual</a:t>
+            </a:r>
+            <a:endParaRPr lang="es-EC" dirty="0"/>
+          </a:p>
+          <a:p>
+            <a:pPr lvl="0"/>
+            <a:r>
+              <a:rPr lang="es-ES_tradnl" dirty="0"/>
+              <a:t>Reduce el tamaño del archivo HTML </a:t>
+            </a:r>
+          </a:p>
+          <a:p>
+            <a:pPr lvl="0"/>
+            <a:r>
+              <a:rPr lang="es-ES_tradnl" dirty="0"/>
+              <a:t>Sitios </a:t>
+            </a:r>
+            <a:r>
+              <a:rPr lang="es-ES_tradnl"/>
+              <a:t>web más </a:t>
+            </a:r>
+            <a:r>
+              <a:rPr lang="es-ES_tradnl" dirty="0"/>
+              <a:t>fáciles de actualizar y modificar.</a:t>
+            </a:r>
+            <a:endParaRPr lang="es-EC" dirty="0"/>
+          </a:p>
+          <a:p>
+            <a:endParaRPr lang="es-EC" dirty="0"/>
+          </a:p>
         </p:txBody>
       </p:sp>
     </p:spTree>

--- a/diapositivas CSS.pptx
+++ b/diapositivas CSS.pptx
@@ -17630,15 +17630,7 @@
             <a:pPr lvl="0"/>
             <a:r>
               <a:rPr lang="es-ES_tradnl" dirty="0"/>
-              <a:t>Sitios </a:t>
-            </a:r>
-            <a:r>
-              <a:rPr lang="es-ES_tradnl"/>
-              <a:t>web más </a:t>
-            </a:r>
-            <a:r>
-              <a:rPr lang="es-ES_tradnl" dirty="0"/>
-              <a:t>fáciles de actualizar y modificar.</a:t>
+              <a:t>Sitios web más fáciles de actualizar y modificar.</a:t>
             </a:r>
             <a:endParaRPr lang="es-EC" dirty="0"/>
           </a:p>
